--- a/docs/Notes_on_offline_reinforcement_learning.pptx
+++ b/docs/Notes_on_offline_reinforcement_learning.pptx
@@ -6305,6 +6305,2181 @@
           </p:style>
         </p:cxnSp>
       </p:grpSp>
+      <p:grpSp>
+        <p:nvGrpSpPr>
+          <p:cNvPr id="67" name="Group 66">
+            <a:extLst>
+              <a:ext uri="{FF2B5EF4-FFF2-40B4-BE49-F238E27FC236}">
+                <a16:creationId xmlns:a16="http://schemas.microsoft.com/office/drawing/2014/main" id="{05C8D0F5-DE78-509C-75D5-3A6067A44899}"/>
+              </a:ext>
+            </a:extLst>
+          </p:cNvPr>
+          <p:cNvGrpSpPr/>
+          <p:nvPr/>
+        </p:nvGrpSpPr>
+        <p:grpSpPr>
+          <a:xfrm>
+            <a:off x="7693913" y="4827670"/>
+            <a:ext cx="666750" cy="416829"/>
+            <a:chOff x="7639950" y="1867876"/>
+            <a:chExt cx="666750" cy="416829"/>
+          </a:xfrm>
+        </p:grpSpPr>
+        <p:sp>
+          <p:nvSpPr>
+            <p:cNvPr id="81" name="Rounded Rectangle 80">
+              <a:extLst>
+                <a:ext uri="{FF2B5EF4-FFF2-40B4-BE49-F238E27FC236}">
+                  <a16:creationId xmlns:a16="http://schemas.microsoft.com/office/drawing/2014/main" id="{81D05118-9533-7DF0-1314-5A38C1F299BD}"/>
+                </a:ext>
+              </a:extLst>
+            </p:cNvPr>
+            <p:cNvSpPr/>
+            <p:nvPr/>
+          </p:nvSpPr>
+          <p:spPr>
+            <a:xfrm>
+              <a:off x="7639950" y="1867876"/>
+              <a:ext cx="666750" cy="416829"/>
+            </a:xfrm>
+            <a:prstGeom prst="roundRect">
+              <a:avLst/>
+            </a:prstGeom>
+            <a:solidFill>
+              <a:schemeClr val="accent1">
+                <a:alpha val="13783"/>
+              </a:schemeClr>
+            </a:solidFill>
+            <a:ln w="6350"/>
+          </p:spPr>
+          <p:style>
+            <a:lnRef idx="2">
+              <a:schemeClr val="accent1">
+                <a:shade val="15000"/>
+              </a:schemeClr>
+            </a:lnRef>
+            <a:fillRef idx="1">
+              <a:schemeClr val="accent1"/>
+            </a:fillRef>
+            <a:effectRef idx="0">
+              <a:schemeClr val="accent1"/>
+            </a:effectRef>
+            <a:fontRef idx="minor">
+              <a:schemeClr val="lt1"/>
+            </a:fontRef>
+          </p:style>
+          <p:txBody>
+            <a:bodyPr rtlCol="0" anchor="ctr"/>
+            <a:lstStyle/>
+            <a:p>
+              <a:pPr algn="ctr"/>
+              <a:endParaRPr lang="en-US" dirty="0"/>
+            </a:p>
+          </p:txBody>
+        </p:sp>
+        <mc:AlternateContent xmlns:mc="http://schemas.openxmlformats.org/markup-compatibility/2006">
+          <mc:Choice xmlns:a14="http://schemas.microsoft.com/office/drawing/2010/main" Requires="a14">
+            <p:sp>
+              <p:nvSpPr>
+                <p:cNvPr id="80" name="TextBox 79">
+                  <a:extLst>
+                    <a:ext uri="{FF2B5EF4-FFF2-40B4-BE49-F238E27FC236}">
+                      <a16:creationId xmlns:a16="http://schemas.microsoft.com/office/drawing/2014/main" id="{B7741AF2-FFEF-2B19-3C5C-83DE19848CD2}"/>
+                    </a:ext>
+                  </a:extLst>
+                </p:cNvPr>
+                <p:cNvSpPr txBox="1"/>
+                <p:nvPr/>
+              </p:nvSpPr>
+              <p:spPr>
+                <a:xfrm>
+                  <a:off x="7760767" y="1888886"/>
+                  <a:ext cx="425116" cy="369332"/>
+                </a:xfrm>
+                <a:prstGeom prst="rect">
+                  <a:avLst/>
+                </a:prstGeom>
+                <a:noFill/>
+              </p:spPr>
+              <p:txBody>
+                <a:bodyPr wrap="none" rtlCol="0">
+                  <a:spAutoFit/>
+                </a:bodyPr>
+                <a:lstStyle/>
+                <a:p>
+                  <a:r>
+                    <a:rPr lang="en-US" sz="900" dirty="0"/>
+                    <a:t>learn</a:t>
+                  </a:r>
+                </a:p>
+                <a:p>
+                  <a14:m>
+                    <m:oMathPara xmlns:m="http://schemas.openxmlformats.org/officeDocument/2006/math">
+                      <m:oMathParaPr>
+                        <m:jc m:val="centerGroup"/>
+                      </m:oMathParaPr>
+                      <m:oMath xmlns:m="http://schemas.openxmlformats.org/officeDocument/2006/math">
+                        <m:r>
+                          <a:rPr lang="en-US" sz="900" i="1" smtClean="0">
+                            <a:latin typeface="Cambria Math" panose="02040503050406030204" pitchFamily="18" charset="0"/>
+                            <a:ea typeface="Cambria Math" panose="02040503050406030204" pitchFamily="18" charset="0"/>
+                          </a:rPr>
+                          <m:t>𝜋</m:t>
+                        </m:r>
+                      </m:oMath>
+                    </m:oMathPara>
+                  </a14:m>
+                  <a:endParaRPr lang="en-US" sz="900" dirty="0"/>
+                </a:p>
+              </p:txBody>
+            </p:sp>
+          </mc:Choice>
+          <mc:Fallback>
+            <p:sp>
+              <p:nvSpPr>
+                <p:cNvPr id="80" name="TextBox 79">
+                  <a:extLst>
+                    <a:ext uri="{FF2B5EF4-FFF2-40B4-BE49-F238E27FC236}">
+                      <a16:creationId xmlns:a16="http://schemas.microsoft.com/office/drawing/2014/main" id="{B7741AF2-FFEF-2B19-3C5C-83DE19848CD2}"/>
+                    </a:ext>
+                  </a:extLst>
+                </p:cNvPr>
+                <p:cNvSpPr txBox="1">
+                  <a:spLocks noRot="1" noChangeAspect="1" noMove="1" noResize="1" noEditPoints="1" noAdjustHandles="1" noChangeArrowheads="1" noChangeShapeType="1" noTextEdit="1"/>
+                </p:cNvSpPr>
+                <p:nvPr/>
+              </p:nvSpPr>
+              <p:spPr>
+                <a:xfrm>
+                  <a:off x="7760767" y="1888886"/>
+                  <a:ext cx="425116" cy="369332"/>
+                </a:xfrm>
+                <a:prstGeom prst="rect">
+                  <a:avLst/>
+                </a:prstGeom>
+                <a:blipFill>
+                  <a:blip r:embed="rId17"/>
+                  <a:stretch>
+                    <a:fillRect/>
+                  </a:stretch>
+                </a:blipFill>
+              </p:spPr>
+              <p:txBody>
+                <a:bodyPr/>
+                <a:lstStyle/>
+                <a:p>
+                  <a:r>
+                    <a:rPr lang="en-US">
+                      <a:noFill/>
+                    </a:rPr>
+                    <a:t> </a:t>
+                  </a:r>
+                </a:p>
+              </p:txBody>
+            </p:sp>
+          </mc:Fallback>
+        </mc:AlternateContent>
+      </p:grpSp>
+      <p:cxnSp>
+        <p:nvCxnSpPr>
+          <p:cNvPr id="68" name="Elbow Connector 67">
+            <a:extLst>
+              <a:ext uri="{FF2B5EF4-FFF2-40B4-BE49-F238E27FC236}">
+                <a16:creationId xmlns:a16="http://schemas.microsoft.com/office/drawing/2014/main" id="{4350E190-F245-9402-5189-F5A049A5D010}"/>
+              </a:ext>
+            </a:extLst>
+          </p:cNvPr>
+          <p:cNvCxnSpPr>
+            <a:cxnSpLocks/>
+            <a:stCxn id="61" idx="0"/>
+            <a:endCxn id="78" idx="1"/>
+          </p:cNvCxnSpPr>
+          <p:nvPr/>
+        </p:nvCxnSpPr>
+        <p:spPr>
+          <a:xfrm rot="16200000" flipH="1">
+            <a:off x="7171919" y="3527227"/>
+            <a:ext cx="215326" cy="1460488"/>
+          </a:xfrm>
+          <a:prstGeom prst="bentConnector3">
+            <a:avLst>
+              <a:gd name="adj1" fmla="val -106165"/>
+            </a:avLst>
+          </a:prstGeom>
+          <a:ln>
+            <a:tailEnd type="triangle" w="sm" len="sm"/>
+          </a:ln>
+        </p:spPr>
+        <p:style>
+          <a:lnRef idx="1">
+            <a:schemeClr val="accent1"/>
+          </a:lnRef>
+          <a:fillRef idx="0">
+            <a:schemeClr val="accent1"/>
+          </a:fillRef>
+          <a:effectRef idx="0">
+            <a:schemeClr val="accent1"/>
+          </a:effectRef>
+          <a:fontRef idx="minor">
+            <a:schemeClr val="tx1"/>
+          </a:fontRef>
+        </p:style>
+      </p:cxnSp>
+      <mc:AlternateContent xmlns:mc="http://schemas.openxmlformats.org/markup-compatibility/2006">
+        <mc:Choice xmlns:a14="http://schemas.microsoft.com/office/drawing/2010/main" Requires="a14">
+          <p:sp>
+            <p:nvSpPr>
+              <p:cNvPr id="72" name="TextBox 71">
+                <a:extLst>
+                  <a:ext uri="{FF2B5EF4-FFF2-40B4-BE49-F238E27FC236}">
+                    <a16:creationId xmlns:a16="http://schemas.microsoft.com/office/drawing/2014/main" id="{29AB0953-B951-C211-BD8B-4A3958BEC1ED}"/>
+                  </a:ext>
+                </a:extLst>
+              </p:cNvPr>
+              <p:cNvSpPr txBox="1"/>
+              <p:nvPr/>
+            </p:nvSpPr>
+            <p:spPr>
+              <a:xfrm>
+                <a:off x="8450012" y="5969410"/>
+                <a:ext cx="446789" cy="230832"/>
+              </a:xfrm>
+              <a:prstGeom prst="rect">
+                <a:avLst/>
+              </a:prstGeom>
+              <a:noFill/>
+            </p:spPr>
+            <p:txBody>
+              <a:bodyPr wrap="none" rtlCol="0">
+                <a:spAutoFit/>
+              </a:bodyPr>
+              <a:lstStyle/>
+              <a:p>
+                <a14:m>
+                  <m:oMathPara xmlns:m="http://schemas.openxmlformats.org/officeDocument/2006/math">
+                    <m:oMathParaPr>
+                      <m:jc m:val="centerGroup"/>
+                    </m:oMathParaPr>
+                    <m:oMath xmlns:m="http://schemas.openxmlformats.org/officeDocument/2006/math">
+                      <m:sSub>
+                        <m:sSubPr>
+                          <m:ctrlPr>
+                            <a:rPr lang="en-US" sz="900" i="1" smtClean="0">
+                              <a:latin typeface="Cambria Math" panose="02040503050406030204" pitchFamily="18" charset="0"/>
+                            </a:rPr>
+                          </m:ctrlPr>
+                        </m:sSubPr>
+                        <m:e>
+                          <m:r>
+                            <a:rPr lang="en-US" sz="900" i="1" smtClean="0">
+                              <a:latin typeface="Cambria Math" panose="02040503050406030204" pitchFamily="18" charset="0"/>
+                              <a:ea typeface="Cambria Math" panose="02040503050406030204" pitchFamily="18" charset="0"/>
+                            </a:rPr>
+                            <m:t>𝜋</m:t>
+                          </m:r>
+                        </m:e>
+                        <m:sub>
+                          <m:r>
+                            <a:rPr lang="en-US" sz="900" b="0" i="1" smtClean="0">
+                              <a:latin typeface="Cambria Math" panose="02040503050406030204" pitchFamily="18" charset="0"/>
+                            </a:rPr>
+                            <m:t>𝑘</m:t>
+                          </m:r>
+                          <m:r>
+                            <a:rPr lang="en-US" sz="900" b="0" i="1" smtClean="0">
+                              <a:latin typeface="Cambria Math" panose="02040503050406030204" pitchFamily="18" charset="0"/>
+                            </a:rPr>
+                            <m:t>+1</m:t>
+                          </m:r>
+                        </m:sub>
+                      </m:sSub>
+                    </m:oMath>
+                  </m:oMathPara>
+                </a14:m>
+                <a:endParaRPr lang="en-US" sz="900" dirty="0"/>
+              </a:p>
+            </p:txBody>
+          </p:sp>
+        </mc:Choice>
+        <mc:Fallback>
+          <p:sp>
+            <p:nvSpPr>
+              <p:cNvPr id="72" name="TextBox 71">
+                <a:extLst>
+                  <a:ext uri="{FF2B5EF4-FFF2-40B4-BE49-F238E27FC236}">
+                    <a16:creationId xmlns:a16="http://schemas.microsoft.com/office/drawing/2014/main" id="{29AB0953-B951-C211-BD8B-4A3958BEC1ED}"/>
+                  </a:ext>
+                </a:extLst>
+              </p:cNvPr>
+              <p:cNvSpPr txBox="1">
+                <a:spLocks noRot="1" noChangeAspect="1" noMove="1" noResize="1" noEditPoints="1" noAdjustHandles="1" noChangeArrowheads="1" noChangeShapeType="1" noTextEdit="1"/>
+              </p:cNvSpPr>
+              <p:nvPr/>
+            </p:nvSpPr>
+            <p:spPr>
+              <a:xfrm>
+                <a:off x="8450012" y="5969410"/>
+                <a:ext cx="446789" cy="230832"/>
+              </a:xfrm>
+              <a:prstGeom prst="rect">
+                <a:avLst/>
+              </a:prstGeom>
+              <a:blipFill>
+                <a:blip r:embed="rId18"/>
+                <a:stretch>
+                  <a:fillRect/>
+                </a:stretch>
+              </a:blipFill>
+            </p:spPr>
+            <p:txBody>
+              <a:bodyPr/>
+              <a:lstStyle/>
+              <a:p>
+                <a:r>
+                  <a:rPr lang="en-US">
+                    <a:noFill/>
+                  </a:rPr>
+                  <a:t> </a:t>
+                </a:r>
+              </a:p>
+            </p:txBody>
+          </p:sp>
+        </mc:Fallback>
+      </mc:AlternateContent>
+      <p:grpSp>
+        <p:nvGrpSpPr>
+          <p:cNvPr id="82" name="Group 81">
+            <a:extLst>
+              <a:ext uri="{FF2B5EF4-FFF2-40B4-BE49-F238E27FC236}">
+                <a16:creationId xmlns:a16="http://schemas.microsoft.com/office/drawing/2014/main" id="{ECCD8AD8-4E01-7508-C086-F8BF38C92F15}"/>
+              </a:ext>
+            </a:extLst>
+          </p:cNvPr>
+          <p:cNvGrpSpPr/>
+          <p:nvPr/>
+        </p:nvGrpSpPr>
+        <p:grpSpPr>
+          <a:xfrm>
+            <a:off x="5652400" y="4149808"/>
+            <a:ext cx="1793875" cy="1369799"/>
+            <a:chOff x="5652400" y="4149808"/>
+            <a:chExt cx="1793875" cy="1369799"/>
+          </a:xfrm>
+        </p:grpSpPr>
+        <p:sp>
+          <p:nvSpPr>
+            <p:cNvPr id="61" name="Rounded Rectangle 60">
+              <a:extLst>
+                <a:ext uri="{FF2B5EF4-FFF2-40B4-BE49-F238E27FC236}">
+                  <a16:creationId xmlns:a16="http://schemas.microsoft.com/office/drawing/2014/main" id="{3A134D3F-5CB7-9426-6CE7-1B1CDE67F12F}"/>
+                </a:ext>
+              </a:extLst>
+            </p:cNvPr>
+            <p:cNvSpPr/>
+            <p:nvPr/>
+          </p:nvSpPr>
+          <p:spPr>
+            <a:xfrm>
+              <a:off x="5652400" y="4149808"/>
+              <a:ext cx="1793875" cy="1355725"/>
+            </a:xfrm>
+            <a:prstGeom prst="roundRect">
+              <a:avLst/>
+            </a:prstGeom>
+            <a:solidFill>
+              <a:schemeClr val="accent1">
+                <a:alpha val="3250"/>
+              </a:schemeClr>
+            </a:solidFill>
+            <a:ln w="6350"/>
+          </p:spPr>
+          <p:style>
+            <a:lnRef idx="2">
+              <a:schemeClr val="accent1">
+                <a:shade val="15000"/>
+              </a:schemeClr>
+            </a:lnRef>
+            <a:fillRef idx="1">
+              <a:schemeClr val="accent1"/>
+            </a:fillRef>
+            <a:effectRef idx="0">
+              <a:schemeClr val="accent1"/>
+            </a:effectRef>
+            <a:fontRef idx="minor">
+              <a:schemeClr val="lt1"/>
+            </a:fontRef>
+          </p:style>
+          <p:txBody>
+            <a:bodyPr rtlCol="0" anchor="ctr"/>
+            <a:lstStyle/>
+            <a:p>
+              <a:pPr algn="ctr"/>
+              <a:endParaRPr lang="en-US" sz="900" dirty="0"/>
+            </a:p>
+          </p:txBody>
+        </p:sp>
+        <p:sp>
+          <p:nvSpPr>
+            <p:cNvPr id="62" name="Rectangle 61">
+              <a:extLst>
+                <a:ext uri="{FF2B5EF4-FFF2-40B4-BE49-F238E27FC236}">
+                  <a16:creationId xmlns:a16="http://schemas.microsoft.com/office/drawing/2014/main" id="{51D701EF-EF02-14F8-6F66-FEB49E9E8C99}"/>
+                </a:ext>
+              </a:extLst>
+            </p:cNvPr>
+            <p:cNvSpPr/>
+            <p:nvPr/>
+          </p:nvSpPr>
+          <p:spPr>
+            <a:xfrm>
+              <a:off x="5798449" y="4575258"/>
+              <a:ext cx="1041401" cy="469900"/>
+            </a:xfrm>
+            <a:prstGeom prst="rect">
+              <a:avLst/>
+            </a:prstGeom>
+            <a:solidFill>
+              <a:schemeClr val="accent1">
+                <a:alpha val="18000"/>
+              </a:schemeClr>
+            </a:solidFill>
+            <a:ln w="6350"/>
+          </p:spPr>
+          <p:style>
+            <a:lnRef idx="2">
+              <a:schemeClr val="accent1">
+                <a:shade val="15000"/>
+              </a:schemeClr>
+            </a:lnRef>
+            <a:fillRef idx="1">
+              <a:schemeClr val="accent1"/>
+            </a:fillRef>
+            <a:effectRef idx="0">
+              <a:schemeClr val="accent1"/>
+            </a:effectRef>
+            <a:fontRef idx="minor">
+              <a:schemeClr val="lt1"/>
+            </a:fontRef>
+          </p:style>
+          <p:txBody>
+            <a:bodyPr rtlCol="0" anchor="ctr"/>
+            <a:lstStyle/>
+            <a:p>
+              <a:pPr algn="ctr"/>
+              <a:endParaRPr lang="en-US"/>
+            </a:p>
+          </p:txBody>
+        </p:sp>
+        <p:sp>
+          <p:nvSpPr>
+            <p:cNvPr id="63" name="TextBox 62">
+              <a:extLst>
+                <a:ext uri="{FF2B5EF4-FFF2-40B4-BE49-F238E27FC236}">
+                  <a16:creationId xmlns:a16="http://schemas.microsoft.com/office/drawing/2014/main" id="{83BFE8C2-C7C1-C79A-6AD3-C9A5D91B9B76}"/>
+                </a:ext>
+              </a:extLst>
+            </p:cNvPr>
+            <p:cNvSpPr txBox="1"/>
+            <p:nvPr/>
+          </p:nvSpPr>
+          <p:spPr>
+            <a:xfrm>
+              <a:off x="5933841" y="4681402"/>
+              <a:ext cx="793807" cy="230832"/>
+            </a:xfrm>
+            <a:prstGeom prst="rect">
+              <a:avLst/>
+            </a:prstGeom>
+            <a:noFill/>
+          </p:spPr>
+          <p:txBody>
+            <a:bodyPr wrap="none" rtlCol="0">
+              <a:spAutoFit/>
+            </a:bodyPr>
+            <a:lstStyle/>
+            <a:p>
+              <a:r>
+                <a:rPr lang="en-US" sz="900" dirty="0"/>
+                <a:t>Environment</a:t>
+              </a:r>
+            </a:p>
+          </p:txBody>
+        </p:sp>
+        <p:cxnSp>
+          <p:nvCxnSpPr>
+            <p:cNvPr id="64" name="Elbow Connector 63">
+              <a:extLst>
+                <a:ext uri="{FF2B5EF4-FFF2-40B4-BE49-F238E27FC236}">
+                  <a16:creationId xmlns:a16="http://schemas.microsoft.com/office/drawing/2014/main" id="{E5D9E8BA-6037-29E7-97AA-E525D8119709}"/>
+                </a:ext>
+              </a:extLst>
+            </p:cNvPr>
+            <p:cNvCxnSpPr>
+              <a:cxnSpLocks/>
+              <a:stCxn id="62" idx="0"/>
+            </p:cNvCxnSpPr>
+            <p:nvPr/>
+          </p:nvCxnSpPr>
+          <p:spPr>
+            <a:xfrm rot="16200000" flipH="1">
+              <a:off x="6705817" y="4188591"/>
+              <a:ext cx="106144" cy="879478"/>
+            </a:xfrm>
+            <a:prstGeom prst="bentConnector4">
+              <a:avLst>
+                <a:gd name="adj1" fmla="val -215368"/>
+                <a:gd name="adj2" fmla="val 100181"/>
+              </a:avLst>
+            </a:prstGeom>
+            <a:ln>
+              <a:tailEnd type="triangle" w="sm" len="sm"/>
+            </a:ln>
+          </p:spPr>
+          <p:style>
+            <a:lnRef idx="1">
+              <a:schemeClr val="accent1"/>
+            </a:lnRef>
+            <a:fillRef idx="0">
+              <a:schemeClr val="accent1"/>
+            </a:fillRef>
+            <a:effectRef idx="0">
+              <a:schemeClr val="accent1"/>
+            </a:effectRef>
+            <a:fontRef idx="minor">
+              <a:schemeClr val="tx1"/>
+            </a:fontRef>
+          </p:style>
+        </p:cxnSp>
+        <mc:AlternateContent xmlns:mc="http://schemas.openxmlformats.org/markup-compatibility/2006">
+          <mc:Choice xmlns:a14="http://schemas.microsoft.com/office/drawing/2010/main" Requires="a14">
+            <p:sp>
+              <p:nvSpPr>
+                <p:cNvPr id="65" name="TextBox 64">
+                  <a:extLst>
+                    <a:ext uri="{FF2B5EF4-FFF2-40B4-BE49-F238E27FC236}">
+                      <a16:creationId xmlns:a16="http://schemas.microsoft.com/office/drawing/2014/main" id="{F5722B91-9BB5-2575-7C64-B0E8AEA18B61}"/>
+                    </a:ext>
+                  </a:extLst>
+                </p:cNvPr>
+                <p:cNvSpPr txBox="1"/>
+                <p:nvPr/>
+              </p:nvSpPr>
+              <p:spPr>
+                <a:xfrm>
+                  <a:off x="7035523" y="4670973"/>
+                  <a:ext cx="338554" cy="243080"/>
+                </a:xfrm>
+                <a:prstGeom prst="rect">
+                  <a:avLst/>
+                </a:prstGeom>
+                <a:noFill/>
+              </p:spPr>
+              <p:txBody>
+                <a:bodyPr wrap="none" rtlCol="0">
+                  <a:spAutoFit/>
+                </a:bodyPr>
+                <a:lstStyle/>
+                <a:p>
+                  <a14:m>
+                    <m:oMathPara xmlns:m="http://schemas.openxmlformats.org/officeDocument/2006/math">
+                      <m:oMathParaPr>
+                        <m:jc m:val="centerGroup"/>
+                      </m:oMathParaPr>
+                      <m:oMath xmlns:m="http://schemas.openxmlformats.org/officeDocument/2006/math">
+                        <m:sSub>
+                          <m:sSubPr>
+                            <m:ctrlPr>
+                              <a:rPr lang="en-US" sz="900" i="1" smtClean="0">
+                                <a:latin typeface="Cambria Math" panose="02040503050406030204" pitchFamily="18" charset="0"/>
+                              </a:rPr>
+                            </m:ctrlPr>
+                          </m:sSubPr>
+                          <m:e>
+                            <m:r>
+                              <a:rPr lang="en-US" sz="900" i="1" smtClean="0">
+                                <a:latin typeface="Cambria Math" panose="02040503050406030204" pitchFamily="18" charset="0"/>
+                                <a:ea typeface="Cambria Math" panose="02040503050406030204" pitchFamily="18" charset="0"/>
+                              </a:rPr>
+                              <m:t>𝜋</m:t>
+                            </m:r>
+                          </m:e>
+                          <m:sub>
+                            <m:r>
+                              <a:rPr lang="en-US" sz="900" i="1" smtClean="0">
+                                <a:latin typeface="Cambria Math" panose="02040503050406030204" pitchFamily="18" charset="0"/>
+                                <a:ea typeface="Cambria Math" panose="02040503050406030204" pitchFamily="18" charset="0"/>
+                              </a:rPr>
+                              <m:t>𝛽</m:t>
+                            </m:r>
+                          </m:sub>
+                        </m:sSub>
+                      </m:oMath>
+                    </m:oMathPara>
+                  </a14:m>
+                  <a:endParaRPr lang="en-US" sz="900" dirty="0"/>
+                </a:p>
+              </p:txBody>
+            </p:sp>
+          </mc:Choice>
+          <mc:Fallback>
+            <p:sp>
+              <p:nvSpPr>
+                <p:cNvPr id="65" name="TextBox 64">
+                  <a:extLst>
+                    <a:ext uri="{FF2B5EF4-FFF2-40B4-BE49-F238E27FC236}">
+                      <a16:creationId xmlns:a16="http://schemas.microsoft.com/office/drawing/2014/main" id="{F5722B91-9BB5-2575-7C64-B0E8AEA18B61}"/>
+                    </a:ext>
+                  </a:extLst>
+                </p:cNvPr>
+                <p:cNvSpPr txBox="1">
+                  <a:spLocks noRot="1" noChangeAspect="1" noMove="1" noResize="1" noEditPoints="1" noAdjustHandles="1" noChangeArrowheads="1" noChangeShapeType="1" noTextEdit="1"/>
+                </p:cNvSpPr>
+                <p:nvPr/>
+              </p:nvSpPr>
+              <p:spPr>
+                <a:xfrm>
+                  <a:off x="7035523" y="4670973"/>
+                  <a:ext cx="338554" cy="243080"/>
+                </a:xfrm>
+                <a:prstGeom prst="rect">
+                  <a:avLst/>
+                </a:prstGeom>
+                <a:blipFill>
+                  <a:blip r:embed="rId19"/>
+                  <a:stretch>
+                    <a:fillRect b="-5000"/>
+                  </a:stretch>
+                </a:blipFill>
+              </p:spPr>
+              <p:txBody>
+                <a:bodyPr/>
+                <a:lstStyle/>
+                <a:p>
+                  <a:r>
+                    <a:rPr lang="en-US">
+                      <a:noFill/>
+                    </a:rPr>
+                    <a:t> </a:t>
+                  </a:r>
+                </a:p>
+              </p:txBody>
+            </p:sp>
+          </mc:Fallback>
+        </mc:AlternateContent>
+        <p:cxnSp>
+          <p:nvCxnSpPr>
+            <p:cNvPr id="66" name="Elbow Connector 65">
+              <a:extLst>
+                <a:ext uri="{FF2B5EF4-FFF2-40B4-BE49-F238E27FC236}">
+                  <a16:creationId xmlns:a16="http://schemas.microsoft.com/office/drawing/2014/main" id="{D57897C3-45D3-D159-0F7B-86C51D854788}"/>
+                </a:ext>
+              </a:extLst>
+            </p:cNvPr>
+            <p:cNvCxnSpPr>
+              <a:endCxn id="62" idx="2"/>
+            </p:cNvCxnSpPr>
+            <p:nvPr/>
+          </p:nvCxnSpPr>
+          <p:spPr>
+            <a:xfrm rot="10800000" flipV="1">
+              <a:off x="6319150" y="4940382"/>
+              <a:ext cx="879478" cy="104775"/>
+            </a:xfrm>
+            <a:prstGeom prst="bentConnector4">
+              <a:avLst>
+                <a:gd name="adj1" fmla="val -181"/>
+                <a:gd name="adj2" fmla="val 372727"/>
+              </a:avLst>
+            </a:prstGeom>
+            <a:ln>
+              <a:tailEnd type="triangle"/>
+            </a:ln>
+          </p:spPr>
+          <p:style>
+            <a:lnRef idx="1">
+              <a:schemeClr val="accent1"/>
+            </a:lnRef>
+            <a:fillRef idx="0">
+              <a:schemeClr val="accent1"/>
+            </a:fillRef>
+            <a:effectRef idx="0">
+              <a:schemeClr val="accent1"/>
+            </a:effectRef>
+            <a:fontRef idx="minor">
+              <a:schemeClr val="tx1"/>
+            </a:fontRef>
+          </p:style>
+        </p:cxnSp>
+        <mc:AlternateContent xmlns:mc="http://schemas.openxmlformats.org/markup-compatibility/2006">
+          <mc:Choice xmlns:a14="http://schemas.microsoft.com/office/drawing/2010/main" Requires="a14">
+            <p:sp>
+              <p:nvSpPr>
+                <p:cNvPr id="70" name="TextBox 69">
+                  <a:extLst>
+                    <a:ext uri="{FF2B5EF4-FFF2-40B4-BE49-F238E27FC236}">
+                      <a16:creationId xmlns:a16="http://schemas.microsoft.com/office/drawing/2014/main" id="{35389475-A4C2-9328-318D-BFB1516E2399}"/>
+                    </a:ext>
+                  </a:extLst>
+                </p:cNvPr>
+                <p:cNvSpPr txBox="1"/>
+                <p:nvPr/>
+              </p:nvSpPr>
+              <p:spPr>
+                <a:xfrm>
+                  <a:off x="6589020" y="5106851"/>
+                  <a:ext cx="277255" cy="230832"/>
+                </a:xfrm>
+                <a:prstGeom prst="rect">
+                  <a:avLst/>
+                </a:prstGeom>
+                <a:noFill/>
+              </p:spPr>
+              <p:txBody>
+                <a:bodyPr wrap="none" rtlCol="0">
+                  <a:spAutoFit/>
+                </a:bodyPr>
+                <a:lstStyle/>
+                <a:p>
+                  <a14:m>
+                    <m:oMathPara xmlns:m="http://schemas.openxmlformats.org/officeDocument/2006/math">
+                      <m:oMathParaPr>
+                        <m:jc m:val="centerGroup"/>
+                      </m:oMathParaPr>
+                      <m:oMath xmlns:m="http://schemas.openxmlformats.org/officeDocument/2006/math">
+                        <m:r>
+                          <a:rPr lang="en-US" sz="900" i="1" dirty="0" smtClean="0">
+                            <a:latin typeface="Cambria Math" panose="02040503050406030204" pitchFamily="18" charset="0"/>
+                          </a:rPr>
+                          <m:t>𝑎</m:t>
+                        </m:r>
+                      </m:oMath>
+                    </m:oMathPara>
+                  </a14:m>
+                  <a:endParaRPr lang="en-US" sz="900" dirty="0"/>
+                </a:p>
+              </p:txBody>
+            </p:sp>
+          </mc:Choice>
+          <mc:Fallback>
+            <p:sp>
+              <p:nvSpPr>
+                <p:cNvPr id="70" name="TextBox 69">
+                  <a:extLst>
+                    <a:ext uri="{FF2B5EF4-FFF2-40B4-BE49-F238E27FC236}">
+                      <a16:creationId xmlns:a16="http://schemas.microsoft.com/office/drawing/2014/main" id="{35389475-A4C2-9328-318D-BFB1516E2399}"/>
+                    </a:ext>
+                  </a:extLst>
+                </p:cNvPr>
+                <p:cNvSpPr txBox="1">
+                  <a:spLocks noRot="1" noChangeAspect="1" noMove="1" noResize="1" noEditPoints="1" noAdjustHandles="1" noChangeArrowheads="1" noChangeShapeType="1" noTextEdit="1"/>
+                </p:cNvSpPr>
+                <p:nvPr/>
+              </p:nvSpPr>
+              <p:spPr>
+                <a:xfrm>
+                  <a:off x="6589020" y="5106851"/>
+                  <a:ext cx="277255" cy="230832"/>
+                </a:xfrm>
+                <a:prstGeom prst="rect">
+                  <a:avLst/>
+                </a:prstGeom>
+                <a:blipFill>
+                  <a:blip r:embed="rId20"/>
+                  <a:stretch>
+                    <a:fillRect/>
+                  </a:stretch>
+                </a:blipFill>
+              </p:spPr>
+              <p:txBody>
+                <a:bodyPr/>
+                <a:lstStyle/>
+                <a:p>
+                  <a:r>
+                    <a:rPr lang="en-US">
+                      <a:noFill/>
+                    </a:rPr>
+                    <a:t> </a:t>
+                  </a:r>
+                </a:p>
+              </p:txBody>
+            </p:sp>
+          </mc:Fallback>
+        </mc:AlternateContent>
+        <mc:AlternateContent xmlns:mc="http://schemas.openxmlformats.org/markup-compatibility/2006">
+          <mc:Choice xmlns:a14="http://schemas.microsoft.com/office/drawing/2010/main" Requires="a14">
+            <p:sp>
+              <p:nvSpPr>
+                <p:cNvPr id="71" name="TextBox 70">
+                  <a:extLst>
+                    <a:ext uri="{FF2B5EF4-FFF2-40B4-BE49-F238E27FC236}">
+                      <a16:creationId xmlns:a16="http://schemas.microsoft.com/office/drawing/2014/main" id="{A4C984F2-DBF6-D306-94DD-910A238894AF}"/>
+                    </a:ext>
+                  </a:extLst>
+                </p:cNvPr>
+                <p:cNvSpPr txBox="1"/>
+                <p:nvPr/>
+              </p:nvSpPr>
+              <p:spPr>
+                <a:xfrm>
+                  <a:off x="6620260" y="4320677"/>
+                  <a:ext cx="365934" cy="230832"/>
+                </a:xfrm>
+                <a:prstGeom prst="rect">
+                  <a:avLst/>
+                </a:prstGeom>
+                <a:noFill/>
+              </p:spPr>
+              <p:txBody>
+                <a:bodyPr wrap="none" rtlCol="0">
+                  <a:spAutoFit/>
+                </a:bodyPr>
+                <a:lstStyle/>
+                <a:p>
+                  <a14:m>
+                    <m:oMathPara xmlns:m="http://schemas.openxmlformats.org/officeDocument/2006/math">
+                      <m:oMathParaPr>
+                        <m:jc m:val="centerGroup"/>
+                      </m:oMathParaPr>
+                      <m:oMath xmlns:m="http://schemas.openxmlformats.org/officeDocument/2006/math">
+                        <m:r>
+                          <a:rPr lang="en-US" sz="900" b="0" i="1" smtClean="0">
+                            <a:latin typeface="Cambria Math" panose="02040503050406030204" pitchFamily="18" charset="0"/>
+                          </a:rPr>
+                          <m:t>𝑠</m:t>
+                        </m:r>
+                        <m:r>
+                          <a:rPr lang="en-US" sz="900" b="0" i="1" smtClean="0">
+                            <a:latin typeface="Cambria Math" panose="02040503050406030204" pitchFamily="18" charset="0"/>
+                          </a:rPr>
+                          <m:t>,</m:t>
+                        </m:r>
+                        <m:r>
+                          <a:rPr lang="en-US" sz="900" b="0" i="1" smtClean="0">
+                            <a:latin typeface="Cambria Math" panose="02040503050406030204" pitchFamily="18" charset="0"/>
+                          </a:rPr>
+                          <m:t>𝑟</m:t>
+                        </m:r>
+                      </m:oMath>
+                    </m:oMathPara>
+                  </a14:m>
+                  <a:endParaRPr lang="en-US" sz="900" dirty="0"/>
+                </a:p>
+              </p:txBody>
+            </p:sp>
+          </mc:Choice>
+          <mc:Fallback>
+            <p:sp>
+              <p:nvSpPr>
+                <p:cNvPr id="71" name="TextBox 70">
+                  <a:extLst>
+                    <a:ext uri="{FF2B5EF4-FFF2-40B4-BE49-F238E27FC236}">
+                      <a16:creationId xmlns:a16="http://schemas.microsoft.com/office/drawing/2014/main" id="{A4C984F2-DBF6-D306-94DD-910A238894AF}"/>
+                    </a:ext>
+                  </a:extLst>
+                </p:cNvPr>
+                <p:cNvSpPr txBox="1">
+                  <a:spLocks noRot="1" noChangeAspect="1" noMove="1" noResize="1" noEditPoints="1" noAdjustHandles="1" noChangeArrowheads="1" noChangeShapeType="1" noTextEdit="1"/>
+                </p:cNvSpPr>
+                <p:nvPr/>
+              </p:nvSpPr>
+              <p:spPr>
+                <a:xfrm>
+                  <a:off x="6620260" y="4320677"/>
+                  <a:ext cx="365934" cy="230832"/>
+                </a:xfrm>
+                <a:prstGeom prst="rect">
+                  <a:avLst/>
+                </a:prstGeom>
+                <a:blipFill>
+                  <a:blip r:embed="rId21"/>
+                  <a:stretch>
+                    <a:fillRect/>
+                  </a:stretch>
+                </a:blipFill>
+              </p:spPr>
+              <p:txBody>
+                <a:bodyPr/>
+                <a:lstStyle/>
+                <a:p>
+                  <a:r>
+                    <a:rPr lang="en-US">
+                      <a:noFill/>
+                    </a:rPr>
+                    <a:t> </a:t>
+                  </a:r>
+                </a:p>
+              </p:txBody>
+            </p:sp>
+          </mc:Fallback>
+        </mc:AlternateContent>
+        <mc:AlternateContent xmlns:mc="http://schemas.openxmlformats.org/markup-compatibility/2006">
+          <mc:Choice xmlns:a14="http://schemas.microsoft.com/office/drawing/2010/main" Requires="a14">
+            <p:sp>
+              <p:nvSpPr>
+                <p:cNvPr id="73" name="TextBox 72">
+                  <a:extLst>
+                    <a:ext uri="{FF2B5EF4-FFF2-40B4-BE49-F238E27FC236}">
+                      <a16:creationId xmlns:a16="http://schemas.microsoft.com/office/drawing/2014/main" id="{E5909894-7C8C-D134-9558-96F52230F699}"/>
+                    </a:ext>
+                  </a:extLst>
+                </p:cNvPr>
+                <p:cNvSpPr txBox="1"/>
+                <p:nvPr/>
+              </p:nvSpPr>
+              <p:spPr>
+                <a:xfrm>
+                  <a:off x="6396449" y="5288775"/>
+                  <a:ext cx="724878" cy="230832"/>
+                </a:xfrm>
+                <a:prstGeom prst="rect">
+                  <a:avLst/>
+                </a:prstGeom>
+                <a:noFill/>
+              </p:spPr>
+              <p:txBody>
+                <a:bodyPr wrap="none" rtlCol="0">
+                  <a:spAutoFit/>
+                </a:bodyPr>
+                <a:lstStyle/>
+                <a:p>
+                  <a14:m>
+                    <m:oMathPara xmlns:m="http://schemas.openxmlformats.org/officeDocument/2006/math">
+                      <m:oMathParaPr>
+                        <m:jc m:val="centerGroup"/>
+                      </m:oMathParaPr>
+                      <m:oMath xmlns:m="http://schemas.openxmlformats.org/officeDocument/2006/math">
+                        <m:r>
+                          <a:rPr lang="en-US" sz="900" i="1" smtClean="0">
+                            <a:latin typeface="Cambria Math" panose="02040503050406030204" pitchFamily="18" charset="0"/>
+                          </a:rPr>
+                          <m:t>𝑟</m:t>
+                        </m:r>
+                        <m:r>
+                          <a:rPr lang="en-US" sz="900" b="0" i="1" smtClean="0">
+                            <a:latin typeface="Cambria Math" panose="02040503050406030204" pitchFamily="18" charset="0"/>
+                          </a:rPr>
+                          <m:t>𝑜𝑙𝑙𝑜𝑢𝑡</m:t>
+                        </m:r>
+                        <m:d>
+                          <m:dPr>
+                            <m:ctrlPr>
+                              <a:rPr lang="en-US" sz="900" b="0" i="1" smtClean="0">
+                                <a:latin typeface="Cambria Math" panose="02040503050406030204" pitchFamily="18" charset="0"/>
+                              </a:rPr>
+                            </m:ctrlPr>
+                          </m:dPr>
+                          <m:e>
+                            <m:r>
+                              <a:rPr lang="en-US" sz="900" b="0" i="1" smtClean="0">
+                                <a:latin typeface="Cambria Math" panose="02040503050406030204" pitchFamily="18" charset="0"/>
+                              </a:rPr>
+                              <m:t>𝑠</m:t>
+                            </m:r>
+                          </m:e>
+                        </m:d>
+                      </m:oMath>
+                    </m:oMathPara>
+                  </a14:m>
+                  <a:endParaRPr lang="en-US" sz="900" dirty="0"/>
+                </a:p>
+              </p:txBody>
+            </p:sp>
+          </mc:Choice>
+          <mc:Fallback>
+            <p:sp>
+              <p:nvSpPr>
+                <p:cNvPr id="73" name="TextBox 72">
+                  <a:extLst>
+                    <a:ext uri="{FF2B5EF4-FFF2-40B4-BE49-F238E27FC236}">
+                      <a16:creationId xmlns:a16="http://schemas.microsoft.com/office/drawing/2014/main" id="{E5909894-7C8C-D134-9558-96F52230F699}"/>
+                    </a:ext>
+                  </a:extLst>
+                </p:cNvPr>
+                <p:cNvSpPr txBox="1">
+                  <a:spLocks noRot="1" noChangeAspect="1" noMove="1" noResize="1" noEditPoints="1" noAdjustHandles="1" noChangeArrowheads="1" noChangeShapeType="1" noTextEdit="1"/>
+                </p:cNvSpPr>
+                <p:nvPr/>
+              </p:nvSpPr>
+              <p:spPr>
+                <a:xfrm>
+                  <a:off x="6396449" y="5288775"/>
+                  <a:ext cx="724878" cy="230832"/>
+                </a:xfrm>
+                <a:prstGeom prst="rect">
+                  <a:avLst/>
+                </a:prstGeom>
+                <a:blipFill>
+                  <a:blip r:embed="rId22"/>
+                  <a:stretch>
+                    <a:fillRect/>
+                  </a:stretch>
+                </a:blipFill>
+              </p:spPr>
+              <p:txBody>
+                <a:bodyPr/>
+                <a:lstStyle/>
+                <a:p>
+                  <a:r>
+                    <a:rPr lang="en-US">
+                      <a:noFill/>
+                    </a:rPr>
+                    <a:t> </a:t>
+                  </a:r>
+                </a:p>
+              </p:txBody>
+            </p:sp>
+          </mc:Fallback>
+        </mc:AlternateContent>
+      </p:grpSp>
+      <mc:AlternateContent xmlns:mc="http://schemas.openxmlformats.org/markup-compatibility/2006">
+        <mc:Choice xmlns:a14="http://schemas.microsoft.com/office/drawing/2010/main" Requires="a14">
+          <p:sp>
+            <p:nvSpPr>
+              <p:cNvPr id="74" name="TextBox 73">
+                <a:extLst>
+                  <a:ext uri="{FF2B5EF4-FFF2-40B4-BE49-F238E27FC236}">
+                    <a16:creationId xmlns:a16="http://schemas.microsoft.com/office/drawing/2014/main" id="{811A2C6F-EBB3-3DE9-CAE0-94272BEDF4D0}"/>
+                  </a:ext>
+                </a:extLst>
+              </p:cNvPr>
+              <p:cNvSpPr txBox="1"/>
+              <p:nvPr/>
+            </p:nvSpPr>
+            <p:spPr>
+              <a:xfrm>
+                <a:off x="6623755" y="3698572"/>
+                <a:ext cx="884601" cy="230961"/>
+              </a:xfrm>
+              <a:prstGeom prst="rect">
+                <a:avLst/>
+              </a:prstGeom>
+              <a:noFill/>
+            </p:spPr>
+            <p:txBody>
+              <a:bodyPr wrap="none" rtlCol="0">
+                <a:spAutoFit/>
+              </a:bodyPr>
+              <a:lstStyle/>
+              <a:p>
+                <a14:m>
+                  <m:oMathPara xmlns:m="http://schemas.openxmlformats.org/officeDocument/2006/math">
+                    <m:oMathParaPr>
+                      <m:jc m:val="centerGroup"/>
+                    </m:oMathParaPr>
+                    <m:oMath xmlns:m="http://schemas.openxmlformats.org/officeDocument/2006/math">
+                      <m:d>
+                        <m:dPr>
+                          <m:begChr m:val="{"/>
+                          <m:endChr m:val="}"/>
+                          <m:ctrlPr>
+                            <a:rPr lang="en-US" sz="900" b="0" i="1" smtClean="0">
+                              <a:latin typeface="Cambria Math" panose="02040503050406030204" pitchFamily="18" charset="0"/>
+                            </a:rPr>
+                          </m:ctrlPr>
+                        </m:dPr>
+                        <m:e>
+                          <m:d>
+                            <m:dPr>
+                              <m:ctrlPr>
+                                <a:rPr lang="en-US" sz="900" b="0" i="1" smtClean="0">
+                                  <a:latin typeface="Cambria Math" panose="02040503050406030204" pitchFamily="18" charset="0"/>
+                                </a:rPr>
+                              </m:ctrlPr>
+                            </m:dPr>
+                            <m:e>
+                              <m:sSub>
+                                <m:sSubPr>
+                                  <m:ctrlPr>
+                                    <a:rPr lang="en-US" sz="900" b="0" i="1" smtClean="0">
+                                      <a:latin typeface="Cambria Math" panose="02040503050406030204" pitchFamily="18" charset="0"/>
+                                    </a:rPr>
+                                  </m:ctrlPr>
+                                </m:sSubPr>
+                                <m:e>
+                                  <m:r>
+                                    <a:rPr lang="en-US" sz="900" b="0" i="1" smtClean="0">
+                                      <a:latin typeface="Cambria Math" panose="02040503050406030204" pitchFamily="18" charset="0"/>
+                                    </a:rPr>
+                                    <m:t>𝑠</m:t>
+                                  </m:r>
+                                </m:e>
+                                <m:sub>
+                                  <m:r>
+                                    <a:rPr lang="en-US" sz="900" b="0" i="1" smtClean="0">
+                                      <a:latin typeface="Cambria Math" panose="02040503050406030204" pitchFamily="18" charset="0"/>
+                                    </a:rPr>
+                                    <m:t>𝑖</m:t>
+                                  </m:r>
+                                </m:sub>
+                              </m:sSub>
+                              <m:r>
+                                <a:rPr lang="en-US" sz="900" b="0" i="1" smtClean="0">
+                                  <a:latin typeface="Cambria Math" panose="02040503050406030204" pitchFamily="18" charset="0"/>
+                                </a:rPr>
+                                <m:t>,</m:t>
+                              </m:r>
+                              <m:sSub>
+                                <m:sSubPr>
+                                  <m:ctrlPr>
+                                    <a:rPr lang="en-US" sz="900" b="0" i="1" smtClean="0">
+                                      <a:latin typeface="Cambria Math" panose="02040503050406030204" pitchFamily="18" charset="0"/>
+                                    </a:rPr>
+                                  </m:ctrlPr>
+                                </m:sSubPr>
+                                <m:e>
+                                  <m:r>
+                                    <a:rPr lang="en-US" sz="900" b="0" i="1" smtClean="0">
+                                      <a:latin typeface="Cambria Math" panose="02040503050406030204" pitchFamily="18" charset="0"/>
+                                    </a:rPr>
+                                    <m:t>𝑎</m:t>
+                                  </m:r>
+                                </m:e>
+                                <m:sub>
+                                  <m:r>
+                                    <a:rPr lang="en-US" sz="900" b="0" i="1" smtClean="0">
+                                      <a:latin typeface="Cambria Math" panose="02040503050406030204" pitchFamily="18" charset="0"/>
+                                    </a:rPr>
+                                    <m:t>𝑖</m:t>
+                                  </m:r>
+                                </m:sub>
+                              </m:sSub>
+                              <m:r>
+                                <a:rPr lang="en-US" sz="900" b="0" i="1" smtClean="0">
+                                  <a:latin typeface="Cambria Math" panose="02040503050406030204" pitchFamily="18" charset="0"/>
+                                </a:rPr>
+                                <m:t>,</m:t>
+                              </m:r>
+                              <m:sSubSup>
+                                <m:sSubSupPr>
+                                  <m:ctrlPr>
+                                    <a:rPr lang="en-US" sz="900" b="0" i="1" smtClean="0">
+                                      <a:latin typeface="Cambria Math" panose="02040503050406030204" pitchFamily="18" charset="0"/>
+                                    </a:rPr>
+                                  </m:ctrlPr>
+                                </m:sSubSupPr>
+                                <m:e>
+                                  <m:r>
+                                    <a:rPr lang="en-US" sz="900" b="0" i="1" smtClean="0">
+                                      <a:latin typeface="Cambria Math" panose="02040503050406030204" pitchFamily="18" charset="0"/>
+                                    </a:rPr>
+                                    <m:t>𝑠</m:t>
+                                  </m:r>
+                                </m:e>
+                                <m:sub>
+                                  <m:r>
+                                    <a:rPr lang="en-US" sz="900" b="0" i="1" smtClean="0">
+                                      <a:latin typeface="Cambria Math" panose="02040503050406030204" pitchFamily="18" charset="0"/>
+                                    </a:rPr>
+                                    <m:t>𝑖</m:t>
+                                  </m:r>
+                                </m:sub>
+                                <m:sup>
+                                  <m:r>
+                                    <a:rPr lang="en-US" sz="900" b="0" i="1" smtClean="0">
+                                      <a:latin typeface="Cambria Math" panose="02040503050406030204" pitchFamily="18" charset="0"/>
+                                    </a:rPr>
+                                    <m:t>′</m:t>
+                                  </m:r>
+                                </m:sup>
+                              </m:sSubSup>
+                              <m:r>
+                                <a:rPr lang="en-US" sz="900" b="0" i="1" smtClean="0">
+                                  <a:latin typeface="Cambria Math" panose="02040503050406030204" pitchFamily="18" charset="0"/>
+                                </a:rPr>
+                                <m:t>,</m:t>
+                              </m:r>
+                              <m:sSub>
+                                <m:sSubPr>
+                                  <m:ctrlPr>
+                                    <a:rPr lang="en-US" sz="900" b="0" i="1" smtClean="0">
+                                      <a:latin typeface="Cambria Math" panose="02040503050406030204" pitchFamily="18" charset="0"/>
+                                    </a:rPr>
+                                  </m:ctrlPr>
+                                </m:sSubPr>
+                                <m:e>
+                                  <m:r>
+                                    <a:rPr lang="en-US" sz="900" b="0" i="1" smtClean="0">
+                                      <a:latin typeface="Cambria Math" panose="02040503050406030204" pitchFamily="18" charset="0"/>
+                                    </a:rPr>
+                                    <m:t>𝑟</m:t>
+                                  </m:r>
+                                </m:e>
+                                <m:sub>
+                                  <m:r>
+                                    <a:rPr lang="en-US" sz="900" b="0" i="1" smtClean="0">
+                                      <a:latin typeface="Cambria Math" panose="02040503050406030204" pitchFamily="18" charset="0"/>
+                                    </a:rPr>
+                                    <m:t>𝑖</m:t>
+                                  </m:r>
+                                </m:sub>
+                              </m:sSub>
+                            </m:e>
+                          </m:d>
+                        </m:e>
+                      </m:d>
+                    </m:oMath>
+                  </m:oMathPara>
+                </a14:m>
+                <a:endParaRPr lang="en-US" sz="900" dirty="0"/>
+              </a:p>
+            </p:txBody>
+          </p:sp>
+        </mc:Choice>
+        <mc:Fallback>
+          <p:sp>
+            <p:nvSpPr>
+              <p:cNvPr id="74" name="TextBox 73">
+                <a:extLst>
+                  <a:ext uri="{FF2B5EF4-FFF2-40B4-BE49-F238E27FC236}">
+                    <a16:creationId xmlns:a16="http://schemas.microsoft.com/office/drawing/2014/main" id="{811A2C6F-EBB3-3DE9-CAE0-94272BEDF4D0}"/>
+                  </a:ext>
+                </a:extLst>
+              </p:cNvPr>
+              <p:cNvSpPr txBox="1">
+                <a:spLocks noRot="1" noChangeAspect="1" noMove="1" noResize="1" noEditPoints="1" noAdjustHandles="1" noChangeArrowheads="1" noChangeShapeType="1" noTextEdit="1"/>
+              </p:cNvSpPr>
+              <p:nvPr/>
+            </p:nvSpPr>
+            <p:spPr>
+              <a:xfrm>
+                <a:off x="6623755" y="3698572"/>
+                <a:ext cx="884601" cy="230961"/>
+              </a:xfrm>
+              <a:prstGeom prst="rect">
+                <a:avLst/>
+              </a:prstGeom>
+              <a:blipFill>
+                <a:blip r:embed="rId23"/>
+                <a:stretch>
+                  <a:fillRect/>
+                </a:stretch>
+              </a:blipFill>
+            </p:spPr>
+            <p:txBody>
+              <a:bodyPr/>
+              <a:lstStyle/>
+              <a:p>
+                <a:r>
+                  <a:rPr lang="en-US">
+                    <a:noFill/>
+                  </a:rPr>
+                  <a:t> </a:t>
+                </a:r>
+              </a:p>
+            </p:txBody>
+          </p:sp>
+        </mc:Fallback>
+      </mc:AlternateContent>
+      <p:sp>
+        <p:nvSpPr>
+          <p:cNvPr id="75" name="TextBox 74">
+            <a:extLst>
+              <a:ext uri="{FF2B5EF4-FFF2-40B4-BE49-F238E27FC236}">
+                <a16:creationId xmlns:a16="http://schemas.microsoft.com/office/drawing/2014/main" id="{36F756CE-7531-AFF8-F473-47EF346547C0}"/>
+              </a:ext>
+            </a:extLst>
+          </p:cNvPr>
+          <p:cNvSpPr txBox="1"/>
+          <p:nvPr/>
+        </p:nvSpPr>
+        <p:spPr>
+          <a:xfrm>
+            <a:off x="6106786" y="5806946"/>
+            <a:ext cx="1745991" cy="230832"/>
+          </a:xfrm>
+          <a:prstGeom prst="rect">
+            <a:avLst/>
+          </a:prstGeom>
+          <a:noFill/>
+        </p:spPr>
+        <p:txBody>
+          <a:bodyPr wrap="none" rtlCol="0">
+            <a:spAutoFit/>
+          </a:bodyPr>
+          <a:lstStyle/>
+          <a:p>
+            <a:r>
+              <a:rPr lang="en-US" sz="900" dirty="0"/>
+              <a:t>(c) offline reinforcement learning</a:t>
+            </a:r>
+          </a:p>
+        </p:txBody>
+      </p:sp>
+      <p:grpSp>
+        <p:nvGrpSpPr>
+          <p:cNvPr id="76" name="Group 75">
+            <a:extLst>
+              <a:ext uri="{FF2B5EF4-FFF2-40B4-BE49-F238E27FC236}">
+                <a16:creationId xmlns:a16="http://schemas.microsoft.com/office/drawing/2014/main" id="{4CBC5A9A-1028-E49B-038E-530D084BFF49}"/>
+              </a:ext>
+            </a:extLst>
+          </p:cNvPr>
+          <p:cNvGrpSpPr/>
+          <p:nvPr/>
+        </p:nvGrpSpPr>
+        <p:grpSpPr>
+          <a:xfrm>
+            <a:off x="7693913" y="4365134"/>
+            <a:ext cx="631825" cy="294328"/>
+            <a:chOff x="7693913" y="1604681"/>
+            <a:chExt cx="631825" cy="294328"/>
+          </a:xfrm>
+        </p:grpSpPr>
+        <p:sp>
+          <p:nvSpPr>
+            <p:cNvPr id="78" name="Can 77">
+              <a:extLst>
+                <a:ext uri="{FF2B5EF4-FFF2-40B4-BE49-F238E27FC236}">
+                  <a16:creationId xmlns:a16="http://schemas.microsoft.com/office/drawing/2014/main" id="{F318ABE2-425D-3FD2-4532-C7A4FCA1F9C4}"/>
+                </a:ext>
+              </a:extLst>
+            </p:cNvPr>
+            <p:cNvSpPr/>
+            <p:nvPr/>
+          </p:nvSpPr>
+          <p:spPr>
+            <a:xfrm>
+              <a:off x="7693913" y="1604681"/>
+              <a:ext cx="631825" cy="292525"/>
+            </a:xfrm>
+            <a:prstGeom prst="can">
+              <a:avLst/>
+            </a:prstGeom>
+            <a:solidFill>
+              <a:schemeClr val="accent1">
+                <a:alpha val="13000"/>
+              </a:schemeClr>
+            </a:solidFill>
+            <a:ln w="6350"/>
+          </p:spPr>
+          <p:style>
+            <a:lnRef idx="2">
+              <a:schemeClr val="accent1">
+                <a:shade val="15000"/>
+              </a:schemeClr>
+            </a:lnRef>
+            <a:fillRef idx="1">
+              <a:schemeClr val="accent1"/>
+            </a:fillRef>
+            <a:effectRef idx="0">
+              <a:schemeClr val="accent1"/>
+            </a:effectRef>
+            <a:fontRef idx="minor">
+              <a:schemeClr val="lt1"/>
+            </a:fontRef>
+          </p:style>
+          <p:txBody>
+            <a:bodyPr rtlCol="0" anchor="ctr"/>
+            <a:lstStyle/>
+            <a:p>
+              <a:pPr algn="ctr"/>
+              <a:endParaRPr lang="en-US"/>
+            </a:p>
+          </p:txBody>
+        </p:sp>
+        <mc:AlternateContent xmlns:mc="http://schemas.openxmlformats.org/markup-compatibility/2006">
+          <mc:Choice xmlns:a14="http://schemas.microsoft.com/office/drawing/2010/main" Requires="a14">
+            <p:sp>
+              <p:nvSpPr>
+                <p:cNvPr id="79" name="TextBox 78">
+                  <a:extLst>
+                    <a:ext uri="{FF2B5EF4-FFF2-40B4-BE49-F238E27FC236}">
+                      <a16:creationId xmlns:a16="http://schemas.microsoft.com/office/drawing/2014/main" id="{23866BE3-0C88-8BB3-B9FC-6CC3F9886BFB}"/>
+                    </a:ext>
+                  </a:extLst>
+                </p:cNvPr>
+                <p:cNvSpPr txBox="1"/>
+                <p:nvPr/>
+              </p:nvSpPr>
+              <p:spPr>
+                <a:xfrm>
+                  <a:off x="7737948" y="1668177"/>
+                  <a:ext cx="587790" cy="230832"/>
+                </a:xfrm>
+                <a:prstGeom prst="rect">
+                  <a:avLst/>
+                </a:prstGeom>
+                <a:noFill/>
+              </p:spPr>
+              <p:txBody>
+                <a:bodyPr wrap="none" rtlCol="0">
+                  <a:spAutoFit/>
+                </a:bodyPr>
+                <a:lstStyle/>
+                <a:p>
+                  <a:r>
+                    <a:rPr lang="en-US" sz="900" dirty="0"/>
+                    <a:t>buffer </a:t>
+                  </a:r>
+                  <a14:m>
+                    <m:oMath xmlns:m="http://schemas.openxmlformats.org/officeDocument/2006/math">
+                      <m:r>
+                        <a:rPr lang="en-US" sz="900" i="1" smtClean="0">
+                          <a:latin typeface="Cambria Math" panose="02040503050406030204" pitchFamily="18" charset="0"/>
+                          <a:ea typeface="Cambria Math" panose="02040503050406030204" pitchFamily="18" charset="0"/>
+                        </a:rPr>
+                        <m:t>𝒟</m:t>
+                      </m:r>
+                    </m:oMath>
+                  </a14:m>
+                  <a:endParaRPr lang="en-US" sz="900" dirty="0"/>
+                </a:p>
+              </p:txBody>
+            </p:sp>
+          </mc:Choice>
+          <mc:Fallback>
+            <p:sp>
+              <p:nvSpPr>
+                <p:cNvPr id="79" name="TextBox 78">
+                  <a:extLst>
+                    <a:ext uri="{FF2B5EF4-FFF2-40B4-BE49-F238E27FC236}">
+                      <a16:creationId xmlns:a16="http://schemas.microsoft.com/office/drawing/2014/main" id="{23866BE3-0C88-8BB3-B9FC-6CC3F9886BFB}"/>
+                    </a:ext>
+                  </a:extLst>
+                </p:cNvPr>
+                <p:cNvSpPr txBox="1">
+                  <a:spLocks noRot="1" noChangeAspect="1" noMove="1" noResize="1" noEditPoints="1" noAdjustHandles="1" noChangeArrowheads="1" noChangeShapeType="1" noTextEdit="1"/>
+                </p:cNvSpPr>
+                <p:nvPr/>
+              </p:nvSpPr>
+              <p:spPr>
+                <a:xfrm>
+                  <a:off x="7737948" y="1668177"/>
+                  <a:ext cx="587790" cy="230832"/>
+                </a:xfrm>
+                <a:prstGeom prst="rect">
+                  <a:avLst/>
+                </a:prstGeom>
+                <a:blipFill>
+                  <a:blip r:embed="rId24"/>
+                  <a:stretch>
+                    <a:fillRect b="-10526"/>
+                  </a:stretch>
+                </a:blipFill>
+              </p:spPr>
+              <p:txBody>
+                <a:bodyPr/>
+                <a:lstStyle/>
+                <a:p>
+                  <a:r>
+                    <a:rPr lang="en-US">
+                      <a:noFill/>
+                    </a:rPr>
+                    <a:t> </a:t>
+                  </a:r>
+                </a:p>
+              </p:txBody>
+            </p:sp>
+          </mc:Fallback>
+        </mc:AlternateContent>
+      </p:grpSp>
+      <p:cxnSp>
+        <p:nvCxnSpPr>
+          <p:cNvPr id="77" name="Straight Arrow Connector 76">
+            <a:extLst>
+              <a:ext uri="{FF2B5EF4-FFF2-40B4-BE49-F238E27FC236}">
+                <a16:creationId xmlns:a16="http://schemas.microsoft.com/office/drawing/2014/main" id="{AE2F38DA-AB10-233A-58EF-EFDE3039C934}"/>
+              </a:ext>
+            </a:extLst>
+          </p:cNvPr>
+          <p:cNvCxnSpPr>
+            <a:stCxn id="79" idx="2"/>
+            <a:endCxn id="81" idx="0"/>
+          </p:cNvCxnSpPr>
+          <p:nvPr/>
+        </p:nvCxnSpPr>
+        <p:spPr>
+          <a:xfrm flipH="1">
+            <a:off x="8027288" y="4659462"/>
+            <a:ext cx="4555" cy="168208"/>
+          </a:xfrm>
+          <a:prstGeom prst="straightConnector1">
+            <a:avLst/>
+          </a:prstGeom>
+          <a:ln>
+            <a:tailEnd type="triangle" w="sm" len="sm"/>
+          </a:ln>
+        </p:spPr>
+        <p:style>
+          <a:lnRef idx="1">
+            <a:schemeClr val="accent1"/>
+          </a:lnRef>
+          <a:fillRef idx="0">
+            <a:schemeClr val="accent1"/>
+          </a:fillRef>
+          <a:effectRef idx="0">
+            <a:schemeClr val="accent1"/>
+          </a:effectRef>
+          <a:fontRef idx="minor">
+            <a:schemeClr val="tx1"/>
+          </a:fontRef>
+        </p:style>
+      </p:cxnSp>
+      <p:grpSp>
+        <p:nvGrpSpPr>
+          <p:cNvPr id="83" name="Group 82">
+            <a:extLst>
+              <a:ext uri="{FF2B5EF4-FFF2-40B4-BE49-F238E27FC236}">
+                <a16:creationId xmlns:a16="http://schemas.microsoft.com/office/drawing/2014/main" id="{802BAF96-6F9D-89A0-34F2-74193A9FDDC5}"/>
+              </a:ext>
+            </a:extLst>
+          </p:cNvPr>
+          <p:cNvGrpSpPr/>
+          <p:nvPr/>
+        </p:nvGrpSpPr>
+        <p:grpSpPr>
+          <a:xfrm>
+            <a:off x="8608301" y="4138902"/>
+            <a:ext cx="1793875" cy="1369799"/>
+            <a:chOff x="5652400" y="4149808"/>
+            <a:chExt cx="1793875" cy="1369799"/>
+          </a:xfrm>
+        </p:grpSpPr>
+        <p:sp>
+          <p:nvSpPr>
+            <p:cNvPr id="84" name="Rounded Rectangle 83">
+              <a:extLst>
+                <a:ext uri="{FF2B5EF4-FFF2-40B4-BE49-F238E27FC236}">
+                  <a16:creationId xmlns:a16="http://schemas.microsoft.com/office/drawing/2014/main" id="{8F987496-C414-CE0B-6789-AF54CFE593C4}"/>
+                </a:ext>
+              </a:extLst>
+            </p:cNvPr>
+            <p:cNvSpPr/>
+            <p:nvPr/>
+          </p:nvSpPr>
+          <p:spPr>
+            <a:xfrm>
+              <a:off x="5652400" y="4149808"/>
+              <a:ext cx="1793875" cy="1355725"/>
+            </a:xfrm>
+            <a:prstGeom prst="roundRect">
+              <a:avLst/>
+            </a:prstGeom>
+            <a:solidFill>
+              <a:schemeClr val="accent1">
+                <a:alpha val="3250"/>
+              </a:schemeClr>
+            </a:solidFill>
+            <a:ln w="6350"/>
+          </p:spPr>
+          <p:style>
+            <a:lnRef idx="2">
+              <a:schemeClr val="accent1">
+                <a:shade val="15000"/>
+              </a:schemeClr>
+            </a:lnRef>
+            <a:fillRef idx="1">
+              <a:schemeClr val="accent1"/>
+            </a:fillRef>
+            <a:effectRef idx="0">
+              <a:schemeClr val="accent1"/>
+            </a:effectRef>
+            <a:fontRef idx="minor">
+              <a:schemeClr val="lt1"/>
+            </a:fontRef>
+          </p:style>
+          <p:txBody>
+            <a:bodyPr rtlCol="0" anchor="ctr"/>
+            <a:lstStyle/>
+            <a:p>
+              <a:pPr algn="ctr"/>
+              <a:endParaRPr lang="en-US" sz="900" dirty="0"/>
+            </a:p>
+          </p:txBody>
+        </p:sp>
+        <p:sp>
+          <p:nvSpPr>
+            <p:cNvPr id="85" name="Rectangle 84">
+              <a:extLst>
+                <a:ext uri="{FF2B5EF4-FFF2-40B4-BE49-F238E27FC236}">
+                  <a16:creationId xmlns:a16="http://schemas.microsoft.com/office/drawing/2014/main" id="{E85DBD68-555A-C762-17F3-921E02DA041C}"/>
+                </a:ext>
+              </a:extLst>
+            </p:cNvPr>
+            <p:cNvSpPr/>
+            <p:nvPr/>
+          </p:nvSpPr>
+          <p:spPr>
+            <a:xfrm>
+              <a:off x="5798449" y="4575258"/>
+              <a:ext cx="1041401" cy="469900"/>
+            </a:xfrm>
+            <a:prstGeom prst="rect">
+              <a:avLst/>
+            </a:prstGeom>
+            <a:solidFill>
+              <a:schemeClr val="accent1">
+                <a:alpha val="18000"/>
+              </a:schemeClr>
+            </a:solidFill>
+            <a:ln w="6350"/>
+          </p:spPr>
+          <p:style>
+            <a:lnRef idx="2">
+              <a:schemeClr val="accent1">
+                <a:shade val="15000"/>
+              </a:schemeClr>
+            </a:lnRef>
+            <a:fillRef idx="1">
+              <a:schemeClr val="accent1"/>
+            </a:fillRef>
+            <a:effectRef idx="0">
+              <a:schemeClr val="accent1"/>
+            </a:effectRef>
+            <a:fontRef idx="minor">
+              <a:schemeClr val="lt1"/>
+            </a:fontRef>
+          </p:style>
+          <p:txBody>
+            <a:bodyPr rtlCol="0" anchor="ctr"/>
+            <a:lstStyle/>
+            <a:p>
+              <a:pPr algn="ctr"/>
+              <a:endParaRPr lang="en-US"/>
+            </a:p>
+          </p:txBody>
+        </p:sp>
+        <p:sp>
+          <p:nvSpPr>
+            <p:cNvPr id="86" name="TextBox 85">
+              <a:extLst>
+                <a:ext uri="{FF2B5EF4-FFF2-40B4-BE49-F238E27FC236}">
+                  <a16:creationId xmlns:a16="http://schemas.microsoft.com/office/drawing/2014/main" id="{A87AD1A5-F093-0B74-730B-D706ECBFDD2B}"/>
+                </a:ext>
+              </a:extLst>
+            </p:cNvPr>
+            <p:cNvSpPr txBox="1"/>
+            <p:nvPr/>
+          </p:nvSpPr>
+          <p:spPr>
+            <a:xfrm>
+              <a:off x="5933841" y="4681402"/>
+              <a:ext cx="793807" cy="230832"/>
+            </a:xfrm>
+            <a:prstGeom prst="rect">
+              <a:avLst/>
+            </a:prstGeom>
+            <a:noFill/>
+          </p:spPr>
+          <p:txBody>
+            <a:bodyPr wrap="none" rtlCol="0">
+              <a:spAutoFit/>
+            </a:bodyPr>
+            <a:lstStyle/>
+            <a:p>
+              <a:r>
+                <a:rPr lang="en-US" sz="900" dirty="0"/>
+                <a:t>Environment</a:t>
+              </a:r>
+            </a:p>
+          </p:txBody>
+        </p:sp>
+        <p:cxnSp>
+          <p:nvCxnSpPr>
+            <p:cNvPr id="87" name="Elbow Connector 86">
+              <a:extLst>
+                <a:ext uri="{FF2B5EF4-FFF2-40B4-BE49-F238E27FC236}">
+                  <a16:creationId xmlns:a16="http://schemas.microsoft.com/office/drawing/2014/main" id="{799A3D70-EAF6-020D-D468-11024FF36A63}"/>
+                </a:ext>
+              </a:extLst>
+            </p:cNvPr>
+            <p:cNvCxnSpPr>
+              <a:cxnSpLocks/>
+              <a:stCxn id="85" idx="0"/>
+            </p:cNvCxnSpPr>
+            <p:nvPr/>
+          </p:nvCxnSpPr>
+          <p:spPr>
+            <a:xfrm rot="16200000" flipH="1">
+              <a:off x="6705817" y="4188591"/>
+              <a:ext cx="106144" cy="879478"/>
+            </a:xfrm>
+            <a:prstGeom prst="bentConnector4">
+              <a:avLst>
+                <a:gd name="adj1" fmla="val -215368"/>
+                <a:gd name="adj2" fmla="val 100181"/>
+              </a:avLst>
+            </a:prstGeom>
+            <a:ln>
+              <a:tailEnd type="triangle" w="sm" len="sm"/>
+            </a:ln>
+          </p:spPr>
+          <p:style>
+            <a:lnRef idx="1">
+              <a:schemeClr val="accent1"/>
+            </a:lnRef>
+            <a:fillRef idx="0">
+              <a:schemeClr val="accent1"/>
+            </a:fillRef>
+            <a:effectRef idx="0">
+              <a:schemeClr val="accent1"/>
+            </a:effectRef>
+            <a:fontRef idx="minor">
+              <a:schemeClr val="tx1"/>
+            </a:fontRef>
+          </p:style>
+        </p:cxnSp>
+        <mc:AlternateContent xmlns:mc="http://schemas.openxmlformats.org/markup-compatibility/2006">
+          <mc:Choice xmlns:a14="http://schemas.microsoft.com/office/drawing/2010/main" Requires="a14">
+            <p:sp>
+              <p:nvSpPr>
+                <p:cNvPr id="88" name="TextBox 87">
+                  <a:extLst>
+                    <a:ext uri="{FF2B5EF4-FFF2-40B4-BE49-F238E27FC236}">
+                      <a16:creationId xmlns:a16="http://schemas.microsoft.com/office/drawing/2014/main" id="{371C1E54-C020-A8A1-2A92-D5C21116F97C}"/>
+                    </a:ext>
+                  </a:extLst>
+                </p:cNvPr>
+                <p:cNvSpPr txBox="1"/>
+                <p:nvPr/>
+              </p:nvSpPr>
+              <p:spPr>
+                <a:xfrm>
+                  <a:off x="7035523" y="4670973"/>
+                  <a:ext cx="281744" cy="230832"/>
+                </a:xfrm>
+                <a:prstGeom prst="rect">
+                  <a:avLst/>
+                </a:prstGeom>
+                <a:noFill/>
+              </p:spPr>
+              <p:txBody>
+                <a:bodyPr wrap="none" rtlCol="0">
+                  <a:spAutoFit/>
+                </a:bodyPr>
+                <a:lstStyle/>
+                <a:p>
+                  <a14:m>
+                    <m:oMathPara xmlns:m="http://schemas.openxmlformats.org/officeDocument/2006/math">
+                      <m:oMathParaPr>
+                        <m:jc m:val="centerGroup"/>
+                      </m:oMathParaPr>
+                      <m:oMath xmlns:m="http://schemas.openxmlformats.org/officeDocument/2006/math">
+                        <m:r>
+                          <a:rPr lang="en-US" sz="900" i="1" smtClean="0">
+                            <a:latin typeface="Cambria Math" panose="02040503050406030204" pitchFamily="18" charset="0"/>
+                            <a:ea typeface="Cambria Math" panose="02040503050406030204" pitchFamily="18" charset="0"/>
+                          </a:rPr>
+                          <m:t>𝜋</m:t>
+                        </m:r>
+                      </m:oMath>
+                    </m:oMathPara>
+                  </a14:m>
+                  <a:endParaRPr lang="en-US" sz="900" dirty="0"/>
+                </a:p>
+              </p:txBody>
+            </p:sp>
+          </mc:Choice>
+          <mc:Fallback>
+            <p:sp>
+              <p:nvSpPr>
+                <p:cNvPr id="88" name="TextBox 87">
+                  <a:extLst>
+                    <a:ext uri="{FF2B5EF4-FFF2-40B4-BE49-F238E27FC236}">
+                      <a16:creationId xmlns:a16="http://schemas.microsoft.com/office/drawing/2014/main" id="{371C1E54-C020-A8A1-2A92-D5C21116F97C}"/>
+                    </a:ext>
+                  </a:extLst>
+                </p:cNvPr>
+                <p:cNvSpPr txBox="1">
+                  <a:spLocks noRot="1" noChangeAspect="1" noMove="1" noResize="1" noEditPoints="1" noAdjustHandles="1" noChangeArrowheads="1" noChangeShapeType="1" noTextEdit="1"/>
+                </p:cNvSpPr>
+                <p:nvPr/>
+              </p:nvSpPr>
+              <p:spPr>
+                <a:xfrm>
+                  <a:off x="7035523" y="4670973"/>
+                  <a:ext cx="281744" cy="230832"/>
+                </a:xfrm>
+                <a:prstGeom prst="rect">
+                  <a:avLst/>
+                </a:prstGeom>
+                <a:blipFill>
+                  <a:blip r:embed="rId25"/>
+                  <a:stretch>
+                    <a:fillRect/>
+                  </a:stretch>
+                </a:blipFill>
+              </p:spPr>
+              <p:txBody>
+                <a:bodyPr/>
+                <a:lstStyle/>
+                <a:p>
+                  <a:r>
+                    <a:rPr lang="en-US">
+                      <a:noFill/>
+                    </a:rPr>
+                    <a:t> </a:t>
+                  </a:r>
+                </a:p>
+              </p:txBody>
+            </p:sp>
+          </mc:Fallback>
+        </mc:AlternateContent>
+        <p:cxnSp>
+          <p:nvCxnSpPr>
+            <p:cNvPr id="89" name="Elbow Connector 88">
+              <a:extLst>
+                <a:ext uri="{FF2B5EF4-FFF2-40B4-BE49-F238E27FC236}">
+                  <a16:creationId xmlns:a16="http://schemas.microsoft.com/office/drawing/2014/main" id="{DC752D7E-6F61-43CD-30DE-443CC844C474}"/>
+                </a:ext>
+              </a:extLst>
+            </p:cNvPr>
+            <p:cNvCxnSpPr>
+              <a:endCxn id="85" idx="2"/>
+            </p:cNvCxnSpPr>
+            <p:nvPr/>
+          </p:nvCxnSpPr>
+          <p:spPr>
+            <a:xfrm rot="10800000" flipV="1">
+              <a:off x="6319150" y="4940382"/>
+              <a:ext cx="879478" cy="104775"/>
+            </a:xfrm>
+            <a:prstGeom prst="bentConnector4">
+              <a:avLst>
+                <a:gd name="adj1" fmla="val -181"/>
+                <a:gd name="adj2" fmla="val 372727"/>
+              </a:avLst>
+            </a:prstGeom>
+            <a:ln>
+              <a:tailEnd type="triangle"/>
+            </a:ln>
+          </p:spPr>
+          <p:style>
+            <a:lnRef idx="1">
+              <a:schemeClr val="accent1"/>
+            </a:lnRef>
+            <a:fillRef idx="0">
+              <a:schemeClr val="accent1"/>
+            </a:fillRef>
+            <a:effectRef idx="0">
+              <a:schemeClr val="accent1"/>
+            </a:effectRef>
+            <a:fontRef idx="minor">
+              <a:schemeClr val="tx1"/>
+            </a:fontRef>
+          </p:style>
+        </p:cxnSp>
+        <mc:AlternateContent xmlns:mc="http://schemas.openxmlformats.org/markup-compatibility/2006">
+          <mc:Choice xmlns:a14="http://schemas.microsoft.com/office/drawing/2010/main" Requires="a14">
+            <p:sp>
+              <p:nvSpPr>
+                <p:cNvPr id="90" name="TextBox 89">
+                  <a:extLst>
+                    <a:ext uri="{FF2B5EF4-FFF2-40B4-BE49-F238E27FC236}">
+                      <a16:creationId xmlns:a16="http://schemas.microsoft.com/office/drawing/2014/main" id="{417967B7-1E34-12E0-CB91-3C7715769802}"/>
+                    </a:ext>
+                  </a:extLst>
+                </p:cNvPr>
+                <p:cNvSpPr txBox="1"/>
+                <p:nvPr/>
+              </p:nvSpPr>
+              <p:spPr>
+                <a:xfrm>
+                  <a:off x="6589020" y="5106851"/>
+                  <a:ext cx="277255" cy="230832"/>
+                </a:xfrm>
+                <a:prstGeom prst="rect">
+                  <a:avLst/>
+                </a:prstGeom>
+                <a:noFill/>
+              </p:spPr>
+              <p:txBody>
+                <a:bodyPr wrap="none" rtlCol="0">
+                  <a:spAutoFit/>
+                </a:bodyPr>
+                <a:lstStyle/>
+                <a:p>
+                  <a14:m>
+                    <m:oMathPara xmlns:m="http://schemas.openxmlformats.org/officeDocument/2006/math">
+                      <m:oMathParaPr>
+                        <m:jc m:val="centerGroup"/>
+                      </m:oMathParaPr>
+                      <m:oMath xmlns:m="http://schemas.openxmlformats.org/officeDocument/2006/math">
+                        <m:r>
+                          <a:rPr lang="en-US" sz="900" i="1" dirty="0" smtClean="0">
+                            <a:latin typeface="Cambria Math" panose="02040503050406030204" pitchFamily="18" charset="0"/>
+                          </a:rPr>
+                          <m:t>𝑎</m:t>
+                        </m:r>
+                      </m:oMath>
+                    </m:oMathPara>
+                  </a14:m>
+                  <a:endParaRPr lang="en-US" sz="900" dirty="0"/>
+                </a:p>
+              </p:txBody>
+            </p:sp>
+          </mc:Choice>
+          <mc:Fallback>
+            <p:sp>
+              <p:nvSpPr>
+                <p:cNvPr id="90" name="TextBox 89">
+                  <a:extLst>
+                    <a:ext uri="{FF2B5EF4-FFF2-40B4-BE49-F238E27FC236}">
+                      <a16:creationId xmlns:a16="http://schemas.microsoft.com/office/drawing/2014/main" id="{417967B7-1E34-12E0-CB91-3C7715769802}"/>
+                    </a:ext>
+                  </a:extLst>
+                </p:cNvPr>
+                <p:cNvSpPr txBox="1">
+                  <a:spLocks noRot="1" noChangeAspect="1" noMove="1" noResize="1" noEditPoints="1" noAdjustHandles="1" noChangeArrowheads="1" noChangeShapeType="1" noTextEdit="1"/>
+                </p:cNvSpPr>
+                <p:nvPr/>
+              </p:nvSpPr>
+              <p:spPr>
+                <a:xfrm>
+                  <a:off x="6589020" y="5106851"/>
+                  <a:ext cx="277255" cy="230832"/>
+                </a:xfrm>
+                <a:prstGeom prst="rect">
+                  <a:avLst/>
+                </a:prstGeom>
+                <a:blipFill>
+                  <a:blip r:embed="rId26"/>
+                  <a:stretch>
+                    <a:fillRect/>
+                  </a:stretch>
+                </a:blipFill>
+              </p:spPr>
+              <p:txBody>
+                <a:bodyPr/>
+                <a:lstStyle/>
+                <a:p>
+                  <a:r>
+                    <a:rPr lang="en-US">
+                      <a:noFill/>
+                    </a:rPr>
+                    <a:t> </a:t>
+                  </a:r>
+                </a:p>
+              </p:txBody>
+            </p:sp>
+          </mc:Fallback>
+        </mc:AlternateContent>
+        <mc:AlternateContent xmlns:mc="http://schemas.openxmlformats.org/markup-compatibility/2006">
+          <mc:Choice xmlns:a14="http://schemas.microsoft.com/office/drawing/2010/main" Requires="a14">
+            <p:sp>
+              <p:nvSpPr>
+                <p:cNvPr id="91" name="TextBox 90">
+                  <a:extLst>
+                    <a:ext uri="{FF2B5EF4-FFF2-40B4-BE49-F238E27FC236}">
+                      <a16:creationId xmlns:a16="http://schemas.microsoft.com/office/drawing/2014/main" id="{0E7C36B2-2622-CCCC-C5C1-5AA530D2F35D}"/>
+                    </a:ext>
+                  </a:extLst>
+                </p:cNvPr>
+                <p:cNvSpPr txBox="1"/>
+                <p:nvPr/>
+              </p:nvSpPr>
+              <p:spPr>
+                <a:xfrm>
+                  <a:off x="6620260" y="4320677"/>
+                  <a:ext cx="365934" cy="230832"/>
+                </a:xfrm>
+                <a:prstGeom prst="rect">
+                  <a:avLst/>
+                </a:prstGeom>
+                <a:noFill/>
+              </p:spPr>
+              <p:txBody>
+                <a:bodyPr wrap="none" rtlCol="0">
+                  <a:spAutoFit/>
+                </a:bodyPr>
+                <a:lstStyle/>
+                <a:p>
+                  <a14:m>
+                    <m:oMathPara xmlns:m="http://schemas.openxmlformats.org/officeDocument/2006/math">
+                      <m:oMathParaPr>
+                        <m:jc m:val="centerGroup"/>
+                      </m:oMathParaPr>
+                      <m:oMath xmlns:m="http://schemas.openxmlformats.org/officeDocument/2006/math">
+                        <m:r>
+                          <a:rPr lang="en-US" sz="900" b="0" i="1" smtClean="0">
+                            <a:latin typeface="Cambria Math" panose="02040503050406030204" pitchFamily="18" charset="0"/>
+                          </a:rPr>
+                          <m:t>𝑠</m:t>
+                        </m:r>
+                        <m:r>
+                          <a:rPr lang="en-US" sz="900" b="0" i="1" smtClean="0">
+                            <a:latin typeface="Cambria Math" panose="02040503050406030204" pitchFamily="18" charset="0"/>
+                          </a:rPr>
+                          <m:t>,</m:t>
+                        </m:r>
+                        <m:r>
+                          <a:rPr lang="en-US" sz="900" b="0" i="1" smtClean="0">
+                            <a:latin typeface="Cambria Math" panose="02040503050406030204" pitchFamily="18" charset="0"/>
+                          </a:rPr>
+                          <m:t>𝑟</m:t>
+                        </m:r>
+                      </m:oMath>
+                    </m:oMathPara>
+                  </a14:m>
+                  <a:endParaRPr lang="en-US" sz="900" dirty="0"/>
+                </a:p>
+              </p:txBody>
+            </p:sp>
+          </mc:Choice>
+          <mc:Fallback>
+            <p:sp>
+              <p:nvSpPr>
+                <p:cNvPr id="91" name="TextBox 90">
+                  <a:extLst>
+                    <a:ext uri="{FF2B5EF4-FFF2-40B4-BE49-F238E27FC236}">
+                      <a16:creationId xmlns:a16="http://schemas.microsoft.com/office/drawing/2014/main" id="{0E7C36B2-2622-CCCC-C5C1-5AA530D2F35D}"/>
+                    </a:ext>
+                  </a:extLst>
+                </p:cNvPr>
+                <p:cNvSpPr txBox="1">
+                  <a:spLocks noRot="1" noChangeAspect="1" noMove="1" noResize="1" noEditPoints="1" noAdjustHandles="1" noChangeArrowheads="1" noChangeShapeType="1" noTextEdit="1"/>
+                </p:cNvSpPr>
+                <p:nvPr/>
+              </p:nvSpPr>
+              <p:spPr>
+                <a:xfrm>
+                  <a:off x="6620260" y="4320677"/>
+                  <a:ext cx="365934" cy="230832"/>
+                </a:xfrm>
+                <a:prstGeom prst="rect">
+                  <a:avLst/>
+                </a:prstGeom>
+                <a:blipFill>
+                  <a:blip r:embed="rId27"/>
+                  <a:stretch>
+                    <a:fillRect/>
+                  </a:stretch>
+                </a:blipFill>
+              </p:spPr>
+              <p:txBody>
+                <a:bodyPr/>
+                <a:lstStyle/>
+                <a:p>
+                  <a:r>
+                    <a:rPr lang="en-US">
+                      <a:noFill/>
+                    </a:rPr>
+                    <a:t> </a:t>
+                  </a:r>
+                </a:p>
+              </p:txBody>
+            </p:sp>
+          </mc:Fallback>
+        </mc:AlternateContent>
+        <mc:AlternateContent xmlns:mc="http://schemas.openxmlformats.org/markup-compatibility/2006">
+          <mc:Choice xmlns:a14="http://schemas.microsoft.com/office/drawing/2010/main" Requires="a14">
+            <p:sp>
+              <p:nvSpPr>
+                <p:cNvPr id="92" name="TextBox 91">
+                  <a:extLst>
+                    <a:ext uri="{FF2B5EF4-FFF2-40B4-BE49-F238E27FC236}">
+                      <a16:creationId xmlns:a16="http://schemas.microsoft.com/office/drawing/2014/main" id="{3B620F36-13CD-F3CF-26D5-66FD409FCB36}"/>
+                    </a:ext>
+                  </a:extLst>
+                </p:cNvPr>
+                <p:cNvSpPr txBox="1"/>
+                <p:nvPr/>
+              </p:nvSpPr>
+              <p:spPr>
+                <a:xfrm>
+                  <a:off x="6396449" y="5288775"/>
+                  <a:ext cx="724878" cy="230832"/>
+                </a:xfrm>
+                <a:prstGeom prst="rect">
+                  <a:avLst/>
+                </a:prstGeom>
+                <a:noFill/>
+              </p:spPr>
+              <p:txBody>
+                <a:bodyPr wrap="none" rtlCol="0">
+                  <a:spAutoFit/>
+                </a:bodyPr>
+                <a:lstStyle/>
+                <a:p>
+                  <a14:m>
+                    <m:oMathPara xmlns:m="http://schemas.openxmlformats.org/officeDocument/2006/math">
+                      <m:oMathParaPr>
+                        <m:jc m:val="centerGroup"/>
+                      </m:oMathParaPr>
+                      <m:oMath xmlns:m="http://schemas.openxmlformats.org/officeDocument/2006/math">
+                        <m:r>
+                          <a:rPr lang="en-US" sz="900" i="1" smtClean="0">
+                            <a:latin typeface="Cambria Math" panose="02040503050406030204" pitchFamily="18" charset="0"/>
+                          </a:rPr>
+                          <m:t>𝑟</m:t>
+                        </m:r>
+                        <m:r>
+                          <a:rPr lang="en-US" sz="900" b="0" i="1" smtClean="0">
+                            <a:latin typeface="Cambria Math" panose="02040503050406030204" pitchFamily="18" charset="0"/>
+                          </a:rPr>
+                          <m:t>𝑜𝑙𝑙𝑜𝑢𝑡</m:t>
+                        </m:r>
+                        <m:d>
+                          <m:dPr>
+                            <m:ctrlPr>
+                              <a:rPr lang="en-US" sz="900" b="0" i="1" smtClean="0">
+                                <a:latin typeface="Cambria Math" panose="02040503050406030204" pitchFamily="18" charset="0"/>
+                              </a:rPr>
+                            </m:ctrlPr>
+                          </m:dPr>
+                          <m:e>
+                            <m:r>
+                              <a:rPr lang="en-US" sz="900" b="0" i="1" smtClean="0">
+                                <a:latin typeface="Cambria Math" panose="02040503050406030204" pitchFamily="18" charset="0"/>
+                              </a:rPr>
+                              <m:t>𝑠</m:t>
+                            </m:r>
+                          </m:e>
+                        </m:d>
+                      </m:oMath>
+                    </m:oMathPara>
+                  </a14:m>
+                  <a:endParaRPr lang="en-US" sz="900" dirty="0"/>
+                </a:p>
+              </p:txBody>
+            </p:sp>
+          </mc:Choice>
+          <mc:Fallback>
+            <p:sp>
+              <p:nvSpPr>
+                <p:cNvPr id="92" name="TextBox 91">
+                  <a:extLst>
+                    <a:ext uri="{FF2B5EF4-FFF2-40B4-BE49-F238E27FC236}">
+                      <a16:creationId xmlns:a16="http://schemas.microsoft.com/office/drawing/2014/main" id="{3B620F36-13CD-F3CF-26D5-66FD409FCB36}"/>
+                    </a:ext>
+                  </a:extLst>
+                </p:cNvPr>
+                <p:cNvSpPr txBox="1">
+                  <a:spLocks noRot="1" noChangeAspect="1" noMove="1" noResize="1" noEditPoints="1" noAdjustHandles="1" noChangeArrowheads="1" noChangeShapeType="1" noTextEdit="1"/>
+                </p:cNvSpPr>
+                <p:nvPr/>
+              </p:nvSpPr>
+              <p:spPr>
+                <a:xfrm>
+                  <a:off x="6396449" y="5288775"/>
+                  <a:ext cx="724878" cy="230832"/>
+                </a:xfrm>
+                <a:prstGeom prst="rect">
+                  <a:avLst/>
+                </a:prstGeom>
+                <a:blipFill>
+                  <a:blip r:embed="rId28"/>
+                  <a:stretch>
+                    <a:fillRect/>
+                  </a:stretch>
+                </a:blipFill>
+              </p:spPr>
+              <p:txBody>
+                <a:bodyPr/>
+                <a:lstStyle/>
+                <a:p>
+                  <a:r>
+                    <a:rPr lang="en-US">
+                      <a:noFill/>
+                    </a:rPr>
+                    <a:t> </a:t>
+                  </a:r>
+                </a:p>
+              </p:txBody>
+            </p:sp>
+          </mc:Fallback>
+        </mc:AlternateContent>
+      </p:grpSp>
     </p:spTree>
     <p:extLst>
       <p:ext uri="{BB962C8B-B14F-4D97-AF65-F5344CB8AC3E}">

--- a/docs/Notes_on_offline_reinforcement_learning.pptx
+++ b/docs/Notes_on_offline_reinforcement_learning.pptx
@@ -6,6 +6,7 @@
   </p:sldMasterIdLst>
   <p:sldIdLst>
     <p:sldId id="256" r:id="rId2"/>
+    <p:sldId id="257" r:id="rId3"/>
   </p:sldIdLst>
   <p:sldSz cx="12192000" cy="6858000"/>
   <p:notesSz cx="6858000" cy="9144000"/>
@@ -6307,10 +6308,10 @@
       </p:grpSp>
       <p:grpSp>
         <p:nvGrpSpPr>
-          <p:cNvPr id="67" name="Group 66">
+          <p:cNvPr id="98" name="Group 97">
             <a:extLst>
               <a:ext uri="{FF2B5EF4-FFF2-40B4-BE49-F238E27FC236}">
-                <a16:creationId xmlns:a16="http://schemas.microsoft.com/office/drawing/2014/main" id="{05C8D0F5-DE78-509C-75D5-3A6067A44899}"/>
+                <a16:creationId xmlns:a16="http://schemas.microsoft.com/office/drawing/2014/main" id="{6F340792-A279-18FA-9FC0-8196BDC5AA72}"/>
               </a:ext>
             </a:extLst>
           </p:cNvPr>
@@ -6319,18 +6320,2182 @@
         </p:nvGrpSpPr>
         <p:grpSpPr>
           <a:xfrm>
-            <a:off x="7693913" y="4827670"/>
-            <a:ext cx="666750" cy="416829"/>
-            <a:chOff x="7639950" y="1867876"/>
-            <a:chExt cx="666750" cy="416829"/>
+            <a:off x="5652400" y="3698572"/>
+            <a:ext cx="4749776" cy="2339206"/>
+            <a:chOff x="5652400" y="3698572"/>
+            <a:chExt cx="4749776" cy="2339206"/>
           </a:xfrm>
         </p:grpSpPr>
+        <p:grpSp>
+          <p:nvGrpSpPr>
+            <p:cNvPr id="67" name="Group 66">
+              <a:extLst>
+                <a:ext uri="{FF2B5EF4-FFF2-40B4-BE49-F238E27FC236}">
+                  <a16:creationId xmlns:a16="http://schemas.microsoft.com/office/drawing/2014/main" id="{05C8D0F5-DE78-509C-75D5-3A6067A44899}"/>
+                </a:ext>
+              </a:extLst>
+            </p:cNvPr>
+            <p:cNvGrpSpPr/>
+            <p:nvPr/>
+          </p:nvGrpSpPr>
+          <p:grpSpPr>
+            <a:xfrm>
+              <a:off x="7693913" y="4827670"/>
+              <a:ext cx="666750" cy="416829"/>
+              <a:chOff x="7639950" y="1867876"/>
+              <a:chExt cx="666750" cy="416829"/>
+            </a:xfrm>
+          </p:grpSpPr>
+          <p:sp>
+            <p:nvSpPr>
+              <p:cNvPr id="81" name="Rounded Rectangle 80">
+                <a:extLst>
+                  <a:ext uri="{FF2B5EF4-FFF2-40B4-BE49-F238E27FC236}">
+                    <a16:creationId xmlns:a16="http://schemas.microsoft.com/office/drawing/2014/main" id="{81D05118-9533-7DF0-1314-5A38C1F299BD}"/>
+                  </a:ext>
+                </a:extLst>
+              </p:cNvPr>
+              <p:cNvSpPr/>
+              <p:nvPr/>
+            </p:nvSpPr>
+            <p:spPr>
+              <a:xfrm>
+                <a:off x="7639950" y="1867876"/>
+                <a:ext cx="666750" cy="416829"/>
+              </a:xfrm>
+              <a:prstGeom prst="roundRect">
+                <a:avLst/>
+              </a:prstGeom>
+              <a:solidFill>
+                <a:schemeClr val="accent1">
+                  <a:alpha val="13783"/>
+                </a:schemeClr>
+              </a:solidFill>
+              <a:ln w="6350"/>
+            </p:spPr>
+            <p:style>
+              <a:lnRef idx="2">
+                <a:schemeClr val="accent1">
+                  <a:shade val="15000"/>
+                </a:schemeClr>
+              </a:lnRef>
+              <a:fillRef idx="1">
+                <a:schemeClr val="accent1"/>
+              </a:fillRef>
+              <a:effectRef idx="0">
+                <a:schemeClr val="accent1"/>
+              </a:effectRef>
+              <a:fontRef idx="minor">
+                <a:schemeClr val="lt1"/>
+              </a:fontRef>
+            </p:style>
+            <p:txBody>
+              <a:bodyPr rtlCol="0" anchor="ctr"/>
+              <a:lstStyle/>
+              <a:p>
+                <a:pPr algn="ctr"/>
+                <a:endParaRPr lang="en-US" dirty="0"/>
+              </a:p>
+            </p:txBody>
+          </p:sp>
+          <mc:AlternateContent xmlns:mc="http://schemas.openxmlformats.org/markup-compatibility/2006">
+            <mc:Choice xmlns:a14="http://schemas.microsoft.com/office/drawing/2010/main" Requires="a14">
+              <p:sp>
+                <p:nvSpPr>
+                  <p:cNvPr id="80" name="TextBox 79">
+                    <a:extLst>
+                      <a:ext uri="{FF2B5EF4-FFF2-40B4-BE49-F238E27FC236}">
+                        <a16:creationId xmlns:a16="http://schemas.microsoft.com/office/drawing/2014/main" id="{B7741AF2-FFEF-2B19-3C5C-83DE19848CD2}"/>
+                      </a:ext>
+                    </a:extLst>
+                  </p:cNvPr>
+                  <p:cNvSpPr txBox="1"/>
+                  <p:nvPr/>
+                </p:nvSpPr>
+                <p:spPr>
+                  <a:xfrm>
+                    <a:off x="7760767" y="1888886"/>
+                    <a:ext cx="425116" cy="369332"/>
+                  </a:xfrm>
+                  <a:prstGeom prst="rect">
+                    <a:avLst/>
+                  </a:prstGeom>
+                  <a:noFill/>
+                </p:spPr>
+                <p:txBody>
+                  <a:bodyPr wrap="none" rtlCol="0">
+                    <a:spAutoFit/>
+                  </a:bodyPr>
+                  <a:lstStyle/>
+                  <a:p>
+                    <a:r>
+                      <a:rPr lang="en-US" sz="900" dirty="0"/>
+                      <a:t>learn</a:t>
+                    </a:r>
+                  </a:p>
+                  <a:p>
+                    <a14:m>
+                      <m:oMathPara xmlns:m="http://schemas.openxmlformats.org/officeDocument/2006/math">
+                        <m:oMathParaPr>
+                          <m:jc m:val="centerGroup"/>
+                        </m:oMathParaPr>
+                        <m:oMath xmlns:m="http://schemas.openxmlformats.org/officeDocument/2006/math">
+                          <m:r>
+                            <a:rPr lang="en-US" sz="900" i="1" smtClean="0">
+                              <a:latin typeface="Cambria Math" panose="02040503050406030204" pitchFamily="18" charset="0"/>
+                              <a:ea typeface="Cambria Math" panose="02040503050406030204" pitchFamily="18" charset="0"/>
+                            </a:rPr>
+                            <m:t>𝜋</m:t>
+                          </m:r>
+                        </m:oMath>
+                      </m:oMathPara>
+                    </a14:m>
+                    <a:endParaRPr lang="en-US" sz="900" dirty="0"/>
+                  </a:p>
+                </p:txBody>
+              </p:sp>
+            </mc:Choice>
+            <mc:Fallback>
+              <p:sp>
+                <p:nvSpPr>
+                  <p:cNvPr id="80" name="TextBox 79">
+                    <a:extLst>
+                      <a:ext uri="{FF2B5EF4-FFF2-40B4-BE49-F238E27FC236}">
+                        <a16:creationId xmlns:a16="http://schemas.microsoft.com/office/drawing/2014/main" id="{B7741AF2-FFEF-2B19-3C5C-83DE19848CD2}"/>
+                      </a:ext>
+                    </a:extLst>
+                  </p:cNvPr>
+                  <p:cNvSpPr txBox="1">
+                    <a:spLocks noRot="1" noChangeAspect="1" noMove="1" noResize="1" noEditPoints="1" noAdjustHandles="1" noChangeArrowheads="1" noChangeShapeType="1" noTextEdit="1"/>
+                  </p:cNvSpPr>
+                  <p:nvPr/>
+                </p:nvSpPr>
+                <p:spPr>
+                  <a:xfrm>
+                    <a:off x="7760767" y="1888886"/>
+                    <a:ext cx="425116" cy="369332"/>
+                  </a:xfrm>
+                  <a:prstGeom prst="rect">
+                    <a:avLst/>
+                  </a:prstGeom>
+                  <a:blipFill>
+                    <a:blip r:embed="rId17"/>
+                    <a:stretch>
+                      <a:fillRect/>
+                    </a:stretch>
+                  </a:blipFill>
+                </p:spPr>
+                <p:txBody>
+                  <a:bodyPr/>
+                  <a:lstStyle/>
+                  <a:p>
+                    <a:r>
+                      <a:rPr lang="en-US">
+                        <a:noFill/>
+                      </a:rPr>
+                      <a:t> </a:t>
+                    </a:r>
+                  </a:p>
+                </p:txBody>
+              </p:sp>
+            </mc:Fallback>
+          </mc:AlternateContent>
+        </p:grpSp>
+        <p:cxnSp>
+          <p:nvCxnSpPr>
+            <p:cNvPr id="68" name="Elbow Connector 67">
+              <a:extLst>
+                <a:ext uri="{FF2B5EF4-FFF2-40B4-BE49-F238E27FC236}">
+                  <a16:creationId xmlns:a16="http://schemas.microsoft.com/office/drawing/2014/main" id="{4350E190-F245-9402-5189-F5A049A5D010}"/>
+                </a:ext>
+              </a:extLst>
+            </p:cNvPr>
+            <p:cNvCxnSpPr>
+              <a:cxnSpLocks/>
+              <a:stCxn id="61" idx="0"/>
+              <a:endCxn id="78" idx="1"/>
+            </p:cNvCxnSpPr>
+            <p:nvPr/>
+          </p:nvCxnSpPr>
+          <p:spPr>
+            <a:xfrm rot="16200000" flipH="1">
+              <a:off x="7171919" y="3527227"/>
+              <a:ext cx="215326" cy="1460488"/>
+            </a:xfrm>
+            <a:prstGeom prst="bentConnector3">
+              <a:avLst>
+                <a:gd name="adj1" fmla="val -106165"/>
+              </a:avLst>
+            </a:prstGeom>
+            <a:ln>
+              <a:tailEnd type="triangle" w="sm" len="sm"/>
+            </a:ln>
+          </p:spPr>
+          <p:style>
+            <a:lnRef idx="1">
+              <a:schemeClr val="accent1"/>
+            </a:lnRef>
+            <a:fillRef idx="0">
+              <a:schemeClr val="accent1"/>
+            </a:fillRef>
+            <a:effectRef idx="0">
+              <a:schemeClr val="accent1"/>
+            </a:effectRef>
+            <a:fontRef idx="minor">
+              <a:schemeClr val="tx1"/>
+            </a:fontRef>
+          </p:style>
+        </p:cxnSp>
+        <p:grpSp>
+          <p:nvGrpSpPr>
+            <p:cNvPr id="82" name="Group 81">
+              <a:extLst>
+                <a:ext uri="{FF2B5EF4-FFF2-40B4-BE49-F238E27FC236}">
+                  <a16:creationId xmlns:a16="http://schemas.microsoft.com/office/drawing/2014/main" id="{ECCD8AD8-4E01-7508-C086-F8BF38C92F15}"/>
+                </a:ext>
+              </a:extLst>
+            </p:cNvPr>
+            <p:cNvGrpSpPr/>
+            <p:nvPr/>
+          </p:nvGrpSpPr>
+          <p:grpSpPr>
+            <a:xfrm>
+              <a:off x="5652400" y="4149808"/>
+              <a:ext cx="1793875" cy="1369799"/>
+              <a:chOff x="5652400" y="4149808"/>
+              <a:chExt cx="1793875" cy="1369799"/>
+            </a:xfrm>
+          </p:grpSpPr>
+          <p:sp>
+            <p:nvSpPr>
+              <p:cNvPr id="61" name="Rounded Rectangle 60">
+                <a:extLst>
+                  <a:ext uri="{FF2B5EF4-FFF2-40B4-BE49-F238E27FC236}">
+                    <a16:creationId xmlns:a16="http://schemas.microsoft.com/office/drawing/2014/main" id="{3A134D3F-5CB7-9426-6CE7-1B1CDE67F12F}"/>
+                  </a:ext>
+                </a:extLst>
+              </p:cNvPr>
+              <p:cNvSpPr/>
+              <p:nvPr/>
+            </p:nvSpPr>
+            <p:spPr>
+              <a:xfrm>
+                <a:off x="5652400" y="4149808"/>
+                <a:ext cx="1793875" cy="1355725"/>
+              </a:xfrm>
+              <a:prstGeom prst="roundRect">
+                <a:avLst/>
+              </a:prstGeom>
+              <a:solidFill>
+                <a:schemeClr val="accent1">
+                  <a:alpha val="3250"/>
+                </a:schemeClr>
+              </a:solidFill>
+              <a:ln w="6350"/>
+            </p:spPr>
+            <p:style>
+              <a:lnRef idx="2">
+                <a:schemeClr val="accent1">
+                  <a:shade val="15000"/>
+                </a:schemeClr>
+              </a:lnRef>
+              <a:fillRef idx="1">
+                <a:schemeClr val="accent1"/>
+              </a:fillRef>
+              <a:effectRef idx="0">
+                <a:schemeClr val="accent1"/>
+              </a:effectRef>
+              <a:fontRef idx="minor">
+                <a:schemeClr val="lt1"/>
+              </a:fontRef>
+            </p:style>
+            <p:txBody>
+              <a:bodyPr rtlCol="0" anchor="ctr"/>
+              <a:lstStyle/>
+              <a:p>
+                <a:pPr algn="ctr"/>
+                <a:endParaRPr lang="en-US" sz="900" dirty="0"/>
+              </a:p>
+            </p:txBody>
+          </p:sp>
+          <p:sp>
+            <p:nvSpPr>
+              <p:cNvPr id="62" name="Rectangle 61">
+                <a:extLst>
+                  <a:ext uri="{FF2B5EF4-FFF2-40B4-BE49-F238E27FC236}">
+                    <a16:creationId xmlns:a16="http://schemas.microsoft.com/office/drawing/2014/main" id="{51D701EF-EF02-14F8-6F66-FEB49E9E8C99}"/>
+                  </a:ext>
+                </a:extLst>
+              </p:cNvPr>
+              <p:cNvSpPr/>
+              <p:nvPr/>
+            </p:nvSpPr>
+            <p:spPr>
+              <a:xfrm>
+                <a:off x="5798449" y="4575258"/>
+                <a:ext cx="1041401" cy="469900"/>
+              </a:xfrm>
+              <a:prstGeom prst="rect">
+                <a:avLst/>
+              </a:prstGeom>
+              <a:solidFill>
+                <a:schemeClr val="accent1">
+                  <a:alpha val="18000"/>
+                </a:schemeClr>
+              </a:solidFill>
+              <a:ln w="6350"/>
+            </p:spPr>
+            <p:style>
+              <a:lnRef idx="2">
+                <a:schemeClr val="accent1">
+                  <a:shade val="15000"/>
+                </a:schemeClr>
+              </a:lnRef>
+              <a:fillRef idx="1">
+                <a:schemeClr val="accent1"/>
+              </a:fillRef>
+              <a:effectRef idx="0">
+                <a:schemeClr val="accent1"/>
+              </a:effectRef>
+              <a:fontRef idx="minor">
+                <a:schemeClr val="lt1"/>
+              </a:fontRef>
+            </p:style>
+            <p:txBody>
+              <a:bodyPr rtlCol="0" anchor="ctr"/>
+              <a:lstStyle/>
+              <a:p>
+                <a:pPr algn="ctr"/>
+                <a:endParaRPr lang="en-US"/>
+              </a:p>
+            </p:txBody>
+          </p:sp>
+          <p:sp>
+            <p:nvSpPr>
+              <p:cNvPr id="63" name="TextBox 62">
+                <a:extLst>
+                  <a:ext uri="{FF2B5EF4-FFF2-40B4-BE49-F238E27FC236}">
+                    <a16:creationId xmlns:a16="http://schemas.microsoft.com/office/drawing/2014/main" id="{83BFE8C2-C7C1-C79A-6AD3-C9A5D91B9B76}"/>
+                  </a:ext>
+                </a:extLst>
+              </p:cNvPr>
+              <p:cNvSpPr txBox="1"/>
+              <p:nvPr/>
+            </p:nvSpPr>
+            <p:spPr>
+              <a:xfrm>
+                <a:off x="5933841" y="4681402"/>
+                <a:ext cx="793807" cy="230832"/>
+              </a:xfrm>
+              <a:prstGeom prst="rect">
+                <a:avLst/>
+              </a:prstGeom>
+              <a:noFill/>
+            </p:spPr>
+            <p:txBody>
+              <a:bodyPr wrap="none" rtlCol="0">
+                <a:spAutoFit/>
+              </a:bodyPr>
+              <a:lstStyle/>
+              <a:p>
+                <a:r>
+                  <a:rPr lang="en-US" sz="900" dirty="0"/>
+                  <a:t>Environment</a:t>
+                </a:r>
+              </a:p>
+            </p:txBody>
+          </p:sp>
+          <p:cxnSp>
+            <p:nvCxnSpPr>
+              <p:cNvPr id="64" name="Elbow Connector 63">
+                <a:extLst>
+                  <a:ext uri="{FF2B5EF4-FFF2-40B4-BE49-F238E27FC236}">
+                    <a16:creationId xmlns:a16="http://schemas.microsoft.com/office/drawing/2014/main" id="{E5D9E8BA-6037-29E7-97AA-E525D8119709}"/>
+                  </a:ext>
+                </a:extLst>
+              </p:cNvPr>
+              <p:cNvCxnSpPr>
+                <a:cxnSpLocks/>
+                <a:stCxn id="62" idx="0"/>
+              </p:cNvCxnSpPr>
+              <p:nvPr/>
+            </p:nvCxnSpPr>
+            <p:spPr>
+              <a:xfrm rot="16200000" flipH="1">
+                <a:off x="6705817" y="4188591"/>
+                <a:ext cx="106144" cy="879478"/>
+              </a:xfrm>
+              <a:prstGeom prst="bentConnector4">
+                <a:avLst>
+                  <a:gd name="adj1" fmla="val -215368"/>
+                  <a:gd name="adj2" fmla="val 100181"/>
+                </a:avLst>
+              </a:prstGeom>
+              <a:ln>
+                <a:tailEnd type="triangle" w="sm" len="sm"/>
+              </a:ln>
+            </p:spPr>
+            <p:style>
+              <a:lnRef idx="1">
+                <a:schemeClr val="accent1"/>
+              </a:lnRef>
+              <a:fillRef idx="0">
+                <a:schemeClr val="accent1"/>
+              </a:fillRef>
+              <a:effectRef idx="0">
+                <a:schemeClr val="accent1"/>
+              </a:effectRef>
+              <a:fontRef idx="minor">
+                <a:schemeClr val="tx1"/>
+              </a:fontRef>
+            </p:style>
+          </p:cxnSp>
+          <mc:AlternateContent xmlns:mc="http://schemas.openxmlformats.org/markup-compatibility/2006">
+            <mc:Choice xmlns:a14="http://schemas.microsoft.com/office/drawing/2010/main" Requires="a14">
+              <p:sp>
+                <p:nvSpPr>
+                  <p:cNvPr id="65" name="TextBox 64">
+                    <a:extLst>
+                      <a:ext uri="{FF2B5EF4-FFF2-40B4-BE49-F238E27FC236}">
+                        <a16:creationId xmlns:a16="http://schemas.microsoft.com/office/drawing/2014/main" id="{F5722B91-9BB5-2575-7C64-B0E8AEA18B61}"/>
+                      </a:ext>
+                    </a:extLst>
+                  </p:cNvPr>
+                  <p:cNvSpPr txBox="1"/>
+                  <p:nvPr/>
+                </p:nvSpPr>
+                <p:spPr>
+                  <a:xfrm>
+                    <a:off x="7035523" y="4670973"/>
+                    <a:ext cx="338554" cy="243080"/>
+                  </a:xfrm>
+                  <a:prstGeom prst="rect">
+                    <a:avLst/>
+                  </a:prstGeom>
+                  <a:noFill/>
+                </p:spPr>
+                <p:txBody>
+                  <a:bodyPr wrap="none" rtlCol="0">
+                    <a:spAutoFit/>
+                  </a:bodyPr>
+                  <a:lstStyle/>
+                  <a:p>
+                    <a14:m>
+                      <m:oMathPara xmlns:m="http://schemas.openxmlformats.org/officeDocument/2006/math">
+                        <m:oMathParaPr>
+                          <m:jc m:val="centerGroup"/>
+                        </m:oMathParaPr>
+                        <m:oMath xmlns:m="http://schemas.openxmlformats.org/officeDocument/2006/math">
+                          <m:sSub>
+                            <m:sSubPr>
+                              <m:ctrlPr>
+                                <a:rPr lang="en-US" sz="900" i="1" smtClean="0">
+                                  <a:latin typeface="Cambria Math" panose="02040503050406030204" pitchFamily="18" charset="0"/>
+                                </a:rPr>
+                              </m:ctrlPr>
+                            </m:sSubPr>
+                            <m:e>
+                              <m:r>
+                                <a:rPr lang="en-US" sz="900" i="1" smtClean="0">
+                                  <a:latin typeface="Cambria Math" panose="02040503050406030204" pitchFamily="18" charset="0"/>
+                                  <a:ea typeface="Cambria Math" panose="02040503050406030204" pitchFamily="18" charset="0"/>
+                                </a:rPr>
+                                <m:t>𝜋</m:t>
+                              </m:r>
+                            </m:e>
+                            <m:sub>
+                              <m:r>
+                                <a:rPr lang="en-US" sz="900" i="1" smtClean="0">
+                                  <a:latin typeface="Cambria Math" panose="02040503050406030204" pitchFamily="18" charset="0"/>
+                                  <a:ea typeface="Cambria Math" panose="02040503050406030204" pitchFamily="18" charset="0"/>
+                                </a:rPr>
+                                <m:t>𝛽</m:t>
+                              </m:r>
+                            </m:sub>
+                          </m:sSub>
+                        </m:oMath>
+                      </m:oMathPara>
+                    </a14:m>
+                    <a:endParaRPr lang="en-US" sz="900" dirty="0"/>
+                  </a:p>
+                </p:txBody>
+              </p:sp>
+            </mc:Choice>
+            <mc:Fallback>
+              <p:sp>
+                <p:nvSpPr>
+                  <p:cNvPr id="65" name="TextBox 64">
+                    <a:extLst>
+                      <a:ext uri="{FF2B5EF4-FFF2-40B4-BE49-F238E27FC236}">
+                        <a16:creationId xmlns:a16="http://schemas.microsoft.com/office/drawing/2014/main" id="{F5722B91-9BB5-2575-7C64-B0E8AEA18B61}"/>
+                      </a:ext>
+                    </a:extLst>
+                  </p:cNvPr>
+                  <p:cNvSpPr txBox="1">
+                    <a:spLocks noRot="1" noChangeAspect="1" noMove="1" noResize="1" noEditPoints="1" noAdjustHandles="1" noChangeArrowheads="1" noChangeShapeType="1" noTextEdit="1"/>
+                  </p:cNvSpPr>
+                  <p:nvPr/>
+                </p:nvSpPr>
+                <p:spPr>
+                  <a:xfrm>
+                    <a:off x="7035523" y="4670973"/>
+                    <a:ext cx="338554" cy="243080"/>
+                  </a:xfrm>
+                  <a:prstGeom prst="rect">
+                    <a:avLst/>
+                  </a:prstGeom>
+                  <a:blipFill>
+                    <a:blip r:embed="rId18"/>
+                    <a:stretch>
+                      <a:fillRect b="-5000"/>
+                    </a:stretch>
+                  </a:blipFill>
+                </p:spPr>
+                <p:txBody>
+                  <a:bodyPr/>
+                  <a:lstStyle/>
+                  <a:p>
+                    <a:r>
+                      <a:rPr lang="en-US">
+                        <a:noFill/>
+                      </a:rPr>
+                      <a:t> </a:t>
+                    </a:r>
+                  </a:p>
+                </p:txBody>
+              </p:sp>
+            </mc:Fallback>
+          </mc:AlternateContent>
+          <p:cxnSp>
+            <p:nvCxnSpPr>
+              <p:cNvPr id="66" name="Elbow Connector 65">
+                <a:extLst>
+                  <a:ext uri="{FF2B5EF4-FFF2-40B4-BE49-F238E27FC236}">
+                    <a16:creationId xmlns:a16="http://schemas.microsoft.com/office/drawing/2014/main" id="{D57897C3-45D3-D159-0F7B-86C51D854788}"/>
+                  </a:ext>
+                </a:extLst>
+              </p:cNvPr>
+              <p:cNvCxnSpPr>
+                <a:endCxn id="62" idx="2"/>
+              </p:cNvCxnSpPr>
+              <p:nvPr/>
+            </p:nvCxnSpPr>
+            <p:spPr>
+              <a:xfrm rot="10800000" flipV="1">
+                <a:off x="6319150" y="4940382"/>
+                <a:ext cx="879478" cy="104775"/>
+              </a:xfrm>
+              <a:prstGeom prst="bentConnector4">
+                <a:avLst>
+                  <a:gd name="adj1" fmla="val -181"/>
+                  <a:gd name="adj2" fmla="val 372727"/>
+                </a:avLst>
+              </a:prstGeom>
+              <a:ln>
+                <a:tailEnd type="triangle" w="sm" len="sm"/>
+              </a:ln>
+            </p:spPr>
+            <p:style>
+              <a:lnRef idx="1">
+                <a:schemeClr val="accent1"/>
+              </a:lnRef>
+              <a:fillRef idx="0">
+                <a:schemeClr val="accent1"/>
+              </a:fillRef>
+              <a:effectRef idx="0">
+                <a:schemeClr val="accent1"/>
+              </a:effectRef>
+              <a:fontRef idx="minor">
+                <a:schemeClr val="tx1"/>
+              </a:fontRef>
+            </p:style>
+          </p:cxnSp>
+          <mc:AlternateContent xmlns:mc="http://schemas.openxmlformats.org/markup-compatibility/2006">
+            <mc:Choice xmlns:a14="http://schemas.microsoft.com/office/drawing/2010/main" Requires="a14">
+              <p:sp>
+                <p:nvSpPr>
+                  <p:cNvPr id="70" name="TextBox 69">
+                    <a:extLst>
+                      <a:ext uri="{FF2B5EF4-FFF2-40B4-BE49-F238E27FC236}">
+                        <a16:creationId xmlns:a16="http://schemas.microsoft.com/office/drawing/2014/main" id="{35389475-A4C2-9328-318D-BFB1516E2399}"/>
+                      </a:ext>
+                    </a:extLst>
+                  </p:cNvPr>
+                  <p:cNvSpPr txBox="1"/>
+                  <p:nvPr/>
+                </p:nvSpPr>
+                <p:spPr>
+                  <a:xfrm>
+                    <a:off x="6589020" y="5106851"/>
+                    <a:ext cx="277255" cy="230832"/>
+                  </a:xfrm>
+                  <a:prstGeom prst="rect">
+                    <a:avLst/>
+                  </a:prstGeom>
+                  <a:noFill/>
+                </p:spPr>
+                <p:txBody>
+                  <a:bodyPr wrap="none" rtlCol="0">
+                    <a:spAutoFit/>
+                  </a:bodyPr>
+                  <a:lstStyle/>
+                  <a:p>
+                    <a14:m>
+                      <m:oMathPara xmlns:m="http://schemas.openxmlformats.org/officeDocument/2006/math">
+                        <m:oMathParaPr>
+                          <m:jc m:val="centerGroup"/>
+                        </m:oMathParaPr>
+                        <m:oMath xmlns:m="http://schemas.openxmlformats.org/officeDocument/2006/math">
+                          <m:r>
+                            <a:rPr lang="en-US" sz="900" i="1" dirty="0" smtClean="0">
+                              <a:latin typeface="Cambria Math" panose="02040503050406030204" pitchFamily="18" charset="0"/>
+                            </a:rPr>
+                            <m:t>𝑎</m:t>
+                          </m:r>
+                        </m:oMath>
+                      </m:oMathPara>
+                    </a14:m>
+                    <a:endParaRPr lang="en-US" sz="900" dirty="0"/>
+                  </a:p>
+                </p:txBody>
+              </p:sp>
+            </mc:Choice>
+            <mc:Fallback>
+              <p:sp>
+                <p:nvSpPr>
+                  <p:cNvPr id="70" name="TextBox 69">
+                    <a:extLst>
+                      <a:ext uri="{FF2B5EF4-FFF2-40B4-BE49-F238E27FC236}">
+                        <a16:creationId xmlns:a16="http://schemas.microsoft.com/office/drawing/2014/main" id="{35389475-A4C2-9328-318D-BFB1516E2399}"/>
+                      </a:ext>
+                    </a:extLst>
+                  </p:cNvPr>
+                  <p:cNvSpPr txBox="1">
+                    <a:spLocks noRot="1" noChangeAspect="1" noMove="1" noResize="1" noEditPoints="1" noAdjustHandles="1" noChangeArrowheads="1" noChangeShapeType="1" noTextEdit="1"/>
+                  </p:cNvSpPr>
+                  <p:nvPr/>
+                </p:nvSpPr>
+                <p:spPr>
+                  <a:xfrm>
+                    <a:off x="6589020" y="5106851"/>
+                    <a:ext cx="277255" cy="230832"/>
+                  </a:xfrm>
+                  <a:prstGeom prst="rect">
+                    <a:avLst/>
+                  </a:prstGeom>
+                  <a:blipFill>
+                    <a:blip r:embed="rId19"/>
+                    <a:stretch>
+                      <a:fillRect/>
+                    </a:stretch>
+                  </a:blipFill>
+                </p:spPr>
+                <p:txBody>
+                  <a:bodyPr/>
+                  <a:lstStyle/>
+                  <a:p>
+                    <a:r>
+                      <a:rPr lang="en-US">
+                        <a:noFill/>
+                      </a:rPr>
+                      <a:t> </a:t>
+                    </a:r>
+                  </a:p>
+                </p:txBody>
+              </p:sp>
+            </mc:Fallback>
+          </mc:AlternateContent>
+          <mc:AlternateContent xmlns:mc="http://schemas.openxmlformats.org/markup-compatibility/2006">
+            <mc:Choice xmlns:a14="http://schemas.microsoft.com/office/drawing/2010/main" Requires="a14">
+              <p:sp>
+                <p:nvSpPr>
+                  <p:cNvPr id="71" name="TextBox 70">
+                    <a:extLst>
+                      <a:ext uri="{FF2B5EF4-FFF2-40B4-BE49-F238E27FC236}">
+                        <a16:creationId xmlns:a16="http://schemas.microsoft.com/office/drawing/2014/main" id="{A4C984F2-DBF6-D306-94DD-910A238894AF}"/>
+                      </a:ext>
+                    </a:extLst>
+                  </p:cNvPr>
+                  <p:cNvSpPr txBox="1"/>
+                  <p:nvPr/>
+                </p:nvSpPr>
+                <p:spPr>
+                  <a:xfrm>
+                    <a:off x="6620260" y="4320677"/>
+                    <a:ext cx="365934" cy="230832"/>
+                  </a:xfrm>
+                  <a:prstGeom prst="rect">
+                    <a:avLst/>
+                  </a:prstGeom>
+                  <a:noFill/>
+                </p:spPr>
+                <p:txBody>
+                  <a:bodyPr wrap="none" rtlCol="0">
+                    <a:spAutoFit/>
+                  </a:bodyPr>
+                  <a:lstStyle/>
+                  <a:p>
+                    <a14:m>
+                      <m:oMathPara xmlns:m="http://schemas.openxmlformats.org/officeDocument/2006/math">
+                        <m:oMathParaPr>
+                          <m:jc m:val="centerGroup"/>
+                        </m:oMathParaPr>
+                        <m:oMath xmlns:m="http://schemas.openxmlformats.org/officeDocument/2006/math">
+                          <m:r>
+                            <a:rPr lang="en-US" sz="900" b="0" i="1" smtClean="0">
+                              <a:latin typeface="Cambria Math" panose="02040503050406030204" pitchFamily="18" charset="0"/>
+                            </a:rPr>
+                            <m:t>𝑠</m:t>
+                          </m:r>
+                          <m:r>
+                            <a:rPr lang="en-US" sz="900" b="0" i="1" smtClean="0">
+                              <a:latin typeface="Cambria Math" panose="02040503050406030204" pitchFamily="18" charset="0"/>
+                            </a:rPr>
+                            <m:t>,</m:t>
+                          </m:r>
+                          <m:r>
+                            <a:rPr lang="en-US" sz="900" b="0" i="1" smtClean="0">
+                              <a:latin typeface="Cambria Math" panose="02040503050406030204" pitchFamily="18" charset="0"/>
+                            </a:rPr>
+                            <m:t>𝑟</m:t>
+                          </m:r>
+                        </m:oMath>
+                      </m:oMathPara>
+                    </a14:m>
+                    <a:endParaRPr lang="en-US" sz="900" dirty="0"/>
+                  </a:p>
+                </p:txBody>
+              </p:sp>
+            </mc:Choice>
+            <mc:Fallback>
+              <p:sp>
+                <p:nvSpPr>
+                  <p:cNvPr id="71" name="TextBox 70">
+                    <a:extLst>
+                      <a:ext uri="{FF2B5EF4-FFF2-40B4-BE49-F238E27FC236}">
+                        <a16:creationId xmlns:a16="http://schemas.microsoft.com/office/drawing/2014/main" id="{A4C984F2-DBF6-D306-94DD-910A238894AF}"/>
+                      </a:ext>
+                    </a:extLst>
+                  </p:cNvPr>
+                  <p:cNvSpPr txBox="1">
+                    <a:spLocks noRot="1" noChangeAspect="1" noMove="1" noResize="1" noEditPoints="1" noAdjustHandles="1" noChangeArrowheads="1" noChangeShapeType="1" noTextEdit="1"/>
+                  </p:cNvSpPr>
+                  <p:nvPr/>
+                </p:nvSpPr>
+                <p:spPr>
+                  <a:xfrm>
+                    <a:off x="6620260" y="4320677"/>
+                    <a:ext cx="365934" cy="230832"/>
+                  </a:xfrm>
+                  <a:prstGeom prst="rect">
+                    <a:avLst/>
+                  </a:prstGeom>
+                  <a:blipFill>
+                    <a:blip r:embed="rId20"/>
+                    <a:stretch>
+                      <a:fillRect/>
+                    </a:stretch>
+                  </a:blipFill>
+                </p:spPr>
+                <p:txBody>
+                  <a:bodyPr/>
+                  <a:lstStyle/>
+                  <a:p>
+                    <a:r>
+                      <a:rPr lang="en-US">
+                        <a:noFill/>
+                      </a:rPr>
+                      <a:t> </a:t>
+                    </a:r>
+                  </a:p>
+                </p:txBody>
+              </p:sp>
+            </mc:Fallback>
+          </mc:AlternateContent>
+          <mc:AlternateContent xmlns:mc="http://schemas.openxmlformats.org/markup-compatibility/2006">
+            <mc:Choice xmlns:a14="http://schemas.microsoft.com/office/drawing/2010/main" Requires="a14">
+              <p:sp>
+                <p:nvSpPr>
+                  <p:cNvPr id="73" name="TextBox 72">
+                    <a:extLst>
+                      <a:ext uri="{FF2B5EF4-FFF2-40B4-BE49-F238E27FC236}">
+                        <a16:creationId xmlns:a16="http://schemas.microsoft.com/office/drawing/2014/main" id="{E5909894-7C8C-D134-9558-96F52230F699}"/>
+                      </a:ext>
+                    </a:extLst>
+                  </p:cNvPr>
+                  <p:cNvSpPr txBox="1"/>
+                  <p:nvPr/>
+                </p:nvSpPr>
+                <p:spPr>
+                  <a:xfrm>
+                    <a:off x="6396449" y="5288775"/>
+                    <a:ext cx="724878" cy="230832"/>
+                  </a:xfrm>
+                  <a:prstGeom prst="rect">
+                    <a:avLst/>
+                  </a:prstGeom>
+                  <a:noFill/>
+                </p:spPr>
+                <p:txBody>
+                  <a:bodyPr wrap="none" rtlCol="0">
+                    <a:spAutoFit/>
+                  </a:bodyPr>
+                  <a:lstStyle/>
+                  <a:p>
+                    <a14:m>
+                      <m:oMathPara xmlns:m="http://schemas.openxmlformats.org/officeDocument/2006/math">
+                        <m:oMathParaPr>
+                          <m:jc m:val="centerGroup"/>
+                        </m:oMathParaPr>
+                        <m:oMath xmlns:m="http://schemas.openxmlformats.org/officeDocument/2006/math">
+                          <m:r>
+                            <a:rPr lang="en-US" sz="900" i="1" smtClean="0">
+                              <a:latin typeface="Cambria Math" panose="02040503050406030204" pitchFamily="18" charset="0"/>
+                            </a:rPr>
+                            <m:t>𝑟</m:t>
+                          </m:r>
+                          <m:r>
+                            <a:rPr lang="en-US" sz="900" b="0" i="1" smtClean="0">
+                              <a:latin typeface="Cambria Math" panose="02040503050406030204" pitchFamily="18" charset="0"/>
+                            </a:rPr>
+                            <m:t>𝑜𝑙𝑙𝑜𝑢𝑡</m:t>
+                          </m:r>
+                          <m:d>
+                            <m:dPr>
+                              <m:ctrlPr>
+                                <a:rPr lang="en-US" sz="900" b="0" i="1" smtClean="0">
+                                  <a:latin typeface="Cambria Math" panose="02040503050406030204" pitchFamily="18" charset="0"/>
+                                </a:rPr>
+                              </m:ctrlPr>
+                            </m:dPr>
+                            <m:e>
+                              <m:r>
+                                <a:rPr lang="en-US" sz="900" b="0" i="1" smtClean="0">
+                                  <a:latin typeface="Cambria Math" panose="02040503050406030204" pitchFamily="18" charset="0"/>
+                                </a:rPr>
+                                <m:t>𝑠</m:t>
+                              </m:r>
+                            </m:e>
+                          </m:d>
+                        </m:oMath>
+                      </m:oMathPara>
+                    </a14:m>
+                    <a:endParaRPr lang="en-US" sz="900" dirty="0"/>
+                  </a:p>
+                </p:txBody>
+              </p:sp>
+            </mc:Choice>
+            <mc:Fallback>
+              <p:sp>
+                <p:nvSpPr>
+                  <p:cNvPr id="73" name="TextBox 72">
+                    <a:extLst>
+                      <a:ext uri="{FF2B5EF4-FFF2-40B4-BE49-F238E27FC236}">
+                        <a16:creationId xmlns:a16="http://schemas.microsoft.com/office/drawing/2014/main" id="{E5909894-7C8C-D134-9558-96F52230F699}"/>
+                      </a:ext>
+                    </a:extLst>
+                  </p:cNvPr>
+                  <p:cNvSpPr txBox="1">
+                    <a:spLocks noRot="1" noChangeAspect="1" noMove="1" noResize="1" noEditPoints="1" noAdjustHandles="1" noChangeArrowheads="1" noChangeShapeType="1" noTextEdit="1"/>
+                  </p:cNvSpPr>
+                  <p:nvPr/>
+                </p:nvSpPr>
+                <p:spPr>
+                  <a:xfrm>
+                    <a:off x="6396449" y="5288775"/>
+                    <a:ext cx="724878" cy="230832"/>
+                  </a:xfrm>
+                  <a:prstGeom prst="rect">
+                    <a:avLst/>
+                  </a:prstGeom>
+                  <a:blipFill>
+                    <a:blip r:embed="rId21"/>
+                    <a:stretch>
+                      <a:fillRect/>
+                    </a:stretch>
+                  </a:blipFill>
+                </p:spPr>
+                <p:txBody>
+                  <a:bodyPr/>
+                  <a:lstStyle/>
+                  <a:p>
+                    <a:r>
+                      <a:rPr lang="en-US">
+                        <a:noFill/>
+                      </a:rPr>
+                      <a:t> </a:t>
+                    </a:r>
+                  </a:p>
+                </p:txBody>
+              </p:sp>
+            </mc:Fallback>
+          </mc:AlternateContent>
+        </p:grpSp>
+        <mc:AlternateContent xmlns:mc="http://schemas.openxmlformats.org/markup-compatibility/2006">
+          <mc:Choice xmlns:a14="http://schemas.microsoft.com/office/drawing/2010/main" Requires="a14">
+            <p:sp>
+              <p:nvSpPr>
+                <p:cNvPr id="74" name="TextBox 73">
+                  <a:extLst>
+                    <a:ext uri="{FF2B5EF4-FFF2-40B4-BE49-F238E27FC236}">
+                      <a16:creationId xmlns:a16="http://schemas.microsoft.com/office/drawing/2014/main" id="{811A2C6F-EBB3-3DE9-CAE0-94272BEDF4D0}"/>
+                    </a:ext>
+                  </a:extLst>
+                </p:cNvPr>
+                <p:cNvSpPr txBox="1"/>
+                <p:nvPr/>
+              </p:nvSpPr>
+              <p:spPr>
+                <a:xfrm>
+                  <a:off x="6623755" y="3698572"/>
+                  <a:ext cx="884601" cy="230961"/>
+                </a:xfrm>
+                <a:prstGeom prst="rect">
+                  <a:avLst/>
+                </a:prstGeom>
+                <a:noFill/>
+              </p:spPr>
+              <p:txBody>
+                <a:bodyPr wrap="none" rtlCol="0">
+                  <a:spAutoFit/>
+                </a:bodyPr>
+                <a:lstStyle/>
+                <a:p>
+                  <a14:m>
+                    <m:oMathPara xmlns:m="http://schemas.openxmlformats.org/officeDocument/2006/math">
+                      <m:oMathParaPr>
+                        <m:jc m:val="centerGroup"/>
+                      </m:oMathParaPr>
+                      <m:oMath xmlns:m="http://schemas.openxmlformats.org/officeDocument/2006/math">
+                        <m:d>
+                          <m:dPr>
+                            <m:begChr m:val="{"/>
+                            <m:endChr m:val="}"/>
+                            <m:ctrlPr>
+                              <a:rPr lang="en-US" sz="900" b="0" i="1" smtClean="0">
+                                <a:latin typeface="Cambria Math" panose="02040503050406030204" pitchFamily="18" charset="0"/>
+                              </a:rPr>
+                            </m:ctrlPr>
+                          </m:dPr>
+                          <m:e>
+                            <m:d>
+                              <m:dPr>
+                                <m:ctrlPr>
+                                  <a:rPr lang="en-US" sz="900" b="0" i="1" smtClean="0">
+                                    <a:latin typeface="Cambria Math" panose="02040503050406030204" pitchFamily="18" charset="0"/>
+                                  </a:rPr>
+                                </m:ctrlPr>
+                              </m:dPr>
+                              <m:e>
+                                <m:sSub>
+                                  <m:sSubPr>
+                                    <m:ctrlPr>
+                                      <a:rPr lang="en-US" sz="900" b="0" i="1" smtClean="0">
+                                        <a:latin typeface="Cambria Math" panose="02040503050406030204" pitchFamily="18" charset="0"/>
+                                      </a:rPr>
+                                    </m:ctrlPr>
+                                  </m:sSubPr>
+                                  <m:e>
+                                    <m:r>
+                                      <a:rPr lang="en-US" sz="900" b="0" i="1" smtClean="0">
+                                        <a:latin typeface="Cambria Math" panose="02040503050406030204" pitchFamily="18" charset="0"/>
+                                      </a:rPr>
+                                      <m:t>𝑠</m:t>
+                                    </m:r>
+                                  </m:e>
+                                  <m:sub>
+                                    <m:r>
+                                      <a:rPr lang="en-US" sz="900" b="0" i="1" smtClean="0">
+                                        <a:latin typeface="Cambria Math" panose="02040503050406030204" pitchFamily="18" charset="0"/>
+                                      </a:rPr>
+                                      <m:t>𝑖</m:t>
+                                    </m:r>
+                                  </m:sub>
+                                </m:sSub>
+                                <m:r>
+                                  <a:rPr lang="en-US" sz="900" b="0" i="1" smtClean="0">
+                                    <a:latin typeface="Cambria Math" panose="02040503050406030204" pitchFamily="18" charset="0"/>
+                                  </a:rPr>
+                                  <m:t>,</m:t>
+                                </m:r>
+                                <m:sSub>
+                                  <m:sSubPr>
+                                    <m:ctrlPr>
+                                      <a:rPr lang="en-US" sz="900" b="0" i="1" smtClean="0">
+                                        <a:latin typeface="Cambria Math" panose="02040503050406030204" pitchFamily="18" charset="0"/>
+                                      </a:rPr>
+                                    </m:ctrlPr>
+                                  </m:sSubPr>
+                                  <m:e>
+                                    <m:r>
+                                      <a:rPr lang="en-US" sz="900" b="0" i="1" smtClean="0">
+                                        <a:latin typeface="Cambria Math" panose="02040503050406030204" pitchFamily="18" charset="0"/>
+                                      </a:rPr>
+                                      <m:t>𝑎</m:t>
+                                    </m:r>
+                                  </m:e>
+                                  <m:sub>
+                                    <m:r>
+                                      <a:rPr lang="en-US" sz="900" b="0" i="1" smtClean="0">
+                                        <a:latin typeface="Cambria Math" panose="02040503050406030204" pitchFamily="18" charset="0"/>
+                                      </a:rPr>
+                                      <m:t>𝑖</m:t>
+                                    </m:r>
+                                  </m:sub>
+                                </m:sSub>
+                                <m:r>
+                                  <a:rPr lang="en-US" sz="900" b="0" i="1" smtClean="0">
+                                    <a:latin typeface="Cambria Math" panose="02040503050406030204" pitchFamily="18" charset="0"/>
+                                  </a:rPr>
+                                  <m:t>,</m:t>
+                                </m:r>
+                                <m:sSubSup>
+                                  <m:sSubSupPr>
+                                    <m:ctrlPr>
+                                      <a:rPr lang="en-US" sz="900" b="0" i="1" smtClean="0">
+                                        <a:latin typeface="Cambria Math" panose="02040503050406030204" pitchFamily="18" charset="0"/>
+                                      </a:rPr>
+                                    </m:ctrlPr>
+                                  </m:sSubSupPr>
+                                  <m:e>
+                                    <m:r>
+                                      <a:rPr lang="en-US" sz="900" b="0" i="1" smtClean="0">
+                                        <a:latin typeface="Cambria Math" panose="02040503050406030204" pitchFamily="18" charset="0"/>
+                                      </a:rPr>
+                                      <m:t>𝑠</m:t>
+                                    </m:r>
+                                  </m:e>
+                                  <m:sub>
+                                    <m:r>
+                                      <a:rPr lang="en-US" sz="900" b="0" i="1" smtClean="0">
+                                        <a:latin typeface="Cambria Math" panose="02040503050406030204" pitchFamily="18" charset="0"/>
+                                      </a:rPr>
+                                      <m:t>𝑖</m:t>
+                                    </m:r>
+                                  </m:sub>
+                                  <m:sup>
+                                    <m:r>
+                                      <a:rPr lang="en-US" sz="900" b="0" i="1" smtClean="0">
+                                        <a:latin typeface="Cambria Math" panose="02040503050406030204" pitchFamily="18" charset="0"/>
+                                      </a:rPr>
+                                      <m:t>′</m:t>
+                                    </m:r>
+                                  </m:sup>
+                                </m:sSubSup>
+                                <m:r>
+                                  <a:rPr lang="en-US" sz="900" b="0" i="1" smtClean="0">
+                                    <a:latin typeface="Cambria Math" panose="02040503050406030204" pitchFamily="18" charset="0"/>
+                                  </a:rPr>
+                                  <m:t>,</m:t>
+                                </m:r>
+                                <m:sSub>
+                                  <m:sSubPr>
+                                    <m:ctrlPr>
+                                      <a:rPr lang="en-US" sz="900" b="0" i="1" smtClean="0">
+                                        <a:latin typeface="Cambria Math" panose="02040503050406030204" pitchFamily="18" charset="0"/>
+                                      </a:rPr>
+                                    </m:ctrlPr>
+                                  </m:sSubPr>
+                                  <m:e>
+                                    <m:r>
+                                      <a:rPr lang="en-US" sz="900" b="0" i="1" smtClean="0">
+                                        <a:latin typeface="Cambria Math" panose="02040503050406030204" pitchFamily="18" charset="0"/>
+                                      </a:rPr>
+                                      <m:t>𝑟</m:t>
+                                    </m:r>
+                                  </m:e>
+                                  <m:sub>
+                                    <m:r>
+                                      <a:rPr lang="en-US" sz="900" b="0" i="1" smtClean="0">
+                                        <a:latin typeface="Cambria Math" panose="02040503050406030204" pitchFamily="18" charset="0"/>
+                                      </a:rPr>
+                                      <m:t>𝑖</m:t>
+                                    </m:r>
+                                  </m:sub>
+                                </m:sSub>
+                              </m:e>
+                            </m:d>
+                          </m:e>
+                        </m:d>
+                      </m:oMath>
+                    </m:oMathPara>
+                  </a14:m>
+                  <a:endParaRPr lang="en-US" sz="900" dirty="0"/>
+                </a:p>
+              </p:txBody>
+            </p:sp>
+          </mc:Choice>
+          <mc:Fallback>
+            <p:sp>
+              <p:nvSpPr>
+                <p:cNvPr id="74" name="TextBox 73">
+                  <a:extLst>
+                    <a:ext uri="{FF2B5EF4-FFF2-40B4-BE49-F238E27FC236}">
+                      <a16:creationId xmlns:a16="http://schemas.microsoft.com/office/drawing/2014/main" id="{811A2C6F-EBB3-3DE9-CAE0-94272BEDF4D0}"/>
+                    </a:ext>
+                  </a:extLst>
+                </p:cNvPr>
+                <p:cNvSpPr txBox="1">
+                  <a:spLocks noRot="1" noChangeAspect="1" noMove="1" noResize="1" noEditPoints="1" noAdjustHandles="1" noChangeArrowheads="1" noChangeShapeType="1" noTextEdit="1"/>
+                </p:cNvSpPr>
+                <p:nvPr/>
+              </p:nvSpPr>
+              <p:spPr>
+                <a:xfrm>
+                  <a:off x="6623755" y="3698572"/>
+                  <a:ext cx="884601" cy="230961"/>
+                </a:xfrm>
+                <a:prstGeom prst="rect">
+                  <a:avLst/>
+                </a:prstGeom>
+                <a:blipFill>
+                  <a:blip r:embed="rId22"/>
+                  <a:stretch>
+                    <a:fillRect/>
+                  </a:stretch>
+                </a:blipFill>
+              </p:spPr>
+              <p:txBody>
+                <a:bodyPr/>
+                <a:lstStyle/>
+                <a:p>
+                  <a:r>
+                    <a:rPr lang="en-US">
+                      <a:noFill/>
+                    </a:rPr>
+                    <a:t> </a:t>
+                  </a:r>
+                </a:p>
+              </p:txBody>
+            </p:sp>
+          </mc:Fallback>
+        </mc:AlternateContent>
         <p:sp>
           <p:nvSpPr>
-            <p:cNvPr id="81" name="Rounded Rectangle 80">
+            <p:cNvPr id="75" name="TextBox 74">
               <a:extLst>
                 <a:ext uri="{FF2B5EF4-FFF2-40B4-BE49-F238E27FC236}">
-                  <a16:creationId xmlns:a16="http://schemas.microsoft.com/office/drawing/2014/main" id="{81D05118-9533-7DF0-1314-5A38C1F299BD}"/>
+                  <a16:creationId xmlns:a16="http://schemas.microsoft.com/office/drawing/2014/main" id="{36F756CE-7531-AFF8-F473-47EF346547C0}"/>
+                </a:ext>
+              </a:extLst>
+            </p:cNvPr>
+            <p:cNvSpPr txBox="1"/>
+            <p:nvPr/>
+          </p:nvSpPr>
+          <p:spPr>
+            <a:xfrm>
+              <a:off x="6106786" y="5806946"/>
+              <a:ext cx="1745991" cy="230832"/>
+            </a:xfrm>
+            <a:prstGeom prst="rect">
+              <a:avLst/>
+            </a:prstGeom>
+            <a:noFill/>
+          </p:spPr>
+          <p:txBody>
+            <a:bodyPr wrap="none" rtlCol="0">
+              <a:spAutoFit/>
+            </a:bodyPr>
+            <a:lstStyle/>
+            <a:p>
+              <a:r>
+                <a:rPr lang="en-US" sz="900" dirty="0"/>
+                <a:t>(c) offline reinforcement learning</a:t>
+              </a:r>
+            </a:p>
+          </p:txBody>
+        </p:sp>
+        <p:grpSp>
+          <p:nvGrpSpPr>
+            <p:cNvPr id="76" name="Group 75">
+              <a:extLst>
+                <a:ext uri="{FF2B5EF4-FFF2-40B4-BE49-F238E27FC236}">
+                  <a16:creationId xmlns:a16="http://schemas.microsoft.com/office/drawing/2014/main" id="{4CBC5A9A-1028-E49B-038E-530D084BFF49}"/>
+                </a:ext>
+              </a:extLst>
+            </p:cNvPr>
+            <p:cNvGrpSpPr/>
+            <p:nvPr/>
+          </p:nvGrpSpPr>
+          <p:grpSpPr>
+            <a:xfrm>
+              <a:off x="7693913" y="4365134"/>
+              <a:ext cx="631825" cy="294328"/>
+              <a:chOff x="7693913" y="1604681"/>
+              <a:chExt cx="631825" cy="294328"/>
+            </a:xfrm>
+          </p:grpSpPr>
+          <p:sp>
+            <p:nvSpPr>
+              <p:cNvPr id="78" name="Can 77">
+                <a:extLst>
+                  <a:ext uri="{FF2B5EF4-FFF2-40B4-BE49-F238E27FC236}">
+                    <a16:creationId xmlns:a16="http://schemas.microsoft.com/office/drawing/2014/main" id="{F318ABE2-425D-3FD2-4532-C7A4FCA1F9C4}"/>
+                  </a:ext>
+                </a:extLst>
+              </p:cNvPr>
+              <p:cNvSpPr/>
+              <p:nvPr/>
+            </p:nvSpPr>
+            <p:spPr>
+              <a:xfrm>
+                <a:off x="7693913" y="1604681"/>
+                <a:ext cx="631825" cy="292525"/>
+              </a:xfrm>
+              <a:prstGeom prst="can">
+                <a:avLst/>
+              </a:prstGeom>
+              <a:solidFill>
+                <a:schemeClr val="accent1">
+                  <a:alpha val="13000"/>
+                </a:schemeClr>
+              </a:solidFill>
+              <a:ln w="6350"/>
+            </p:spPr>
+            <p:style>
+              <a:lnRef idx="2">
+                <a:schemeClr val="accent1">
+                  <a:shade val="15000"/>
+                </a:schemeClr>
+              </a:lnRef>
+              <a:fillRef idx="1">
+                <a:schemeClr val="accent1"/>
+              </a:fillRef>
+              <a:effectRef idx="0">
+                <a:schemeClr val="accent1"/>
+              </a:effectRef>
+              <a:fontRef idx="minor">
+                <a:schemeClr val="lt1"/>
+              </a:fontRef>
+            </p:style>
+            <p:txBody>
+              <a:bodyPr rtlCol="0" anchor="ctr"/>
+              <a:lstStyle/>
+              <a:p>
+                <a:pPr algn="ctr"/>
+                <a:endParaRPr lang="en-US"/>
+              </a:p>
+            </p:txBody>
+          </p:sp>
+          <mc:AlternateContent xmlns:mc="http://schemas.openxmlformats.org/markup-compatibility/2006">
+            <mc:Choice xmlns:a14="http://schemas.microsoft.com/office/drawing/2010/main" Requires="a14">
+              <p:sp>
+                <p:nvSpPr>
+                  <p:cNvPr id="79" name="TextBox 78">
+                    <a:extLst>
+                      <a:ext uri="{FF2B5EF4-FFF2-40B4-BE49-F238E27FC236}">
+                        <a16:creationId xmlns:a16="http://schemas.microsoft.com/office/drawing/2014/main" id="{23866BE3-0C88-8BB3-B9FC-6CC3F9886BFB}"/>
+                      </a:ext>
+                    </a:extLst>
+                  </p:cNvPr>
+                  <p:cNvSpPr txBox="1"/>
+                  <p:nvPr/>
+                </p:nvSpPr>
+                <p:spPr>
+                  <a:xfrm>
+                    <a:off x="7737948" y="1668177"/>
+                    <a:ext cx="587790" cy="230832"/>
+                  </a:xfrm>
+                  <a:prstGeom prst="rect">
+                    <a:avLst/>
+                  </a:prstGeom>
+                  <a:noFill/>
+                </p:spPr>
+                <p:txBody>
+                  <a:bodyPr wrap="none" rtlCol="0">
+                    <a:spAutoFit/>
+                  </a:bodyPr>
+                  <a:lstStyle/>
+                  <a:p>
+                    <a:r>
+                      <a:rPr lang="en-US" sz="900" dirty="0"/>
+                      <a:t>buffer </a:t>
+                    </a:r>
+                    <a14:m>
+                      <m:oMath xmlns:m="http://schemas.openxmlformats.org/officeDocument/2006/math">
+                        <m:r>
+                          <a:rPr lang="en-US" sz="900" i="1" smtClean="0">
+                            <a:latin typeface="Cambria Math" panose="02040503050406030204" pitchFamily="18" charset="0"/>
+                            <a:ea typeface="Cambria Math" panose="02040503050406030204" pitchFamily="18" charset="0"/>
+                          </a:rPr>
+                          <m:t>𝒟</m:t>
+                        </m:r>
+                      </m:oMath>
+                    </a14:m>
+                    <a:endParaRPr lang="en-US" sz="900" dirty="0"/>
+                  </a:p>
+                </p:txBody>
+              </p:sp>
+            </mc:Choice>
+            <mc:Fallback>
+              <p:sp>
+                <p:nvSpPr>
+                  <p:cNvPr id="79" name="TextBox 78">
+                    <a:extLst>
+                      <a:ext uri="{FF2B5EF4-FFF2-40B4-BE49-F238E27FC236}">
+                        <a16:creationId xmlns:a16="http://schemas.microsoft.com/office/drawing/2014/main" id="{23866BE3-0C88-8BB3-B9FC-6CC3F9886BFB}"/>
+                      </a:ext>
+                    </a:extLst>
+                  </p:cNvPr>
+                  <p:cNvSpPr txBox="1">
+                    <a:spLocks noRot="1" noChangeAspect="1" noMove="1" noResize="1" noEditPoints="1" noAdjustHandles="1" noChangeArrowheads="1" noChangeShapeType="1" noTextEdit="1"/>
+                  </p:cNvSpPr>
+                  <p:nvPr/>
+                </p:nvSpPr>
+                <p:spPr>
+                  <a:xfrm>
+                    <a:off x="7737948" y="1668177"/>
+                    <a:ext cx="587790" cy="230832"/>
+                  </a:xfrm>
+                  <a:prstGeom prst="rect">
+                    <a:avLst/>
+                  </a:prstGeom>
+                  <a:blipFill>
+                    <a:blip r:embed="rId23"/>
+                    <a:stretch>
+                      <a:fillRect b="-10526"/>
+                    </a:stretch>
+                  </a:blipFill>
+                </p:spPr>
+                <p:txBody>
+                  <a:bodyPr/>
+                  <a:lstStyle/>
+                  <a:p>
+                    <a:r>
+                      <a:rPr lang="en-US">
+                        <a:noFill/>
+                      </a:rPr>
+                      <a:t> </a:t>
+                    </a:r>
+                  </a:p>
+                </p:txBody>
+              </p:sp>
+            </mc:Fallback>
+          </mc:AlternateContent>
+        </p:grpSp>
+        <p:cxnSp>
+          <p:nvCxnSpPr>
+            <p:cNvPr id="77" name="Straight Arrow Connector 76">
+              <a:extLst>
+                <a:ext uri="{FF2B5EF4-FFF2-40B4-BE49-F238E27FC236}">
+                  <a16:creationId xmlns:a16="http://schemas.microsoft.com/office/drawing/2014/main" id="{AE2F38DA-AB10-233A-58EF-EFDE3039C934}"/>
+                </a:ext>
+              </a:extLst>
+            </p:cNvPr>
+            <p:cNvCxnSpPr>
+              <a:stCxn id="79" idx="2"/>
+              <a:endCxn id="81" idx="0"/>
+            </p:cNvCxnSpPr>
+            <p:nvPr/>
+          </p:nvCxnSpPr>
+          <p:spPr>
+            <a:xfrm flipH="1">
+              <a:off x="8027288" y="4659462"/>
+              <a:ext cx="4555" cy="168208"/>
+            </a:xfrm>
+            <a:prstGeom prst="straightConnector1">
+              <a:avLst/>
+            </a:prstGeom>
+            <a:ln>
+              <a:tailEnd type="triangle" w="sm" len="sm"/>
+            </a:ln>
+          </p:spPr>
+          <p:style>
+            <a:lnRef idx="1">
+              <a:schemeClr val="accent1"/>
+            </a:lnRef>
+            <a:fillRef idx="0">
+              <a:schemeClr val="accent1"/>
+            </a:fillRef>
+            <a:effectRef idx="0">
+              <a:schemeClr val="accent1"/>
+            </a:effectRef>
+            <a:fontRef idx="minor">
+              <a:schemeClr val="tx1"/>
+            </a:fontRef>
+          </p:style>
+        </p:cxnSp>
+        <p:grpSp>
+          <p:nvGrpSpPr>
+            <p:cNvPr id="83" name="Group 82">
+              <a:extLst>
+                <a:ext uri="{FF2B5EF4-FFF2-40B4-BE49-F238E27FC236}">
+                  <a16:creationId xmlns:a16="http://schemas.microsoft.com/office/drawing/2014/main" id="{802BAF96-6F9D-89A0-34F2-74193A9FDDC5}"/>
+                </a:ext>
+              </a:extLst>
+            </p:cNvPr>
+            <p:cNvGrpSpPr/>
+            <p:nvPr/>
+          </p:nvGrpSpPr>
+          <p:grpSpPr>
+            <a:xfrm>
+              <a:off x="8608301" y="4138902"/>
+              <a:ext cx="1793875" cy="1369799"/>
+              <a:chOff x="5652400" y="4149808"/>
+              <a:chExt cx="1793875" cy="1369799"/>
+            </a:xfrm>
+          </p:grpSpPr>
+          <p:sp>
+            <p:nvSpPr>
+              <p:cNvPr id="84" name="Rounded Rectangle 83">
+                <a:extLst>
+                  <a:ext uri="{FF2B5EF4-FFF2-40B4-BE49-F238E27FC236}">
+                    <a16:creationId xmlns:a16="http://schemas.microsoft.com/office/drawing/2014/main" id="{8F987496-C414-CE0B-6789-AF54CFE593C4}"/>
+                  </a:ext>
+                </a:extLst>
+              </p:cNvPr>
+              <p:cNvSpPr/>
+              <p:nvPr/>
+            </p:nvSpPr>
+            <p:spPr>
+              <a:xfrm>
+                <a:off x="5652400" y="4149808"/>
+                <a:ext cx="1793875" cy="1355725"/>
+              </a:xfrm>
+              <a:prstGeom prst="roundRect">
+                <a:avLst/>
+              </a:prstGeom>
+              <a:solidFill>
+                <a:schemeClr val="accent1">
+                  <a:alpha val="3250"/>
+                </a:schemeClr>
+              </a:solidFill>
+              <a:ln w="6350"/>
+            </p:spPr>
+            <p:style>
+              <a:lnRef idx="2">
+                <a:schemeClr val="accent1">
+                  <a:shade val="15000"/>
+                </a:schemeClr>
+              </a:lnRef>
+              <a:fillRef idx="1">
+                <a:schemeClr val="accent1"/>
+              </a:fillRef>
+              <a:effectRef idx="0">
+                <a:schemeClr val="accent1"/>
+              </a:effectRef>
+              <a:fontRef idx="minor">
+                <a:schemeClr val="lt1"/>
+              </a:fontRef>
+            </p:style>
+            <p:txBody>
+              <a:bodyPr rtlCol="0" anchor="ctr"/>
+              <a:lstStyle/>
+              <a:p>
+                <a:pPr algn="ctr"/>
+                <a:endParaRPr lang="en-US" sz="900" dirty="0"/>
+              </a:p>
+            </p:txBody>
+          </p:sp>
+          <p:sp>
+            <p:nvSpPr>
+              <p:cNvPr id="85" name="Rectangle 84">
+                <a:extLst>
+                  <a:ext uri="{FF2B5EF4-FFF2-40B4-BE49-F238E27FC236}">
+                    <a16:creationId xmlns:a16="http://schemas.microsoft.com/office/drawing/2014/main" id="{E85DBD68-555A-C762-17F3-921E02DA041C}"/>
+                  </a:ext>
+                </a:extLst>
+              </p:cNvPr>
+              <p:cNvSpPr/>
+              <p:nvPr/>
+            </p:nvSpPr>
+            <p:spPr>
+              <a:xfrm>
+                <a:off x="5798449" y="4575258"/>
+                <a:ext cx="1041401" cy="469900"/>
+              </a:xfrm>
+              <a:prstGeom prst="rect">
+                <a:avLst/>
+              </a:prstGeom>
+              <a:solidFill>
+                <a:schemeClr val="accent1">
+                  <a:alpha val="18000"/>
+                </a:schemeClr>
+              </a:solidFill>
+              <a:ln w="6350"/>
+            </p:spPr>
+            <p:style>
+              <a:lnRef idx="2">
+                <a:schemeClr val="accent1">
+                  <a:shade val="15000"/>
+                </a:schemeClr>
+              </a:lnRef>
+              <a:fillRef idx="1">
+                <a:schemeClr val="accent1"/>
+              </a:fillRef>
+              <a:effectRef idx="0">
+                <a:schemeClr val="accent1"/>
+              </a:effectRef>
+              <a:fontRef idx="minor">
+                <a:schemeClr val="lt1"/>
+              </a:fontRef>
+            </p:style>
+            <p:txBody>
+              <a:bodyPr rtlCol="0" anchor="ctr"/>
+              <a:lstStyle/>
+              <a:p>
+                <a:pPr algn="ctr"/>
+                <a:endParaRPr lang="en-US"/>
+              </a:p>
+            </p:txBody>
+          </p:sp>
+          <p:sp>
+            <p:nvSpPr>
+              <p:cNvPr id="86" name="TextBox 85">
+                <a:extLst>
+                  <a:ext uri="{FF2B5EF4-FFF2-40B4-BE49-F238E27FC236}">
+                    <a16:creationId xmlns:a16="http://schemas.microsoft.com/office/drawing/2014/main" id="{A87AD1A5-F093-0B74-730B-D706ECBFDD2B}"/>
+                  </a:ext>
+                </a:extLst>
+              </p:cNvPr>
+              <p:cNvSpPr txBox="1"/>
+              <p:nvPr/>
+            </p:nvSpPr>
+            <p:spPr>
+              <a:xfrm>
+                <a:off x="5933841" y="4681402"/>
+                <a:ext cx="793807" cy="230832"/>
+              </a:xfrm>
+              <a:prstGeom prst="rect">
+                <a:avLst/>
+              </a:prstGeom>
+              <a:noFill/>
+            </p:spPr>
+            <p:txBody>
+              <a:bodyPr wrap="none" rtlCol="0">
+                <a:spAutoFit/>
+              </a:bodyPr>
+              <a:lstStyle/>
+              <a:p>
+                <a:r>
+                  <a:rPr lang="en-US" sz="900" dirty="0"/>
+                  <a:t>Environment</a:t>
+                </a:r>
+              </a:p>
+            </p:txBody>
+          </p:sp>
+          <p:cxnSp>
+            <p:nvCxnSpPr>
+              <p:cNvPr id="87" name="Elbow Connector 86">
+                <a:extLst>
+                  <a:ext uri="{FF2B5EF4-FFF2-40B4-BE49-F238E27FC236}">
+                    <a16:creationId xmlns:a16="http://schemas.microsoft.com/office/drawing/2014/main" id="{799A3D70-EAF6-020D-D468-11024FF36A63}"/>
+                  </a:ext>
+                </a:extLst>
+              </p:cNvPr>
+              <p:cNvCxnSpPr>
+                <a:cxnSpLocks/>
+                <a:stCxn id="85" idx="0"/>
+              </p:cNvCxnSpPr>
+              <p:nvPr/>
+            </p:nvCxnSpPr>
+            <p:spPr>
+              <a:xfrm rot="16200000" flipH="1">
+                <a:off x="6705817" y="4188591"/>
+                <a:ext cx="106144" cy="879478"/>
+              </a:xfrm>
+              <a:prstGeom prst="bentConnector4">
+                <a:avLst>
+                  <a:gd name="adj1" fmla="val -215368"/>
+                  <a:gd name="adj2" fmla="val 100181"/>
+                </a:avLst>
+              </a:prstGeom>
+              <a:ln>
+                <a:tailEnd type="triangle" w="sm" len="sm"/>
+              </a:ln>
+            </p:spPr>
+            <p:style>
+              <a:lnRef idx="1">
+                <a:schemeClr val="accent1"/>
+              </a:lnRef>
+              <a:fillRef idx="0">
+                <a:schemeClr val="accent1"/>
+              </a:fillRef>
+              <a:effectRef idx="0">
+                <a:schemeClr val="accent1"/>
+              </a:effectRef>
+              <a:fontRef idx="minor">
+                <a:schemeClr val="tx1"/>
+              </a:fontRef>
+            </p:style>
+          </p:cxnSp>
+          <mc:AlternateContent xmlns:mc="http://schemas.openxmlformats.org/markup-compatibility/2006">
+            <mc:Choice xmlns:a14="http://schemas.microsoft.com/office/drawing/2010/main" Requires="a14">
+              <p:sp>
+                <p:nvSpPr>
+                  <p:cNvPr id="88" name="TextBox 87">
+                    <a:extLst>
+                      <a:ext uri="{FF2B5EF4-FFF2-40B4-BE49-F238E27FC236}">
+                        <a16:creationId xmlns:a16="http://schemas.microsoft.com/office/drawing/2014/main" id="{371C1E54-C020-A8A1-2A92-D5C21116F97C}"/>
+                      </a:ext>
+                    </a:extLst>
+                  </p:cNvPr>
+                  <p:cNvSpPr txBox="1"/>
+                  <p:nvPr/>
+                </p:nvSpPr>
+                <p:spPr>
+                  <a:xfrm>
+                    <a:off x="7035523" y="4670973"/>
+                    <a:ext cx="281744" cy="230832"/>
+                  </a:xfrm>
+                  <a:prstGeom prst="rect">
+                    <a:avLst/>
+                  </a:prstGeom>
+                  <a:noFill/>
+                </p:spPr>
+                <p:txBody>
+                  <a:bodyPr wrap="none" rtlCol="0">
+                    <a:spAutoFit/>
+                  </a:bodyPr>
+                  <a:lstStyle/>
+                  <a:p>
+                    <a14:m>
+                      <m:oMathPara xmlns:m="http://schemas.openxmlformats.org/officeDocument/2006/math">
+                        <m:oMathParaPr>
+                          <m:jc m:val="centerGroup"/>
+                        </m:oMathParaPr>
+                        <m:oMath xmlns:m="http://schemas.openxmlformats.org/officeDocument/2006/math">
+                          <m:r>
+                            <a:rPr lang="en-US" sz="900" i="1" smtClean="0">
+                              <a:latin typeface="Cambria Math" panose="02040503050406030204" pitchFamily="18" charset="0"/>
+                              <a:ea typeface="Cambria Math" panose="02040503050406030204" pitchFamily="18" charset="0"/>
+                            </a:rPr>
+                            <m:t>𝜋</m:t>
+                          </m:r>
+                        </m:oMath>
+                      </m:oMathPara>
+                    </a14:m>
+                    <a:endParaRPr lang="en-US" sz="900" dirty="0"/>
+                  </a:p>
+                </p:txBody>
+              </p:sp>
+            </mc:Choice>
+            <mc:Fallback>
+              <p:sp>
+                <p:nvSpPr>
+                  <p:cNvPr id="88" name="TextBox 87">
+                    <a:extLst>
+                      <a:ext uri="{FF2B5EF4-FFF2-40B4-BE49-F238E27FC236}">
+                        <a16:creationId xmlns:a16="http://schemas.microsoft.com/office/drawing/2014/main" id="{371C1E54-C020-A8A1-2A92-D5C21116F97C}"/>
+                      </a:ext>
+                    </a:extLst>
+                  </p:cNvPr>
+                  <p:cNvSpPr txBox="1">
+                    <a:spLocks noRot="1" noChangeAspect="1" noMove="1" noResize="1" noEditPoints="1" noAdjustHandles="1" noChangeArrowheads="1" noChangeShapeType="1" noTextEdit="1"/>
+                  </p:cNvSpPr>
+                  <p:nvPr/>
+                </p:nvSpPr>
+                <p:spPr>
+                  <a:xfrm>
+                    <a:off x="7035523" y="4670973"/>
+                    <a:ext cx="281744" cy="230832"/>
+                  </a:xfrm>
+                  <a:prstGeom prst="rect">
+                    <a:avLst/>
+                  </a:prstGeom>
+                  <a:blipFill>
+                    <a:blip r:embed="rId24"/>
+                    <a:stretch>
+                      <a:fillRect/>
+                    </a:stretch>
+                  </a:blipFill>
+                </p:spPr>
+                <p:txBody>
+                  <a:bodyPr/>
+                  <a:lstStyle/>
+                  <a:p>
+                    <a:r>
+                      <a:rPr lang="en-US">
+                        <a:noFill/>
+                      </a:rPr>
+                      <a:t> </a:t>
+                    </a:r>
+                  </a:p>
+                </p:txBody>
+              </p:sp>
+            </mc:Fallback>
+          </mc:AlternateContent>
+          <p:cxnSp>
+            <p:nvCxnSpPr>
+              <p:cNvPr id="89" name="Elbow Connector 88">
+                <a:extLst>
+                  <a:ext uri="{FF2B5EF4-FFF2-40B4-BE49-F238E27FC236}">
+                    <a16:creationId xmlns:a16="http://schemas.microsoft.com/office/drawing/2014/main" id="{DC752D7E-6F61-43CD-30DE-443CC844C474}"/>
+                  </a:ext>
+                </a:extLst>
+              </p:cNvPr>
+              <p:cNvCxnSpPr>
+                <a:endCxn id="85" idx="2"/>
+              </p:cNvCxnSpPr>
+              <p:nvPr/>
+            </p:nvCxnSpPr>
+            <p:spPr>
+              <a:xfrm rot="10800000" flipV="1">
+                <a:off x="6319150" y="4940382"/>
+                <a:ext cx="879478" cy="104775"/>
+              </a:xfrm>
+              <a:prstGeom prst="bentConnector4">
+                <a:avLst>
+                  <a:gd name="adj1" fmla="val -181"/>
+                  <a:gd name="adj2" fmla="val 372727"/>
+                </a:avLst>
+              </a:prstGeom>
+              <a:ln>
+                <a:tailEnd type="triangle" w="sm" len="sm"/>
+              </a:ln>
+            </p:spPr>
+            <p:style>
+              <a:lnRef idx="1">
+                <a:schemeClr val="accent1"/>
+              </a:lnRef>
+              <a:fillRef idx="0">
+                <a:schemeClr val="accent1"/>
+              </a:fillRef>
+              <a:effectRef idx="0">
+                <a:schemeClr val="accent1"/>
+              </a:effectRef>
+              <a:fontRef idx="minor">
+                <a:schemeClr val="tx1"/>
+              </a:fontRef>
+            </p:style>
+          </p:cxnSp>
+          <mc:AlternateContent xmlns:mc="http://schemas.openxmlformats.org/markup-compatibility/2006">
+            <mc:Choice xmlns:a14="http://schemas.microsoft.com/office/drawing/2010/main" Requires="a14">
+              <p:sp>
+                <p:nvSpPr>
+                  <p:cNvPr id="90" name="TextBox 89">
+                    <a:extLst>
+                      <a:ext uri="{FF2B5EF4-FFF2-40B4-BE49-F238E27FC236}">
+                        <a16:creationId xmlns:a16="http://schemas.microsoft.com/office/drawing/2014/main" id="{417967B7-1E34-12E0-CB91-3C7715769802}"/>
+                      </a:ext>
+                    </a:extLst>
+                  </p:cNvPr>
+                  <p:cNvSpPr txBox="1"/>
+                  <p:nvPr/>
+                </p:nvSpPr>
+                <p:spPr>
+                  <a:xfrm>
+                    <a:off x="6589020" y="5106851"/>
+                    <a:ext cx="277255" cy="230832"/>
+                  </a:xfrm>
+                  <a:prstGeom prst="rect">
+                    <a:avLst/>
+                  </a:prstGeom>
+                  <a:noFill/>
+                </p:spPr>
+                <p:txBody>
+                  <a:bodyPr wrap="none" rtlCol="0">
+                    <a:spAutoFit/>
+                  </a:bodyPr>
+                  <a:lstStyle/>
+                  <a:p>
+                    <a14:m>
+                      <m:oMathPara xmlns:m="http://schemas.openxmlformats.org/officeDocument/2006/math">
+                        <m:oMathParaPr>
+                          <m:jc m:val="centerGroup"/>
+                        </m:oMathParaPr>
+                        <m:oMath xmlns:m="http://schemas.openxmlformats.org/officeDocument/2006/math">
+                          <m:r>
+                            <a:rPr lang="en-US" sz="900" i="1" dirty="0" smtClean="0">
+                              <a:latin typeface="Cambria Math" panose="02040503050406030204" pitchFamily="18" charset="0"/>
+                            </a:rPr>
+                            <m:t>𝑎</m:t>
+                          </m:r>
+                        </m:oMath>
+                      </m:oMathPara>
+                    </a14:m>
+                    <a:endParaRPr lang="en-US" sz="900" dirty="0"/>
+                  </a:p>
+                </p:txBody>
+              </p:sp>
+            </mc:Choice>
+            <mc:Fallback>
+              <p:sp>
+                <p:nvSpPr>
+                  <p:cNvPr id="90" name="TextBox 89">
+                    <a:extLst>
+                      <a:ext uri="{FF2B5EF4-FFF2-40B4-BE49-F238E27FC236}">
+                        <a16:creationId xmlns:a16="http://schemas.microsoft.com/office/drawing/2014/main" id="{417967B7-1E34-12E0-CB91-3C7715769802}"/>
+                      </a:ext>
+                    </a:extLst>
+                  </p:cNvPr>
+                  <p:cNvSpPr txBox="1">
+                    <a:spLocks noRot="1" noChangeAspect="1" noMove="1" noResize="1" noEditPoints="1" noAdjustHandles="1" noChangeArrowheads="1" noChangeShapeType="1" noTextEdit="1"/>
+                  </p:cNvSpPr>
+                  <p:nvPr/>
+                </p:nvSpPr>
+                <p:spPr>
+                  <a:xfrm>
+                    <a:off x="6589020" y="5106851"/>
+                    <a:ext cx="277255" cy="230832"/>
+                  </a:xfrm>
+                  <a:prstGeom prst="rect">
+                    <a:avLst/>
+                  </a:prstGeom>
+                  <a:blipFill>
+                    <a:blip r:embed="rId25"/>
+                    <a:stretch>
+                      <a:fillRect/>
+                    </a:stretch>
+                  </a:blipFill>
+                </p:spPr>
+                <p:txBody>
+                  <a:bodyPr/>
+                  <a:lstStyle/>
+                  <a:p>
+                    <a:r>
+                      <a:rPr lang="en-US">
+                        <a:noFill/>
+                      </a:rPr>
+                      <a:t> </a:t>
+                    </a:r>
+                  </a:p>
+                </p:txBody>
+              </p:sp>
+            </mc:Fallback>
+          </mc:AlternateContent>
+          <mc:AlternateContent xmlns:mc="http://schemas.openxmlformats.org/markup-compatibility/2006">
+            <mc:Choice xmlns:a14="http://schemas.microsoft.com/office/drawing/2010/main" Requires="a14">
+              <p:sp>
+                <p:nvSpPr>
+                  <p:cNvPr id="91" name="TextBox 90">
+                    <a:extLst>
+                      <a:ext uri="{FF2B5EF4-FFF2-40B4-BE49-F238E27FC236}">
+                        <a16:creationId xmlns:a16="http://schemas.microsoft.com/office/drawing/2014/main" id="{0E7C36B2-2622-CCCC-C5C1-5AA530D2F35D}"/>
+                      </a:ext>
+                    </a:extLst>
+                  </p:cNvPr>
+                  <p:cNvSpPr txBox="1"/>
+                  <p:nvPr/>
+                </p:nvSpPr>
+                <p:spPr>
+                  <a:xfrm>
+                    <a:off x="6620260" y="4320677"/>
+                    <a:ext cx="365934" cy="230832"/>
+                  </a:xfrm>
+                  <a:prstGeom prst="rect">
+                    <a:avLst/>
+                  </a:prstGeom>
+                  <a:noFill/>
+                </p:spPr>
+                <p:txBody>
+                  <a:bodyPr wrap="none" rtlCol="0">
+                    <a:spAutoFit/>
+                  </a:bodyPr>
+                  <a:lstStyle/>
+                  <a:p>
+                    <a14:m>
+                      <m:oMathPara xmlns:m="http://schemas.openxmlformats.org/officeDocument/2006/math">
+                        <m:oMathParaPr>
+                          <m:jc m:val="centerGroup"/>
+                        </m:oMathParaPr>
+                        <m:oMath xmlns:m="http://schemas.openxmlformats.org/officeDocument/2006/math">
+                          <m:r>
+                            <a:rPr lang="en-US" sz="900" b="0" i="1" smtClean="0">
+                              <a:latin typeface="Cambria Math" panose="02040503050406030204" pitchFamily="18" charset="0"/>
+                            </a:rPr>
+                            <m:t>𝑠</m:t>
+                          </m:r>
+                          <m:r>
+                            <a:rPr lang="en-US" sz="900" b="0" i="1" smtClean="0">
+                              <a:latin typeface="Cambria Math" panose="02040503050406030204" pitchFamily="18" charset="0"/>
+                            </a:rPr>
+                            <m:t>,</m:t>
+                          </m:r>
+                          <m:r>
+                            <a:rPr lang="en-US" sz="900" b="0" i="1" smtClean="0">
+                              <a:latin typeface="Cambria Math" panose="02040503050406030204" pitchFamily="18" charset="0"/>
+                            </a:rPr>
+                            <m:t>𝑟</m:t>
+                          </m:r>
+                        </m:oMath>
+                      </m:oMathPara>
+                    </a14:m>
+                    <a:endParaRPr lang="en-US" sz="900" dirty="0"/>
+                  </a:p>
+                </p:txBody>
+              </p:sp>
+            </mc:Choice>
+            <mc:Fallback>
+              <p:sp>
+                <p:nvSpPr>
+                  <p:cNvPr id="91" name="TextBox 90">
+                    <a:extLst>
+                      <a:ext uri="{FF2B5EF4-FFF2-40B4-BE49-F238E27FC236}">
+                        <a16:creationId xmlns:a16="http://schemas.microsoft.com/office/drawing/2014/main" id="{0E7C36B2-2622-CCCC-C5C1-5AA530D2F35D}"/>
+                      </a:ext>
+                    </a:extLst>
+                  </p:cNvPr>
+                  <p:cNvSpPr txBox="1">
+                    <a:spLocks noRot="1" noChangeAspect="1" noMove="1" noResize="1" noEditPoints="1" noAdjustHandles="1" noChangeArrowheads="1" noChangeShapeType="1" noTextEdit="1"/>
+                  </p:cNvSpPr>
+                  <p:nvPr/>
+                </p:nvSpPr>
+                <p:spPr>
+                  <a:xfrm>
+                    <a:off x="6620260" y="4320677"/>
+                    <a:ext cx="365934" cy="230832"/>
+                  </a:xfrm>
+                  <a:prstGeom prst="rect">
+                    <a:avLst/>
+                  </a:prstGeom>
+                  <a:blipFill>
+                    <a:blip r:embed="rId26"/>
+                    <a:stretch>
+                      <a:fillRect/>
+                    </a:stretch>
+                  </a:blipFill>
+                </p:spPr>
+                <p:txBody>
+                  <a:bodyPr/>
+                  <a:lstStyle/>
+                  <a:p>
+                    <a:r>
+                      <a:rPr lang="en-US">
+                        <a:noFill/>
+                      </a:rPr>
+                      <a:t> </a:t>
+                    </a:r>
+                  </a:p>
+                </p:txBody>
+              </p:sp>
+            </mc:Fallback>
+          </mc:AlternateContent>
+          <mc:AlternateContent xmlns:mc="http://schemas.openxmlformats.org/markup-compatibility/2006">
+            <mc:Choice xmlns:a14="http://schemas.microsoft.com/office/drawing/2010/main" Requires="a14">
+              <p:sp>
+                <p:nvSpPr>
+                  <p:cNvPr id="92" name="TextBox 91">
+                    <a:extLst>
+                      <a:ext uri="{FF2B5EF4-FFF2-40B4-BE49-F238E27FC236}">
+                        <a16:creationId xmlns:a16="http://schemas.microsoft.com/office/drawing/2014/main" id="{3B620F36-13CD-F3CF-26D5-66FD409FCB36}"/>
+                      </a:ext>
+                    </a:extLst>
+                  </p:cNvPr>
+                  <p:cNvSpPr txBox="1"/>
+                  <p:nvPr/>
+                </p:nvSpPr>
+                <p:spPr>
+                  <a:xfrm>
+                    <a:off x="6396449" y="5288775"/>
+                    <a:ext cx="828688" cy="230832"/>
+                  </a:xfrm>
+                  <a:prstGeom prst="rect">
+                    <a:avLst/>
+                  </a:prstGeom>
+                  <a:noFill/>
+                </p:spPr>
+                <p:txBody>
+                  <a:bodyPr wrap="none" rtlCol="0">
+                    <a:spAutoFit/>
+                  </a:bodyPr>
+                  <a:lstStyle/>
+                  <a:p>
+                    <a14:m>
+                      <m:oMathPara xmlns:m="http://schemas.openxmlformats.org/officeDocument/2006/math">
+                        <m:oMathParaPr>
+                          <m:jc m:val="centerGroup"/>
+                        </m:oMathParaPr>
+                        <m:oMath xmlns:m="http://schemas.openxmlformats.org/officeDocument/2006/math">
+                          <m:r>
+                            <a:rPr lang="en-US" sz="900" i="1" smtClean="0">
+                              <a:latin typeface="Cambria Math" panose="02040503050406030204" pitchFamily="18" charset="0"/>
+                            </a:rPr>
+                            <m:t>𝑑</m:t>
+                          </m:r>
+                          <m:r>
+                            <a:rPr lang="en-US" sz="900" b="0" i="1" smtClean="0">
+                              <a:latin typeface="Cambria Math" panose="02040503050406030204" pitchFamily="18" charset="0"/>
+                            </a:rPr>
+                            <m:t>𝑒𝑝𝑙𝑜𝑦𝑚𝑒𝑛𝑡</m:t>
+                          </m:r>
+                        </m:oMath>
+                      </m:oMathPara>
+                    </a14:m>
+                    <a:endParaRPr lang="en-US" sz="900" dirty="0"/>
+                  </a:p>
+                </p:txBody>
+              </p:sp>
+            </mc:Choice>
+            <mc:Fallback>
+              <p:sp>
+                <p:nvSpPr>
+                  <p:cNvPr id="92" name="TextBox 91">
+                    <a:extLst>
+                      <a:ext uri="{FF2B5EF4-FFF2-40B4-BE49-F238E27FC236}">
+                        <a16:creationId xmlns:a16="http://schemas.microsoft.com/office/drawing/2014/main" id="{3B620F36-13CD-F3CF-26D5-66FD409FCB36}"/>
+                      </a:ext>
+                    </a:extLst>
+                  </p:cNvPr>
+                  <p:cNvSpPr txBox="1">
+                    <a:spLocks noRot="1" noChangeAspect="1" noMove="1" noResize="1" noEditPoints="1" noAdjustHandles="1" noChangeArrowheads="1" noChangeShapeType="1" noTextEdit="1"/>
+                  </p:cNvSpPr>
+                  <p:nvPr/>
+                </p:nvSpPr>
+                <p:spPr>
+                  <a:xfrm>
+                    <a:off x="6396449" y="5288775"/>
+                    <a:ext cx="828688" cy="230832"/>
+                  </a:xfrm>
+                  <a:prstGeom prst="rect">
+                    <a:avLst/>
+                  </a:prstGeom>
+                  <a:blipFill>
+                    <a:blip r:embed="rId27"/>
+                    <a:stretch>
+                      <a:fillRect/>
+                    </a:stretch>
+                  </a:blipFill>
+                </p:spPr>
+                <p:txBody>
+                  <a:bodyPr/>
+                  <a:lstStyle/>
+                  <a:p>
+                    <a:r>
+                      <a:rPr lang="en-US">
+                        <a:noFill/>
+                      </a:rPr>
+                      <a:t> </a:t>
+                    </a:r>
+                  </a:p>
+                </p:txBody>
+              </p:sp>
+            </mc:Fallback>
+          </mc:AlternateContent>
+        </p:grpSp>
+        <p:cxnSp>
+          <p:nvCxnSpPr>
+            <p:cNvPr id="94" name="Straight Arrow Connector 93">
+              <a:extLst>
+                <a:ext uri="{FF2B5EF4-FFF2-40B4-BE49-F238E27FC236}">
+                  <a16:creationId xmlns:a16="http://schemas.microsoft.com/office/drawing/2014/main" id="{F1FE8685-4892-B6A0-63B2-6A23E2E81F22}"/>
+                </a:ext>
+              </a:extLst>
+            </p:cNvPr>
+            <p:cNvCxnSpPr>
+              <a:stCxn id="81" idx="3"/>
+            </p:cNvCxnSpPr>
+            <p:nvPr/>
+          </p:nvCxnSpPr>
+          <p:spPr>
+            <a:xfrm flipV="1">
+              <a:off x="8360663" y="5029038"/>
+              <a:ext cx="247638" cy="7047"/>
+            </a:xfrm>
+            <a:prstGeom prst="straightConnector1">
+              <a:avLst/>
+            </a:prstGeom>
+            <a:ln>
+              <a:tailEnd type="triangle" w="sm" len="sm"/>
+            </a:ln>
+          </p:spPr>
+          <p:style>
+            <a:lnRef idx="1">
+              <a:schemeClr val="accent1"/>
+            </a:lnRef>
+            <a:fillRef idx="0">
+              <a:schemeClr val="accent1"/>
+            </a:fillRef>
+            <a:effectRef idx="0">
+              <a:schemeClr val="accent1"/>
+            </a:effectRef>
+            <a:fontRef idx="minor">
+              <a:schemeClr val="tx1"/>
+            </a:fontRef>
+          </p:style>
+        </p:cxnSp>
+        <p:sp>
+          <p:nvSpPr>
+            <p:cNvPr id="95" name="TextBox 94">
+              <a:extLst>
+                <a:ext uri="{FF2B5EF4-FFF2-40B4-BE49-F238E27FC236}">
+                  <a16:creationId xmlns:a16="http://schemas.microsoft.com/office/drawing/2014/main" id="{551C7CBD-CD62-47CA-89EB-8AA1D096685F}"/>
+                </a:ext>
+              </a:extLst>
+            </p:cNvPr>
+            <p:cNvSpPr txBox="1"/>
+            <p:nvPr/>
+          </p:nvSpPr>
+          <p:spPr>
+            <a:xfrm>
+              <a:off x="5716024" y="5544811"/>
+              <a:ext cx="1829347" cy="230832"/>
+            </a:xfrm>
+            <a:prstGeom prst="rect">
+              <a:avLst/>
+            </a:prstGeom>
+            <a:noFill/>
+          </p:spPr>
+          <p:txBody>
+            <a:bodyPr wrap="none" rtlCol="0">
+              <a:spAutoFit/>
+            </a:bodyPr>
+            <a:lstStyle/>
+            <a:p>
+              <a:r>
+                <a:rPr lang="en-US" sz="900" dirty="0"/>
+                <a:t>data collected </a:t>
+              </a:r>
+              <a:r>
+                <a:rPr lang="en-US" sz="900" b="1" dirty="0"/>
+                <a:t>once</a:t>
+              </a:r>
+              <a:r>
+                <a:rPr lang="en-US" sz="900" dirty="0"/>
+                <a:t> with </a:t>
+              </a:r>
+              <a:r>
+                <a:rPr lang="en-US" sz="900" b="1" dirty="0"/>
+                <a:t>any</a:t>
+              </a:r>
+              <a:r>
+                <a:rPr lang="en-US" sz="900" dirty="0"/>
+                <a:t> policy</a:t>
+              </a:r>
+            </a:p>
+          </p:txBody>
+        </p:sp>
+        <p:sp>
+          <p:nvSpPr>
+            <p:cNvPr id="96" name="TextBox 95">
+              <a:extLst>
+                <a:ext uri="{FF2B5EF4-FFF2-40B4-BE49-F238E27FC236}">
+                  <a16:creationId xmlns:a16="http://schemas.microsoft.com/office/drawing/2014/main" id="{DF2376FD-4FC9-568F-9190-287C21E214B1}"/>
+                </a:ext>
+              </a:extLst>
+            </p:cNvPr>
+            <p:cNvSpPr txBox="1"/>
+            <p:nvPr/>
+          </p:nvSpPr>
+          <p:spPr>
+            <a:xfrm>
+              <a:off x="7631363" y="5437786"/>
+              <a:ext cx="853119" cy="230832"/>
+            </a:xfrm>
+            <a:prstGeom prst="rect">
+              <a:avLst/>
+            </a:prstGeom>
+            <a:noFill/>
+          </p:spPr>
+          <p:txBody>
+            <a:bodyPr wrap="none" rtlCol="0">
+              <a:spAutoFit/>
+            </a:bodyPr>
+            <a:lstStyle/>
+            <a:p>
+              <a:r>
+                <a:rPr lang="en-US" sz="900" dirty="0"/>
+                <a:t>training phase</a:t>
+              </a:r>
+            </a:p>
+          </p:txBody>
+        </p:sp>
+        <p:sp>
+          <p:nvSpPr>
+            <p:cNvPr id="97" name="Rectangle 96">
+              <a:extLst>
+                <a:ext uri="{FF2B5EF4-FFF2-40B4-BE49-F238E27FC236}">
+                  <a16:creationId xmlns:a16="http://schemas.microsoft.com/office/drawing/2014/main" id="{CA6D5C7D-0FA6-73B2-247B-ACB6889D8F93}"/>
                 </a:ext>
               </a:extLst>
             </p:cNvPr>
@@ -6339,18 +8504,20 @@
           </p:nvSpPr>
           <p:spPr>
             <a:xfrm>
-              <a:off x="7639950" y="1867876"/>
-              <a:ext cx="666750" cy="416829"/>
+              <a:off x="7583016" y="4138902"/>
+              <a:ext cx="901466" cy="1282320"/>
             </a:xfrm>
-            <a:prstGeom prst="roundRect">
+            <a:prstGeom prst="rect">
               <a:avLst/>
             </a:prstGeom>
             <a:solidFill>
               <a:schemeClr val="accent1">
-                <a:alpha val="13783"/>
+                <a:alpha val="5000"/>
               </a:schemeClr>
             </a:solidFill>
-            <a:ln w="6350"/>
+            <a:ln w="9525">
+              <a:prstDash val="dash"/>
+            </a:ln>
           </p:spPr>
           <p:style>
             <a:lnRef idx="2">
@@ -6373,285 +8540,47 @@
             <a:lstStyle/>
             <a:p>
               <a:pPr algn="ctr"/>
-              <a:endParaRPr lang="en-US" dirty="0"/>
+              <a:endParaRPr lang="en-US"/>
             </a:p>
           </p:txBody>
         </p:sp>
-        <mc:AlternateContent xmlns:mc="http://schemas.openxmlformats.org/markup-compatibility/2006">
-          <mc:Choice xmlns:a14="http://schemas.microsoft.com/office/drawing/2010/main" Requires="a14">
-            <p:sp>
-              <p:nvSpPr>
-                <p:cNvPr id="80" name="TextBox 79">
-                  <a:extLst>
-                    <a:ext uri="{FF2B5EF4-FFF2-40B4-BE49-F238E27FC236}">
-                      <a16:creationId xmlns:a16="http://schemas.microsoft.com/office/drawing/2014/main" id="{B7741AF2-FFEF-2B19-3C5C-83DE19848CD2}"/>
-                    </a:ext>
-                  </a:extLst>
-                </p:cNvPr>
-                <p:cNvSpPr txBox="1"/>
-                <p:nvPr/>
-              </p:nvSpPr>
-              <p:spPr>
-                <a:xfrm>
-                  <a:off x="7760767" y="1888886"/>
-                  <a:ext cx="425116" cy="369332"/>
-                </a:xfrm>
-                <a:prstGeom prst="rect">
-                  <a:avLst/>
-                </a:prstGeom>
-                <a:noFill/>
-              </p:spPr>
-              <p:txBody>
-                <a:bodyPr wrap="none" rtlCol="0">
-                  <a:spAutoFit/>
-                </a:bodyPr>
-                <a:lstStyle/>
-                <a:p>
-                  <a:r>
-                    <a:rPr lang="en-US" sz="900" dirty="0"/>
-                    <a:t>learn</a:t>
-                  </a:r>
-                </a:p>
-                <a:p>
-                  <a14:m>
-                    <m:oMathPara xmlns:m="http://schemas.openxmlformats.org/officeDocument/2006/math">
-                      <m:oMathParaPr>
-                        <m:jc m:val="centerGroup"/>
-                      </m:oMathParaPr>
-                      <m:oMath xmlns:m="http://schemas.openxmlformats.org/officeDocument/2006/math">
-                        <m:r>
-                          <a:rPr lang="en-US" sz="900" i="1" smtClean="0">
-                            <a:latin typeface="Cambria Math" panose="02040503050406030204" pitchFamily="18" charset="0"/>
-                            <a:ea typeface="Cambria Math" panose="02040503050406030204" pitchFamily="18" charset="0"/>
-                          </a:rPr>
-                          <m:t>𝜋</m:t>
-                        </m:r>
-                      </m:oMath>
-                    </m:oMathPara>
-                  </a14:m>
-                  <a:endParaRPr lang="en-US" sz="900" dirty="0"/>
-                </a:p>
-              </p:txBody>
-            </p:sp>
-          </mc:Choice>
-          <mc:Fallback>
-            <p:sp>
-              <p:nvSpPr>
-                <p:cNvPr id="80" name="TextBox 79">
-                  <a:extLst>
-                    <a:ext uri="{FF2B5EF4-FFF2-40B4-BE49-F238E27FC236}">
-                      <a16:creationId xmlns:a16="http://schemas.microsoft.com/office/drawing/2014/main" id="{B7741AF2-FFEF-2B19-3C5C-83DE19848CD2}"/>
-                    </a:ext>
-                  </a:extLst>
-                </p:cNvPr>
-                <p:cNvSpPr txBox="1">
-                  <a:spLocks noRot="1" noChangeAspect="1" noMove="1" noResize="1" noEditPoints="1" noAdjustHandles="1" noChangeArrowheads="1" noChangeShapeType="1" noTextEdit="1"/>
-                </p:cNvSpPr>
-                <p:nvPr/>
-              </p:nvSpPr>
-              <p:spPr>
-                <a:xfrm>
-                  <a:off x="7760767" y="1888886"/>
-                  <a:ext cx="425116" cy="369332"/>
-                </a:xfrm>
-                <a:prstGeom prst="rect">
-                  <a:avLst/>
-                </a:prstGeom>
-                <a:blipFill>
-                  <a:blip r:embed="rId17"/>
-                  <a:stretch>
-                    <a:fillRect/>
-                  </a:stretch>
-                </a:blipFill>
-              </p:spPr>
-              <p:txBody>
-                <a:bodyPr/>
-                <a:lstStyle/>
-                <a:p>
-                  <a:r>
-                    <a:rPr lang="en-US">
-                      <a:noFill/>
-                    </a:rPr>
-                    <a:t> </a:t>
-                  </a:r>
-                </a:p>
-              </p:txBody>
-            </p:sp>
-          </mc:Fallback>
-        </mc:AlternateContent>
       </p:grpSp>
-      <p:cxnSp>
-        <p:nvCxnSpPr>
-          <p:cNvPr id="68" name="Elbow Connector 67">
+    </p:spTree>
+    <p:extLst>
+      <p:ext uri="{BB962C8B-B14F-4D97-AF65-F5344CB8AC3E}">
+        <p14:creationId xmlns:p14="http://schemas.microsoft.com/office/powerpoint/2010/main" val="2418720799"/>
+      </p:ext>
+    </p:extLst>
+  </p:cSld>
+  <p:clrMapOvr>
+    <a:masterClrMapping/>
+  </p:clrMapOvr>
+</p:sld>
+</file>
+
+<file path=ppt/slides/slide2.xml><?xml version="1.0" encoding="utf-8"?>
+<p:sld xmlns:a="http://schemas.openxmlformats.org/drawingml/2006/main" xmlns:r="http://schemas.openxmlformats.org/officeDocument/2006/relationships" xmlns:p="http://schemas.openxmlformats.org/presentationml/2006/main">
+  <p:cSld>
+    <p:spTree>
+      <p:nvGrpSpPr>
+        <p:cNvPr id="1" name=""/>
+        <p:cNvGrpSpPr/>
+        <p:nvPr/>
+      </p:nvGrpSpPr>
+      <p:grpSpPr>
+        <a:xfrm>
+          <a:off x="0" y="0"/>
+          <a:ext cx="0" cy="0"/>
+          <a:chOff x="0" y="0"/>
+          <a:chExt cx="0" cy="0"/>
+        </a:xfrm>
+      </p:grpSpPr>
+      <p:grpSp>
+        <p:nvGrpSpPr>
+          <p:cNvPr id="61" name="Group 60">
             <a:extLst>
               <a:ext uri="{FF2B5EF4-FFF2-40B4-BE49-F238E27FC236}">
-                <a16:creationId xmlns:a16="http://schemas.microsoft.com/office/drawing/2014/main" id="{4350E190-F245-9402-5189-F5A049A5D010}"/>
-              </a:ext>
-            </a:extLst>
-          </p:cNvPr>
-          <p:cNvCxnSpPr>
-            <a:cxnSpLocks/>
-            <a:stCxn id="61" idx="0"/>
-            <a:endCxn id="78" idx="1"/>
-          </p:cNvCxnSpPr>
-          <p:nvPr/>
-        </p:nvCxnSpPr>
-        <p:spPr>
-          <a:xfrm rot="16200000" flipH="1">
-            <a:off x="7171919" y="3527227"/>
-            <a:ext cx="215326" cy="1460488"/>
-          </a:xfrm>
-          <a:prstGeom prst="bentConnector3">
-            <a:avLst>
-              <a:gd name="adj1" fmla="val -106165"/>
-            </a:avLst>
-          </a:prstGeom>
-          <a:ln>
-            <a:tailEnd type="triangle" w="sm" len="sm"/>
-          </a:ln>
-        </p:spPr>
-        <p:style>
-          <a:lnRef idx="1">
-            <a:schemeClr val="accent1"/>
-          </a:lnRef>
-          <a:fillRef idx="0">
-            <a:schemeClr val="accent1"/>
-          </a:fillRef>
-          <a:effectRef idx="0">
-            <a:schemeClr val="accent1"/>
-          </a:effectRef>
-          <a:fontRef idx="minor">
-            <a:schemeClr val="tx1"/>
-          </a:fontRef>
-        </p:style>
-      </p:cxnSp>
-      <mc:AlternateContent xmlns:mc="http://schemas.openxmlformats.org/markup-compatibility/2006">
-        <mc:Choice xmlns:a14="http://schemas.microsoft.com/office/drawing/2010/main" Requires="a14">
-          <p:sp>
-            <p:nvSpPr>
-              <p:cNvPr id="72" name="TextBox 71">
-                <a:extLst>
-                  <a:ext uri="{FF2B5EF4-FFF2-40B4-BE49-F238E27FC236}">
-                    <a16:creationId xmlns:a16="http://schemas.microsoft.com/office/drawing/2014/main" id="{29AB0953-B951-C211-BD8B-4A3958BEC1ED}"/>
-                  </a:ext>
-                </a:extLst>
-              </p:cNvPr>
-              <p:cNvSpPr txBox="1"/>
-              <p:nvPr/>
-            </p:nvSpPr>
-            <p:spPr>
-              <a:xfrm>
-                <a:off x="8450012" y="5969410"/>
-                <a:ext cx="446789" cy="230832"/>
-              </a:xfrm>
-              <a:prstGeom prst="rect">
-                <a:avLst/>
-              </a:prstGeom>
-              <a:noFill/>
-            </p:spPr>
-            <p:txBody>
-              <a:bodyPr wrap="none" rtlCol="0">
-                <a:spAutoFit/>
-              </a:bodyPr>
-              <a:lstStyle/>
-              <a:p>
-                <a14:m>
-                  <m:oMathPara xmlns:m="http://schemas.openxmlformats.org/officeDocument/2006/math">
-                    <m:oMathParaPr>
-                      <m:jc m:val="centerGroup"/>
-                    </m:oMathParaPr>
-                    <m:oMath xmlns:m="http://schemas.openxmlformats.org/officeDocument/2006/math">
-                      <m:sSub>
-                        <m:sSubPr>
-                          <m:ctrlPr>
-                            <a:rPr lang="en-US" sz="900" i="1" smtClean="0">
-                              <a:latin typeface="Cambria Math" panose="02040503050406030204" pitchFamily="18" charset="0"/>
-                            </a:rPr>
-                          </m:ctrlPr>
-                        </m:sSubPr>
-                        <m:e>
-                          <m:r>
-                            <a:rPr lang="en-US" sz="900" i="1" smtClean="0">
-                              <a:latin typeface="Cambria Math" panose="02040503050406030204" pitchFamily="18" charset="0"/>
-                              <a:ea typeface="Cambria Math" panose="02040503050406030204" pitchFamily="18" charset="0"/>
-                            </a:rPr>
-                            <m:t>𝜋</m:t>
-                          </m:r>
-                        </m:e>
-                        <m:sub>
-                          <m:r>
-                            <a:rPr lang="en-US" sz="900" b="0" i="1" smtClean="0">
-                              <a:latin typeface="Cambria Math" panose="02040503050406030204" pitchFamily="18" charset="0"/>
-                            </a:rPr>
-                            <m:t>𝑘</m:t>
-                          </m:r>
-                          <m:r>
-                            <a:rPr lang="en-US" sz="900" b="0" i="1" smtClean="0">
-                              <a:latin typeface="Cambria Math" panose="02040503050406030204" pitchFamily="18" charset="0"/>
-                            </a:rPr>
-                            <m:t>+1</m:t>
-                          </m:r>
-                        </m:sub>
-                      </m:sSub>
-                    </m:oMath>
-                  </m:oMathPara>
-                </a14:m>
-                <a:endParaRPr lang="en-US" sz="900" dirty="0"/>
-              </a:p>
-            </p:txBody>
-          </p:sp>
-        </mc:Choice>
-        <mc:Fallback>
-          <p:sp>
-            <p:nvSpPr>
-              <p:cNvPr id="72" name="TextBox 71">
-                <a:extLst>
-                  <a:ext uri="{FF2B5EF4-FFF2-40B4-BE49-F238E27FC236}">
-                    <a16:creationId xmlns:a16="http://schemas.microsoft.com/office/drawing/2014/main" id="{29AB0953-B951-C211-BD8B-4A3958BEC1ED}"/>
-                  </a:ext>
-                </a:extLst>
-              </p:cNvPr>
-              <p:cNvSpPr txBox="1">
-                <a:spLocks noRot="1" noChangeAspect="1" noMove="1" noResize="1" noEditPoints="1" noAdjustHandles="1" noChangeArrowheads="1" noChangeShapeType="1" noTextEdit="1"/>
-              </p:cNvSpPr>
-              <p:nvPr/>
-            </p:nvSpPr>
-            <p:spPr>
-              <a:xfrm>
-                <a:off x="8450012" y="5969410"/>
-                <a:ext cx="446789" cy="230832"/>
-              </a:xfrm>
-              <a:prstGeom prst="rect">
-                <a:avLst/>
-              </a:prstGeom>
-              <a:blipFill>
-                <a:blip r:embed="rId18"/>
-                <a:stretch>
-                  <a:fillRect/>
-                </a:stretch>
-              </a:blipFill>
-            </p:spPr>
-            <p:txBody>
-              <a:bodyPr/>
-              <a:lstStyle/>
-              <a:p>
-                <a:r>
-                  <a:rPr lang="en-US">
-                    <a:noFill/>
-                  </a:rPr>
-                  <a:t> </a:t>
-                </a:r>
-              </a:p>
-            </p:txBody>
-          </p:sp>
-        </mc:Fallback>
-      </mc:AlternateContent>
-      <p:grpSp>
-        <p:nvGrpSpPr>
-          <p:cNvPr id="82" name="Group 81">
-            <a:extLst>
-              <a:ext uri="{FF2B5EF4-FFF2-40B4-BE49-F238E27FC236}">
-                <a16:creationId xmlns:a16="http://schemas.microsoft.com/office/drawing/2014/main" id="{ECCD8AD8-4E01-7508-C086-F8BF38C92F15}"/>
+                <a16:creationId xmlns:a16="http://schemas.microsoft.com/office/drawing/2014/main" id="{D6D66C81-73A6-7724-088D-89CEBC397802}"/>
               </a:ext>
             </a:extLst>
           </p:cNvPr>
@@ -6660,18 +8589,106 @@
         </p:nvGrpSpPr>
         <p:grpSpPr>
           <a:xfrm>
-            <a:off x="5652400" y="4149808"/>
-            <a:ext cx="1793875" cy="1369799"/>
-            <a:chOff x="5652400" y="4149808"/>
-            <a:chExt cx="1793875" cy="1369799"/>
+            <a:off x="1613647" y="1640541"/>
+            <a:ext cx="4030916" cy="2602006"/>
+            <a:chOff x="1613647" y="1640541"/>
+            <a:chExt cx="4030916" cy="2602006"/>
           </a:xfrm>
         </p:grpSpPr>
+        <p:cxnSp>
+          <p:nvCxnSpPr>
+            <p:cNvPr id="5" name="Straight Arrow Connector 4">
+              <a:extLst>
+                <a:ext uri="{FF2B5EF4-FFF2-40B4-BE49-F238E27FC236}">
+                  <a16:creationId xmlns:a16="http://schemas.microsoft.com/office/drawing/2014/main" id="{D79350E6-9375-3C5B-23F2-239F3B5326F0}"/>
+                </a:ext>
+              </a:extLst>
+            </p:cNvPr>
+            <p:cNvCxnSpPr>
+              <a:cxnSpLocks/>
+            </p:cNvCxnSpPr>
+            <p:nvPr/>
+          </p:nvCxnSpPr>
+          <p:spPr>
+            <a:xfrm flipV="1">
+              <a:off x="1613647" y="1640541"/>
+              <a:ext cx="0" cy="2588559"/>
+            </a:xfrm>
+            <a:prstGeom prst="straightConnector1">
+              <a:avLst/>
+            </a:prstGeom>
+            <a:ln>
+              <a:solidFill>
+                <a:schemeClr val="tx1"/>
+              </a:solidFill>
+              <a:tailEnd type="triangle"/>
+            </a:ln>
+          </p:spPr>
+          <p:style>
+            <a:lnRef idx="1">
+              <a:schemeClr val="accent1"/>
+            </a:lnRef>
+            <a:fillRef idx="0">
+              <a:schemeClr val="accent1"/>
+            </a:fillRef>
+            <a:effectRef idx="0">
+              <a:schemeClr val="accent1"/>
+            </a:effectRef>
+            <a:fontRef idx="minor">
+              <a:schemeClr val="tx1"/>
+            </a:fontRef>
+          </p:style>
+        </p:cxnSp>
+        <p:cxnSp>
+          <p:nvCxnSpPr>
+            <p:cNvPr id="7" name="Straight Arrow Connector 6">
+              <a:extLst>
+                <a:ext uri="{FF2B5EF4-FFF2-40B4-BE49-F238E27FC236}">
+                  <a16:creationId xmlns:a16="http://schemas.microsoft.com/office/drawing/2014/main" id="{B3A791F6-D255-D29A-DA79-CA710650ABB8}"/>
+                </a:ext>
+              </a:extLst>
+            </p:cNvPr>
+            <p:cNvCxnSpPr>
+              <a:cxnSpLocks/>
+            </p:cNvCxnSpPr>
+            <p:nvPr/>
+          </p:nvCxnSpPr>
+          <p:spPr>
+            <a:xfrm>
+              <a:off x="1620371" y="4242547"/>
+              <a:ext cx="3966882" cy="0"/>
+            </a:xfrm>
+            <a:prstGeom prst="straightConnector1">
+              <a:avLst/>
+            </a:prstGeom>
+            <a:ln>
+              <a:solidFill>
+                <a:schemeClr val="tx1"/>
+              </a:solidFill>
+              <a:tailEnd type="triangle"/>
+            </a:ln>
+          </p:spPr>
+          <p:style>
+            <a:lnRef idx="1">
+              <a:schemeClr val="accent1"/>
+            </a:lnRef>
+            <a:fillRef idx="0">
+              <a:schemeClr val="accent1"/>
+            </a:fillRef>
+            <a:effectRef idx="0">
+              <a:schemeClr val="accent1"/>
+            </a:effectRef>
+            <a:fontRef idx="minor">
+              <a:schemeClr val="tx1"/>
+            </a:fontRef>
+          </p:style>
+        </p:cxnSp>
         <p:sp>
           <p:nvSpPr>
-            <p:cNvPr id="61" name="Rounded Rectangle 60">
+            <p:cNvPr id="14" name="Freeform 13">
               <a:extLst>
                 <a:ext uri="{FF2B5EF4-FFF2-40B4-BE49-F238E27FC236}">
-                  <a16:creationId xmlns:a16="http://schemas.microsoft.com/office/drawing/2014/main" id="{3A134D3F-5CB7-9426-6CE7-1B1CDE67F12F}"/>
+                  <a16:creationId xmlns:a16="http://schemas.microsoft.com/office/drawing/2014/main" id="{94F61C6E-4BD2-F79C-8801-A91A96EF19AA}"/>
                 </a:ext>
               </a:extLst>
             </p:cNvPr>
@@ -6680,18 +8697,1726 @@
           </p:nvSpPr>
           <p:spPr>
             <a:xfrm>
-              <a:off x="5652400" y="4149808"/>
-              <a:ext cx="1793875" cy="1355725"/>
+              <a:off x="1833442" y="2566818"/>
+              <a:ext cx="3499784" cy="960817"/>
             </a:xfrm>
-            <a:prstGeom prst="roundRect">
+            <a:custGeom>
               <a:avLst/>
-            </a:prstGeom>
-            <a:solidFill>
-              <a:schemeClr val="accent1">
-                <a:alpha val="3250"/>
-              </a:schemeClr>
-            </a:solidFill>
-            <a:ln w="6350"/>
+              <a:gdLst>
+                <a:gd name="connsiteX0" fmla="*/ 0 w 3499784"/>
+                <a:gd name="connsiteY0" fmla="*/ 891192 h 960817"/>
+                <a:gd name="connsiteX1" fmla="*/ 18566 w 3499784"/>
+                <a:gd name="connsiteY1" fmla="*/ 937608 h 960817"/>
+                <a:gd name="connsiteX2" fmla="*/ 37133 w 3499784"/>
+                <a:gd name="connsiteY2" fmla="*/ 956175 h 960817"/>
+                <a:gd name="connsiteX3" fmla="*/ 51057 w 3499784"/>
+                <a:gd name="connsiteY3" fmla="*/ 960817 h 960817"/>
+                <a:gd name="connsiteX4" fmla="*/ 176381 w 3499784"/>
+                <a:gd name="connsiteY4" fmla="*/ 956175 h 960817"/>
+                <a:gd name="connsiteX5" fmla="*/ 190306 w 3499784"/>
+                <a:gd name="connsiteY5" fmla="*/ 951533 h 960817"/>
+                <a:gd name="connsiteX6" fmla="*/ 204231 w 3499784"/>
+                <a:gd name="connsiteY6" fmla="*/ 942250 h 960817"/>
+                <a:gd name="connsiteX7" fmla="*/ 222798 w 3499784"/>
+                <a:gd name="connsiteY7" fmla="*/ 914400 h 960817"/>
+                <a:gd name="connsiteX8" fmla="*/ 236722 w 3499784"/>
+                <a:gd name="connsiteY8" fmla="*/ 886551 h 960817"/>
+                <a:gd name="connsiteX9" fmla="*/ 241364 w 3499784"/>
+                <a:gd name="connsiteY9" fmla="*/ 867984 h 960817"/>
+                <a:gd name="connsiteX10" fmla="*/ 250647 w 3499784"/>
+                <a:gd name="connsiteY10" fmla="*/ 849418 h 960817"/>
+                <a:gd name="connsiteX11" fmla="*/ 255289 w 3499784"/>
+                <a:gd name="connsiteY11" fmla="*/ 835493 h 960817"/>
+                <a:gd name="connsiteX12" fmla="*/ 264572 w 3499784"/>
+                <a:gd name="connsiteY12" fmla="*/ 816926 h 960817"/>
+                <a:gd name="connsiteX13" fmla="*/ 269214 w 3499784"/>
+                <a:gd name="connsiteY13" fmla="*/ 803001 h 960817"/>
+                <a:gd name="connsiteX14" fmla="*/ 301705 w 3499784"/>
+                <a:gd name="connsiteY14" fmla="*/ 765868 h 960817"/>
+                <a:gd name="connsiteX15" fmla="*/ 320272 w 3499784"/>
+                <a:gd name="connsiteY15" fmla="*/ 742660 h 960817"/>
+                <a:gd name="connsiteX16" fmla="*/ 324913 w 3499784"/>
+                <a:gd name="connsiteY16" fmla="*/ 728735 h 960817"/>
+                <a:gd name="connsiteX17" fmla="*/ 334197 w 3499784"/>
+                <a:gd name="connsiteY17" fmla="*/ 719452 h 960817"/>
+                <a:gd name="connsiteX18" fmla="*/ 362046 w 3499784"/>
+                <a:gd name="connsiteY18" fmla="*/ 705527 h 960817"/>
+                <a:gd name="connsiteX19" fmla="*/ 385254 w 3499784"/>
+                <a:gd name="connsiteY19" fmla="*/ 710169 h 960817"/>
+                <a:gd name="connsiteX20" fmla="*/ 399179 w 3499784"/>
+                <a:gd name="connsiteY20" fmla="*/ 719452 h 960817"/>
+                <a:gd name="connsiteX21" fmla="*/ 417746 w 3499784"/>
+                <a:gd name="connsiteY21" fmla="*/ 742660 h 960817"/>
+                <a:gd name="connsiteX22" fmla="*/ 427029 w 3499784"/>
+                <a:gd name="connsiteY22" fmla="*/ 770510 h 960817"/>
+                <a:gd name="connsiteX23" fmla="*/ 436312 w 3499784"/>
+                <a:gd name="connsiteY23" fmla="*/ 784435 h 960817"/>
+                <a:gd name="connsiteX24" fmla="*/ 440954 w 3499784"/>
+                <a:gd name="connsiteY24" fmla="*/ 798360 h 960817"/>
+                <a:gd name="connsiteX25" fmla="*/ 468804 w 3499784"/>
+                <a:gd name="connsiteY25" fmla="*/ 803001 h 960817"/>
+                <a:gd name="connsiteX26" fmla="*/ 566278 w 3499784"/>
+                <a:gd name="connsiteY26" fmla="*/ 789076 h 960817"/>
+                <a:gd name="connsiteX27" fmla="*/ 608052 w 3499784"/>
+                <a:gd name="connsiteY27" fmla="*/ 747302 h 960817"/>
+                <a:gd name="connsiteX28" fmla="*/ 617336 w 3499784"/>
+                <a:gd name="connsiteY28" fmla="*/ 738019 h 960817"/>
+                <a:gd name="connsiteX29" fmla="*/ 631261 w 3499784"/>
+                <a:gd name="connsiteY29" fmla="*/ 710169 h 960817"/>
+                <a:gd name="connsiteX30" fmla="*/ 640544 w 3499784"/>
+                <a:gd name="connsiteY30" fmla="*/ 682319 h 960817"/>
+                <a:gd name="connsiteX31" fmla="*/ 659110 w 3499784"/>
+                <a:gd name="connsiteY31" fmla="*/ 654469 h 960817"/>
+                <a:gd name="connsiteX32" fmla="*/ 668394 w 3499784"/>
+                <a:gd name="connsiteY32" fmla="*/ 640544 h 960817"/>
+                <a:gd name="connsiteX33" fmla="*/ 682318 w 3499784"/>
+                <a:gd name="connsiteY33" fmla="*/ 626620 h 960817"/>
+                <a:gd name="connsiteX34" fmla="*/ 691602 w 3499784"/>
+                <a:gd name="connsiteY34" fmla="*/ 612695 h 960817"/>
+                <a:gd name="connsiteX35" fmla="*/ 700885 w 3499784"/>
+                <a:gd name="connsiteY35" fmla="*/ 603411 h 960817"/>
+                <a:gd name="connsiteX36" fmla="*/ 719451 w 3499784"/>
+                <a:gd name="connsiteY36" fmla="*/ 575562 h 960817"/>
+                <a:gd name="connsiteX37" fmla="*/ 761226 w 3499784"/>
+                <a:gd name="connsiteY37" fmla="*/ 543070 h 960817"/>
+                <a:gd name="connsiteX38" fmla="*/ 793717 w 3499784"/>
+                <a:gd name="connsiteY38" fmla="*/ 510579 h 960817"/>
+                <a:gd name="connsiteX39" fmla="*/ 803001 w 3499784"/>
+                <a:gd name="connsiteY39" fmla="*/ 496654 h 960817"/>
+                <a:gd name="connsiteX40" fmla="*/ 816926 w 3499784"/>
+                <a:gd name="connsiteY40" fmla="*/ 482729 h 960817"/>
+                <a:gd name="connsiteX41" fmla="*/ 835492 w 3499784"/>
+                <a:gd name="connsiteY41" fmla="*/ 454879 h 960817"/>
+                <a:gd name="connsiteX42" fmla="*/ 858700 w 3499784"/>
+                <a:gd name="connsiteY42" fmla="*/ 422388 h 960817"/>
+                <a:gd name="connsiteX43" fmla="*/ 863342 w 3499784"/>
+                <a:gd name="connsiteY43" fmla="*/ 408463 h 960817"/>
+                <a:gd name="connsiteX44" fmla="*/ 891192 w 3499784"/>
+                <a:gd name="connsiteY44" fmla="*/ 380613 h 960817"/>
+                <a:gd name="connsiteX45" fmla="*/ 946891 w 3499784"/>
+                <a:gd name="connsiteY45" fmla="*/ 394538 h 960817"/>
+                <a:gd name="connsiteX46" fmla="*/ 960816 w 3499784"/>
+                <a:gd name="connsiteY46" fmla="*/ 431671 h 960817"/>
+                <a:gd name="connsiteX47" fmla="*/ 970099 w 3499784"/>
+                <a:gd name="connsiteY47" fmla="*/ 459521 h 960817"/>
+                <a:gd name="connsiteX48" fmla="*/ 979382 w 3499784"/>
+                <a:gd name="connsiteY48" fmla="*/ 501296 h 960817"/>
+                <a:gd name="connsiteX49" fmla="*/ 984024 w 3499784"/>
+                <a:gd name="connsiteY49" fmla="*/ 515221 h 960817"/>
+                <a:gd name="connsiteX50" fmla="*/ 997949 w 3499784"/>
+                <a:gd name="connsiteY50" fmla="*/ 561637 h 960817"/>
+                <a:gd name="connsiteX51" fmla="*/ 1007232 w 3499784"/>
+                <a:gd name="connsiteY51" fmla="*/ 575562 h 960817"/>
+                <a:gd name="connsiteX52" fmla="*/ 1058290 w 3499784"/>
+                <a:gd name="connsiteY52" fmla="*/ 561637 h 960817"/>
+                <a:gd name="connsiteX53" fmla="*/ 1086140 w 3499784"/>
+                <a:gd name="connsiteY53" fmla="*/ 533787 h 960817"/>
+                <a:gd name="connsiteX54" fmla="*/ 1100065 w 3499784"/>
+                <a:gd name="connsiteY54" fmla="*/ 492012 h 960817"/>
+                <a:gd name="connsiteX55" fmla="*/ 1104706 w 3499784"/>
+                <a:gd name="connsiteY55" fmla="*/ 478088 h 960817"/>
+                <a:gd name="connsiteX56" fmla="*/ 1113989 w 3499784"/>
+                <a:gd name="connsiteY56" fmla="*/ 454879 h 960817"/>
+                <a:gd name="connsiteX57" fmla="*/ 1118631 w 3499784"/>
+                <a:gd name="connsiteY57" fmla="*/ 436313 h 960817"/>
+                <a:gd name="connsiteX58" fmla="*/ 1127914 w 3499784"/>
+                <a:gd name="connsiteY58" fmla="*/ 394538 h 960817"/>
+                <a:gd name="connsiteX59" fmla="*/ 1141839 w 3499784"/>
+                <a:gd name="connsiteY59" fmla="*/ 362047 h 960817"/>
+                <a:gd name="connsiteX60" fmla="*/ 1151122 w 3499784"/>
+                <a:gd name="connsiteY60" fmla="*/ 348122 h 960817"/>
+                <a:gd name="connsiteX61" fmla="*/ 1155764 w 3499784"/>
+                <a:gd name="connsiteY61" fmla="*/ 362047 h 960817"/>
+                <a:gd name="connsiteX62" fmla="*/ 1174331 w 3499784"/>
+                <a:gd name="connsiteY62" fmla="*/ 343480 h 960817"/>
+                <a:gd name="connsiteX63" fmla="*/ 1197539 w 3499784"/>
+                <a:gd name="connsiteY63" fmla="*/ 324914 h 960817"/>
+                <a:gd name="connsiteX64" fmla="*/ 1211464 w 3499784"/>
+                <a:gd name="connsiteY64" fmla="*/ 310989 h 960817"/>
+                <a:gd name="connsiteX65" fmla="*/ 1230030 w 3499784"/>
+                <a:gd name="connsiteY65" fmla="*/ 301706 h 960817"/>
+                <a:gd name="connsiteX66" fmla="*/ 1248597 w 3499784"/>
+                <a:gd name="connsiteY66" fmla="*/ 273856 h 960817"/>
+                <a:gd name="connsiteX67" fmla="*/ 1262521 w 3499784"/>
+                <a:gd name="connsiteY67" fmla="*/ 255290 h 960817"/>
+                <a:gd name="connsiteX68" fmla="*/ 1281088 w 3499784"/>
+                <a:gd name="connsiteY68" fmla="*/ 227440 h 960817"/>
+                <a:gd name="connsiteX69" fmla="*/ 1290371 w 3499784"/>
+                <a:gd name="connsiteY69" fmla="*/ 213515 h 960817"/>
+                <a:gd name="connsiteX70" fmla="*/ 1308938 w 3499784"/>
+                <a:gd name="connsiteY70" fmla="*/ 199590 h 960817"/>
+                <a:gd name="connsiteX71" fmla="*/ 1322863 w 3499784"/>
+                <a:gd name="connsiteY71" fmla="*/ 185665 h 960817"/>
+                <a:gd name="connsiteX72" fmla="*/ 1350712 w 3499784"/>
+                <a:gd name="connsiteY72" fmla="*/ 167099 h 960817"/>
+                <a:gd name="connsiteX73" fmla="*/ 1373920 w 3499784"/>
+                <a:gd name="connsiteY73" fmla="*/ 143891 h 960817"/>
+                <a:gd name="connsiteX74" fmla="*/ 1397129 w 3499784"/>
+                <a:gd name="connsiteY74" fmla="*/ 125324 h 960817"/>
+                <a:gd name="connsiteX75" fmla="*/ 1429620 w 3499784"/>
+                <a:gd name="connsiteY75" fmla="*/ 111399 h 960817"/>
+                <a:gd name="connsiteX76" fmla="*/ 1452828 w 3499784"/>
+                <a:gd name="connsiteY76" fmla="*/ 106758 h 960817"/>
+                <a:gd name="connsiteX77" fmla="*/ 1489961 w 3499784"/>
+                <a:gd name="connsiteY77" fmla="*/ 97474 h 960817"/>
+                <a:gd name="connsiteX78" fmla="*/ 1508528 w 3499784"/>
+                <a:gd name="connsiteY78" fmla="*/ 92833 h 960817"/>
+                <a:gd name="connsiteX79" fmla="*/ 1559585 w 3499784"/>
+                <a:gd name="connsiteY79" fmla="*/ 97474 h 960817"/>
+                <a:gd name="connsiteX80" fmla="*/ 1592077 w 3499784"/>
+                <a:gd name="connsiteY80" fmla="*/ 134607 h 960817"/>
+                <a:gd name="connsiteX81" fmla="*/ 1601360 w 3499784"/>
+                <a:gd name="connsiteY81" fmla="*/ 162457 h 960817"/>
+                <a:gd name="connsiteX82" fmla="*/ 1606002 w 3499784"/>
+                <a:gd name="connsiteY82" fmla="*/ 176382 h 960817"/>
+                <a:gd name="connsiteX83" fmla="*/ 1624568 w 3499784"/>
+                <a:gd name="connsiteY83" fmla="*/ 204232 h 960817"/>
+                <a:gd name="connsiteX84" fmla="*/ 1643135 w 3499784"/>
+                <a:gd name="connsiteY84" fmla="*/ 246006 h 960817"/>
+                <a:gd name="connsiteX85" fmla="*/ 1652418 w 3499784"/>
+                <a:gd name="connsiteY85" fmla="*/ 283139 h 960817"/>
+                <a:gd name="connsiteX86" fmla="*/ 1661701 w 3499784"/>
+                <a:gd name="connsiteY86" fmla="*/ 297064 h 960817"/>
+                <a:gd name="connsiteX87" fmla="*/ 1684909 w 3499784"/>
+                <a:gd name="connsiteY87" fmla="*/ 338839 h 960817"/>
+                <a:gd name="connsiteX88" fmla="*/ 1698834 w 3499784"/>
+                <a:gd name="connsiteY88" fmla="*/ 343480 h 960817"/>
+                <a:gd name="connsiteX89" fmla="*/ 1745250 w 3499784"/>
+                <a:gd name="connsiteY89" fmla="*/ 338839 h 960817"/>
+                <a:gd name="connsiteX90" fmla="*/ 1782383 w 3499784"/>
+                <a:gd name="connsiteY90" fmla="*/ 310989 h 960817"/>
+                <a:gd name="connsiteX91" fmla="*/ 1828800 w 3499784"/>
+                <a:gd name="connsiteY91" fmla="*/ 273856 h 960817"/>
+                <a:gd name="connsiteX92" fmla="*/ 1838083 w 3499784"/>
+                <a:gd name="connsiteY92" fmla="*/ 259931 h 960817"/>
+                <a:gd name="connsiteX93" fmla="*/ 1852008 w 3499784"/>
+                <a:gd name="connsiteY93" fmla="*/ 241365 h 960817"/>
+                <a:gd name="connsiteX94" fmla="*/ 1861291 w 3499784"/>
+                <a:gd name="connsiteY94" fmla="*/ 232081 h 960817"/>
+                <a:gd name="connsiteX95" fmla="*/ 1870574 w 3499784"/>
+                <a:gd name="connsiteY95" fmla="*/ 218157 h 960817"/>
+                <a:gd name="connsiteX96" fmla="*/ 1889141 w 3499784"/>
+                <a:gd name="connsiteY96" fmla="*/ 194948 h 960817"/>
+                <a:gd name="connsiteX97" fmla="*/ 1898424 w 3499784"/>
+                <a:gd name="connsiteY97" fmla="*/ 176382 h 960817"/>
+                <a:gd name="connsiteX98" fmla="*/ 1907707 w 3499784"/>
+                <a:gd name="connsiteY98" fmla="*/ 148532 h 960817"/>
+                <a:gd name="connsiteX99" fmla="*/ 1921632 w 3499784"/>
+                <a:gd name="connsiteY99" fmla="*/ 134607 h 960817"/>
+                <a:gd name="connsiteX100" fmla="*/ 1935557 w 3499784"/>
+                <a:gd name="connsiteY100" fmla="*/ 88191 h 960817"/>
+                <a:gd name="connsiteX101" fmla="*/ 1944840 w 3499784"/>
+                <a:gd name="connsiteY101" fmla="*/ 74266 h 960817"/>
+                <a:gd name="connsiteX102" fmla="*/ 1949482 w 3499784"/>
+                <a:gd name="connsiteY102" fmla="*/ 60341 h 960817"/>
+                <a:gd name="connsiteX103" fmla="*/ 1968048 w 3499784"/>
+                <a:gd name="connsiteY103" fmla="*/ 37133 h 960817"/>
+                <a:gd name="connsiteX104" fmla="*/ 1995898 w 3499784"/>
+                <a:gd name="connsiteY104" fmla="*/ 23208 h 960817"/>
+                <a:gd name="connsiteX105" fmla="*/ 2009823 w 3499784"/>
+                <a:gd name="connsiteY105" fmla="*/ 13925 h 960817"/>
+                <a:gd name="connsiteX106" fmla="*/ 2023748 w 3499784"/>
+                <a:gd name="connsiteY106" fmla="*/ 18567 h 960817"/>
+                <a:gd name="connsiteX107" fmla="*/ 2060881 w 3499784"/>
+                <a:gd name="connsiteY107" fmla="*/ 9284 h 960817"/>
+                <a:gd name="connsiteX108" fmla="*/ 2107297 w 3499784"/>
+                <a:gd name="connsiteY108" fmla="*/ 0 h 960817"/>
+                <a:gd name="connsiteX109" fmla="*/ 2139788 w 3499784"/>
+                <a:gd name="connsiteY109" fmla="*/ 9284 h 960817"/>
+                <a:gd name="connsiteX110" fmla="*/ 2153713 w 3499784"/>
+                <a:gd name="connsiteY110" fmla="*/ 23208 h 960817"/>
+                <a:gd name="connsiteX111" fmla="*/ 2186205 w 3499784"/>
+                <a:gd name="connsiteY111" fmla="*/ 41775 h 960817"/>
+                <a:gd name="connsiteX112" fmla="*/ 2204771 w 3499784"/>
+                <a:gd name="connsiteY112" fmla="*/ 55700 h 960817"/>
+                <a:gd name="connsiteX113" fmla="*/ 2237263 w 3499784"/>
+                <a:gd name="connsiteY113" fmla="*/ 88191 h 960817"/>
+                <a:gd name="connsiteX114" fmla="*/ 2251187 w 3499784"/>
+                <a:gd name="connsiteY114" fmla="*/ 97474 h 960817"/>
+                <a:gd name="connsiteX115" fmla="*/ 2274396 w 3499784"/>
+                <a:gd name="connsiteY115" fmla="*/ 111399 h 960817"/>
+                <a:gd name="connsiteX116" fmla="*/ 2292962 w 3499784"/>
+                <a:gd name="connsiteY116" fmla="*/ 139249 h 960817"/>
+                <a:gd name="connsiteX117" fmla="*/ 2311529 w 3499784"/>
+                <a:gd name="connsiteY117" fmla="*/ 181024 h 960817"/>
+                <a:gd name="connsiteX118" fmla="*/ 2339378 w 3499784"/>
+                <a:gd name="connsiteY118" fmla="*/ 204232 h 960817"/>
+                <a:gd name="connsiteX119" fmla="*/ 2362586 w 3499784"/>
+                <a:gd name="connsiteY119" fmla="*/ 222798 h 960817"/>
+                <a:gd name="connsiteX120" fmla="*/ 2385795 w 3499784"/>
+                <a:gd name="connsiteY120" fmla="*/ 227440 h 960817"/>
+                <a:gd name="connsiteX121" fmla="*/ 2404361 w 3499784"/>
+                <a:gd name="connsiteY121" fmla="*/ 232081 h 960817"/>
+                <a:gd name="connsiteX122" fmla="*/ 2464702 w 3499784"/>
+                <a:gd name="connsiteY122" fmla="*/ 227440 h 960817"/>
+                <a:gd name="connsiteX123" fmla="*/ 2492552 w 3499784"/>
+                <a:gd name="connsiteY123" fmla="*/ 218157 h 960817"/>
+                <a:gd name="connsiteX124" fmla="*/ 2534327 w 3499784"/>
+                <a:gd name="connsiteY124" fmla="*/ 190307 h 960817"/>
+                <a:gd name="connsiteX125" fmla="*/ 2552893 w 3499784"/>
+                <a:gd name="connsiteY125" fmla="*/ 176382 h 960817"/>
+                <a:gd name="connsiteX126" fmla="*/ 2576101 w 3499784"/>
+                <a:gd name="connsiteY126" fmla="*/ 162457 h 960817"/>
+                <a:gd name="connsiteX127" fmla="*/ 2590026 w 3499784"/>
+                <a:gd name="connsiteY127" fmla="*/ 153174 h 960817"/>
+                <a:gd name="connsiteX128" fmla="*/ 2627159 w 3499784"/>
+                <a:gd name="connsiteY128" fmla="*/ 143891 h 960817"/>
+                <a:gd name="connsiteX129" fmla="*/ 2636442 w 3499784"/>
+                <a:gd name="connsiteY129" fmla="*/ 157816 h 960817"/>
+                <a:gd name="connsiteX130" fmla="*/ 2641084 w 3499784"/>
+                <a:gd name="connsiteY130" fmla="*/ 185665 h 960817"/>
+                <a:gd name="connsiteX131" fmla="*/ 2645726 w 3499784"/>
+                <a:gd name="connsiteY131" fmla="*/ 199590 h 960817"/>
+                <a:gd name="connsiteX132" fmla="*/ 2664292 w 3499784"/>
+                <a:gd name="connsiteY132" fmla="*/ 213515 h 960817"/>
+                <a:gd name="connsiteX133" fmla="*/ 2692142 w 3499784"/>
+                <a:gd name="connsiteY133" fmla="*/ 236723 h 960817"/>
+                <a:gd name="connsiteX134" fmla="*/ 2706067 w 3499784"/>
+                <a:gd name="connsiteY134" fmla="*/ 264573 h 960817"/>
+                <a:gd name="connsiteX135" fmla="*/ 2719992 w 3499784"/>
+                <a:gd name="connsiteY135" fmla="*/ 273856 h 960817"/>
+                <a:gd name="connsiteX136" fmla="*/ 2733916 w 3499784"/>
+                <a:gd name="connsiteY136" fmla="*/ 315631 h 960817"/>
+                <a:gd name="connsiteX137" fmla="*/ 2738558 w 3499784"/>
+                <a:gd name="connsiteY137" fmla="*/ 329556 h 960817"/>
+                <a:gd name="connsiteX138" fmla="*/ 2752483 w 3499784"/>
+                <a:gd name="connsiteY138" fmla="*/ 348122 h 960817"/>
+                <a:gd name="connsiteX139" fmla="*/ 2766408 w 3499784"/>
+                <a:gd name="connsiteY139" fmla="*/ 362047 h 960817"/>
+                <a:gd name="connsiteX140" fmla="*/ 2780333 w 3499784"/>
+                <a:gd name="connsiteY140" fmla="*/ 389897 h 960817"/>
+                <a:gd name="connsiteX141" fmla="*/ 2794257 w 3499784"/>
+                <a:gd name="connsiteY141" fmla="*/ 417746 h 960817"/>
+                <a:gd name="connsiteX142" fmla="*/ 2808182 w 3499784"/>
+                <a:gd name="connsiteY142" fmla="*/ 427030 h 960817"/>
+                <a:gd name="connsiteX143" fmla="*/ 2817466 w 3499784"/>
+                <a:gd name="connsiteY143" fmla="*/ 436313 h 960817"/>
+                <a:gd name="connsiteX144" fmla="*/ 2845315 w 3499784"/>
+                <a:gd name="connsiteY144" fmla="*/ 454879 h 960817"/>
+                <a:gd name="connsiteX145" fmla="*/ 2868523 w 3499784"/>
+                <a:gd name="connsiteY145" fmla="*/ 478088 h 960817"/>
+                <a:gd name="connsiteX146" fmla="*/ 2877807 w 3499784"/>
+                <a:gd name="connsiteY146" fmla="*/ 487371 h 960817"/>
+                <a:gd name="connsiteX147" fmla="*/ 2924223 w 3499784"/>
+                <a:gd name="connsiteY147" fmla="*/ 510579 h 960817"/>
+                <a:gd name="connsiteX148" fmla="*/ 2952073 w 3499784"/>
+                <a:gd name="connsiteY148" fmla="*/ 519862 h 960817"/>
+                <a:gd name="connsiteX149" fmla="*/ 2970639 w 3499784"/>
+                <a:gd name="connsiteY149" fmla="*/ 515221 h 960817"/>
+                <a:gd name="connsiteX150" fmla="*/ 2989206 w 3499784"/>
+                <a:gd name="connsiteY150" fmla="*/ 496654 h 960817"/>
+                <a:gd name="connsiteX151" fmla="*/ 3026339 w 3499784"/>
+                <a:gd name="connsiteY151" fmla="*/ 464163 h 960817"/>
+                <a:gd name="connsiteX152" fmla="*/ 3035622 w 3499784"/>
+                <a:gd name="connsiteY152" fmla="*/ 454879 h 960817"/>
+                <a:gd name="connsiteX153" fmla="*/ 3054188 w 3499784"/>
+                <a:gd name="connsiteY153" fmla="*/ 445596 h 960817"/>
+                <a:gd name="connsiteX154" fmla="*/ 3100605 w 3499784"/>
+                <a:gd name="connsiteY154" fmla="*/ 450238 h 960817"/>
+                <a:gd name="connsiteX155" fmla="*/ 3114530 w 3499784"/>
+                <a:gd name="connsiteY155" fmla="*/ 459521 h 960817"/>
+                <a:gd name="connsiteX156" fmla="*/ 3133096 w 3499784"/>
+                <a:gd name="connsiteY156" fmla="*/ 468804 h 960817"/>
+                <a:gd name="connsiteX157" fmla="*/ 3160946 w 3499784"/>
+                <a:gd name="connsiteY157" fmla="*/ 478088 h 960817"/>
+                <a:gd name="connsiteX158" fmla="*/ 3188796 w 3499784"/>
+                <a:gd name="connsiteY158" fmla="*/ 496654 h 960817"/>
+                <a:gd name="connsiteX159" fmla="*/ 3202720 w 3499784"/>
+                <a:gd name="connsiteY159" fmla="*/ 515221 h 960817"/>
+                <a:gd name="connsiteX160" fmla="*/ 3225929 w 3499784"/>
+                <a:gd name="connsiteY160" fmla="*/ 533787 h 960817"/>
+                <a:gd name="connsiteX161" fmla="*/ 3235212 w 3499784"/>
+                <a:gd name="connsiteY161" fmla="*/ 547712 h 960817"/>
+                <a:gd name="connsiteX162" fmla="*/ 3263062 w 3499784"/>
+                <a:gd name="connsiteY162" fmla="*/ 575562 h 960817"/>
+                <a:gd name="connsiteX163" fmla="*/ 3290911 w 3499784"/>
+                <a:gd name="connsiteY163" fmla="*/ 598770 h 960817"/>
+                <a:gd name="connsiteX164" fmla="*/ 3304836 w 3499784"/>
+                <a:gd name="connsiteY164" fmla="*/ 603411 h 960817"/>
+                <a:gd name="connsiteX165" fmla="*/ 3337328 w 3499784"/>
+                <a:gd name="connsiteY165" fmla="*/ 612695 h 960817"/>
+                <a:gd name="connsiteX166" fmla="*/ 3351252 w 3499784"/>
+                <a:gd name="connsiteY166" fmla="*/ 621978 h 960817"/>
+                <a:gd name="connsiteX167" fmla="*/ 3360536 w 3499784"/>
+                <a:gd name="connsiteY167" fmla="*/ 631261 h 960817"/>
+                <a:gd name="connsiteX168" fmla="*/ 3374461 w 3499784"/>
+                <a:gd name="connsiteY168" fmla="*/ 635903 h 960817"/>
+                <a:gd name="connsiteX169" fmla="*/ 3425518 w 3499784"/>
+                <a:gd name="connsiteY169" fmla="*/ 631261 h 960817"/>
+                <a:gd name="connsiteX170" fmla="*/ 3453368 w 3499784"/>
+                <a:gd name="connsiteY170" fmla="*/ 612695 h 960817"/>
+                <a:gd name="connsiteX171" fmla="*/ 3462651 w 3499784"/>
+                <a:gd name="connsiteY171" fmla="*/ 603411 h 960817"/>
+                <a:gd name="connsiteX172" fmla="*/ 3499784 w 3499784"/>
+                <a:gd name="connsiteY172" fmla="*/ 594128 h 960817"/>
+              </a:gdLst>
+              <a:ahLst/>
+              <a:cxnLst>
+                <a:cxn ang="0">
+                  <a:pos x="connsiteX0" y="connsiteY0"/>
+                </a:cxn>
+                <a:cxn ang="0">
+                  <a:pos x="connsiteX1" y="connsiteY1"/>
+                </a:cxn>
+                <a:cxn ang="0">
+                  <a:pos x="connsiteX2" y="connsiteY2"/>
+                </a:cxn>
+                <a:cxn ang="0">
+                  <a:pos x="connsiteX3" y="connsiteY3"/>
+                </a:cxn>
+                <a:cxn ang="0">
+                  <a:pos x="connsiteX4" y="connsiteY4"/>
+                </a:cxn>
+                <a:cxn ang="0">
+                  <a:pos x="connsiteX5" y="connsiteY5"/>
+                </a:cxn>
+                <a:cxn ang="0">
+                  <a:pos x="connsiteX6" y="connsiteY6"/>
+                </a:cxn>
+                <a:cxn ang="0">
+                  <a:pos x="connsiteX7" y="connsiteY7"/>
+                </a:cxn>
+                <a:cxn ang="0">
+                  <a:pos x="connsiteX8" y="connsiteY8"/>
+                </a:cxn>
+                <a:cxn ang="0">
+                  <a:pos x="connsiteX9" y="connsiteY9"/>
+                </a:cxn>
+                <a:cxn ang="0">
+                  <a:pos x="connsiteX10" y="connsiteY10"/>
+                </a:cxn>
+                <a:cxn ang="0">
+                  <a:pos x="connsiteX11" y="connsiteY11"/>
+                </a:cxn>
+                <a:cxn ang="0">
+                  <a:pos x="connsiteX12" y="connsiteY12"/>
+                </a:cxn>
+                <a:cxn ang="0">
+                  <a:pos x="connsiteX13" y="connsiteY13"/>
+                </a:cxn>
+                <a:cxn ang="0">
+                  <a:pos x="connsiteX14" y="connsiteY14"/>
+                </a:cxn>
+                <a:cxn ang="0">
+                  <a:pos x="connsiteX15" y="connsiteY15"/>
+                </a:cxn>
+                <a:cxn ang="0">
+                  <a:pos x="connsiteX16" y="connsiteY16"/>
+                </a:cxn>
+                <a:cxn ang="0">
+                  <a:pos x="connsiteX17" y="connsiteY17"/>
+                </a:cxn>
+                <a:cxn ang="0">
+                  <a:pos x="connsiteX18" y="connsiteY18"/>
+                </a:cxn>
+                <a:cxn ang="0">
+                  <a:pos x="connsiteX19" y="connsiteY19"/>
+                </a:cxn>
+                <a:cxn ang="0">
+                  <a:pos x="connsiteX20" y="connsiteY20"/>
+                </a:cxn>
+                <a:cxn ang="0">
+                  <a:pos x="connsiteX21" y="connsiteY21"/>
+                </a:cxn>
+                <a:cxn ang="0">
+                  <a:pos x="connsiteX22" y="connsiteY22"/>
+                </a:cxn>
+                <a:cxn ang="0">
+                  <a:pos x="connsiteX23" y="connsiteY23"/>
+                </a:cxn>
+                <a:cxn ang="0">
+                  <a:pos x="connsiteX24" y="connsiteY24"/>
+                </a:cxn>
+                <a:cxn ang="0">
+                  <a:pos x="connsiteX25" y="connsiteY25"/>
+                </a:cxn>
+                <a:cxn ang="0">
+                  <a:pos x="connsiteX26" y="connsiteY26"/>
+                </a:cxn>
+                <a:cxn ang="0">
+                  <a:pos x="connsiteX27" y="connsiteY27"/>
+                </a:cxn>
+                <a:cxn ang="0">
+                  <a:pos x="connsiteX28" y="connsiteY28"/>
+                </a:cxn>
+                <a:cxn ang="0">
+                  <a:pos x="connsiteX29" y="connsiteY29"/>
+                </a:cxn>
+                <a:cxn ang="0">
+                  <a:pos x="connsiteX30" y="connsiteY30"/>
+                </a:cxn>
+                <a:cxn ang="0">
+                  <a:pos x="connsiteX31" y="connsiteY31"/>
+                </a:cxn>
+                <a:cxn ang="0">
+                  <a:pos x="connsiteX32" y="connsiteY32"/>
+                </a:cxn>
+                <a:cxn ang="0">
+                  <a:pos x="connsiteX33" y="connsiteY33"/>
+                </a:cxn>
+                <a:cxn ang="0">
+                  <a:pos x="connsiteX34" y="connsiteY34"/>
+                </a:cxn>
+                <a:cxn ang="0">
+                  <a:pos x="connsiteX35" y="connsiteY35"/>
+                </a:cxn>
+                <a:cxn ang="0">
+                  <a:pos x="connsiteX36" y="connsiteY36"/>
+                </a:cxn>
+                <a:cxn ang="0">
+                  <a:pos x="connsiteX37" y="connsiteY37"/>
+                </a:cxn>
+                <a:cxn ang="0">
+                  <a:pos x="connsiteX38" y="connsiteY38"/>
+                </a:cxn>
+                <a:cxn ang="0">
+                  <a:pos x="connsiteX39" y="connsiteY39"/>
+                </a:cxn>
+                <a:cxn ang="0">
+                  <a:pos x="connsiteX40" y="connsiteY40"/>
+                </a:cxn>
+                <a:cxn ang="0">
+                  <a:pos x="connsiteX41" y="connsiteY41"/>
+                </a:cxn>
+                <a:cxn ang="0">
+                  <a:pos x="connsiteX42" y="connsiteY42"/>
+                </a:cxn>
+                <a:cxn ang="0">
+                  <a:pos x="connsiteX43" y="connsiteY43"/>
+                </a:cxn>
+                <a:cxn ang="0">
+                  <a:pos x="connsiteX44" y="connsiteY44"/>
+                </a:cxn>
+                <a:cxn ang="0">
+                  <a:pos x="connsiteX45" y="connsiteY45"/>
+                </a:cxn>
+                <a:cxn ang="0">
+                  <a:pos x="connsiteX46" y="connsiteY46"/>
+                </a:cxn>
+                <a:cxn ang="0">
+                  <a:pos x="connsiteX47" y="connsiteY47"/>
+                </a:cxn>
+                <a:cxn ang="0">
+                  <a:pos x="connsiteX48" y="connsiteY48"/>
+                </a:cxn>
+                <a:cxn ang="0">
+                  <a:pos x="connsiteX49" y="connsiteY49"/>
+                </a:cxn>
+                <a:cxn ang="0">
+                  <a:pos x="connsiteX50" y="connsiteY50"/>
+                </a:cxn>
+                <a:cxn ang="0">
+                  <a:pos x="connsiteX51" y="connsiteY51"/>
+                </a:cxn>
+                <a:cxn ang="0">
+                  <a:pos x="connsiteX52" y="connsiteY52"/>
+                </a:cxn>
+                <a:cxn ang="0">
+                  <a:pos x="connsiteX53" y="connsiteY53"/>
+                </a:cxn>
+                <a:cxn ang="0">
+                  <a:pos x="connsiteX54" y="connsiteY54"/>
+                </a:cxn>
+                <a:cxn ang="0">
+                  <a:pos x="connsiteX55" y="connsiteY55"/>
+                </a:cxn>
+                <a:cxn ang="0">
+                  <a:pos x="connsiteX56" y="connsiteY56"/>
+                </a:cxn>
+                <a:cxn ang="0">
+                  <a:pos x="connsiteX57" y="connsiteY57"/>
+                </a:cxn>
+                <a:cxn ang="0">
+                  <a:pos x="connsiteX58" y="connsiteY58"/>
+                </a:cxn>
+                <a:cxn ang="0">
+                  <a:pos x="connsiteX59" y="connsiteY59"/>
+                </a:cxn>
+                <a:cxn ang="0">
+                  <a:pos x="connsiteX60" y="connsiteY60"/>
+                </a:cxn>
+                <a:cxn ang="0">
+                  <a:pos x="connsiteX61" y="connsiteY61"/>
+                </a:cxn>
+                <a:cxn ang="0">
+                  <a:pos x="connsiteX62" y="connsiteY62"/>
+                </a:cxn>
+                <a:cxn ang="0">
+                  <a:pos x="connsiteX63" y="connsiteY63"/>
+                </a:cxn>
+                <a:cxn ang="0">
+                  <a:pos x="connsiteX64" y="connsiteY64"/>
+                </a:cxn>
+                <a:cxn ang="0">
+                  <a:pos x="connsiteX65" y="connsiteY65"/>
+                </a:cxn>
+                <a:cxn ang="0">
+                  <a:pos x="connsiteX66" y="connsiteY66"/>
+                </a:cxn>
+                <a:cxn ang="0">
+                  <a:pos x="connsiteX67" y="connsiteY67"/>
+                </a:cxn>
+                <a:cxn ang="0">
+                  <a:pos x="connsiteX68" y="connsiteY68"/>
+                </a:cxn>
+                <a:cxn ang="0">
+                  <a:pos x="connsiteX69" y="connsiteY69"/>
+                </a:cxn>
+                <a:cxn ang="0">
+                  <a:pos x="connsiteX70" y="connsiteY70"/>
+                </a:cxn>
+                <a:cxn ang="0">
+                  <a:pos x="connsiteX71" y="connsiteY71"/>
+                </a:cxn>
+                <a:cxn ang="0">
+                  <a:pos x="connsiteX72" y="connsiteY72"/>
+                </a:cxn>
+                <a:cxn ang="0">
+                  <a:pos x="connsiteX73" y="connsiteY73"/>
+                </a:cxn>
+                <a:cxn ang="0">
+                  <a:pos x="connsiteX74" y="connsiteY74"/>
+                </a:cxn>
+                <a:cxn ang="0">
+                  <a:pos x="connsiteX75" y="connsiteY75"/>
+                </a:cxn>
+                <a:cxn ang="0">
+                  <a:pos x="connsiteX76" y="connsiteY76"/>
+                </a:cxn>
+                <a:cxn ang="0">
+                  <a:pos x="connsiteX77" y="connsiteY77"/>
+                </a:cxn>
+                <a:cxn ang="0">
+                  <a:pos x="connsiteX78" y="connsiteY78"/>
+                </a:cxn>
+                <a:cxn ang="0">
+                  <a:pos x="connsiteX79" y="connsiteY79"/>
+                </a:cxn>
+                <a:cxn ang="0">
+                  <a:pos x="connsiteX80" y="connsiteY80"/>
+                </a:cxn>
+                <a:cxn ang="0">
+                  <a:pos x="connsiteX81" y="connsiteY81"/>
+                </a:cxn>
+                <a:cxn ang="0">
+                  <a:pos x="connsiteX82" y="connsiteY82"/>
+                </a:cxn>
+                <a:cxn ang="0">
+                  <a:pos x="connsiteX83" y="connsiteY83"/>
+                </a:cxn>
+                <a:cxn ang="0">
+                  <a:pos x="connsiteX84" y="connsiteY84"/>
+                </a:cxn>
+                <a:cxn ang="0">
+                  <a:pos x="connsiteX85" y="connsiteY85"/>
+                </a:cxn>
+                <a:cxn ang="0">
+                  <a:pos x="connsiteX86" y="connsiteY86"/>
+                </a:cxn>
+                <a:cxn ang="0">
+                  <a:pos x="connsiteX87" y="connsiteY87"/>
+                </a:cxn>
+                <a:cxn ang="0">
+                  <a:pos x="connsiteX88" y="connsiteY88"/>
+                </a:cxn>
+                <a:cxn ang="0">
+                  <a:pos x="connsiteX89" y="connsiteY89"/>
+                </a:cxn>
+                <a:cxn ang="0">
+                  <a:pos x="connsiteX90" y="connsiteY90"/>
+                </a:cxn>
+                <a:cxn ang="0">
+                  <a:pos x="connsiteX91" y="connsiteY91"/>
+                </a:cxn>
+                <a:cxn ang="0">
+                  <a:pos x="connsiteX92" y="connsiteY92"/>
+                </a:cxn>
+                <a:cxn ang="0">
+                  <a:pos x="connsiteX93" y="connsiteY93"/>
+                </a:cxn>
+                <a:cxn ang="0">
+                  <a:pos x="connsiteX94" y="connsiteY94"/>
+                </a:cxn>
+                <a:cxn ang="0">
+                  <a:pos x="connsiteX95" y="connsiteY95"/>
+                </a:cxn>
+                <a:cxn ang="0">
+                  <a:pos x="connsiteX96" y="connsiteY96"/>
+                </a:cxn>
+                <a:cxn ang="0">
+                  <a:pos x="connsiteX97" y="connsiteY97"/>
+                </a:cxn>
+                <a:cxn ang="0">
+                  <a:pos x="connsiteX98" y="connsiteY98"/>
+                </a:cxn>
+                <a:cxn ang="0">
+                  <a:pos x="connsiteX99" y="connsiteY99"/>
+                </a:cxn>
+                <a:cxn ang="0">
+                  <a:pos x="connsiteX100" y="connsiteY100"/>
+                </a:cxn>
+                <a:cxn ang="0">
+                  <a:pos x="connsiteX101" y="connsiteY101"/>
+                </a:cxn>
+                <a:cxn ang="0">
+                  <a:pos x="connsiteX102" y="connsiteY102"/>
+                </a:cxn>
+                <a:cxn ang="0">
+                  <a:pos x="connsiteX103" y="connsiteY103"/>
+                </a:cxn>
+                <a:cxn ang="0">
+                  <a:pos x="connsiteX104" y="connsiteY104"/>
+                </a:cxn>
+                <a:cxn ang="0">
+                  <a:pos x="connsiteX105" y="connsiteY105"/>
+                </a:cxn>
+                <a:cxn ang="0">
+                  <a:pos x="connsiteX106" y="connsiteY106"/>
+                </a:cxn>
+                <a:cxn ang="0">
+                  <a:pos x="connsiteX107" y="connsiteY107"/>
+                </a:cxn>
+                <a:cxn ang="0">
+                  <a:pos x="connsiteX108" y="connsiteY108"/>
+                </a:cxn>
+                <a:cxn ang="0">
+                  <a:pos x="connsiteX109" y="connsiteY109"/>
+                </a:cxn>
+                <a:cxn ang="0">
+                  <a:pos x="connsiteX110" y="connsiteY110"/>
+                </a:cxn>
+                <a:cxn ang="0">
+                  <a:pos x="connsiteX111" y="connsiteY111"/>
+                </a:cxn>
+                <a:cxn ang="0">
+                  <a:pos x="connsiteX112" y="connsiteY112"/>
+                </a:cxn>
+                <a:cxn ang="0">
+                  <a:pos x="connsiteX113" y="connsiteY113"/>
+                </a:cxn>
+                <a:cxn ang="0">
+                  <a:pos x="connsiteX114" y="connsiteY114"/>
+                </a:cxn>
+                <a:cxn ang="0">
+                  <a:pos x="connsiteX115" y="connsiteY115"/>
+                </a:cxn>
+                <a:cxn ang="0">
+                  <a:pos x="connsiteX116" y="connsiteY116"/>
+                </a:cxn>
+                <a:cxn ang="0">
+                  <a:pos x="connsiteX117" y="connsiteY117"/>
+                </a:cxn>
+                <a:cxn ang="0">
+                  <a:pos x="connsiteX118" y="connsiteY118"/>
+                </a:cxn>
+                <a:cxn ang="0">
+                  <a:pos x="connsiteX119" y="connsiteY119"/>
+                </a:cxn>
+                <a:cxn ang="0">
+                  <a:pos x="connsiteX120" y="connsiteY120"/>
+                </a:cxn>
+                <a:cxn ang="0">
+                  <a:pos x="connsiteX121" y="connsiteY121"/>
+                </a:cxn>
+                <a:cxn ang="0">
+                  <a:pos x="connsiteX122" y="connsiteY122"/>
+                </a:cxn>
+                <a:cxn ang="0">
+                  <a:pos x="connsiteX123" y="connsiteY123"/>
+                </a:cxn>
+                <a:cxn ang="0">
+                  <a:pos x="connsiteX124" y="connsiteY124"/>
+                </a:cxn>
+                <a:cxn ang="0">
+                  <a:pos x="connsiteX125" y="connsiteY125"/>
+                </a:cxn>
+                <a:cxn ang="0">
+                  <a:pos x="connsiteX126" y="connsiteY126"/>
+                </a:cxn>
+                <a:cxn ang="0">
+                  <a:pos x="connsiteX127" y="connsiteY127"/>
+                </a:cxn>
+                <a:cxn ang="0">
+                  <a:pos x="connsiteX128" y="connsiteY128"/>
+                </a:cxn>
+                <a:cxn ang="0">
+                  <a:pos x="connsiteX129" y="connsiteY129"/>
+                </a:cxn>
+                <a:cxn ang="0">
+                  <a:pos x="connsiteX130" y="connsiteY130"/>
+                </a:cxn>
+                <a:cxn ang="0">
+                  <a:pos x="connsiteX131" y="connsiteY131"/>
+                </a:cxn>
+                <a:cxn ang="0">
+                  <a:pos x="connsiteX132" y="connsiteY132"/>
+                </a:cxn>
+                <a:cxn ang="0">
+                  <a:pos x="connsiteX133" y="connsiteY133"/>
+                </a:cxn>
+                <a:cxn ang="0">
+                  <a:pos x="connsiteX134" y="connsiteY134"/>
+                </a:cxn>
+                <a:cxn ang="0">
+                  <a:pos x="connsiteX135" y="connsiteY135"/>
+                </a:cxn>
+                <a:cxn ang="0">
+                  <a:pos x="connsiteX136" y="connsiteY136"/>
+                </a:cxn>
+                <a:cxn ang="0">
+                  <a:pos x="connsiteX137" y="connsiteY137"/>
+                </a:cxn>
+                <a:cxn ang="0">
+                  <a:pos x="connsiteX138" y="connsiteY138"/>
+                </a:cxn>
+                <a:cxn ang="0">
+                  <a:pos x="connsiteX139" y="connsiteY139"/>
+                </a:cxn>
+                <a:cxn ang="0">
+                  <a:pos x="connsiteX140" y="connsiteY140"/>
+                </a:cxn>
+                <a:cxn ang="0">
+                  <a:pos x="connsiteX141" y="connsiteY141"/>
+                </a:cxn>
+                <a:cxn ang="0">
+                  <a:pos x="connsiteX142" y="connsiteY142"/>
+                </a:cxn>
+                <a:cxn ang="0">
+                  <a:pos x="connsiteX143" y="connsiteY143"/>
+                </a:cxn>
+                <a:cxn ang="0">
+                  <a:pos x="connsiteX144" y="connsiteY144"/>
+                </a:cxn>
+                <a:cxn ang="0">
+                  <a:pos x="connsiteX145" y="connsiteY145"/>
+                </a:cxn>
+                <a:cxn ang="0">
+                  <a:pos x="connsiteX146" y="connsiteY146"/>
+                </a:cxn>
+                <a:cxn ang="0">
+                  <a:pos x="connsiteX147" y="connsiteY147"/>
+                </a:cxn>
+                <a:cxn ang="0">
+                  <a:pos x="connsiteX148" y="connsiteY148"/>
+                </a:cxn>
+                <a:cxn ang="0">
+                  <a:pos x="connsiteX149" y="connsiteY149"/>
+                </a:cxn>
+                <a:cxn ang="0">
+                  <a:pos x="connsiteX150" y="connsiteY150"/>
+                </a:cxn>
+                <a:cxn ang="0">
+                  <a:pos x="connsiteX151" y="connsiteY151"/>
+                </a:cxn>
+                <a:cxn ang="0">
+                  <a:pos x="connsiteX152" y="connsiteY152"/>
+                </a:cxn>
+                <a:cxn ang="0">
+                  <a:pos x="connsiteX153" y="connsiteY153"/>
+                </a:cxn>
+                <a:cxn ang="0">
+                  <a:pos x="connsiteX154" y="connsiteY154"/>
+                </a:cxn>
+                <a:cxn ang="0">
+                  <a:pos x="connsiteX155" y="connsiteY155"/>
+                </a:cxn>
+                <a:cxn ang="0">
+                  <a:pos x="connsiteX156" y="connsiteY156"/>
+                </a:cxn>
+                <a:cxn ang="0">
+                  <a:pos x="connsiteX157" y="connsiteY157"/>
+                </a:cxn>
+                <a:cxn ang="0">
+                  <a:pos x="connsiteX158" y="connsiteY158"/>
+                </a:cxn>
+                <a:cxn ang="0">
+                  <a:pos x="connsiteX159" y="connsiteY159"/>
+                </a:cxn>
+                <a:cxn ang="0">
+                  <a:pos x="connsiteX160" y="connsiteY160"/>
+                </a:cxn>
+                <a:cxn ang="0">
+                  <a:pos x="connsiteX161" y="connsiteY161"/>
+                </a:cxn>
+                <a:cxn ang="0">
+                  <a:pos x="connsiteX162" y="connsiteY162"/>
+                </a:cxn>
+                <a:cxn ang="0">
+                  <a:pos x="connsiteX163" y="connsiteY163"/>
+                </a:cxn>
+                <a:cxn ang="0">
+                  <a:pos x="connsiteX164" y="connsiteY164"/>
+                </a:cxn>
+                <a:cxn ang="0">
+                  <a:pos x="connsiteX165" y="connsiteY165"/>
+                </a:cxn>
+                <a:cxn ang="0">
+                  <a:pos x="connsiteX166" y="connsiteY166"/>
+                </a:cxn>
+                <a:cxn ang="0">
+                  <a:pos x="connsiteX167" y="connsiteY167"/>
+                </a:cxn>
+                <a:cxn ang="0">
+                  <a:pos x="connsiteX168" y="connsiteY168"/>
+                </a:cxn>
+                <a:cxn ang="0">
+                  <a:pos x="connsiteX169" y="connsiteY169"/>
+                </a:cxn>
+                <a:cxn ang="0">
+                  <a:pos x="connsiteX170" y="connsiteY170"/>
+                </a:cxn>
+                <a:cxn ang="0">
+                  <a:pos x="connsiteX171" y="connsiteY171"/>
+                </a:cxn>
+                <a:cxn ang="0">
+                  <a:pos x="connsiteX172" y="connsiteY172"/>
+                </a:cxn>
+              </a:cxnLst>
+              <a:rect l="l" t="t" r="r" b="b"/>
+              <a:pathLst>
+                <a:path w="3499784" h="960817">
+                  <a:moveTo>
+                    <a:pt x="0" y="891192"/>
+                  </a:moveTo>
+                  <a:cubicBezTo>
+                    <a:pt x="6336" y="913369"/>
+                    <a:pt x="5253" y="922077"/>
+                    <a:pt x="18566" y="937608"/>
+                  </a:cubicBezTo>
+                  <a:cubicBezTo>
+                    <a:pt x="24262" y="944253"/>
+                    <a:pt x="28830" y="953407"/>
+                    <a:pt x="37133" y="956175"/>
+                  </a:cubicBezTo>
+                  <a:lnTo>
+                    <a:pt x="51057" y="960817"/>
+                  </a:lnTo>
+                  <a:cubicBezTo>
+                    <a:pt x="92832" y="959270"/>
+                    <a:pt x="134670" y="958956"/>
+                    <a:pt x="176381" y="956175"/>
+                  </a:cubicBezTo>
+                  <a:cubicBezTo>
+                    <a:pt x="181263" y="955850"/>
+                    <a:pt x="185930" y="953721"/>
+                    <a:pt x="190306" y="951533"/>
+                  </a:cubicBezTo>
+                  <a:cubicBezTo>
+                    <a:pt x="195296" y="949038"/>
+                    <a:pt x="199589" y="945344"/>
+                    <a:pt x="204231" y="942250"/>
+                  </a:cubicBezTo>
+                  <a:cubicBezTo>
+                    <a:pt x="210420" y="932967"/>
+                    <a:pt x="219270" y="924985"/>
+                    <a:pt x="222798" y="914400"/>
+                  </a:cubicBezTo>
+                  <a:cubicBezTo>
+                    <a:pt x="229203" y="895183"/>
+                    <a:pt x="224725" y="904546"/>
+                    <a:pt x="236722" y="886551"/>
+                  </a:cubicBezTo>
+                  <a:cubicBezTo>
+                    <a:pt x="238269" y="880362"/>
+                    <a:pt x="239124" y="873957"/>
+                    <a:pt x="241364" y="867984"/>
+                  </a:cubicBezTo>
+                  <a:cubicBezTo>
+                    <a:pt x="243793" y="861505"/>
+                    <a:pt x="247921" y="855778"/>
+                    <a:pt x="250647" y="849418"/>
+                  </a:cubicBezTo>
+                  <a:cubicBezTo>
+                    <a:pt x="252574" y="844921"/>
+                    <a:pt x="253362" y="839990"/>
+                    <a:pt x="255289" y="835493"/>
+                  </a:cubicBezTo>
+                  <a:cubicBezTo>
+                    <a:pt x="258015" y="829133"/>
+                    <a:pt x="261846" y="823286"/>
+                    <a:pt x="264572" y="816926"/>
+                  </a:cubicBezTo>
+                  <a:cubicBezTo>
+                    <a:pt x="266499" y="812429"/>
+                    <a:pt x="267026" y="807377"/>
+                    <a:pt x="269214" y="803001"/>
+                  </a:cubicBezTo>
+                  <a:cubicBezTo>
+                    <a:pt x="283062" y="775305"/>
+                    <a:pt x="277501" y="802176"/>
+                    <a:pt x="301705" y="765868"/>
+                  </a:cubicBezTo>
+                  <a:cubicBezTo>
+                    <a:pt x="313415" y="748302"/>
+                    <a:pt x="307043" y="755887"/>
+                    <a:pt x="320272" y="742660"/>
+                  </a:cubicBezTo>
+                  <a:cubicBezTo>
+                    <a:pt x="321819" y="738018"/>
+                    <a:pt x="322396" y="732930"/>
+                    <a:pt x="324913" y="728735"/>
+                  </a:cubicBezTo>
+                  <a:cubicBezTo>
+                    <a:pt x="327165" y="724982"/>
+                    <a:pt x="330780" y="722186"/>
+                    <a:pt x="334197" y="719452"/>
+                  </a:cubicBezTo>
+                  <a:cubicBezTo>
+                    <a:pt x="347052" y="709168"/>
+                    <a:pt x="347338" y="710430"/>
+                    <a:pt x="362046" y="705527"/>
+                  </a:cubicBezTo>
+                  <a:cubicBezTo>
+                    <a:pt x="369782" y="707074"/>
+                    <a:pt x="377867" y="707399"/>
+                    <a:pt x="385254" y="710169"/>
+                  </a:cubicBezTo>
+                  <a:cubicBezTo>
+                    <a:pt x="390477" y="712128"/>
+                    <a:pt x="394823" y="715967"/>
+                    <a:pt x="399179" y="719452"/>
+                  </a:cubicBezTo>
+                  <a:cubicBezTo>
+                    <a:pt x="408630" y="727012"/>
+                    <a:pt x="410851" y="732318"/>
+                    <a:pt x="417746" y="742660"/>
+                  </a:cubicBezTo>
+                  <a:cubicBezTo>
+                    <a:pt x="420840" y="751943"/>
+                    <a:pt x="421601" y="762368"/>
+                    <a:pt x="427029" y="770510"/>
+                  </a:cubicBezTo>
+                  <a:cubicBezTo>
+                    <a:pt x="430123" y="775152"/>
+                    <a:pt x="433817" y="779445"/>
+                    <a:pt x="436312" y="784435"/>
+                  </a:cubicBezTo>
+                  <a:cubicBezTo>
+                    <a:pt x="438500" y="788811"/>
+                    <a:pt x="436706" y="795933"/>
+                    <a:pt x="440954" y="798360"/>
+                  </a:cubicBezTo>
+                  <a:cubicBezTo>
+                    <a:pt x="449125" y="803029"/>
+                    <a:pt x="459521" y="801454"/>
+                    <a:pt x="468804" y="803001"/>
+                  </a:cubicBezTo>
+                  <a:cubicBezTo>
+                    <a:pt x="510731" y="800672"/>
+                    <a:pt x="538584" y="813308"/>
+                    <a:pt x="566278" y="789076"/>
+                  </a:cubicBezTo>
+                  <a:lnTo>
+                    <a:pt x="608052" y="747302"/>
+                  </a:lnTo>
+                  <a:lnTo>
+                    <a:pt x="617336" y="738019"/>
+                  </a:lnTo>
+                  <a:cubicBezTo>
+                    <a:pt x="634258" y="687246"/>
+                    <a:pt x="607271" y="764145"/>
+                    <a:pt x="631261" y="710169"/>
+                  </a:cubicBezTo>
+                  <a:cubicBezTo>
+                    <a:pt x="635235" y="701227"/>
+                    <a:pt x="635116" y="690461"/>
+                    <a:pt x="640544" y="682319"/>
+                  </a:cubicBezTo>
+                  <a:lnTo>
+                    <a:pt x="659110" y="654469"/>
+                  </a:lnTo>
+                  <a:cubicBezTo>
+                    <a:pt x="662205" y="649827"/>
+                    <a:pt x="664449" y="644489"/>
+                    <a:pt x="668394" y="640544"/>
+                  </a:cubicBezTo>
+                  <a:cubicBezTo>
+                    <a:pt x="673035" y="635903"/>
+                    <a:pt x="678116" y="631662"/>
+                    <a:pt x="682318" y="626620"/>
+                  </a:cubicBezTo>
+                  <a:cubicBezTo>
+                    <a:pt x="685889" y="622334"/>
+                    <a:pt x="688117" y="617051"/>
+                    <a:pt x="691602" y="612695"/>
+                  </a:cubicBezTo>
+                  <a:cubicBezTo>
+                    <a:pt x="694336" y="609278"/>
+                    <a:pt x="698259" y="606912"/>
+                    <a:pt x="700885" y="603411"/>
+                  </a:cubicBezTo>
+                  <a:cubicBezTo>
+                    <a:pt x="707579" y="594485"/>
+                    <a:pt x="719451" y="575562"/>
+                    <a:pt x="719451" y="575562"/>
+                  </a:cubicBezTo>
+                  <a:cubicBezTo>
+                    <a:pt x="742457" y="598565"/>
+                    <a:pt x="721022" y="583274"/>
+                    <a:pt x="761226" y="543070"/>
+                  </a:cubicBezTo>
+                  <a:cubicBezTo>
+                    <a:pt x="772056" y="532240"/>
+                    <a:pt x="785221" y="523323"/>
+                    <a:pt x="793717" y="510579"/>
+                  </a:cubicBezTo>
+                  <a:cubicBezTo>
+                    <a:pt x="796812" y="505937"/>
+                    <a:pt x="799430" y="500940"/>
+                    <a:pt x="803001" y="496654"/>
+                  </a:cubicBezTo>
+                  <a:cubicBezTo>
+                    <a:pt x="807203" y="491611"/>
+                    <a:pt x="812896" y="487911"/>
+                    <a:pt x="816926" y="482729"/>
+                  </a:cubicBezTo>
+                  <a:cubicBezTo>
+                    <a:pt x="823776" y="473922"/>
+                    <a:pt x="829303" y="464162"/>
+                    <a:pt x="835492" y="454879"/>
+                  </a:cubicBezTo>
+                  <a:cubicBezTo>
+                    <a:pt x="849061" y="434526"/>
+                    <a:pt x="841436" y="445407"/>
+                    <a:pt x="858700" y="422388"/>
+                  </a:cubicBezTo>
+                  <a:cubicBezTo>
+                    <a:pt x="860247" y="417746"/>
+                    <a:pt x="860338" y="412325"/>
+                    <a:pt x="863342" y="408463"/>
+                  </a:cubicBezTo>
+                  <a:cubicBezTo>
+                    <a:pt x="871402" y="398100"/>
+                    <a:pt x="891192" y="380613"/>
+                    <a:pt x="891192" y="380613"/>
+                  </a:cubicBezTo>
+                  <a:cubicBezTo>
+                    <a:pt x="907039" y="382374"/>
+                    <a:pt x="933840" y="378876"/>
+                    <a:pt x="946891" y="394538"/>
+                  </a:cubicBezTo>
+                  <a:cubicBezTo>
+                    <a:pt x="956616" y="406209"/>
+                    <a:pt x="956718" y="418010"/>
+                    <a:pt x="960816" y="431671"/>
+                  </a:cubicBezTo>
+                  <a:cubicBezTo>
+                    <a:pt x="963628" y="441044"/>
+                    <a:pt x="968180" y="449926"/>
+                    <a:pt x="970099" y="459521"/>
+                  </a:cubicBezTo>
+                  <a:cubicBezTo>
+                    <a:pt x="973287" y="475458"/>
+                    <a:pt x="975016" y="486013"/>
+                    <a:pt x="979382" y="501296"/>
+                  </a:cubicBezTo>
+                  <a:cubicBezTo>
+                    <a:pt x="980726" y="506001"/>
+                    <a:pt x="982680" y="510517"/>
+                    <a:pt x="984024" y="515221"/>
+                  </a:cubicBezTo>
+                  <a:cubicBezTo>
+                    <a:pt x="987267" y="526571"/>
+                    <a:pt x="992436" y="553366"/>
+                    <a:pt x="997949" y="561637"/>
+                  </a:cubicBezTo>
+                  <a:lnTo>
+                    <a:pt x="1007232" y="575562"/>
+                  </a:lnTo>
+                  <a:cubicBezTo>
+                    <a:pt x="1022234" y="573062"/>
+                    <a:pt x="1044994" y="571307"/>
+                    <a:pt x="1058290" y="561637"/>
+                  </a:cubicBezTo>
+                  <a:cubicBezTo>
+                    <a:pt x="1068908" y="553915"/>
+                    <a:pt x="1086140" y="533787"/>
+                    <a:pt x="1086140" y="533787"/>
+                  </a:cubicBezTo>
+                  <a:lnTo>
+                    <a:pt x="1100065" y="492012"/>
+                  </a:lnTo>
+                  <a:cubicBezTo>
+                    <a:pt x="1101612" y="487371"/>
+                    <a:pt x="1102889" y="482630"/>
+                    <a:pt x="1104706" y="478088"/>
+                  </a:cubicBezTo>
+                  <a:cubicBezTo>
+                    <a:pt x="1107800" y="470352"/>
+                    <a:pt x="1111354" y="462784"/>
+                    <a:pt x="1113989" y="454879"/>
+                  </a:cubicBezTo>
+                  <a:cubicBezTo>
+                    <a:pt x="1116006" y="448827"/>
+                    <a:pt x="1117247" y="442540"/>
+                    <a:pt x="1118631" y="436313"/>
+                  </a:cubicBezTo>
+                  <a:cubicBezTo>
+                    <a:pt x="1123414" y="414793"/>
+                    <a:pt x="1122258" y="414335"/>
+                    <a:pt x="1127914" y="394538"/>
+                  </a:cubicBezTo>
+                  <a:cubicBezTo>
+                    <a:pt x="1131633" y="381522"/>
+                    <a:pt x="1134768" y="374422"/>
+                    <a:pt x="1141839" y="362047"/>
+                  </a:cubicBezTo>
+                  <a:cubicBezTo>
+                    <a:pt x="1144607" y="357203"/>
+                    <a:pt x="1148028" y="352764"/>
+                    <a:pt x="1151122" y="348122"/>
+                  </a:cubicBezTo>
+                  <a:cubicBezTo>
+                    <a:pt x="1152669" y="352764"/>
+                    <a:pt x="1150966" y="363007"/>
+                    <a:pt x="1155764" y="362047"/>
+                  </a:cubicBezTo>
+                  <a:cubicBezTo>
+                    <a:pt x="1164347" y="360330"/>
+                    <a:pt x="1167789" y="349295"/>
+                    <a:pt x="1174331" y="343480"/>
+                  </a:cubicBezTo>
+                  <a:cubicBezTo>
+                    <a:pt x="1181735" y="336898"/>
+                    <a:pt x="1190083" y="331438"/>
+                    <a:pt x="1197539" y="324914"/>
+                  </a:cubicBezTo>
+                  <a:cubicBezTo>
+                    <a:pt x="1202479" y="320591"/>
+                    <a:pt x="1206122" y="314804"/>
+                    <a:pt x="1211464" y="310989"/>
+                  </a:cubicBezTo>
+                  <a:cubicBezTo>
+                    <a:pt x="1217094" y="306967"/>
+                    <a:pt x="1223841" y="304800"/>
+                    <a:pt x="1230030" y="301706"/>
+                  </a:cubicBezTo>
+                  <a:cubicBezTo>
+                    <a:pt x="1236219" y="292423"/>
+                    <a:pt x="1241903" y="282782"/>
+                    <a:pt x="1248597" y="273856"/>
+                  </a:cubicBezTo>
+                  <a:cubicBezTo>
+                    <a:pt x="1253238" y="267667"/>
+                    <a:pt x="1258085" y="261627"/>
+                    <a:pt x="1262521" y="255290"/>
+                  </a:cubicBezTo>
+                  <a:cubicBezTo>
+                    <a:pt x="1268919" y="246150"/>
+                    <a:pt x="1274899" y="236723"/>
+                    <a:pt x="1281088" y="227440"/>
+                  </a:cubicBezTo>
+                  <a:cubicBezTo>
+                    <a:pt x="1284182" y="222798"/>
+                    <a:pt x="1285908" y="216862"/>
+                    <a:pt x="1290371" y="213515"/>
+                  </a:cubicBezTo>
+                  <a:cubicBezTo>
+                    <a:pt x="1296560" y="208873"/>
+                    <a:pt x="1303064" y="204625"/>
+                    <a:pt x="1308938" y="199590"/>
+                  </a:cubicBezTo>
+                  <a:cubicBezTo>
+                    <a:pt x="1313922" y="195318"/>
+                    <a:pt x="1317681" y="189695"/>
+                    <a:pt x="1322863" y="185665"/>
+                  </a:cubicBezTo>
+                  <a:cubicBezTo>
+                    <a:pt x="1331670" y="178815"/>
+                    <a:pt x="1342823" y="174988"/>
+                    <a:pt x="1350712" y="167099"/>
+                  </a:cubicBezTo>
+                  <a:lnTo>
+                    <a:pt x="1373920" y="143891"/>
+                  </a:lnTo>
+                  <a:cubicBezTo>
+                    <a:pt x="1384087" y="133724"/>
+                    <a:pt x="1383465" y="133132"/>
+                    <a:pt x="1397129" y="125324"/>
+                  </a:cubicBezTo>
+                  <a:cubicBezTo>
+                    <a:pt x="1407459" y="119421"/>
+                    <a:pt x="1418050" y="114291"/>
+                    <a:pt x="1429620" y="111399"/>
+                  </a:cubicBezTo>
+                  <a:cubicBezTo>
+                    <a:pt x="1437274" y="109486"/>
+                    <a:pt x="1445141" y="108532"/>
+                    <a:pt x="1452828" y="106758"/>
+                  </a:cubicBezTo>
+                  <a:cubicBezTo>
+                    <a:pt x="1465260" y="103889"/>
+                    <a:pt x="1477583" y="100568"/>
+                    <a:pt x="1489961" y="97474"/>
+                  </a:cubicBezTo>
+                  <a:lnTo>
+                    <a:pt x="1508528" y="92833"/>
+                  </a:lnTo>
+                  <a:cubicBezTo>
+                    <a:pt x="1525547" y="94380"/>
+                    <a:pt x="1543584" y="91474"/>
+                    <a:pt x="1559585" y="97474"/>
+                  </a:cubicBezTo>
+                  <a:cubicBezTo>
+                    <a:pt x="1571652" y="101999"/>
+                    <a:pt x="1584417" y="123117"/>
+                    <a:pt x="1592077" y="134607"/>
+                  </a:cubicBezTo>
+                  <a:lnTo>
+                    <a:pt x="1601360" y="162457"/>
+                  </a:lnTo>
+                  <a:cubicBezTo>
+                    <a:pt x="1602907" y="167099"/>
+                    <a:pt x="1603288" y="172311"/>
+                    <a:pt x="1606002" y="176382"/>
+                  </a:cubicBezTo>
+                  <a:cubicBezTo>
+                    <a:pt x="1612191" y="185665"/>
+                    <a:pt x="1621040" y="193647"/>
+                    <a:pt x="1624568" y="204232"/>
+                  </a:cubicBezTo>
+                  <a:cubicBezTo>
+                    <a:pt x="1635615" y="237373"/>
+                    <a:pt x="1628423" y="223939"/>
+                    <a:pt x="1643135" y="246006"/>
+                  </a:cubicBezTo>
+                  <a:cubicBezTo>
+                    <a:pt x="1644901" y="254838"/>
+                    <a:pt x="1647659" y="273621"/>
+                    <a:pt x="1652418" y="283139"/>
+                  </a:cubicBezTo>
+                  <a:cubicBezTo>
+                    <a:pt x="1654913" y="288129"/>
+                    <a:pt x="1659206" y="292074"/>
+                    <a:pt x="1661701" y="297064"/>
+                  </a:cubicBezTo>
+                  <a:cubicBezTo>
+                    <a:pt x="1668240" y="310141"/>
+                    <a:pt x="1667350" y="332987"/>
+                    <a:pt x="1684909" y="338839"/>
+                  </a:cubicBezTo>
+                  <a:lnTo>
+                    <a:pt x="1698834" y="343480"/>
+                  </a:lnTo>
+                  <a:cubicBezTo>
+                    <a:pt x="1714306" y="341933"/>
+                    <a:pt x="1730758" y="344475"/>
+                    <a:pt x="1745250" y="338839"/>
+                  </a:cubicBezTo>
+                  <a:cubicBezTo>
+                    <a:pt x="1759670" y="333231"/>
+                    <a:pt x="1769509" y="319571"/>
+                    <a:pt x="1782383" y="310989"/>
+                  </a:cubicBezTo>
+                  <a:cubicBezTo>
+                    <a:pt x="1798880" y="299991"/>
+                    <a:pt x="1815947" y="289280"/>
+                    <a:pt x="1828800" y="273856"/>
+                  </a:cubicBezTo>
+                  <a:cubicBezTo>
+                    <a:pt x="1832371" y="269570"/>
+                    <a:pt x="1834841" y="264470"/>
+                    <a:pt x="1838083" y="259931"/>
+                  </a:cubicBezTo>
+                  <a:cubicBezTo>
+                    <a:pt x="1842579" y="253636"/>
+                    <a:pt x="1847056" y="247308"/>
+                    <a:pt x="1852008" y="241365"/>
+                  </a:cubicBezTo>
+                  <a:cubicBezTo>
+                    <a:pt x="1854810" y="238003"/>
+                    <a:pt x="1858557" y="235498"/>
+                    <a:pt x="1861291" y="232081"/>
+                  </a:cubicBezTo>
+                  <a:cubicBezTo>
+                    <a:pt x="1864776" y="227725"/>
+                    <a:pt x="1867089" y="222513"/>
+                    <a:pt x="1870574" y="218157"/>
+                  </a:cubicBezTo>
+                  <a:cubicBezTo>
+                    <a:pt x="1885819" y="199100"/>
+                    <a:pt x="1874857" y="219943"/>
+                    <a:pt x="1889141" y="194948"/>
+                  </a:cubicBezTo>
+                  <a:cubicBezTo>
+                    <a:pt x="1892574" y="188941"/>
+                    <a:pt x="1895854" y="182806"/>
+                    <a:pt x="1898424" y="176382"/>
+                  </a:cubicBezTo>
+                  <a:cubicBezTo>
+                    <a:pt x="1902058" y="167296"/>
+                    <a:pt x="1900788" y="155451"/>
+                    <a:pt x="1907707" y="148532"/>
+                  </a:cubicBezTo>
+                  <a:lnTo>
+                    <a:pt x="1921632" y="134607"/>
+                  </a:lnTo>
+                  <a:cubicBezTo>
+                    <a:pt x="1924227" y="124230"/>
+                    <a:pt x="1931038" y="94969"/>
+                    <a:pt x="1935557" y="88191"/>
+                  </a:cubicBezTo>
+                  <a:cubicBezTo>
+                    <a:pt x="1938651" y="83549"/>
+                    <a:pt x="1942345" y="79256"/>
+                    <a:pt x="1944840" y="74266"/>
+                  </a:cubicBezTo>
+                  <a:cubicBezTo>
+                    <a:pt x="1947028" y="69890"/>
+                    <a:pt x="1947294" y="64717"/>
+                    <a:pt x="1949482" y="60341"/>
+                  </a:cubicBezTo>
+                  <a:cubicBezTo>
+                    <a:pt x="1953502" y="52302"/>
+                    <a:pt x="1960855" y="42888"/>
+                    <a:pt x="1968048" y="37133"/>
+                  </a:cubicBezTo>
+                  <a:cubicBezTo>
+                    <a:pt x="1990213" y="19400"/>
+                    <a:pt x="1973024" y="34645"/>
+                    <a:pt x="1995898" y="23208"/>
+                  </a:cubicBezTo>
+                  <a:cubicBezTo>
+                    <a:pt x="2000888" y="20713"/>
+                    <a:pt x="2005181" y="17019"/>
+                    <a:pt x="2009823" y="13925"/>
+                  </a:cubicBezTo>
+                  <a:cubicBezTo>
+                    <a:pt x="2014465" y="15472"/>
+                    <a:pt x="2018855" y="18567"/>
+                    <a:pt x="2023748" y="18567"/>
+                  </a:cubicBezTo>
+                  <a:cubicBezTo>
+                    <a:pt x="2037896" y="18567"/>
+                    <a:pt x="2048066" y="12946"/>
+                    <a:pt x="2060881" y="9284"/>
+                  </a:cubicBezTo>
+                  <a:cubicBezTo>
+                    <a:pt x="2080275" y="3743"/>
+                    <a:pt x="2085404" y="3649"/>
+                    <a:pt x="2107297" y="0"/>
+                  </a:cubicBezTo>
+                  <a:cubicBezTo>
+                    <a:pt x="2109775" y="619"/>
+                    <a:pt x="2135791" y="6619"/>
+                    <a:pt x="2139788" y="9284"/>
+                  </a:cubicBezTo>
+                  <a:cubicBezTo>
+                    <a:pt x="2145250" y="12925"/>
+                    <a:pt x="2148729" y="18936"/>
+                    <a:pt x="2153713" y="23208"/>
+                  </a:cubicBezTo>
+                  <a:cubicBezTo>
+                    <a:pt x="2171596" y="38536"/>
+                    <a:pt x="2167849" y="35656"/>
+                    <a:pt x="2186205" y="41775"/>
+                  </a:cubicBezTo>
+                  <a:cubicBezTo>
+                    <a:pt x="2192394" y="46417"/>
+                    <a:pt x="2199047" y="50496"/>
+                    <a:pt x="2204771" y="55700"/>
+                  </a:cubicBezTo>
+                  <a:cubicBezTo>
+                    <a:pt x="2216104" y="66003"/>
+                    <a:pt x="2224519" y="79695"/>
+                    <a:pt x="2237263" y="88191"/>
+                  </a:cubicBezTo>
+                  <a:cubicBezTo>
+                    <a:pt x="2241904" y="91285"/>
+                    <a:pt x="2246831" y="93989"/>
+                    <a:pt x="2251187" y="97474"/>
+                  </a:cubicBezTo>
+                  <a:cubicBezTo>
+                    <a:pt x="2269391" y="112037"/>
+                    <a:pt x="2250215" y="103340"/>
+                    <a:pt x="2274396" y="111399"/>
+                  </a:cubicBezTo>
+                  <a:cubicBezTo>
+                    <a:pt x="2280585" y="120682"/>
+                    <a:pt x="2289434" y="128664"/>
+                    <a:pt x="2292962" y="139249"/>
+                  </a:cubicBezTo>
+                  <a:cubicBezTo>
+                    <a:pt x="2299710" y="159492"/>
+                    <a:pt x="2299268" y="166311"/>
+                    <a:pt x="2311529" y="181024"/>
+                  </a:cubicBezTo>
+                  <a:cubicBezTo>
+                    <a:pt x="2328064" y="200866"/>
+                    <a:pt x="2321125" y="189630"/>
+                    <a:pt x="2339378" y="204232"/>
+                  </a:cubicBezTo>
+                  <a:cubicBezTo>
+                    <a:pt x="2349371" y="212226"/>
+                    <a:pt x="2349145" y="217758"/>
+                    <a:pt x="2362586" y="222798"/>
+                  </a:cubicBezTo>
+                  <a:cubicBezTo>
+                    <a:pt x="2369973" y="225568"/>
+                    <a:pt x="2378093" y="225729"/>
+                    <a:pt x="2385795" y="227440"/>
+                  </a:cubicBezTo>
+                  <a:cubicBezTo>
+                    <a:pt x="2392022" y="228824"/>
+                    <a:pt x="2398172" y="230534"/>
+                    <a:pt x="2404361" y="232081"/>
+                  </a:cubicBezTo>
+                  <a:cubicBezTo>
+                    <a:pt x="2424475" y="230534"/>
+                    <a:pt x="2444776" y="230586"/>
+                    <a:pt x="2464702" y="227440"/>
+                  </a:cubicBezTo>
+                  <a:cubicBezTo>
+                    <a:pt x="2474368" y="225914"/>
+                    <a:pt x="2492552" y="218157"/>
+                    <a:pt x="2492552" y="218157"/>
+                  </a:cubicBezTo>
+                  <a:cubicBezTo>
+                    <a:pt x="2506477" y="208874"/>
+                    <a:pt x="2520939" y="200349"/>
+                    <a:pt x="2534327" y="190307"/>
+                  </a:cubicBezTo>
+                  <a:cubicBezTo>
+                    <a:pt x="2540516" y="185665"/>
+                    <a:pt x="2546456" y="180673"/>
+                    <a:pt x="2552893" y="176382"/>
+                  </a:cubicBezTo>
+                  <a:cubicBezTo>
+                    <a:pt x="2560399" y="171378"/>
+                    <a:pt x="2568451" y="167238"/>
+                    <a:pt x="2576101" y="162457"/>
+                  </a:cubicBezTo>
+                  <a:cubicBezTo>
+                    <a:pt x="2580832" y="159500"/>
+                    <a:pt x="2584783" y="155080"/>
+                    <a:pt x="2590026" y="153174"/>
+                  </a:cubicBezTo>
+                  <a:cubicBezTo>
+                    <a:pt x="2602016" y="148814"/>
+                    <a:pt x="2627159" y="143891"/>
+                    <a:pt x="2627159" y="143891"/>
+                  </a:cubicBezTo>
+                  <a:cubicBezTo>
+                    <a:pt x="2630253" y="148533"/>
+                    <a:pt x="2634678" y="152524"/>
+                    <a:pt x="2636442" y="157816"/>
+                  </a:cubicBezTo>
+                  <a:cubicBezTo>
+                    <a:pt x="2639418" y="166744"/>
+                    <a:pt x="2639042" y="176478"/>
+                    <a:pt x="2641084" y="185665"/>
+                  </a:cubicBezTo>
+                  <a:cubicBezTo>
+                    <a:pt x="2642145" y="190441"/>
+                    <a:pt x="2642594" y="195831"/>
+                    <a:pt x="2645726" y="199590"/>
+                  </a:cubicBezTo>
+                  <a:cubicBezTo>
+                    <a:pt x="2650678" y="205533"/>
+                    <a:pt x="2658418" y="208480"/>
+                    <a:pt x="2664292" y="213515"/>
+                  </a:cubicBezTo>
+                  <a:cubicBezTo>
+                    <a:pt x="2695559" y="240316"/>
+                    <a:pt x="2661369" y="216209"/>
+                    <a:pt x="2692142" y="236723"/>
+                  </a:cubicBezTo>
+                  <a:cubicBezTo>
+                    <a:pt x="2695917" y="248050"/>
+                    <a:pt x="2697067" y="255574"/>
+                    <a:pt x="2706067" y="264573"/>
+                  </a:cubicBezTo>
+                  <a:cubicBezTo>
+                    <a:pt x="2710012" y="268518"/>
+                    <a:pt x="2715350" y="270762"/>
+                    <a:pt x="2719992" y="273856"/>
+                  </a:cubicBezTo>
+                  <a:lnTo>
+                    <a:pt x="2733916" y="315631"/>
+                  </a:lnTo>
+                  <a:cubicBezTo>
+                    <a:pt x="2735463" y="320273"/>
+                    <a:pt x="2735622" y="325642"/>
+                    <a:pt x="2738558" y="329556"/>
+                  </a:cubicBezTo>
+                  <a:cubicBezTo>
+                    <a:pt x="2743200" y="335745"/>
+                    <a:pt x="2747448" y="342248"/>
+                    <a:pt x="2752483" y="348122"/>
+                  </a:cubicBezTo>
+                  <a:cubicBezTo>
+                    <a:pt x="2756755" y="353106"/>
+                    <a:pt x="2761766" y="357405"/>
+                    <a:pt x="2766408" y="362047"/>
+                  </a:cubicBezTo>
+                  <a:cubicBezTo>
+                    <a:pt x="2778073" y="397047"/>
+                    <a:pt x="2762337" y="353905"/>
+                    <a:pt x="2780333" y="389897"/>
+                  </a:cubicBezTo>
+                  <a:cubicBezTo>
+                    <a:pt x="2787885" y="405000"/>
+                    <a:pt x="2780952" y="404441"/>
+                    <a:pt x="2794257" y="417746"/>
+                  </a:cubicBezTo>
+                  <a:cubicBezTo>
+                    <a:pt x="2798202" y="421691"/>
+                    <a:pt x="2803826" y="423545"/>
+                    <a:pt x="2808182" y="427030"/>
+                  </a:cubicBezTo>
+                  <a:cubicBezTo>
+                    <a:pt x="2811599" y="429764"/>
+                    <a:pt x="2813965" y="433687"/>
+                    <a:pt x="2817466" y="436313"/>
+                  </a:cubicBezTo>
+                  <a:cubicBezTo>
+                    <a:pt x="2826392" y="443007"/>
+                    <a:pt x="2837426" y="446990"/>
+                    <a:pt x="2845315" y="454879"/>
+                  </a:cubicBezTo>
+                  <a:lnTo>
+                    <a:pt x="2868523" y="478088"/>
+                  </a:lnTo>
+                  <a:cubicBezTo>
+                    <a:pt x="2871618" y="481183"/>
+                    <a:pt x="2874166" y="484943"/>
+                    <a:pt x="2877807" y="487371"/>
+                  </a:cubicBezTo>
+                  <a:cubicBezTo>
+                    <a:pt x="2917971" y="514147"/>
+                    <a:pt x="2890826" y="500560"/>
+                    <a:pt x="2924223" y="510579"/>
+                  </a:cubicBezTo>
+                  <a:cubicBezTo>
+                    <a:pt x="2933596" y="513391"/>
+                    <a:pt x="2952073" y="519862"/>
+                    <a:pt x="2952073" y="519862"/>
+                  </a:cubicBezTo>
+                  <a:cubicBezTo>
+                    <a:pt x="2958262" y="518315"/>
+                    <a:pt x="2965230" y="518602"/>
+                    <a:pt x="2970639" y="515221"/>
+                  </a:cubicBezTo>
+                  <a:cubicBezTo>
+                    <a:pt x="2978061" y="510582"/>
+                    <a:pt x="2981923" y="501509"/>
+                    <a:pt x="2989206" y="496654"/>
+                  </a:cubicBezTo>
+                  <a:cubicBezTo>
+                    <a:pt x="3012233" y="481303"/>
+                    <a:pt x="2999189" y="491314"/>
+                    <a:pt x="3026339" y="464163"/>
+                  </a:cubicBezTo>
+                  <a:cubicBezTo>
+                    <a:pt x="3029433" y="461068"/>
+                    <a:pt x="3031708" y="456836"/>
+                    <a:pt x="3035622" y="454879"/>
+                  </a:cubicBezTo>
+                  <a:lnTo>
+                    <a:pt x="3054188" y="445596"/>
+                  </a:lnTo>
+                  <a:cubicBezTo>
+                    <a:pt x="3069660" y="447143"/>
+                    <a:pt x="3085454" y="446742"/>
+                    <a:pt x="3100605" y="450238"/>
+                  </a:cubicBezTo>
+                  <a:cubicBezTo>
+                    <a:pt x="3106041" y="451492"/>
+                    <a:pt x="3109686" y="456753"/>
+                    <a:pt x="3114530" y="459521"/>
+                  </a:cubicBezTo>
+                  <a:cubicBezTo>
+                    <a:pt x="3120538" y="462954"/>
+                    <a:pt x="3126672" y="466234"/>
+                    <a:pt x="3133096" y="468804"/>
+                  </a:cubicBezTo>
+                  <a:cubicBezTo>
+                    <a:pt x="3142182" y="472438"/>
+                    <a:pt x="3152804" y="472660"/>
+                    <a:pt x="3160946" y="478088"/>
+                  </a:cubicBezTo>
+                  <a:lnTo>
+                    <a:pt x="3188796" y="496654"/>
+                  </a:lnTo>
+                  <a:cubicBezTo>
+                    <a:pt x="3193437" y="502843"/>
+                    <a:pt x="3197250" y="509751"/>
+                    <a:pt x="3202720" y="515221"/>
+                  </a:cubicBezTo>
+                  <a:cubicBezTo>
+                    <a:pt x="3226847" y="539349"/>
+                    <a:pt x="3207554" y="510819"/>
+                    <a:pt x="3225929" y="533787"/>
+                  </a:cubicBezTo>
+                  <a:cubicBezTo>
+                    <a:pt x="3229414" y="538143"/>
+                    <a:pt x="3231506" y="543543"/>
+                    <a:pt x="3235212" y="547712"/>
+                  </a:cubicBezTo>
+                  <a:cubicBezTo>
+                    <a:pt x="3243934" y="557524"/>
+                    <a:pt x="3253779" y="566279"/>
+                    <a:pt x="3263062" y="575562"/>
+                  </a:cubicBezTo>
+                  <a:cubicBezTo>
+                    <a:pt x="3273329" y="585829"/>
+                    <a:pt x="3277985" y="592307"/>
+                    <a:pt x="3290911" y="598770"/>
+                  </a:cubicBezTo>
+                  <a:cubicBezTo>
+                    <a:pt x="3295287" y="600958"/>
+                    <a:pt x="3300132" y="602067"/>
+                    <a:pt x="3304836" y="603411"/>
+                  </a:cubicBezTo>
+                  <a:cubicBezTo>
+                    <a:pt x="3311777" y="605394"/>
+                    <a:pt x="3329908" y="608985"/>
+                    <a:pt x="3337328" y="612695"/>
+                  </a:cubicBezTo>
+                  <a:cubicBezTo>
+                    <a:pt x="3342317" y="615190"/>
+                    <a:pt x="3346896" y="618493"/>
+                    <a:pt x="3351252" y="621978"/>
+                  </a:cubicBezTo>
+                  <a:cubicBezTo>
+                    <a:pt x="3354669" y="624712"/>
+                    <a:pt x="3356783" y="629009"/>
+                    <a:pt x="3360536" y="631261"/>
+                  </a:cubicBezTo>
+                  <a:cubicBezTo>
+                    <a:pt x="3364732" y="633778"/>
+                    <a:pt x="3369819" y="634356"/>
+                    <a:pt x="3374461" y="635903"/>
+                  </a:cubicBezTo>
+                  <a:cubicBezTo>
+                    <a:pt x="3391480" y="634356"/>
+                    <a:pt x="3409123" y="636083"/>
+                    <a:pt x="3425518" y="631261"/>
+                  </a:cubicBezTo>
+                  <a:cubicBezTo>
+                    <a:pt x="3436222" y="628113"/>
+                    <a:pt x="3445479" y="620585"/>
+                    <a:pt x="3453368" y="612695"/>
+                  </a:cubicBezTo>
+                  <a:cubicBezTo>
+                    <a:pt x="3456462" y="609600"/>
+                    <a:pt x="3458737" y="605368"/>
+                    <a:pt x="3462651" y="603411"/>
+                  </a:cubicBezTo>
+                  <a:cubicBezTo>
+                    <a:pt x="3483173" y="593150"/>
+                    <a:pt x="3483961" y="594128"/>
+                    <a:pt x="3499784" y="594128"/>
+                  </a:cubicBezTo>
+                </a:path>
+              </a:pathLst>
+            </a:custGeom>
+            <a:noFill/>
+            <a:ln w="6350">
+              <a:solidFill>
+                <a:schemeClr val="accent1"/>
+              </a:solidFill>
+            </a:ln>
           </p:spPr>
           <p:style>
             <a:lnRef idx="2">
@@ -6714,16 +10439,165 @@
             <a:lstStyle/>
             <a:p>
               <a:pPr algn="ctr"/>
-              <a:endParaRPr lang="en-US" sz="900" dirty="0"/>
+              <a:endParaRPr lang="en-US"/>
             </a:p>
           </p:txBody>
         </p:sp>
+        <p:cxnSp>
+          <p:nvCxnSpPr>
+            <p:cNvPr id="17" name="Straight Arrow Connector 16">
+              <a:extLst>
+                <a:ext uri="{FF2B5EF4-FFF2-40B4-BE49-F238E27FC236}">
+                  <a16:creationId xmlns:a16="http://schemas.microsoft.com/office/drawing/2014/main" id="{6CEC258C-5766-0622-A703-654189E6C6EA}"/>
+                </a:ext>
+              </a:extLst>
+            </p:cNvPr>
+            <p:cNvCxnSpPr>
+              <a:cxnSpLocks/>
+            </p:cNvCxnSpPr>
+            <p:nvPr/>
+          </p:nvCxnSpPr>
+          <p:spPr>
+            <a:xfrm>
+              <a:off x="4443915" y="2297604"/>
+              <a:ext cx="0" cy="408463"/>
+            </a:xfrm>
+            <a:prstGeom prst="straightConnector1">
+              <a:avLst/>
+            </a:prstGeom>
+            <a:ln>
+              <a:solidFill>
+                <a:srgbClr val="FF0000"/>
+              </a:solidFill>
+              <a:headEnd type="triangle" w="sm" len="sm"/>
+              <a:tailEnd type="triangle" w="sm" len="sm"/>
+            </a:ln>
+          </p:spPr>
+          <p:style>
+            <a:lnRef idx="1">
+              <a:schemeClr val="accent1"/>
+            </a:lnRef>
+            <a:fillRef idx="0">
+              <a:schemeClr val="accent1"/>
+            </a:fillRef>
+            <a:effectRef idx="0">
+              <a:schemeClr val="accent1"/>
+            </a:effectRef>
+            <a:fontRef idx="minor">
+              <a:schemeClr val="tx1"/>
+            </a:fontRef>
+          </p:style>
+        </p:cxnSp>
         <p:sp>
           <p:nvSpPr>
-            <p:cNvPr id="62" name="Rectangle 61">
+            <p:cNvPr id="19" name="TextBox 18">
               <a:extLst>
                 <a:ext uri="{FF2B5EF4-FFF2-40B4-BE49-F238E27FC236}">
-                  <a16:creationId xmlns:a16="http://schemas.microsoft.com/office/drawing/2014/main" id="{51D701EF-EF02-14F8-6F66-FEB49E9E8C99}"/>
+                  <a16:creationId xmlns:a16="http://schemas.microsoft.com/office/drawing/2014/main" id="{8DA211D0-4820-F121-F7DE-C0F8A6E70D1B}"/>
+                </a:ext>
+              </a:extLst>
+            </p:cNvPr>
+            <p:cNvSpPr txBox="1"/>
+            <p:nvPr/>
+          </p:nvSpPr>
+          <p:spPr>
+            <a:xfrm>
+              <a:off x="4010954" y="2873165"/>
+              <a:ext cx="688009" cy="507831"/>
+            </a:xfrm>
+            <a:prstGeom prst="rect">
+              <a:avLst/>
+            </a:prstGeom>
+            <a:noFill/>
+          </p:spPr>
+          <p:txBody>
+            <a:bodyPr wrap="none" rtlCol="0">
+              <a:spAutoFit/>
+            </a:bodyPr>
+            <a:lstStyle/>
+            <a:p>
+              <a:r>
+                <a:rPr lang="en-US" sz="900" dirty="0">
+                  <a:solidFill>
+                    <a:srgbClr val="FF0000"/>
+                  </a:solidFill>
+                </a:rPr>
+                <a:t>Maximum </a:t>
+              </a:r>
+            </a:p>
+            <a:p>
+              <a:r>
+                <a:rPr lang="en-US" sz="900" dirty="0">
+                  <a:solidFill>
+                    <a:srgbClr val="FF0000"/>
+                  </a:solidFill>
+                </a:rPr>
+                <a:t>positive </a:t>
+              </a:r>
+            </a:p>
+            <a:p>
+              <a:r>
+                <a:rPr lang="en-US" sz="900" dirty="0">
+                  <a:solidFill>
+                    <a:srgbClr val="FF0000"/>
+                  </a:solidFill>
+                </a:rPr>
+                <a:t>error</a:t>
+              </a:r>
+            </a:p>
+          </p:txBody>
+        </p:sp>
+        <p:cxnSp>
+          <p:nvCxnSpPr>
+            <p:cNvPr id="20" name="Straight Arrow Connector 19">
+              <a:extLst>
+                <a:ext uri="{FF2B5EF4-FFF2-40B4-BE49-F238E27FC236}">
+                  <a16:creationId xmlns:a16="http://schemas.microsoft.com/office/drawing/2014/main" id="{36678A69-FE55-EC48-2A31-4A1798E72768}"/>
+                </a:ext>
+              </a:extLst>
+            </p:cNvPr>
+            <p:cNvCxnSpPr>
+              <a:cxnSpLocks/>
+            </p:cNvCxnSpPr>
+            <p:nvPr/>
+          </p:nvCxnSpPr>
+          <p:spPr>
+            <a:xfrm>
+              <a:off x="3945556" y="2566818"/>
+              <a:ext cx="0" cy="216429"/>
+            </a:xfrm>
+            <a:prstGeom prst="straightConnector1">
+              <a:avLst/>
+            </a:prstGeom>
+            <a:ln>
+              <a:solidFill>
+                <a:schemeClr val="accent6"/>
+              </a:solidFill>
+              <a:headEnd type="triangle" w="sm" len="sm"/>
+              <a:tailEnd type="triangle" w="sm" len="sm"/>
+            </a:ln>
+          </p:spPr>
+          <p:style>
+            <a:lnRef idx="1">
+              <a:schemeClr val="accent1"/>
+            </a:lnRef>
+            <a:fillRef idx="0">
+              <a:schemeClr val="accent1"/>
+            </a:fillRef>
+            <a:effectRef idx="0">
+              <a:schemeClr val="accent1"/>
+            </a:effectRef>
+            <a:fontRef idx="minor">
+              <a:schemeClr val="tx1"/>
+            </a:fontRef>
+          </p:style>
+        </p:cxnSp>
+        <p:sp>
+          <p:nvSpPr>
+            <p:cNvPr id="22" name="Freeform 21">
+              <a:extLst>
+                <a:ext uri="{FF2B5EF4-FFF2-40B4-BE49-F238E27FC236}">
+                  <a16:creationId xmlns:a16="http://schemas.microsoft.com/office/drawing/2014/main" id="{959D04F6-1B83-A05B-6A93-35A1BD74EC9E}"/>
                 </a:ext>
               </a:extLst>
             </p:cNvPr>
@@ -6732,18 +10606,1672 @@
           </p:nvSpPr>
           <p:spPr>
             <a:xfrm>
-              <a:off x="5798449" y="4575258"/>
-              <a:ext cx="1041401" cy="469900"/>
+              <a:off x="1828800" y="2294626"/>
+              <a:ext cx="3489385" cy="1138687"/>
             </a:xfrm>
-            <a:prstGeom prst="rect">
+            <a:custGeom>
               <a:avLst/>
-            </a:prstGeom>
-            <a:solidFill>
-              <a:schemeClr val="accent1">
-                <a:alpha val="18000"/>
-              </a:schemeClr>
-            </a:solidFill>
-            <a:ln w="6350"/>
+              <a:gdLst>
+                <a:gd name="connsiteX0" fmla="*/ 0 w 3489385"/>
+                <a:gd name="connsiteY0" fmla="*/ 1061049 h 1138687"/>
+                <a:gd name="connsiteX1" fmla="*/ 112143 w 3489385"/>
+                <a:gd name="connsiteY1" fmla="*/ 1065363 h 1138687"/>
+                <a:gd name="connsiteX2" fmla="*/ 125083 w 3489385"/>
+                <a:gd name="connsiteY2" fmla="*/ 1069676 h 1138687"/>
+                <a:gd name="connsiteX3" fmla="*/ 138023 w 3489385"/>
+                <a:gd name="connsiteY3" fmla="*/ 1078302 h 1138687"/>
+                <a:gd name="connsiteX4" fmla="*/ 155275 w 3489385"/>
+                <a:gd name="connsiteY4" fmla="*/ 1104182 h 1138687"/>
+                <a:gd name="connsiteX5" fmla="*/ 163902 w 3489385"/>
+                <a:gd name="connsiteY5" fmla="*/ 1112808 h 1138687"/>
+                <a:gd name="connsiteX6" fmla="*/ 189781 w 3489385"/>
+                <a:gd name="connsiteY6" fmla="*/ 1121434 h 1138687"/>
+                <a:gd name="connsiteX7" fmla="*/ 215660 w 3489385"/>
+                <a:gd name="connsiteY7" fmla="*/ 1130061 h 1138687"/>
+                <a:gd name="connsiteX8" fmla="*/ 228600 w 3489385"/>
+                <a:gd name="connsiteY8" fmla="*/ 1134374 h 1138687"/>
+                <a:gd name="connsiteX9" fmla="*/ 258792 w 3489385"/>
+                <a:gd name="connsiteY9" fmla="*/ 1138687 h 1138687"/>
+                <a:gd name="connsiteX10" fmla="*/ 314864 w 3489385"/>
+                <a:gd name="connsiteY10" fmla="*/ 1125748 h 1138687"/>
+                <a:gd name="connsiteX11" fmla="*/ 366623 w 3489385"/>
+                <a:gd name="connsiteY11" fmla="*/ 1117121 h 1138687"/>
+                <a:gd name="connsiteX12" fmla="*/ 379562 w 3489385"/>
+                <a:gd name="connsiteY12" fmla="*/ 1108495 h 1138687"/>
+                <a:gd name="connsiteX13" fmla="*/ 392502 w 3489385"/>
+                <a:gd name="connsiteY13" fmla="*/ 1104182 h 1138687"/>
+                <a:gd name="connsiteX14" fmla="*/ 422694 w 3489385"/>
+                <a:gd name="connsiteY14" fmla="*/ 1078302 h 1138687"/>
+                <a:gd name="connsiteX15" fmla="*/ 435634 w 3489385"/>
+                <a:gd name="connsiteY15" fmla="*/ 1073989 h 1138687"/>
+                <a:gd name="connsiteX16" fmla="*/ 470140 w 3489385"/>
+                <a:gd name="connsiteY16" fmla="*/ 1065363 h 1138687"/>
+                <a:gd name="connsiteX17" fmla="*/ 496019 w 3489385"/>
+                <a:gd name="connsiteY17" fmla="*/ 1056736 h 1138687"/>
+                <a:gd name="connsiteX18" fmla="*/ 508958 w 3489385"/>
+                <a:gd name="connsiteY18" fmla="*/ 1052423 h 1138687"/>
+                <a:gd name="connsiteX19" fmla="*/ 556404 w 3489385"/>
+                <a:gd name="connsiteY19" fmla="*/ 1013604 h 1138687"/>
+                <a:gd name="connsiteX20" fmla="*/ 573657 w 3489385"/>
+                <a:gd name="connsiteY20" fmla="*/ 1000665 h 1138687"/>
+                <a:gd name="connsiteX21" fmla="*/ 586596 w 3489385"/>
+                <a:gd name="connsiteY21" fmla="*/ 996351 h 1138687"/>
+                <a:gd name="connsiteX22" fmla="*/ 599536 w 3489385"/>
+                <a:gd name="connsiteY22" fmla="*/ 987725 h 1138687"/>
+                <a:gd name="connsiteX23" fmla="*/ 612475 w 3489385"/>
+                <a:gd name="connsiteY23" fmla="*/ 983412 h 1138687"/>
+                <a:gd name="connsiteX24" fmla="*/ 659921 w 3489385"/>
+                <a:gd name="connsiteY24" fmla="*/ 970472 h 1138687"/>
+                <a:gd name="connsiteX25" fmla="*/ 728932 w 3489385"/>
+                <a:gd name="connsiteY25" fmla="*/ 979099 h 1138687"/>
+                <a:gd name="connsiteX26" fmla="*/ 746185 w 3489385"/>
+                <a:gd name="connsiteY26" fmla="*/ 983412 h 1138687"/>
+                <a:gd name="connsiteX27" fmla="*/ 772064 w 3489385"/>
+                <a:gd name="connsiteY27" fmla="*/ 992038 h 1138687"/>
+                <a:gd name="connsiteX28" fmla="*/ 810883 w 3489385"/>
+                <a:gd name="connsiteY28" fmla="*/ 1013604 h 1138687"/>
+                <a:gd name="connsiteX29" fmla="*/ 849702 w 3489385"/>
+                <a:gd name="connsiteY29" fmla="*/ 1004978 h 1138687"/>
+                <a:gd name="connsiteX30" fmla="*/ 862642 w 3489385"/>
+                <a:gd name="connsiteY30" fmla="*/ 1000665 h 1138687"/>
+                <a:gd name="connsiteX31" fmla="*/ 897147 w 3489385"/>
+                <a:gd name="connsiteY31" fmla="*/ 970472 h 1138687"/>
+                <a:gd name="connsiteX32" fmla="*/ 927340 w 3489385"/>
+                <a:gd name="connsiteY32" fmla="*/ 948906 h 1138687"/>
+                <a:gd name="connsiteX33" fmla="*/ 948906 w 3489385"/>
+                <a:gd name="connsiteY33" fmla="*/ 931653 h 1138687"/>
+                <a:gd name="connsiteX34" fmla="*/ 966158 w 3489385"/>
+                <a:gd name="connsiteY34" fmla="*/ 918714 h 1138687"/>
+                <a:gd name="connsiteX35" fmla="*/ 979098 w 3489385"/>
+                <a:gd name="connsiteY35" fmla="*/ 910087 h 1138687"/>
+                <a:gd name="connsiteX36" fmla="*/ 996351 w 3489385"/>
+                <a:gd name="connsiteY36" fmla="*/ 892834 h 1138687"/>
+                <a:gd name="connsiteX37" fmla="*/ 1035170 w 3489385"/>
+                <a:gd name="connsiteY37" fmla="*/ 879895 h 1138687"/>
+                <a:gd name="connsiteX38" fmla="*/ 1048109 w 3489385"/>
+                <a:gd name="connsiteY38" fmla="*/ 875582 h 1138687"/>
+                <a:gd name="connsiteX39" fmla="*/ 1069675 w 3489385"/>
+                <a:gd name="connsiteY39" fmla="*/ 854016 h 1138687"/>
+                <a:gd name="connsiteX40" fmla="*/ 1078302 w 3489385"/>
+                <a:gd name="connsiteY40" fmla="*/ 841076 h 1138687"/>
+                <a:gd name="connsiteX41" fmla="*/ 1091242 w 3489385"/>
+                <a:gd name="connsiteY41" fmla="*/ 832449 h 1138687"/>
+                <a:gd name="connsiteX42" fmla="*/ 1117121 w 3489385"/>
+                <a:gd name="connsiteY42" fmla="*/ 836763 h 1138687"/>
+                <a:gd name="connsiteX43" fmla="*/ 1143000 w 3489385"/>
+                <a:gd name="connsiteY43" fmla="*/ 854016 h 1138687"/>
+                <a:gd name="connsiteX44" fmla="*/ 1173192 w 3489385"/>
+                <a:gd name="connsiteY44" fmla="*/ 866955 h 1138687"/>
+                <a:gd name="connsiteX45" fmla="*/ 1186132 w 3489385"/>
+                <a:gd name="connsiteY45" fmla="*/ 871268 h 1138687"/>
+                <a:gd name="connsiteX46" fmla="*/ 1194758 w 3489385"/>
+                <a:gd name="connsiteY46" fmla="*/ 879895 h 1138687"/>
+                <a:gd name="connsiteX47" fmla="*/ 1216325 w 3489385"/>
+                <a:gd name="connsiteY47" fmla="*/ 858329 h 1138687"/>
+                <a:gd name="connsiteX48" fmla="*/ 1229264 w 3489385"/>
+                <a:gd name="connsiteY48" fmla="*/ 849702 h 1138687"/>
+                <a:gd name="connsiteX49" fmla="*/ 1237891 w 3489385"/>
+                <a:gd name="connsiteY49" fmla="*/ 836763 h 1138687"/>
+                <a:gd name="connsiteX50" fmla="*/ 1255143 w 3489385"/>
+                <a:gd name="connsiteY50" fmla="*/ 828136 h 1138687"/>
+                <a:gd name="connsiteX51" fmla="*/ 1268083 w 3489385"/>
+                <a:gd name="connsiteY51" fmla="*/ 815197 h 1138687"/>
+                <a:gd name="connsiteX52" fmla="*/ 1276709 w 3489385"/>
+                <a:gd name="connsiteY52" fmla="*/ 797944 h 1138687"/>
+                <a:gd name="connsiteX53" fmla="*/ 1324155 w 3489385"/>
+                <a:gd name="connsiteY53" fmla="*/ 759125 h 1138687"/>
+                <a:gd name="connsiteX54" fmla="*/ 1337094 w 3489385"/>
+                <a:gd name="connsiteY54" fmla="*/ 754812 h 1138687"/>
+                <a:gd name="connsiteX55" fmla="*/ 1358660 w 3489385"/>
+                <a:gd name="connsiteY55" fmla="*/ 728932 h 1138687"/>
+                <a:gd name="connsiteX56" fmla="*/ 1371600 w 3489385"/>
+                <a:gd name="connsiteY56" fmla="*/ 715993 h 1138687"/>
+                <a:gd name="connsiteX57" fmla="*/ 1388853 w 3489385"/>
+                <a:gd name="connsiteY57" fmla="*/ 685800 h 1138687"/>
+                <a:gd name="connsiteX58" fmla="*/ 1397479 w 3489385"/>
+                <a:gd name="connsiteY58" fmla="*/ 659921 h 1138687"/>
+                <a:gd name="connsiteX59" fmla="*/ 1414732 w 3489385"/>
+                <a:gd name="connsiteY59" fmla="*/ 638355 h 1138687"/>
+                <a:gd name="connsiteX60" fmla="*/ 1423358 w 3489385"/>
+                <a:gd name="connsiteY60" fmla="*/ 625416 h 1138687"/>
+                <a:gd name="connsiteX61" fmla="*/ 1457864 w 3489385"/>
+                <a:gd name="connsiteY61" fmla="*/ 595223 h 1138687"/>
+                <a:gd name="connsiteX62" fmla="*/ 1544128 w 3489385"/>
+                <a:gd name="connsiteY62" fmla="*/ 582283 h 1138687"/>
+                <a:gd name="connsiteX63" fmla="*/ 1570008 w 3489385"/>
+                <a:gd name="connsiteY63" fmla="*/ 577970 h 1138687"/>
+                <a:gd name="connsiteX64" fmla="*/ 1578634 w 3489385"/>
+                <a:gd name="connsiteY64" fmla="*/ 552091 h 1138687"/>
+                <a:gd name="connsiteX65" fmla="*/ 1591574 w 3489385"/>
+                <a:gd name="connsiteY65" fmla="*/ 530525 h 1138687"/>
+                <a:gd name="connsiteX66" fmla="*/ 1595887 w 3489385"/>
+                <a:gd name="connsiteY66" fmla="*/ 517585 h 1138687"/>
+                <a:gd name="connsiteX67" fmla="*/ 1634706 w 3489385"/>
+                <a:gd name="connsiteY67" fmla="*/ 496019 h 1138687"/>
+                <a:gd name="connsiteX68" fmla="*/ 1656272 w 3489385"/>
+                <a:gd name="connsiteY68" fmla="*/ 483080 h 1138687"/>
+                <a:gd name="connsiteX69" fmla="*/ 1682151 w 3489385"/>
+                <a:gd name="connsiteY69" fmla="*/ 478766 h 1138687"/>
+                <a:gd name="connsiteX70" fmla="*/ 1695091 w 3489385"/>
+                <a:gd name="connsiteY70" fmla="*/ 474453 h 1138687"/>
+                <a:gd name="connsiteX71" fmla="*/ 1712343 w 3489385"/>
+                <a:gd name="connsiteY71" fmla="*/ 470140 h 1138687"/>
+                <a:gd name="connsiteX72" fmla="*/ 1755475 w 3489385"/>
+                <a:gd name="connsiteY72" fmla="*/ 457200 h 1138687"/>
+                <a:gd name="connsiteX73" fmla="*/ 1820174 w 3489385"/>
+                <a:gd name="connsiteY73" fmla="*/ 461514 h 1138687"/>
+                <a:gd name="connsiteX74" fmla="*/ 1833113 w 3489385"/>
+                <a:gd name="connsiteY74" fmla="*/ 465827 h 1138687"/>
+                <a:gd name="connsiteX75" fmla="*/ 1841740 w 3489385"/>
+                <a:gd name="connsiteY75" fmla="*/ 474453 h 1138687"/>
+                <a:gd name="connsiteX76" fmla="*/ 1902125 w 3489385"/>
+                <a:gd name="connsiteY76" fmla="*/ 478766 h 1138687"/>
+                <a:gd name="connsiteX77" fmla="*/ 1940943 w 3489385"/>
+                <a:gd name="connsiteY77" fmla="*/ 500332 h 1138687"/>
+                <a:gd name="connsiteX78" fmla="*/ 1953883 w 3489385"/>
+                <a:gd name="connsiteY78" fmla="*/ 508959 h 1138687"/>
+                <a:gd name="connsiteX79" fmla="*/ 1988389 w 3489385"/>
+                <a:gd name="connsiteY79" fmla="*/ 504646 h 1138687"/>
+                <a:gd name="connsiteX80" fmla="*/ 2001328 w 3489385"/>
+                <a:gd name="connsiteY80" fmla="*/ 496019 h 1138687"/>
+                <a:gd name="connsiteX81" fmla="*/ 2053087 w 3489385"/>
+                <a:gd name="connsiteY81" fmla="*/ 491706 h 1138687"/>
+                <a:gd name="connsiteX82" fmla="*/ 2087592 w 3489385"/>
+                <a:gd name="connsiteY82" fmla="*/ 478766 h 1138687"/>
+                <a:gd name="connsiteX83" fmla="*/ 2113472 w 3489385"/>
+                <a:gd name="connsiteY83" fmla="*/ 487393 h 1138687"/>
+                <a:gd name="connsiteX84" fmla="*/ 2126411 w 3489385"/>
+                <a:gd name="connsiteY84" fmla="*/ 491706 h 1138687"/>
+                <a:gd name="connsiteX85" fmla="*/ 2143664 w 3489385"/>
+                <a:gd name="connsiteY85" fmla="*/ 487393 h 1138687"/>
+                <a:gd name="connsiteX86" fmla="*/ 2156604 w 3489385"/>
+                <a:gd name="connsiteY86" fmla="*/ 478766 h 1138687"/>
+                <a:gd name="connsiteX87" fmla="*/ 2178170 w 3489385"/>
+                <a:gd name="connsiteY87" fmla="*/ 483080 h 1138687"/>
+                <a:gd name="connsiteX88" fmla="*/ 2208362 w 3489385"/>
+                <a:gd name="connsiteY88" fmla="*/ 461514 h 1138687"/>
+                <a:gd name="connsiteX89" fmla="*/ 2225615 w 3489385"/>
+                <a:gd name="connsiteY89" fmla="*/ 448574 h 1138687"/>
+                <a:gd name="connsiteX90" fmla="*/ 2268747 w 3489385"/>
+                <a:gd name="connsiteY90" fmla="*/ 422695 h 1138687"/>
+                <a:gd name="connsiteX91" fmla="*/ 2294626 w 3489385"/>
+                <a:gd name="connsiteY91" fmla="*/ 392502 h 1138687"/>
+                <a:gd name="connsiteX92" fmla="*/ 2303253 w 3489385"/>
+                <a:gd name="connsiteY92" fmla="*/ 379563 h 1138687"/>
+                <a:gd name="connsiteX93" fmla="*/ 2320506 w 3489385"/>
+                <a:gd name="connsiteY93" fmla="*/ 349370 h 1138687"/>
+                <a:gd name="connsiteX94" fmla="*/ 2324819 w 3489385"/>
+                <a:gd name="connsiteY94" fmla="*/ 336431 h 1138687"/>
+                <a:gd name="connsiteX95" fmla="*/ 2333445 w 3489385"/>
+                <a:gd name="connsiteY95" fmla="*/ 323491 h 1138687"/>
+                <a:gd name="connsiteX96" fmla="*/ 2346385 w 3489385"/>
+                <a:gd name="connsiteY96" fmla="*/ 288985 h 1138687"/>
+                <a:gd name="connsiteX97" fmla="*/ 2350698 w 3489385"/>
+                <a:gd name="connsiteY97" fmla="*/ 276046 h 1138687"/>
+                <a:gd name="connsiteX98" fmla="*/ 2359325 w 3489385"/>
+                <a:gd name="connsiteY98" fmla="*/ 267419 h 1138687"/>
+                <a:gd name="connsiteX99" fmla="*/ 2376577 w 3489385"/>
+                <a:gd name="connsiteY99" fmla="*/ 245853 h 1138687"/>
+                <a:gd name="connsiteX100" fmla="*/ 2406770 w 3489385"/>
+                <a:gd name="connsiteY100" fmla="*/ 185468 h 1138687"/>
+                <a:gd name="connsiteX101" fmla="*/ 2415396 w 3489385"/>
+                <a:gd name="connsiteY101" fmla="*/ 172529 h 1138687"/>
+                <a:gd name="connsiteX102" fmla="*/ 2424023 w 3489385"/>
+                <a:gd name="connsiteY102" fmla="*/ 163902 h 1138687"/>
+                <a:gd name="connsiteX103" fmla="*/ 2432649 w 3489385"/>
+                <a:gd name="connsiteY103" fmla="*/ 150963 h 1138687"/>
+                <a:gd name="connsiteX104" fmla="*/ 2441275 w 3489385"/>
+                <a:gd name="connsiteY104" fmla="*/ 142336 h 1138687"/>
+                <a:gd name="connsiteX105" fmla="*/ 2458528 w 3489385"/>
+                <a:gd name="connsiteY105" fmla="*/ 116457 h 1138687"/>
+                <a:gd name="connsiteX106" fmla="*/ 2480094 w 3489385"/>
+                <a:gd name="connsiteY106" fmla="*/ 99204 h 1138687"/>
+                <a:gd name="connsiteX107" fmla="*/ 2493034 w 3489385"/>
+                <a:gd name="connsiteY107" fmla="*/ 90578 h 1138687"/>
+                <a:gd name="connsiteX108" fmla="*/ 2514600 w 3489385"/>
+                <a:gd name="connsiteY108" fmla="*/ 69012 h 1138687"/>
+                <a:gd name="connsiteX109" fmla="*/ 2536166 w 3489385"/>
+                <a:gd name="connsiteY109" fmla="*/ 56072 h 1138687"/>
+                <a:gd name="connsiteX110" fmla="*/ 2566358 w 3489385"/>
+                <a:gd name="connsiteY110" fmla="*/ 17253 h 1138687"/>
+                <a:gd name="connsiteX111" fmla="*/ 2574985 w 3489385"/>
+                <a:gd name="connsiteY111" fmla="*/ 4314 h 1138687"/>
+                <a:gd name="connsiteX112" fmla="*/ 2587925 w 3489385"/>
+                <a:gd name="connsiteY112" fmla="*/ 0 h 1138687"/>
+                <a:gd name="connsiteX113" fmla="*/ 2609491 w 3489385"/>
+                <a:gd name="connsiteY113" fmla="*/ 4314 h 1138687"/>
+                <a:gd name="connsiteX114" fmla="*/ 2622430 w 3489385"/>
+                <a:gd name="connsiteY114" fmla="*/ 8627 h 1138687"/>
+                <a:gd name="connsiteX115" fmla="*/ 2656936 w 3489385"/>
+                <a:gd name="connsiteY115" fmla="*/ 12940 h 1138687"/>
+                <a:gd name="connsiteX116" fmla="*/ 2669875 w 3489385"/>
+                <a:gd name="connsiteY116" fmla="*/ 17253 h 1138687"/>
+                <a:gd name="connsiteX117" fmla="*/ 2687128 w 3489385"/>
+                <a:gd name="connsiteY117" fmla="*/ 38819 h 1138687"/>
+                <a:gd name="connsiteX118" fmla="*/ 2700068 w 3489385"/>
+                <a:gd name="connsiteY118" fmla="*/ 47446 h 1138687"/>
+                <a:gd name="connsiteX119" fmla="*/ 2708694 w 3489385"/>
+                <a:gd name="connsiteY119" fmla="*/ 60385 h 1138687"/>
+                <a:gd name="connsiteX120" fmla="*/ 2734574 w 3489385"/>
+                <a:gd name="connsiteY120" fmla="*/ 77638 h 1138687"/>
+                <a:gd name="connsiteX121" fmla="*/ 2751826 w 3489385"/>
+                <a:gd name="connsiteY121" fmla="*/ 103517 h 1138687"/>
+                <a:gd name="connsiteX122" fmla="*/ 2769079 w 3489385"/>
+                <a:gd name="connsiteY122" fmla="*/ 125083 h 1138687"/>
+                <a:gd name="connsiteX123" fmla="*/ 2777706 w 3489385"/>
+                <a:gd name="connsiteY123" fmla="*/ 133710 h 1138687"/>
+                <a:gd name="connsiteX124" fmla="*/ 2786332 w 3489385"/>
+                <a:gd name="connsiteY124" fmla="*/ 163902 h 1138687"/>
+                <a:gd name="connsiteX125" fmla="*/ 2794958 w 3489385"/>
+                <a:gd name="connsiteY125" fmla="*/ 176842 h 1138687"/>
+                <a:gd name="connsiteX126" fmla="*/ 2799272 w 3489385"/>
+                <a:gd name="connsiteY126" fmla="*/ 189782 h 1138687"/>
+                <a:gd name="connsiteX127" fmla="*/ 2816525 w 3489385"/>
+                <a:gd name="connsiteY127" fmla="*/ 215661 h 1138687"/>
+                <a:gd name="connsiteX128" fmla="*/ 2833777 w 3489385"/>
+                <a:gd name="connsiteY128" fmla="*/ 301925 h 1138687"/>
+                <a:gd name="connsiteX129" fmla="*/ 2842404 w 3489385"/>
+                <a:gd name="connsiteY129" fmla="*/ 310551 h 1138687"/>
+                <a:gd name="connsiteX130" fmla="*/ 2851030 w 3489385"/>
+                <a:gd name="connsiteY130" fmla="*/ 336431 h 1138687"/>
+                <a:gd name="connsiteX131" fmla="*/ 2859657 w 3489385"/>
+                <a:gd name="connsiteY131" fmla="*/ 349370 h 1138687"/>
+                <a:gd name="connsiteX132" fmla="*/ 2876909 w 3489385"/>
+                <a:gd name="connsiteY132" fmla="*/ 370936 h 1138687"/>
+                <a:gd name="connsiteX133" fmla="*/ 2885536 w 3489385"/>
+                <a:gd name="connsiteY133" fmla="*/ 401129 h 1138687"/>
+                <a:gd name="connsiteX134" fmla="*/ 2889849 w 3489385"/>
+                <a:gd name="connsiteY134" fmla="*/ 414068 h 1138687"/>
+                <a:gd name="connsiteX135" fmla="*/ 2894162 w 3489385"/>
+                <a:gd name="connsiteY135" fmla="*/ 431321 h 1138687"/>
+                <a:gd name="connsiteX136" fmla="*/ 2907102 w 3489385"/>
+                <a:gd name="connsiteY136" fmla="*/ 448574 h 1138687"/>
+                <a:gd name="connsiteX137" fmla="*/ 2924355 w 3489385"/>
+                <a:gd name="connsiteY137" fmla="*/ 474453 h 1138687"/>
+                <a:gd name="connsiteX138" fmla="*/ 2928668 w 3489385"/>
+                <a:gd name="connsiteY138" fmla="*/ 491706 h 1138687"/>
+                <a:gd name="connsiteX139" fmla="*/ 2937294 w 3489385"/>
+                <a:gd name="connsiteY139" fmla="*/ 534838 h 1138687"/>
+                <a:gd name="connsiteX140" fmla="*/ 2945921 w 3489385"/>
+                <a:gd name="connsiteY140" fmla="*/ 543465 h 1138687"/>
+                <a:gd name="connsiteX141" fmla="*/ 2954547 w 3489385"/>
+                <a:gd name="connsiteY141" fmla="*/ 556404 h 1138687"/>
+                <a:gd name="connsiteX142" fmla="*/ 2963174 w 3489385"/>
+                <a:gd name="connsiteY142" fmla="*/ 565031 h 1138687"/>
+                <a:gd name="connsiteX143" fmla="*/ 2989053 w 3489385"/>
+                <a:gd name="connsiteY143" fmla="*/ 573657 h 1138687"/>
+                <a:gd name="connsiteX144" fmla="*/ 3032185 w 3489385"/>
+                <a:gd name="connsiteY144" fmla="*/ 560717 h 1138687"/>
+                <a:gd name="connsiteX145" fmla="*/ 3045125 w 3489385"/>
+                <a:gd name="connsiteY145" fmla="*/ 556404 h 1138687"/>
+                <a:gd name="connsiteX146" fmla="*/ 3105509 w 3489385"/>
+                <a:gd name="connsiteY146" fmla="*/ 565031 h 1138687"/>
+                <a:gd name="connsiteX147" fmla="*/ 3114136 w 3489385"/>
+                <a:gd name="connsiteY147" fmla="*/ 573657 h 1138687"/>
+                <a:gd name="connsiteX148" fmla="*/ 3122762 w 3489385"/>
+                <a:gd name="connsiteY148" fmla="*/ 603849 h 1138687"/>
+                <a:gd name="connsiteX149" fmla="*/ 3127075 w 3489385"/>
+                <a:gd name="connsiteY149" fmla="*/ 621102 h 1138687"/>
+                <a:gd name="connsiteX150" fmla="*/ 3135702 w 3489385"/>
+                <a:gd name="connsiteY150" fmla="*/ 629729 h 1138687"/>
+                <a:gd name="connsiteX151" fmla="*/ 3144328 w 3489385"/>
+                <a:gd name="connsiteY151" fmla="*/ 642668 h 1138687"/>
+                <a:gd name="connsiteX152" fmla="*/ 3152955 w 3489385"/>
+                <a:gd name="connsiteY152" fmla="*/ 651295 h 1138687"/>
+                <a:gd name="connsiteX153" fmla="*/ 3178834 w 3489385"/>
+                <a:gd name="connsiteY153" fmla="*/ 659921 h 1138687"/>
+                <a:gd name="connsiteX154" fmla="*/ 3204713 w 3489385"/>
+                <a:gd name="connsiteY154" fmla="*/ 677174 h 1138687"/>
+                <a:gd name="connsiteX155" fmla="*/ 3234906 w 3489385"/>
+                <a:gd name="connsiteY155" fmla="*/ 698740 h 1138687"/>
+                <a:gd name="connsiteX156" fmla="*/ 3295291 w 3489385"/>
+                <a:gd name="connsiteY156" fmla="*/ 703053 h 1138687"/>
+                <a:gd name="connsiteX157" fmla="*/ 3334109 w 3489385"/>
+                <a:gd name="connsiteY157" fmla="*/ 724619 h 1138687"/>
+                <a:gd name="connsiteX158" fmla="*/ 3342736 w 3489385"/>
+                <a:gd name="connsiteY158" fmla="*/ 737559 h 1138687"/>
+                <a:gd name="connsiteX159" fmla="*/ 3351362 w 3489385"/>
+                <a:gd name="connsiteY159" fmla="*/ 767751 h 1138687"/>
+                <a:gd name="connsiteX160" fmla="*/ 3364302 w 3489385"/>
+                <a:gd name="connsiteY160" fmla="*/ 793631 h 1138687"/>
+                <a:gd name="connsiteX161" fmla="*/ 3377242 w 3489385"/>
+                <a:gd name="connsiteY161" fmla="*/ 797944 h 1138687"/>
+                <a:gd name="connsiteX162" fmla="*/ 3420374 w 3489385"/>
+                <a:gd name="connsiteY162" fmla="*/ 806570 h 1138687"/>
+                <a:gd name="connsiteX163" fmla="*/ 3463506 w 3489385"/>
+                <a:gd name="connsiteY163" fmla="*/ 802257 h 1138687"/>
+                <a:gd name="connsiteX164" fmla="*/ 3467819 w 3489385"/>
+                <a:gd name="connsiteY164" fmla="*/ 789317 h 1138687"/>
+                <a:gd name="connsiteX165" fmla="*/ 3476445 w 3489385"/>
+                <a:gd name="connsiteY165" fmla="*/ 776378 h 1138687"/>
+                <a:gd name="connsiteX166" fmla="*/ 3489385 w 3489385"/>
+                <a:gd name="connsiteY166" fmla="*/ 767751 h 1138687"/>
+              </a:gdLst>
+              <a:ahLst/>
+              <a:cxnLst>
+                <a:cxn ang="0">
+                  <a:pos x="connsiteX0" y="connsiteY0"/>
+                </a:cxn>
+                <a:cxn ang="0">
+                  <a:pos x="connsiteX1" y="connsiteY1"/>
+                </a:cxn>
+                <a:cxn ang="0">
+                  <a:pos x="connsiteX2" y="connsiteY2"/>
+                </a:cxn>
+                <a:cxn ang="0">
+                  <a:pos x="connsiteX3" y="connsiteY3"/>
+                </a:cxn>
+                <a:cxn ang="0">
+                  <a:pos x="connsiteX4" y="connsiteY4"/>
+                </a:cxn>
+                <a:cxn ang="0">
+                  <a:pos x="connsiteX5" y="connsiteY5"/>
+                </a:cxn>
+                <a:cxn ang="0">
+                  <a:pos x="connsiteX6" y="connsiteY6"/>
+                </a:cxn>
+                <a:cxn ang="0">
+                  <a:pos x="connsiteX7" y="connsiteY7"/>
+                </a:cxn>
+                <a:cxn ang="0">
+                  <a:pos x="connsiteX8" y="connsiteY8"/>
+                </a:cxn>
+                <a:cxn ang="0">
+                  <a:pos x="connsiteX9" y="connsiteY9"/>
+                </a:cxn>
+                <a:cxn ang="0">
+                  <a:pos x="connsiteX10" y="connsiteY10"/>
+                </a:cxn>
+                <a:cxn ang="0">
+                  <a:pos x="connsiteX11" y="connsiteY11"/>
+                </a:cxn>
+                <a:cxn ang="0">
+                  <a:pos x="connsiteX12" y="connsiteY12"/>
+                </a:cxn>
+                <a:cxn ang="0">
+                  <a:pos x="connsiteX13" y="connsiteY13"/>
+                </a:cxn>
+                <a:cxn ang="0">
+                  <a:pos x="connsiteX14" y="connsiteY14"/>
+                </a:cxn>
+                <a:cxn ang="0">
+                  <a:pos x="connsiteX15" y="connsiteY15"/>
+                </a:cxn>
+                <a:cxn ang="0">
+                  <a:pos x="connsiteX16" y="connsiteY16"/>
+                </a:cxn>
+                <a:cxn ang="0">
+                  <a:pos x="connsiteX17" y="connsiteY17"/>
+                </a:cxn>
+                <a:cxn ang="0">
+                  <a:pos x="connsiteX18" y="connsiteY18"/>
+                </a:cxn>
+                <a:cxn ang="0">
+                  <a:pos x="connsiteX19" y="connsiteY19"/>
+                </a:cxn>
+                <a:cxn ang="0">
+                  <a:pos x="connsiteX20" y="connsiteY20"/>
+                </a:cxn>
+                <a:cxn ang="0">
+                  <a:pos x="connsiteX21" y="connsiteY21"/>
+                </a:cxn>
+                <a:cxn ang="0">
+                  <a:pos x="connsiteX22" y="connsiteY22"/>
+                </a:cxn>
+                <a:cxn ang="0">
+                  <a:pos x="connsiteX23" y="connsiteY23"/>
+                </a:cxn>
+                <a:cxn ang="0">
+                  <a:pos x="connsiteX24" y="connsiteY24"/>
+                </a:cxn>
+                <a:cxn ang="0">
+                  <a:pos x="connsiteX25" y="connsiteY25"/>
+                </a:cxn>
+                <a:cxn ang="0">
+                  <a:pos x="connsiteX26" y="connsiteY26"/>
+                </a:cxn>
+                <a:cxn ang="0">
+                  <a:pos x="connsiteX27" y="connsiteY27"/>
+                </a:cxn>
+                <a:cxn ang="0">
+                  <a:pos x="connsiteX28" y="connsiteY28"/>
+                </a:cxn>
+                <a:cxn ang="0">
+                  <a:pos x="connsiteX29" y="connsiteY29"/>
+                </a:cxn>
+                <a:cxn ang="0">
+                  <a:pos x="connsiteX30" y="connsiteY30"/>
+                </a:cxn>
+                <a:cxn ang="0">
+                  <a:pos x="connsiteX31" y="connsiteY31"/>
+                </a:cxn>
+                <a:cxn ang="0">
+                  <a:pos x="connsiteX32" y="connsiteY32"/>
+                </a:cxn>
+                <a:cxn ang="0">
+                  <a:pos x="connsiteX33" y="connsiteY33"/>
+                </a:cxn>
+                <a:cxn ang="0">
+                  <a:pos x="connsiteX34" y="connsiteY34"/>
+                </a:cxn>
+                <a:cxn ang="0">
+                  <a:pos x="connsiteX35" y="connsiteY35"/>
+                </a:cxn>
+                <a:cxn ang="0">
+                  <a:pos x="connsiteX36" y="connsiteY36"/>
+                </a:cxn>
+                <a:cxn ang="0">
+                  <a:pos x="connsiteX37" y="connsiteY37"/>
+                </a:cxn>
+                <a:cxn ang="0">
+                  <a:pos x="connsiteX38" y="connsiteY38"/>
+                </a:cxn>
+                <a:cxn ang="0">
+                  <a:pos x="connsiteX39" y="connsiteY39"/>
+                </a:cxn>
+                <a:cxn ang="0">
+                  <a:pos x="connsiteX40" y="connsiteY40"/>
+                </a:cxn>
+                <a:cxn ang="0">
+                  <a:pos x="connsiteX41" y="connsiteY41"/>
+                </a:cxn>
+                <a:cxn ang="0">
+                  <a:pos x="connsiteX42" y="connsiteY42"/>
+                </a:cxn>
+                <a:cxn ang="0">
+                  <a:pos x="connsiteX43" y="connsiteY43"/>
+                </a:cxn>
+                <a:cxn ang="0">
+                  <a:pos x="connsiteX44" y="connsiteY44"/>
+                </a:cxn>
+                <a:cxn ang="0">
+                  <a:pos x="connsiteX45" y="connsiteY45"/>
+                </a:cxn>
+                <a:cxn ang="0">
+                  <a:pos x="connsiteX46" y="connsiteY46"/>
+                </a:cxn>
+                <a:cxn ang="0">
+                  <a:pos x="connsiteX47" y="connsiteY47"/>
+                </a:cxn>
+                <a:cxn ang="0">
+                  <a:pos x="connsiteX48" y="connsiteY48"/>
+                </a:cxn>
+                <a:cxn ang="0">
+                  <a:pos x="connsiteX49" y="connsiteY49"/>
+                </a:cxn>
+                <a:cxn ang="0">
+                  <a:pos x="connsiteX50" y="connsiteY50"/>
+                </a:cxn>
+                <a:cxn ang="0">
+                  <a:pos x="connsiteX51" y="connsiteY51"/>
+                </a:cxn>
+                <a:cxn ang="0">
+                  <a:pos x="connsiteX52" y="connsiteY52"/>
+                </a:cxn>
+                <a:cxn ang="0">
+                  <a:pos x="connsiteX53" y="connsiteY53"/>
+                </a:cxn>
+                <a:cxn ang="0">
+                  <a:pos x="connsiteX54" y="connsiteY54"/>
+                </a:cxn>
+                <a:cxn ang="0">
+                  <a:pos x="connsiteX55" y="connsiteY55"/>
+                </a:cxn>
+                <a:cxn ang="0">
+                  <a:pos x="connsiteX56" y="connsiteY56"/>
+                </a:cxn>
+                <a:cxn ang="0">
+                  <a:pos x="connsiteX57" y="connsiteY57"/>
+                </a:cxn>
+                <a:cxn ang="0">
+                  <a:pos x="connsiteX58" y="connsiteY58"/>
+                </a:cxn>
+                <a:cxn ang="0">
+                  <a:pos x="connsiteX59" y="connsiteY59"/>
+                </a:cxn>
+                <a:cxn ang="0">
+                  <a:pos x="connsiteX60" y="connsiteY60"/>
+                </a:cxn>
+                <a:cxn ang="0">
+                  <a:pos x="connsiteX61" y="connsiteY61"/>
+                </a:cxn>
+                <a:cxn ang="0">
+                  <a:pos x="connsiteX62" y="connsiteY62"/>
+                </a:cxn>
+                <a:cxn ang="0">
+                  <a:pos x="connsiteX63" y="connsiteY63"/>
+                </a:cxn>
+                <a:cxn ang="0">
+                  <a:pos x="connsiteX64" y="connsiteY64"/>
+                </a:cxn>
+                <a:cxn ang="0">
+                  <a:pos x="connsiteX65" y="connsiteY65"/>
+                </a:cxn>
+                <a:cxn ang="0">
+                  <a:pos x="connsiteX66" y="connsiteY66"/>
+                </a:cxn>
+                <a:cxn ang="0">
+                  <a:pos x="connsiteX67" y="connsiteY67"/>
+                </a:cxn>
+                <a:cxn ang="0">
+                  <a:pos x="connsiteX68" y="connsiteY68"/>
+                </a:cxn>
+                <a:cxn ang="0">
+                  <a:pos x="connsiteX69" y="connsiteY69"/>
+                </a:cxn>
+                <a:cxn ang="0">
+                  <a:pos x="connsiteX70" y="connsiteY70"/>
+                </a:cxn>
+                <a:cxn ang="0">
+                  <a:pos x="connsiteX71" y="connsiteY71"/>
+                </a:cxn>
+                <a:cxn ang="0">
+                  <a:pos x="connsiteX72" y="connsiteY72"/>
+                </a:cxn>
+                <a:cxn ang="0">
+                  <a:pos x="connsiteX73" y="connsiteY73"/>
+                </a:cxn>
+                <a:cxn ang="0">
+                  <a:pos x="connsiteX74" y="connsiteY74"/>
+                </a:cxn>
+                <a:cxn ang="0">
+                  <a:pos x="connsiteX75" y="connsiteY75"/>
+                </a:cxn>
+                <a:cxn ang="0">
+                  <a:pos x="connsiteX76" y="connsiteY76"/>
+                </a:cxn>
+                <a:cxn ang="0">
+                  <a:pos x="connsiteX77" y="connsiteY77"/>
+                </a:cxn>
+                <a:cxn ang="0">
+                  <a:pos x="connsiteX78" y="connsiteY78"/>
+                </a:cxn>
+                <a:cxn ang="0">
+                  <a:pos x="connsiteX79" y="connsiteY79"/>
+                </a:cxn>
+                <a:cxn ang="0">
+                  <a:pos x="connsiteX80" y="connsiteY80"/>
+                </a:cxn>
+                <a:cxn ang="0">
+                  <a:pos x="connsiteX81" y="connsiteY81"/>
+                </a:cxn>
+                <a:cxn ang="0">
+                  <a:pos x="connsiteX82" y="connsiteY82"/>
+                </a:cxn>
+                <a:cxn ang="0">
+                  <a:pos x="connsiteX83" y="connsiteY83"/>
+                </a:cxn>
+                <a:cxn ang="0">
+                  <a:pos x="connsiteX84" y="connsiteY84"/>
+                </a:cxn>
+                <a:cxn ang="0">
+                  <a:pos x="connsiteX85" y="connsiteY85"/>
+                </a:cxn>
+                <a:cxn ang="0">
+                  <a:pos x="connsiteX86" y="connsiteY86"/>
+                </a:cxn>
+                <a:cxn ang="0">
+                  <a:pos x="connsiteX87" y="connsiteY87"/>
+                </a:cxn>
+                <a:cxn ang="0">
+                  <a:pos x="connsiteX88" y="connsiteY88"/>
+                </a:cxn>
+                <a:cxn ang="0">
+                  <a:pos x="connsiteX89" y="connsiteY89"/>
+                </a:cxn>
+                <a:cxn ang="0">
+                  <a:pos x="connsiteX90" y="connsiteY90"/>
+                </a:cxn>
+                <a:cxn ang="0">
+                  <a:pos x="connsiteX91" y="connsiteY91"/>
+                </a:cxn>
+                <a:cxn ang="0">
+                  <a:pos x="connsiteX92" y="connsiteY92"/>
+                </a:cxn>
+                <a:cxn ang="0">
+                  <a:pos x="connsiteX93" y="connsiteY93"/>
+                </a:cxn>
+                <a:cxn ang="0">
+                  <a:pos x="connsiteX94" y="connsiteY94"/>
+                </a:cxn>
+                <a:cxn ang="0">
+                  <a:pos x="connsiteX95" y="connsiteY95"/>
+                </a:cxn>
+                <a:cxn ang="0">
+                  <a:pos x="connsiteX96" y="connsiteY96"/>
+                </a:cxn>
+                <a:cxn ang="0">
+                  <a:pos x="connsiteX97" y="connsiteY97"/>
+                </a:cxn>
+                <a:cxn ang="0">
+                  <a:pos x="connsiteX98" y="connsiteY98"/>
+                </a:cxn>
+                <a:cxn ang="0">
+                  <a:pos x="connsiteX99" y="connsiteY99"/>
+                </a:cxn>
+                <a:cxn ang="0">
+                  <a:pos x="connsiteX100" y="connsiteY100"/>
+                </a:cxn>
+                <a:cxn ang="0">
+                  <a:pos x="connsiteX101" y="connsiteY101"/>
+                </a:cxn>
+                <a:cxn ang="0">
+                  <a:pos x="connsiteX102" y="connsiteY102"/>
+                </a:cxn>
+                <a:cxn ang="0">
+                  <a:pos x="connsiteX103" y="connsiteY103"/>
+                </a:cxn>
+                <a:cxn ang="0">
+                  <a:pos x="connsiteX104" y="connsiteY104"/>
+                </a:cxn>
+                <a:cxn ang="0">
+                  <a:pos x="connsiteX105" y="connsiteY105"/>
+                </a:cxn>
+                <a:cxn ang="0">
+                  <a:pos x="connsiteX106" y="connsiteY106"/>
+                </a:cxn>
+                <a:cxn ang="0">
+                  <a:pos x="connsiteX107" y="connsiteY107"/>
+                </a:cxn>
+                <a:cxn ang="0">
+                  <a:pos x="connsiteX108" y="connsiteY108"/>
+                </a:cxn>
+                <a:cxn ang="0">
+                  <a:pos x="connsiteX109" y="connsiteY109"/>
+                </a:cxn>
+                <a:cxn ang="0">
+                  <a:pos x="connsiteX110" y="connsiteY110"/>
+                </a:cxn>
+                <a:cxn ang="0">
+                  <a:pos x="connsiteX111" y="connsiteY111"/>
+                </a:cxn>
+                <a:cxn ang="0">
+                  <a:pos x="connsiteX112" y="connsiteY112"/>
+                </a:cxn>
+                <a:cxn ang="0">
+                  <a:pos x="connsiteX113" y="connsiteY113"/>
+                </a:cxn>
+                <a:cxn ang="0">
+                  <a:pos x="connsiteX114" y="connsiteY114"/>
+                </a:cxn>
+                <a:cxn ang="0">
+                  <a:pos x="connsiteX115" y="connsiteY115"/>
+                </a:cxn>
+                <a:cxn ang="0">
+                  <a:pos x="connsiteX116" y="connsiteY116"/>
+                </a:cxn>
+                <a:cxn ang="0">
+                  <a:pos x="connsiteX117" y="connsiteY117"/>
+                </a:cxn>
+                <a:cxn ang="0">
+                  <a:pos x="connsiteX118" y="connsiteY118"/>
+                </a:cxn>
+                <a:cxn ang="0">
+                  <a:pos x="connsiteX119" y="connsiteY119"/>
+                </a:cxn>
+                <a:cxn ang="0">
+                  <a:pos x="connsiteX120" y="connsiteY120"/>
+                </a:cxn>
+                <a:cxn ang="0">
+                  <a:pos x="connsiteX121" y="connsiteY121"/>
+                </a:cxn>
+                <a:cxn ang="0">
+                  <a:pos x="connsiteX122" y="connsiteY122"/>
+                </a:cxn>
+                <a:cxn ang="0">
+                  <a:pos x="connsiteX123" y="connsiteY123"/>
+                </a:cxn>
+                <a:cxn ang="0">
+                  <a:pos x="connsiteX124" y="connsiteY124"/>
+                </a:cxn>
+                <a:cxn ang="0">
+                  <a:pos x="connsiteX125" y="connsiteY125"/>
+                </a:cxn>
+                <a:cxn ang="0">
+                  <a:pos x="connsiteX126" y="connsiteY126"/>
+                </a:cxn>
+                <a:cxn ang="0">
+                  <a:pos x="connsiteX127" y="connsiteY127"/>
+                </a:cxn>
+                <a:cxn ang="0">
+                  <a:pos x="connsiteX128" y="connsiteY128"/>
+                </a:cxn>
+                <a:cxn ang="0">
+                  <a:pos x="connsiteX129" y="connsiteY129"/>
+                </a:cxn>
+                <a:cxn ang="0">
+                  <a:pos x="connsiteX130" y="connsiteY130"/>
+                </a:cxn>
+                <a:cxn ang="0">
+                  <a:pos x="connsiteX131" y="connsiteY131"/>
+                </a:cxn>
+                <a:cxn ang="0">
+                  <a:pos x="connsiteX132" y="connsiteY132"/>
+                </a:cxn>
+                <a:cxn ang="0">
+                  <a:pos x="connsiteX133" y="connsiteY133"/>
+                </a:cxn>
+                <a:cxn ang="0">
+                  <a:pos x="connsiteX134" y="connsiteY134"/>
+                </a:cxn>
+                <a:cxn ang="0">
+                  <a:pos x="connsiteX135" y="connsiteY135"/>
+                </a:cxn>
+                <a:cxn ang="0">
+                  <a:pos x="connsiteX136" y="connsiteY136"/>
+                </a:cxn>
+                <a:cxn ang="0">
+                  <a:pos x="connsiteX137" y="connsiteY137"/>
+                </a:cxn>
+                <a:cxn ang="0">
+                  <a:pos x="connsiteX138" y="connsiteY138"/>
+                </a:cxn>
+                <a:cxn ang="0">
+                  <a:pos x="connsiteX139" y="connsiteY139"/>
+                </a:cxn>
+                <a:cxn ang="0">
+                  <a:pos x="connsiteX140" y="connsiteY140"/>
+                </a:cxn>
+                <a:cxn ang="0">
+                  <a:pos x="connsiteX141" y="connsiteY141"/>
+                </a:cxn>
+                <a:cxn ang="0">
+                  <a:pos x="connsiteX142" y="connsiteY142"/>
+                </a:cxn>
+                <a:cxn ang="0">
+                  <a:pos x="connsiteX143" y="connsiteY143"/>
+                </a:cxn>
+                <a:cxn ang="0">
+                  <a:pos x="connsiteX144" y="connsiteY144"/>
+                </a:cxn>
+                <a:cxn ang="0">
+                  <a:pos x="connsiteX145" y="connsiteY145"/>
+                </a:cxn>
+                <a:cxn ang="0">
+                  <a:pos x="connsiteX146" y="connsiteY146"/>
+                </a:cxn>
+                <a:cxn ang="0">
+                  <a:pos x="connsiteX147" y="connsiteY147"/>
+                </a:cxn>
+                <a:cxn ang="0">
+                  <a:pos x="connsiteX148" y="connsiteY148"/>
+                </a:cxn>
+                <a:cxn ang="0">
+                  <a:pos x="connsiteX149" y="connsiteY149"/>
+                </a:cxn>
+                <a:cxn ang="0">
+                  <a:pos x="connsiteX150" y="connsiteY150"/>
+                </a:cxn>
+                <a:cxn ang="0">
+                  <a:pos x="connsiteX151" y="connsiteY151"/>
+                </a:cxn>
+                <a:cxn ang="0">
+                  <a:pos x="connsiteX152" y="connsiteY152"/>
+                </a:cxn>
+                <a:cxn ang="0">
+                  <a:pos x="connsiteX153" y="connsiteY153"/>
+                </a:cxn>
+                <a:cxn ang="0">
+                  <a:pos x="connsiteX154" y="connsiteY154"/>
+                </a:cxn>
+                <a:cxn ang="0">
+                  <a:pos x="connsiteX155" y="connsiteY155"/>
+                </a:cxn>
+                <a:cxn ang="0">
+                  <a:pos x="connsiteX156" y="connsiteY156"/>
+                </a:cxn>
+                <a:cxn ang="0">
+                  <a:pos x="connsiteX157" y="connsiteY157"/>
+                </a:cxn>
+                <a:cxn ang="0">
+                  <a:pos x="connsiteX158" y="connsiteY158"/>
+                </a:cxn>
+                <a:cxn ang="0">
+                  <a:pos x="connsiteX159" y="connsiteY159"/>
+                </a:cxn>
+                <a:cxn ang="0">
+                  <a:pos x="connsiteX160" y="connsiteY160"/>
+                </a:cxn>
+                <a:cxn ang="0">
+                  <a:pos x="connsiteX161" y="connsiteY161"/>
+                </a:cxn>
+                <a:cxn ang="0">
+                  <a:pos x="connsiteX162" y="connsiteY162"/>
+                </a:cxn>
+                <a:cxn ang="0">
+                  <a:pos x="connsiteX163" y="connsiteY163"/>
+                </a:cxn>
+                <a:cxn ang="0">
+                  <a:pos x="connsiteX164" y="connsiteY164"/>
+                </a:cxn>
+                <a:cxn ang="0">
+                  <a:pos x="connsiteX165" y="connsiteY165"/>
+                </a:cxn>
+                <a:cxn ang="0">
+                  <a:pos x="connsiteX166" y="connsiteY166"/>
+                </a:cxn>
+              </a:cxnLst>
+              <a:rect l="l" t="t" r="r" b="b"/>
+              <a:pathLst>
+                <a:path w="3489385" h="1138687">
+                  <a:moveTo>
+                    <a:pt x="0" y="1061049"/>
+                  </a:moveTo>
+                  <a:cubicBezTo>
+                    <a:pt x="37381" y="1062487"/>
+                    <a:pt x="74823" y="1062789"/>
+                    <a:pt x="112143" y="1065363"/>
+                  </a:cubicBezTo>
+                  <a:cubicBezTo>
+                    <a:pt x="116679" y="1065676"/>
+                    <a:pt x="121016" y="1067643"/>
+                    <a:pt x="125083" y="1069676"/>
+                  </a:cubicBezTo>
+                  <a:cubicBezTo>
+                    <a:pt x="129720" y="1071994"/>
+                    <a:pt x="133710" y="1075427"/>
+                    <a:pt x="138023" y="1078302"/>
+                  </a:cubicBezTo>
+                  <a:cubicBezTo>
+                    <a:pt x="143774" y="1086929"/>
+                    <a:pt x="147943" y="1096851"/>
+                    <a:pt x="155275" y="1104182"/>
+                  </a:cubicBezTo>
+                  <a:cubicBezTo>
+                    <a:pt x="158151" y="1107057"/>
+                    <a:pt x="160265" y="1110989"/>
+                    <a:pt x="163902" y="1112808"/>
+                  </a:cubicBezTo>
+                  <a:cubicBezTo>
+                    <a:pt x="172035" y="1116874"/>
+                    <a:pt x="181155" y="1118559"/>
+                    <a:pt x="189781" y="1121434"/>
+                  </a:cubicBezTo>
+                  <a:lnTo>
+                    <a:pt x="215660" y="1130061"/>
+                  </a:lnTo>
+                  <a:cubicBezTo>
+                    <a:pt x="219973" y="1131499"/>
+                    <a:pt x="224099" y="1133731"/>
+                    <a:pt x="228600" y="1134374"/>
+                  </a:cubicBezTo>
+                  <a:lnTo>
+                    <a:pt x="258792" y="1138687"/>
+                  </a:lnTo>
+                  <a:cubicBezTo>
+                    <a:pt x="274648" y="1134723"/>
+                    <a:pt x="297602" y="1128404"/>
+                    <a:pt x="314864" y="1125748"/>
+                  </a:cubicBezTo>
+                  <a:cubicBezTo>
+                    <a:pt x="367367" y="1117670"/>
+                    <a:pt x="331929" y="1125794"/>
+                    <a:pt x="366623" y="1117121"/>
+                  </a:cubicBezTo>
+                  <a:cubicBezTo>
+                    <a:pt x="370936" y="1114246"/>
+                    <a:pt x="374926" y="1110813"/>
+                    <a:pt x="379562" y="1108495"/>
+                  </a:cubicBezTo>
+                  <a:cubicBezTo>
+                    <a:pt x="383629" y="1106462"/>
+                    <a:pt x="388802" y="1106825"/>
+                    <a:pt x="392502" y="1104182"/>
+                  </a:cubicBezTo>
+                  <a:cubicBezTo>
+                    <a:pt x="417258" y="1086499"/>
+                    <a:pt x="400542" y="1089378"/>
+                    <a:pt x="422694" y="1078302"/>
+                  </a:cubicBezTo>
+                  <a:cubicBezTo>
+                    <a:pt x="426761" y="1076269"/>
+                    <a:pt x="431248" y="1075185"/>
+                    <a:pt x="435634" y="1073989"/>
+                  </a:cubicBezTo>
+                  <a:cubicBezTo>
+                    <a:pt x="447072" y="1070870"/>
+                    <a:pt x="458893" y="1069112"/>
+                    <a:pt x="470140" y="1065363"/>
+                  </a:cubicBezTo>
+                  <a:lnTo>
+                    <a:pt x="496019" y="1056736"/>
+                  </a:lnTo>
+                  <a:lnTo>
+                    <a:pt x="508958" y="1052423"/>
+                  </a:lnTo>
+                  <a:cubicBezTo>
+                    <a:pt x="549073" y="1012310"/>
+                    <a:pt x="510628" y="1047934"/>
+                    <a:pt x="556404" y="1013604"/>
+                  </a:cubicBezTo>
+                  <a:cubicBezTo>
+                    <a:pt x="562155" y="1009291"/>
+                    <a:pt x="567416" y="1004232"/>
+                    <a:pt x="573657" y="1000665"/>
+                  </a:cubicBezTo>
+                  <a:cubicBezTo>
+                    <a:pt x="577604" y="998409"/>
+                    <a:pt x="582530" y="998384"/>
+                    <a:pt x="586596" y="996351"/>
+                  </a:cubicBezTo>
+                  <a:cubicBezTo>
+                    <a:pt x="591233" y="994033"/>
+                    <a:pt x="594899" y="990043"/>
+                    <a:pt x="599536" y="987725"/>
+                  </a:cubicBezTo>
+                  <a:cubicBezTo>
+                    <a:pt x="603602" y="985692"/>
+                    <a:pt x="608089" y="984608"/>
+                    <a:pt x="612475" y="983412"/>
+                  </a:cubicBezTo>
+                  <a:cubicBezTo>
+                    <a:pt x="665991" y="968816"/>
+                    <a:pt x="630135" y="980400"/>
+                    <a:pt x="659921" y="970472"/>
+                  </a:cubicBezTo>
+                  <a:cubicBezTo>
+                    <a:pt x="749435" y="977357"/>
+                    <a:pt x="691197" y="968317"/>
+                    <a:pt x="728932" y="979099"/>
+                  </a:cubicBezTo>
+                  <a:cubicBezTo>
+                    <a:pt x="734632" y="980728"/>
+                    <a:pt x="740507" y="981709"/>
+                    <a:pt x="746185" y="983412"/>
+                  </a:cubicBezTo>
+                  <a:cubicBezTo>
+                    <a:pt x="754894" y="986025"/>
+                    <a:pt x="772064" y="992038"/>
+                    <a:pt x="772064" y="992038"/>
+                  </a:cubicBezTo>
+                  <a:cubicBezTo>
+                    <a:pt x="801726" y="1011813"/>
+                    <a:pt x="788107" y="1006013"/>
+                    <a:pt x="810883" y="1013604"/>
+                  </a:cubicBezTo>
+                  <a:cubicBezTo>
+                    <a:pt x="825707" y="1010639"/>
+                    <a:pt x="835489" y="1009039"/>
+                    <a:pt x="849702" y="1004978"/>
+                  </a:cubicBezTo>
+                  <a:cubicBezTo>
+                    <a:pt x="854074" y="1003729"/>
+                    <a:pt x="858329" y="1002103"/>
+                    <a:pt x="862642" y="1000665"/>
+                  </a:cubicBezTo>
+                  <a:cubicBezTo>
+                    <a:pt x="911844" y="951460"/>
+                    <a:pt x="849639" y="1012041"/>
+                    <a:pt x="897147" y="970472"/>
+                  </a:cubicBezTo>
+                  <a:cubicBezTo>
+                    <a:pt x="922338" y="948430"/>
+                    <a:pt x="904044" y="956671"/>
+                    <a:pt x="927340" y="948906"/>
+                  </a:cubicBezTo>
+                  <a:cubicBezTo>
+                    <a:pt x="959329" y="927580"/>
+                    <a:pt x="924322" y="952140"/>
+                    <a:pt x="948906" y="931653"/>
+                  </a:cubicBezTo>
+                  <a:cubicBezTo>
+                    <a:pt x="954428" y="927051"/>
+                    <a:pt x="960309" y="922892"/>
+                    <a:pt x="966158" y="918714"/>
+                  </a:cubicBezTo>
+                  <a:cubicBezTo>
+                    <a:pt x="970376" y="915701"/>
+                    <a:pt x="975162" y="913461"/>
+                    <a:pt x="979098" y="910087"/>
+                  </a:cubicBezTo>
+                  <a:cubicBezTo>
+                    <a:pt x="985273" y="904794"/>
+                    <a:pt x="988635" y="895406"/>
+                    <a:pt x="996351" y="892834"/>
+                  </a:cubicBezTo>
+                  <a:lnTo>
+                    <a:pt x="1035170" y="879895"/>
+                  </a:lnTo>
+                  <a:lnTo>
+                    <a:pt x="1048109" y="875582"/>
+                  </a:lnTo>
+                  <a:cubicBezTo>
+                    <a:pt x="1055298" y="868393"/>
+                    <a:pt x="1064036" y="862475"/>
+                    <a:pt x="1069675" y="854016"/>
+                  </a:cubicBezTo>
+                  <a:cubicBezTo>
+                    <a:pt x="1072551" y="849703"/>
+                    <a:pt x="1074636" y="844742"/>
+                    <a:pt x="1078302" y="841076"/>
+                  </a:cubicBezTo>
+                  <a:cubicBezTo>
+                    <a:pt x="1081968" y="837410"/>
+                    <a:pt x="1086929" y="835325"/>
+                    <a:pt x="1091242" y="832449"/>
+                  </a:cubicBezTo>
+                  <a:cubicBezTo>
+                    <a:pt x="1099868" y="833887"/>
+                    <a:pt x="1109048" y="833399"/>
+                    <a:pt x="1117121" y="836763"/>
+                  </a:cubicBezTo>
+                  <a:cubicBezTo>
+                    <a:pt x="1126691" y="840751"/>
+                    <a:pt x="1133164" y="850738"/>
+                    <a:pt x="1143000" y="854016"/>
+                  </a:cubicBezTo>
+                  <a:cubicBezTo>
+                    <a:pt x="1173347" y="864131"/>
+                    <a:pt x="1135883" y="850966"/>
+                    <a:pt x="1173192" y="866955"/>
+                  </a:cubicBezTo>
+                  <a:cubicBezTo>
+                    <a:pt x="1177371" y="868746"/>
+                    <a:pt x="1181819" y="869830"/>
+                    <a:pt x="1186132" y="871268"/>
+                  </a:cubicBezTo>
+                  <a:cubicBezTo>
+                    <a:pt x="1189007" y="874144"/>
+                    <a:pt x="1191020" y="881497"/>
+                    <a:pt x="1194758" y="879895"/>
+                  </a:cubicBezTo>
+                  <a:cubicBezTo>
+                    <a:pt x="1204103" y="875890"/>
+                    <a:pt x="1207866" y="863969"/>
+                    <a:pt x="1216325" y="858329"/>
+                  </a:cubicBezTo>
+                  <a:lnTo>
+                    <a:pt x="1229264" y="849702"/>
+                  </a:lnTo>
+                  <a:cubicBezTo>
+                    <a:pt x="1232140" y="845389"/>
+                    <a:pt x="1233909" y="840082"/>
+                    <a:pt x="1237891" y="836763"/>
+                  </a:cubicBezTo>
+                  <a:cubicBezTo>
+                    <a:pt x="1242830" y="832647"/>
+                    <a:pt x="1249911" y="831873"/>
+                    <a:pt x="1255143" y="828136"/>
+                  </a:cubicBezTo>
+                  <a:cubicBezTo>
+                    <a:pt x="1260107" y="824591"/>
+                    <a:pt x="1263770" y="819510"/>
+                    <a:pt x="1268083" y="815197"/>
+                  </a:cubicBezTo>
+                  <a:cubicBezTo>
+                    <a:pt x="1270958" y="809446"/>
+                    <a:pt x="1272762" y="803019"/>
+                    <a:pt x="1276709" y="797944"/>
+                  </a:cubicBezTo>
+                  <a:cubicBezTo>
+                    <a:pt x="1285152" y="787088"/>
+                    <a:pt x="1310676" y="763618"/>
+                    <a:pt x="1324155" y="759125"/>
+                  </a:cubicBezTo>
+                  <a:lnTo>
+                    <a:pt x="1337094" y="754812"/>
+                  </a:lnTo>
+                  <a:cubicBezTo>
+                    <a:pt x="1359509" y="732397"/>
+                    <a:pt x="1327894" y="764826"/>
+                    <a:pt x="1358660" y="728932"/>
+                  </a:cubicBezTo>
+                  <a:cubicBezTo>
+                    <a:pt x="1362630" y="724301"/>
+                    <a:pt x="1367287" y="720306"/>
+                    <a:pt x="1371600" y="715993"/>
+                  </a:cubicBezTo>
+                  <a:cubicBezTo>
+                    <a:pt x="1384791" y="676417"/>
+                    <a:pt x="1362742" y="738023"/>
+                    <a:pt x="1388853" y="685800"/>
+                  </a:cubicBezTo>
+                  <a:cubicBezTo>
+                    <a:pt x="1392919" y="677667"/>
+                    <a:pt x="1392435" y="667486"/>
+                    <a:pt x="1397479" y="659921"/>
+                  </a:cubicBezTo>
+                  <a:cubicBezTo>
+                    <a:pt x="1424041" y="620083"/>
+                    <a:pt x="1390141" y="669095"/>
+                    <a:pt x="1414732" y="638355"/>
+                  </a:cubicBezTo>
+                  <a:cubicBezTo>
+                    <a:pt x="1417970" y="634307"/>
+                    <a:pt x="1419945" y="629317"/>
+                    <a:pt x="1423358" y="625416"/>
+                  </a:cubicBezTo>
+                  <a:cubicBezTo>
+                    <a:pt x="1430075" y="617739"/>
+                    <a:pt x="1445906" y="600538"/>
+                    <a:pt x="1457864" y="595223"/>
+                  </a:cubicBezTo>
+                  <a:cubicBezTo>
+                    <a:pt x="1489475" y="581174"/>
+                    <a:pt x="1504438" y="585118"/>
+                    <a:pt x="1544128" y="582283"/>
+                  </a:cubicBezTo>
+                  <a:cubicBezTo>
+                    <a:pt x="1552755" y="580845"/>
+                    <a:pt x="1563426" y="583729"/>
+                    <a:pt x="1570008" y="577970"/>
+                  </a:cubicBezTo>
+                  <a:cubicBezTo>
+                    <a:pt x="1576851" y="571982"/>
+                    <a:pt x="1575759" y="560717"/>
+                    <a:pt x="1578634" y="552091"/>
+                  </a:cubicBezTo>
+                  <a:cubicBezTo>
+                    <a:pt x="1584233" y="535293"/>
+                    <a:pt x="1579732" y="542366"/>
+                    <a:pt x="1591574" y="530525"/>
+                  </a:cubicBezTo>
+                  <a:cubicBezTo>
+                    <a:pt x="1593012" y="526212"/>
+                    <a:pt x="1592672" y="520800"/>
+                    <a:pt x="1595887" y="517585"/>
+                  </a:cubicBezTo>
+                  <a:cubicBezTo>
+                    <a:pt x="1623085" y="490386"/>
+                    <a:pt x="1613011" y="506866"/>
+                    <a:pt x="1634706" y="496019"/>
+                  </a:cubicBezTo>
+                  <a:cubicBezTo>
+                    <a:pt x="1642204" y="492270"/>
+                    <a:pt x="1648393" y="485945"/>
+                    <a:pt x="1656272" y="483080"/>
+                  </a:cubicBezTo>
+                  <a:cubicBezTo>
+                    <a:pt x="1664491" y="480091"/>
+                    <a:pt x="1673614" y="480663"/>
+                    <a:pt x="1682151" y="478766"/>
+                  </a:cubicBezTo>
+                  <a:cubicBezTo>
+                    <a:pt x="1686589" y="477780"/>
+                    <a:pt x="1690719" y="475702"/>
+                    <a:pt x="1695091" y="474453"/>
+                  </a:cubicBezTo>
+                  <a:cubicBezTo>
+                    <a:pt x="1700791" y="472825"/>
+                    <a:pt x="1706665" y="471843"/>
+                    <a:pt x="1712343" y="470140"/>
+                  </a:cubicBezTo>
+                  <a:cubicBezTo>
+                    <a:pt x="1764872" y="454382"/>
+                    <a:pt x="1715695" y="467147"/>
+                    <a:pt x="1755475" y="457200"/>
+                  </a:cubicBezTo>
+                  <a:cubicBezTo>
+                    <a:pt x="1777041" y="458638"/>
+                    <a:pt x="1798692" y="459127"/>
+                    <a:pt x="1820174" y="461514"/>
+                  </a:cubicBezTo>
+                  <a:cubicBezTo>
+                    <a:pt x="1824692" y="462016"/>
+                    <a:pt x="1829215" y="463488"/>
+                    <a:pt x="1833113" y="465827"/>
+                  </a:cubicBezTo>
+                  <a:cubicBezTo>
+                    <a:pt x="1836600" y="467919"/>
+                    <a:pt x="1837743" y="473704"/>
+                    <a:pt x="1841740" y="474453"/>
+                  </a:cubicBezTo>
+                  <a:cubicBezTo>
+                    <a:pt x="1861574" y="478172"/>
+                    <a:pt x="1881997" y="477328"/>
+                    <a:pt x="1902125" y="478766"/>
+                  </a:cubicBezTo>
+                  <a:cubicBezTo>
+                    <a:pt x="1924899" y="486359"/>
+                    <a:pt x="1911283" y="480559"/>
+                    <a:pt x="1940943" y="500332"/>
+                  </a:cubicBezTo>
+                  <a:lnTo>
+                    <a:pt x="1953883" y="508959"/>
+                  </a:lnTo>
+                  <a:cubicBezTo>
+                    <a:pt x="1965385" y="507521"/>
+                    <a:pt x="1977206" y="507696"/>
+                    <a:pt x="1988389" y="504646"/>
+                  </a:cubicBezTo>
+                  <a:cubicBezTo>
+                    <a:pt x="1993390" y="503282"/>
+                    <a:pt x="1996245" y="497036"/>
+                    <a:pt x="2001328" y="496019"/>
+                  </a:cubicBezTo>
+                  <a:cubicBezTo>
+                    <a:pt x="2018305" y="492624"/>
+                    <a:pt x="2035834" y="493144"/>
+                    <a:pt x="2053087" y="491706"/>
+                  </a:cubicBezTo>
+                  <a:cubicBezTo>
+                    <a:pt x="2060776" y="487862"/>
+                    <a:pt x="2077807" y="477788"/>
+                    <a:pt x="2087592" y="478766"/>
+                  </a:cubicBezTo>
+                  <a:cubicBezTo>
+                    <a:pt x="2096640" y="479671"/>
+                    <a:pt x="2104845" y="484517"/>
+                    <a:pt x="2113472" y="487393"/>
+                  </a:cubicBezTo>
+                  <a:lnTo>
+                    <a:pt x="2126411" y="491706"/>
+                  </a:lnTo>
+                  <a:cubicBezTo>
+                    <a:pt x="2132162" y="490268"/>
+                    <a:pt x="2138215" y="489728"/>
+                    <a:pt x="2143664" y="487393"/>
+                  </a:cubicBezTo>
+                  <a:cubicBezTo>
+                    <a:pt x="2148429" y="485351"/>
+                    <a:pt x="2151460" y="479409"/>
+                    <a:pt x="2156604" y="478766"/>
+                  </a:cubicBezTo>
+                  <a:cubicBezTo>
+                    <a:pt x="2163878" y="477857"/>
+                    <a:pt x="2170981" y="481642"/>
+                    <a:pt x="2178170" y="483080"/>
+                  </a:cubicBezTo>
+                  <a:cubicBezTo>
+                    <a:pt x="2195154" y="466094"/>
+                    <a:pt x="2178299" y="481556"/>
+                    <a:pt x="2208362" y="461514"/>
+                  </a:cubicBezTo>
+                  <a:cubicBezTo>
+                    <a:pt x="2214343" y="457526"/>
+                    <a:pt x="2219519" y="452384"/>
+                    <a:pt x="2225615" y="448574"/>
+                  </a:cubicBezTo>
+                  <a:cubicBezTo>
+                    <a:pt x="2243770" y="437227"/>
+                    <a:pt x="2251016" y="440426"/>
+                    <a:pt x="2268747" y="422695"/>
+                  </a:cubicBezTo>
+                  <a:cubicBezTo>
+                    <a:pt x="2281699" y="409743"/>
+                    <a:pt x="2279778" y="412300"/>
+                    <a:pt x="2294626" y="392502"/>
+                  </a:cubicBezTo>
+                  <a:cubicBezTo>
+                    <a:pt x="2297736" y="388355"/>
+                    <a:pt x="2300681" y="384064"/>
+                    <a:pt x="2303253" y="379563"/>
+                  </a:cubicBezTo>
+                  <a:cubicBezTo>
+                    <a:pt x="2325148" y="341248"/>
+                    <a:pt x="2299483" y="380903"/>
+                    <a:pt x="2320506" y="349370"/>
+                  </a:cubicBezTo>
+                  <a:cubicBezTo>
+                    <a:pt x="2321944" y="345057"/>
+                    <a:pt x="2322786" y="340497"/>
+                    <a:pt x="2324819" y="336431"/>
+                  </a:cubicBezTo>
+                  <a:cubicBezTo>
+                    <a:pt x="2327137" y="331794"/>
+                    <a:pt x="2331625" y="328345"/>
+                    <a:pt x="2333445" y="323491"/>
+                  </a:cubicBezTo>
+                  <a:cubicBezTo>
+                    <a:pt x="2349432" y="280856"/>
+                    <a:pt x="2326155" y="319329"/>
+                    <a:pt x="2346385" y="288985"/>
+                  </a:cubicBezTo>
+                  <a:cubicBezTo>
+                    <a:pt x="2347823" y="284672"/>
+                    <a:pt x="2348359" y="279944"/>
+                    <a:pt x="2350698" y="276046"/>
+                  </a:cubicBezTo>
+                  <a:cubicBezTo>
+                    <a:pt x="2352790" y="272559"/>
+                    <a:pt x="2356784" y="270595"/>
+                    <a:pt x="2359325" y="267419"/>
+                  </a:cubicBezTo>
+                  <a:cubicBezTo>
+                    <a:pt x="2381095" y="240207"/>
+                    <a:pt x="2355744" y="266688"/>
+                    <a:pt x="2376577" y="245853"/>
+                  </a:cubicBezTo>
+                  <a:cubicBezTo>
+                    <a:pt x="2384779" y="213052"/>
+                    <a:pt x="2378349" y="231653"/>
+                    <a:pt x="2406770" y="185468"/>
+                  </a:cubicBezTo>
+                  <a:cubicBezTo>
+                    <a:pt x="2409487" y="181053"/>
+                    <a:pt x="2411731" y="176194"/>
+                    <a:pt x="2415396" y="172529"/>
+                  </a:cubicBezTo>
+                  <a:cubicBezTo>
+                    <a:pt x="2418272" y="169653"/>
+                    <a:pt x="2421482" y="167078"/>
+                    <a:pt x="2424023" y="163902"/>
+                  </a:cubicBezTo>
+                  <a:cubicBezTo>
+                    <a:pt x="2427261" y="159854"/>
+                    <a:pt x="2429411" y="155011"/>
+                    <a:pt x="2432649" y="150963"/>
+                  </a:cubicBezTo>
+                  <a:cubicBezTo>
+                    <a:pt x="2435189" y="147787"/>
+                    <a:pt x="2438835" y="145589"/>
+                    <a:pt x="2441275" y="142336"/>
+                  </a:cubicBezTo>
+                  <a:cubicBezTo>
+                    <a:pt x="2447495" y="134042"/>
+                    <a:pt x="2449901" y="122208"/>
+                    <a:pt x="2458528" y="116457"/>
+                  </a:cubicBezTo>
+                  <a:cubicBezTo>
+                    <a:pt x="2498356" y="89907"/>
+                    <a:pt x="2449364" y="123788"/>
+                    <a:pt x="2480094" y="99204"/>
+                  </a:cubicBezTo>
+                  <a:cubicBezTo>
+                    <a:pt x="2484142" y="95966"/>
+                    <a:pt x="2488721" y="93453"/>
+                    <a:pt x="2493034" y="90578"/>
+                  </a:cubicBezTo>
+                  <a:cubicBezTo>
+                    <a:pt x="2507823" y="68393"/>
+                    <a:pt x="2494059" y="85445"/>
+                    <a:pt x="2514600" y="69012"/>
+                  </a:cubicBezTo>
+                  <a:cubicBezTo>
+                    <a:pt x="2531518" y="55478"/>
+                    <a:pt x="2513692" y="63563"/>
+                    <a:pt x="2536166" y="56072"/>
+                  </a:cubicBezTo>
+                  <a:cubicBezTo>
+                    <a:pt x="2556439" y="35799"/>
+                    <a:pt x="2545719" y="48211"/>
+                    <a:pt x="2566358" y="17253"/>
+                  </a:cubicBezTo>
+                  <a:cubicBezTo>
+                    <a:pt x="2569233" y="12940"/>
+                    <a:pt x="2570067" y="5953"/>
+                    <a:pt x="2574985" y="4314"/>
+                  </a:cubicBezTo>
+                  <a:lnTo>
+                    <a:pt x="2587925" y="0"/>
+                  </a:lnTo>
+                  <a:cubicBezTo>
+                    <a:pt x="2595114" y="1438"/>
+                    <a:pt x="2602379" y="2536"/>
+                    <a:pt x="2609491" y="4314"/>
+                  </a:cubicBezTo>
+                  <a:cubicBezTo>
+                    <a:pt x="2613902" y="5417"/>
+                    <a:pt x="2617957" y="7814"/>
+                    <a:pt x="2622430" y="8627"/>
+                  </a:cubicBezTo>
+                  <a:cubicBezTo>
+                    <a:pt x="2633835" y="10700"/>
+                    <a:pt x="2645434" y="11502"/>
+                    <a:pt x="2656936" y="12940"/>
+                  </a:cubicBezTo>
+                  <a:cubicBezTo>
+                    <a:pt x="2661249" y="14378"/>
+                    <a:pt x="2665977" y="14914"/>
+                    <a:pt x="2669875" y="17253"/>
+                  </a:cubicBezTo>
+                  <a:cubicBezTo>
+                    <a:pt x="2680547" y="23657"/>
+                    <a:pt x="2678311" y="30002"/>
+                    <a:pt x="2687128" y="38819"/>
+                  </a:cubicBezTo>
+                  <a:cubicBezTo>
+                    <a:pt x="2690794" y="42485"/>
+                    <a:pt x="2695755" y="44570"/>
+                    <a:pt x="2700068" y="47446"/>
+                  </a:cubicBezTo>
+                  <a:cubicBezTo>
+                    <a:pt x="2702943" y="51759"/>
+                    <a:pt x="2704712" y="57067"/>
+                    <a:pt x="2708694" y="60385"/>
+                  </a:cubicBezTo>
+                  <a:cubicBezTo>
+                    <a:pt x="2729619" y="77823"/>
+                    <a:pt x="2721378" y="60044"/>
+                    <a:pt x="2734574" y="77638"/>
+                  </a:cubicBezTo>
+                  <a:cubicBezTo>
+                    <a:pt x="2740795" y="85932"/>
+                    <a:pt x="2744495" y="96186"/>
+                    <a:pt x="2751826" y="103517"/>
+                  </a:cubicBezTo>
+                  <a:cubicBezTo>
+                    <a:pt x="2772657" y="124348"/>
+                    <a:pt x="2747314" y="97877"/>
+                    <a:pt x="2769079" y="125083"/>
+                  </a:cubicBezTo>
+                  <a:cubicBezTo>
+                    <a:pt x="2771620" y="128259"/>
+                    <a:pt x="2774830" y="130834"/>
+                    <a:pt x="2777706" y="133710"/>
+                  </a:cubicBezTo>
+                  <a:cubicBezTo>
+                    <a:pt x="2779088" y="139239"/>
+                    <a:pt x="2783238" y="157713"/>
+                    <a:pt x="2786332" y="163902"/>
+                  </a:cubicBezTo>
+                  <a:cubicBezTo>
+                    <a:pt x="2788650" y="168539"/>
+                    <a:pt x="2792640" y="172205"/>
+                    <a:pt x="2794958" y="176842"/>
+                  </a:cubicBezTo>
+                  <a:cubicBezTo>
+                    <a:pt x="2796991" y="180909"/>
+                    <a:pt x="2797064" y="185807"/>
+                    <a:pt x="2799272" y="189782"/>
+                  </a:cubicBezTo>
+                  <a:cubicBezTo>
+                    <a:pt x="2804307" y="198845"/>
+                    <a:pt x="2816525" y="215661"/>
+                    <a:pt x="2816525" y="215661"/>
+                  </a:cubicBezTo>
+                  <a:cubicBezTo>
+                    <a:pt x="2818918" y="244382"/>
+                    <a:pt x="2816893" y="276600"/>
+                    <a:pt x="2833777" y="301925"/>
+                  </a:cubicBezTo>
+                  <a:cubicBezTo>
+                    <a:pt x="2836033" y="305309"/>
+                    <a:pt x="2839528" y="307676"/>
+                    <a:pt x="2842404" y="310551"/>
+                  </a:cubicBezTo>
+                  <a:cubicBezTo>
+                    <a:pt x="2845279" y="319178"/>
+                    <a:pt x="2845986" y="328865"/>
+                    <a:pt x="2851030" y="336431"/>
+                  </a:cubicBezTo>
+                  <a:cubicBezTo>
+                    <a:pt x="2853906" y="340744"/>
+                    <a:pt x="2856419" y="345322"/>
+                    <a:pt x="2859657" y="349370"/>
+                  </a:cubicBezTo>
+                  <a:cubicBezTo>
+                    <a:pt x="2870353" y="362739"/>
+                    <a:pt x="2868061" y="353241"/>
+                    <a:pt x="2876909" y="370936"/>
+                  </a:cubicBezTo>
+                  <a:cubicBezTo>
+                    <a:pt x="2880359" y="377835"/>
+                    <a:pt x="2883691" y="394673"/>
+                    <a:pt x="2885536" y="401129"/>
+                  </a:cubicBezTo>
+                  <a:cubicBezTo>
+                    <a:pt x="2886785" y="405500"/>
+                    <a:pt x="2888600" y="409697"/>
+                    <a:pt x="2889849" y="414068"/>
+                  </a:cubicBezTo>
+                  <a:cubicBezTo>
+                    <a:pt x="2891477" y="419768"/>
+                    <a:pt x="2891511" y="426019"/>
+                    <a:pt x="2894162" y="431321"/>
+                  </a:cubicBezTo>
+                  <a:cubicBezTo>
+                    <a:pt x="2897377" y="437751"/>
+                    <a:pt x="2902979" y="442685"/>
+                    <a:pt x="2907102" y="448574"/>
+                  </a:cubicBezTo>
+                  <a:cubicBezTo>
+                    <a:pt x="2913048" y="457067"/>
+                    <a:pt x="2924355" y="474453"/>
+                    <a:pt x="2924355" y="474453"/>
+                  </a:cubicBezTo>
+                  <a:cubicBezTo>
+                    <a:pt x="2925793" y="480204"/>
+                    <a:pt x="2927608" y="485874"/>
+                    <a:pt x="2928668" y="491706"/>
+                  </a:cubicBezTo>
+                  <a:cubicBezTo>
+                    <a:pt x="2929708" y="497427"/>
+                    <a:pt x="2931517" y="525210"/>
+                    <a:pt x="2937294" y="534838"/>
+                  </a:cubicBezTo>
+                  <a:cubicBezTo>
+                    <a:pt x="2939386" y="538325"/>
+                    <a:pt x="2943380" y="540289"/>
+                    <a:pt x="2945921" y="543465"/>
+                  </a:cubicBezTo>
+                  <a:cubicBezTo>
+                    <a:pt x="2949159" y="547513"/>
+                    <a:pt x="2951309" y="552356"/>
+                    <a:pt x="2954547" y="556404"/>
+                  </a:cubicBezTo>
+                  <a:cubicBezTo>
+                    <a:pt x="2957088" y="559580"/>
+                    <a:pt x="2959537" y="563212"/>
+                    <a:pt x="2963174" y="565031"/>
+                  </a:cubicBezTo>
+                  <a:cubicBezTo>
+                    <a:pt x="2971307" y="569097"/>
+                    <a:pt x="2989053" y="573657"/>
+                    <a:pt x="2989053" y="573657"/>
+                  </a:cubicBezTo>
+                  <a:cubicBezTo>
+                    <a:pt x="3015132" y="567138"/>
+                    <a:pt x="3000676" y="571220"/>
+                    <a:pt x="3032185" y="560717"/>
+                  </a:cubicBezTo>
+                  <a:lnTo>
+                    <a:pt x="3045125" y="556404"/>
+                  </a:lnTo>
+                  <a:cubicBezTo>
+                    <a:pt x="3045875" y="556472"/>
+                    <a:pt x="3092170" y="557027"/>
+                    <a:pt x="3105509" y="565031"/>
+                  </a:cubicBezTo>
+                  <a:cubicBezTo>
+                    <a:pt x="3108996" y="567123"/>
+                    <a:pt x="3111260" y="570782"/>
+                    <a:pt x="3114136" y="573657"/>
+                  </a:cubicBezTo>
+                  <a:cubicBezTo>
+                    <a:pt x="3127620" y="627595"/>
+                    <a:pt x="3110387" y="560534"/>
+                    <a:pt x="3122762" y="603849"/>
+                  </a:cubicBezTo>
+                  <a:cubicBezTo>
+                    <a:pt x="3124390" y="609549"/>
+                    <a:pt x="3124424" y="615800"/>
+                    <a:pt x="3127075" y="621102"/>
+                  </a:cubicBezTo>
+                  <a:cubicBezTo>
+                    <a:pt x="3128894" y="624739"/>
+                    <a:pt x="3133161" y="626553"/>
+                    <a:pt x="3135702" y="629729"/>
+                  </a:cubicBezTo>
+                  <a:cubicBezTo>
+                    <a:pt x="3138940" y="633777"/>
+                    <a:pt x="3141090" y="638620"/>
+                    <a:pt x="3144328" y="642668"/>
+                  </a:cubicBezTo>
+                  <a:cubicBezTo>
+                    <a:pt x="3146869" y="645844"/>
+                    <a:pt x="3149318" y="649476"/>
+                    <a:pt x="3152955" y="651295"/>
+                  </a:cubicBezTo>
+                  <a:cubicBezTo>
+                    <a:pt x="3161088" y="655361"/>
+                    <a:pt x="3178834" y="659921"/>
+                    <a:pt x="3178834" y="659921"/>
+                  </a:cubicBezTo>
+                  <a:cubicBezTo>
+                    <a:pt x="3187460" y="665672"/>
+                    <a:pt x="3197382" y="669843"/>
+                    <a:pt x="3204713" y="677174"/>
+                  </a:cubicBezTo>
+                  <a:cubicBezTo>
+                    <a:pt x="3216150" y="688611"/>
+                    <a:pt x="3219299" y="696904"/>
+                    <a:pt x="3234906" y="698740"/>
+                  </a:cubicBezTo>
+                  <a:cubicBezTo>
+                    <a:pt x="3254947" y="701098"/>
+                    <a:pt x="3275163" y="701615"/>
+                    <a:pt x="3295291" y="703053"/>
+                  </a:cubicBezTo>
+                  <a:cubicBezTo>
+                    <a:pt x="3320293" y="711388"/>
+                    <a:pt x="3319210" y="706740"/>
+                    <a:pt x="3334109" y="724619"/>
+                  </a:cubicBezTo>
+                  <a:cubicBezTo>
+                    <a:pt x="3337428" y="728601"/>
+                    <a:pt x="3339860" y="733246"/>
+                    <a:pt x="3342736" y="737559"/>
+                  </a:cubicBezTo>
+                  <a:cubicBezTo>
+                    <a:pt x="3356220" y="791497"/>
+                    <a:pt x="3338987" y="724436"/>
+                    <a:pt x="3351362" y="767751"/>
+                  </a:cubicBezTo>
+                  <a:cubicBezTo>
+                    <a:pt x="3354998" y="780477"/>
+                    <a:pt x="3352624" y="786625"/>
+                    <a:pt x="3364302" y="793631"/>
+                  </a:cubicBezTo>
+                  <a:cubicBezTo>
+                    <a:pt x="3368201" y="795970"/>
+                    <a:pt x="3372812" y="796922"/>
+                    <a:pt x="3377242" y="797944"/>
+                  </a:cubicBezTo>
+                  <a:cubicBezTo>
+                    <a:pt x="3391529" y="801241"/>
+                    <a:pt x="3420374" y="806570"/>
+                    <a:pt x="3420374" y="806570"/>
+                  </a:cubicBezTo>
+                  <a:cubicBezTo>
+                    <a:pt x="3434751" y="805132"/>
+                    <a:pt x="3449927" y="807195"/>
+                    <a:pt x="3463506" y="802257"/>
+                  </a:cubicBezTo>
+                  <a:cubicBezTo>
+                    <a:pt x="3467779" y="800703"/>
+                    <a:pt x="3465786" y="793384"/>
+                    <a:pt x="3467819" y="789317"/>
+                  </a:cubicBezTo>
+                  <a:cubicBezTo>
+                    <a:pt x="3470137" y="784681"/>
+                    <a:pt x="3472780" y="780043"/>
+                    <a:pt x="3476445" y="776378"/>
+                  </a:cubicBezTo>
+                  <a:cubicBezTo>
+                    <a:pt x="3480111" y="772712"/>
+                    <a:pt x="3489385" y="767751"/>
+                    <a:pt x="3489385" y="767751"/>
+                  </a:cubicBezTo>
+                </a:path>
+              </a:pathLst>
+            </a:custGeom>
+            <a:noFill/>
+            <a:ln w="6350">
+              <a:solidFill>
+                <a:schemeClr val="accent2"/>
+              </a:solidFill>
+            </a:ln>
           </p:spPr>
           <p:style>
             <a:lnRef idx="2">
@@ -6772,10 +12300,10 @@
         </p:sp>
         <p:sp>
           <p:nvSpPr>
-            <p:cNvPr id="63" name="TextBox 62">
+            <p:cNvPr id="23" name="TextBox 22">
               <a:extLst>
                 <a:ext uri="{FF2B5EF4-FFF2-40B4-BE49-F238E27FC236}">
-                  <a16:creationId xmlns:a16="http://schemas.microsoft.com/office/drawing/2014/main" id="{83BFE8C2-C7C1-C79A-6AD3-C9A5D91B9B76}"/>
+                  <a16:creationId xmlns:a16="http://schemas.microsoft.com/office/drawing/2014/main" id="{B4F43F04-C086-EB9A-D2A1-8D842A3B945B}"/>
                 </a:ext>
               </a:extLst>
             </p:cNvPr>
@@ -6784,8 +12312,8 @@
           </p:nvSpPr>
           <p:spPr>
             <a:xfrm>
-              <a:off x="5933841" y="4681402"/>
-              <a:ext cx="793807" cy="230832"/>
+              <a:off x="3327722" y="2271003"/>
+              <a:ext cx="896399" cy="230832"/>
             </a:xfrm>
             <a:prstGeom prst="rect">
               <a:avLst/>
@@ -6799,40 +12327,76 @@
             <a:lstStyle/>
             <a:p>
               <a:r>
-                <a:rPr lang="en-US" sz="900" dirty="0"/>
-                <a:t>Environment</a:t>
+                <a:rPr lang="en-US" sz="900" dirty="0">
+                  <a:solidFill>
+                    <a:schemeClr val="accent6"/>
+                  </a:solidFill>
+                </a:rPr>
+                <a:t>True maximum</a:t>
               </a:r>
             </a:p>
           </p:txBody>
         </p:sp>
         <p:cxnSp>
           <p:nvCxnSpPr>
-            <p:cNvPr id="64" name="Elbow Connector 63">
+            <p:cNvPr id="25" name="Straight Connector 24">
               <a:extLst>
                 <a:ext uri="{FF2B5EF4-FFF2-40B4-BE49-F238E27FC236}">
-                  <a16:creationId xmlns:a16="http://schemas.microsoft.com/office/drawing/2014/main" id="{E5D9E8BA-6037-29E7-97AA-E525D8119709}"/>
+                  <a16:creationId xmlns:a16="http://schemas.microsoft.com/office/drawing/2014/main" id="{E48E5DBA-154D-8B7C-F8B5-E81611D09AB3}"/>
                 </a:ext>
               </a:extLst>
             </p:cNvPr>
-            <p:cNvCxnSpPr>
-              <a:cxnSpLocks/>
-              <a:stCxn id="62" idx="0"/>
-            </p:cNvCxnSpPr>
+            <p:cNvCxnSpPr/>
             <p:nvPr/>
           </p:nvCxnSpPr>
           <p:spPr>
-            <a:xfrm rot="16200000" flipH="1">
-              <a:off x="6705817" y="4188591"/>
-              <a:ext cx="106144" cy="879478"/>
+            <a:xfrm>
+              <a:off x="4624039" y="1988634"/>
+              <a:ext cx="308517" cy="0"/>
             </a:xfrm>
-            <a:prstGeom prst="bentConnector4">
-              <a:avLst>
-                <a:gd name="adj1" fmla="val -215368"/>
-                <a:gd name="adj2" fmla="val 100181"/>
-              </a:avLst>
+            <a:prstGeom prst="line">
+              <a:avLst/>
+            </a:prstGeom>
+          </p:spPr>
+          <p:style>
+            <a:lnRef idx="1">
+              <a:schemeClr val="accent1"/>
+            </a:lnRef>
+            <a:fillRef idx="0">
+              <a:schemeClr val="accent1"/>
+            </a:fillRef>
+            <a:effectRef idx="0">
+              <a:schemeClr val="accent1"/>
+            </a:effectRef>
+            <a:fontRef idx="minor">
+              <a:schemeClr val="tx1"/>
+            </a:fontRef>
+          </p:style>
+        </p:cxnSp>
+        <p:cxnSp>
+          <p:nvCxnSpPr>
+            <p:cNvPr id="26" name="Straight Connector 25">
+              <a:extLst>
+                <a:ext uri="{FF2B5EF4-FFF2-40B4-BE49-F238E27FC236}">
+                  <a16:creationId xmlns:a16="http://schemas.microsoft.com/office/drawing/2014/main" id="{46FBFDC4-2707-C9CC-1A11-83D84F60BDC2}"/>
+                </a:ext>
+              </a:extLst>
+            </p:cNvPr>
+            <p:cNvCxnSpPr/>
+            <p:nvPr/>
+          </p:nvCxnSpPr>
+          <p:spPr>
+            <a:xfrm>
+              <a:off x="4624039" y="2193073"/>
+              <a:ext cx="308517" cy="0"/>
+            </a:xfrm>
+            <a:prstGeom prst="line">
+              <a:avLst/>
             </a:prstGeom>
             <a:ln>
-              <a:tailEnd type="triangle" w="sm" len="sm"/>
+              <a:solidFill>
+                <a:schemeClr val="accent2"/>
+              </a:solidFill>
             </a:ln>
           </p:spPr>
           <p:style>
@@ -6854,10 +12418,10 @@
           <mc:Choice xmlns:a14="http://schemas.microsoft.com/office/drawing/2010/main" Requires="a14">
             <p:sp>
               <p:nvSpPr>
-                <p:cNvPr id="65" name="TextBox 64">
+                <p:cNvPr id="27" name="TextBox 26">
                   <a:extLst>
                     <a:ext uri="{FF2B5EF4-FFF2-40B4-BE49-F238E27FC236}">
-                      <a16:creationId xmlns:a16="http://schemas.microsoft.com/office/drawing/2014/main" id="{F5722B91-9BB5-2575-7C64-B0E8AEA18B61}"/>
+                      <a16:creationId xmlns:a16="http://schemas.microsoft.com/office/drawing/2014/main" id="{86A91D1E-A7D1-E88F-0B5B-49B0DFC5B8EE}"/>
                     </a:ext>
                   </a:extLst>
                 </p:cNvPr>
@@ -6866,8 +12430,8 @@
               </p:nvSpPr>
               <p:spPr>
                 <a:xfrm>
-                  <a:off x="7035523" y="4670973"/>
-                  <a:ext cx="338554" cy="243080"/>
+                  <a:off x="4895385" y="1860689"/>
+                  <a:ext cx="473463" cy="230832"/>
                 </a:xfrm>
                 <a:prstGeom prst="rect">
                   <a:avLst/>
@@ -6880,43 +12444,32 @@
                 </a:bodyPr>
                 <a:lstStyle/>
                 <a:p>
+                  <a:r>
+                    <a:rPr lang="en-US" sz="900" dirty="0">
+                      <a:solidFill>
+                        <a:schemeClr val="accent1"/>
+                      </a:solidFill>
+                    </a:rPr>
+                    <a:t>true </a:t>
+                  </a:r>
                   <a14:m>
-                    <m:oMathPara xmlns:m="http://schemas.openxmlformats.org/officeDocument/2006/math">
-                      <m:oMathParaPr>
-                        <m:jc m:val="centerGroup"/>
-                      </m:oMathParaPr>
-                      <m:oMath xmlns:m="http://schemas.openxmlformats.org/officeDocument/2006/math">
-                        <m:sSub>
-                          <m:sSubPr>
-                            <m:ctrlPr>
-                              <a:rPr lang="en-US" sz="900" i="1" smtClean="0">
-                                <a:latin typeface="Cambria Math" panose="02040503050406030204" pitchFamily="18" charset="0"/>
-                              </a:rPr>
-                            </m:ctrlPr>
-                          </m:sSubPr>
-                          <m:e>
-                            <m:r>
-                              <a:rPr lang="en-US" sz="900" i="1" smtClean="0">
-                                <a:latin typeface="Cambria Math" panose="02040503050406030204" pitchFamily="18" charset="0"/>
-                                <a:ea typeface="Cambria Math" panose="02040503050406030204" pitchFamily="18" charset="0"/>
-                              </a:rPr>
-                              <m:t>𝜋</m:t>
-                            </m:r>
-                          </m:e>
-                          <m:sub>
-                            <m:r>
-                              <a:rPr lang="en-US" sz="900" i="1" smtClean="0">
-                                <a:latin typeface="Cambria Math" panose="02040503050406030204" pitchFamily="18" charset="0"/>
-                                <a:ea typeface="Cambria Math" panose="02040503050406030204" pitchFamily="18" charset="0"/>
-                              </a:rPr>
-                              <m:t>𝛽</m:t>
-                            </m:r>
-                          </m:sub>
-                        </m:sSub>
-                      </m:oMath>
-                    </m:oMathPara>
+                    <m:oMath xmlns:m="http://schemas.openxmlformats.org/officeDocument/2006/math">
+                      <m:r>
+                        <a:rPr lang="en-US" sz="900" i="1" dirty="0" smtClean="0">
+                          <a:solidFill>
+                            <a:schemeClr val="accent1"/>
+                          </a:solidFill>
+                          <a:latin typeface="Cambria Math" panose="02040503050406030204" pitchFamily="18" charset="0"/>
+                        </a:rPr>
+                        <m:t>𝑞</m:t>
+                      </m:r>
+                    </m:oMath>
                   </a14:m>
-                  <a:endParaRPr lang="en-US" sz="900" dirty="0"/>
+                  <a:endParaRPr lang="en-US" sz="900" dirty="0">
+                    <a:solidFill>
+                      <a:schemeClr val="accent1"/>
+                    </a:solidFill>
+                  </a:endParaRPr>
                 </a:p>
               </p:txBody>
             </p:sp>
@@ -6924,10 +12477,10 @@
           <mc:Fallback>
             <p:sp>
               <p:nvSpPr>
-                <p:cNvPr id="65" name="TextBox 64">
+                <p:cNvPr id="27" name="TextBox 26">
                   <a:extLst>
                     <a:ext uri="{FF2B5EF4-FFF2-40B4-BE49-F238E27FC236}">
-                      <a16:creationId xmlns:a16="http://schemas.microsoft.com/office/drawing/2014/main" id="{F5722B91-9BB5-2575-7C64-B0E8AEA18B61}"/>
+                      <a16:creationId xmlns:a16="http://schemas.microsoft.com/office/drawing/2014/main" id="{86A91D1E-A7D1-E88F-0B5B-49B0DFC5B8EE}"/>
                     </a:ext>
                   </a:extLst>
                 </p:cNvPr>
@@ -6938,155 +12491,16 @@
               </p:nvSpPr>
               <p:spPr>
                 <a:xfrm>
-                  <a:off x="7035523" y="4670973"/>
-                  <a:ext cx="338554" cy="243080"/>
+                  <a:off x="4895385" y="1860689"/>
+                  <a:ext cx="473463" cy="230832"/>
                 </a:xfrm>
                 <a:prstGeom prst="rect">
                   <a:avLst/>
                 </a:prstGeom>
                 <a:blipFill>
-                  <a:blip r:embed="rId19"/>
+                  <a:blip r:embed="rId2"/>
                   <a:stretch>
-                    <a:fillRect b="-5000"/>
-                  </a:stretch>
-                </a:blipFill>
-              </p:spPr>
-              <p:txBody>
-                <a:bodyPr/>
-                <a:lstStyle/>
-                <a:p>
-                  <a:r>
-                    <a:rPr lang="en-US">
-                      <a:noFill/>
-                    </a:rPr>
-                    <a:t> </a:t>
-                  </a:r>
-                </a:p>
-              </p:txBody>
-            </p:sp>
-          </mc:Fallback>
-        </mc:AlternateContent>
-        <p:cxnSp>
-          <p:nvCxnSpPr>
-            <p:cNvPr id="66" name="Elbow Connector 65">
-              <a:extLst>
-                <a:ext uri="{FF2B5EF4-FFF2-40B4-BE49-F238E27FC236}">
-                  <a16:creationId xmlns:a16="http://schemas.microsoft.com/office/drawing/2014/main" id="{D57897C3-45D3-D159-0F7B-86C51D854788}"/>
-                </a:ext>
-              </a:extLst>
-            </p:cNvPr>
-            <p:cNvCxnSpPr>
-              <a:endCxn id="62" idx="2"/>
-            </p:cNvCxnSpPr>
-            <p:nvPr/>
-          </p:nvCxnSpPr>
-          <p:spPr>
-            <a:xfrm rot="10800000" flipV="1">
-              <a:off x="6319150" y="4940382"/>
-              <a:ext cx="879478" cy="104775"/>
-            </a:xfrm>
-            <a:prstGeom prst="bentConnector4">
-              <a:avLst>
-                <a:gd name="adj1" fmla="val -181"/>
-                <a:gd name="adj2" fmla="val 372727"/>
-              </a:avLst>
-            </a:prstGeom>
-            <a:ln>
-              <a:tailEnd type="triangle"/>
-            </a:ln>
-          </p:spPr>
-          <p:style>
-            <a:lnRef idx="1">
-              <a:schemeClr val="accent1"/>
-            </a:lnRef>
-            <a:fillRef idx="0">
-              <a:schemeClr val="accent1"/>
-            </a:fillRef>
-            <a:effectRef idx="0">
-              <a:schemeClr val="accent1"/>
-            </a:effectRef>
-            <a:fontRef idx="minor">
-              <a:schemeClr val="tx1"/>
-            </a:fontRef>
-          </p:style>
-        </p:cxnSp>
-        <mc:AlternateContent xmlns:mc="http://schemas.openxmlformats.org/markup-compatibility/2006">
-          <mc:Choice xmlns:a14="http://schemas.microsoft.com/office/drawing/2010/main" Requires="a14">
-            <p:sp>
-              <p:nvSpPr>
-                <p:cNvPr id="70" name="TextBox 69">
-                  <a:extLst>
-                    <a:ext uri="{FF2B5EF4-FFF2-40B4-BE49-F238E27FC236}">
-                      <a16:creationId xmlns:a16="http://schemas.microsoft.com/office/drawing/2014/main" id="{35389475-A4C2-9328-318D-BFB1516E2399}"/>
-                    </a:ext>
-                  </a:extLst>
-                </p:cNvPr>
-                <p:cNvSpPr txBox="1"/>
-                <p:nvPr/>
-              </p:nvSpPr>
-              <p:spPr>
-                <a:xfrm>
-                  <a:off x="6589020" y="5106851"/>
-                  <a:ext cx="277255" cy="230832"/>
-                </a:xfrm>
-                <a:prstGeom prst="rect">
-                  <a:avLst/>
-                </a:prstGeom>
-                <a:noFill/>
-              </p:spPr>
-              <p:txBody>
-                <a:bodyPr wrap="none" rtlCol="0">
-                  <a:spAutoFit/>
-                </a:bodyPr>
-                <a:lstStyle/>
-                <a:p>
-                  <a14:m>
-                    <m:oMathPara xmlns:m="http://schemas.openxmlformats.org/officeDocument/2006/math">
-                      <m:oMathParaPr>
-                        <m:jc m:val="centerGroup"/>
-                      </m:oMathParaPr>
-                      <m:oMath xmlns:m="http://schemas.openxmlformats.org/officeDocument/2006/math">
-                        <m:r>
-                          <a:rPr lang="en-US" sz="900" i="1" dirty="0" smtClean="0">
-                            <a:latin typeface="Cambria Math" panose="02040503050406030204" pitchFamily="18" charset="0"/>
-                          </a:rPr>
-                          <m:t>𝑎</m:t>
-                        </m:r>
-                      </m:oMath>
-                    </m:oMathPara>
-                  </a14:m>
-                  <a:endParaRPr lang="en-US" sz="900" dirty="0"/>
-                </a:p>
-              </p:txBody>
-            </p:sp>
-          </mc:Choice>
-          <mc:Fallback>
-            <p:sp>
-              <p:nvSpPr>
-                <p:cNvPr id="70" name="TextBox 69">
-                  <a:extLst>
-                    <a:ext uri="{FF2B5EF4-FFF2-40B4-BE49-F238E27FC236}">
-                      <a16:creationId xmlns:a16="http://schemas.microsoft.com/office/drawing/2014/main" id="{35389475-A4C2-9328-318D-BFB1516E2399}"/>
-                    </a:ext>
-                  </a:extLst>
-                </p:cNvPr>
-                <p:cNvSpPr txBox="1">
-                  <a:spLocks noRot="1" noChangeAspect="1" noMove="1" noResize="1" noEditPoints="1" noAdjustHandles="1" noChangeArrowheads="1" noChangeShapeType="1" noTextEdit="1"/>
-                </p:cNvSpPr>
-                <p:nvPr/>
-              </p:nvSpPr>
-              <p:spPr>
-                <a:xfrm>
-                  <a:off x="6589020" y="5106851"/>
-                  <a:ext cx="277255" cy="230832"/>
-                </a:xfrm>
-                <a:prstGeom prst="rect">
-                  <a:avLst/>
-                </a:prstGeom>
-                <a:blipFill>
-                  <a:blip r:embed="rId20"/>
-                  <a:stretch>
-                    <a:fillRect/>
+                    <a:fillRect b="-10526"/>
                   </a:stretch>
                 </a:blipFill>
               </p:spPr>
@@ -7109,10 +12523,10 @@
           <mc:Choice xmlns:a14="http://schemas.microsoft.com/office/drawing/2010/main" Requires="a14">
             <p:sp>
               <p:nvSpPr>
-                <p:cNvPr id="71" name="TextBox 70">
+                <p:cNvPr id="28" name="TextBox 27">
                   <a:extLst>
                     <a:ext uri="{FF2B5EF4-FFF2-40B4-BE49-F238E27FC236}">
-                      <a16:creationId xmlns:a16="http://schemas.microsoft.com/office/drawing/2014/main" id="{A4C984F2-DBF6-D306-94DD-910A238894AF}"/>
+                      <a16:creationId xmlns:a16="http://schemas.microsoft.com/office/drawing/2014/main" id="{C10EBD63-1AAC-07E8-61A4-AD8987EB7C94}"/>
                     </a:ext>
                   </a:extLst>
                 </p:cNvPr>
@@ -7121,8 +12535,8 @@
               </p:nvSpPr>
               <p:spPr>
                 <a:xfrm>
-                  <a:off x="6620260" y="4320677"/>
-                  <a:ext cx="365934" cy="230832"/>
+                  <a:off x="4895384" y="2060759"/>
+                  <a:ext cx="749179" cy="230832"/>
                 </a:xfrm>
                 <a:prstGeom prst="rect">
                   <a:avLst/>
@@ -7135,34 +12549,32 @@
                 </a:bodyPr>
                 <a:lstStyle/>
                 <a:p>
+                  <a:r>
+                    <a:rPr lang="en-US" sz="900" dirty="0">
+                      <a:solidFill>
+                        <a:schemeClr val="accent2"/>
+                      </a:solidFill>
+                    </a:rPr>
+                    <a:t>estimated </a:t>
+                  </a:r>
                   <a14:m>
-                    <m:oMathPara xmlns:m="http://schemas.openxmlformats.org/officeDocument/2006/math">
-                      <m:oMathParaPr>
-                        <m:jc m:val="centerGroup"/>
-                      </m:oMathParaPr>
-                      <m:oMath xmlns:m="http://schemas.openxmlformats.org/officeDocument/2006/math">
-                        <m:r>
-                          <a:rPr lang="en-US" sz="900" b="0" i="1" smtClean="0">
-                            <a:latin typeface="Cambria Math" panose="02040503050406030204" pitchFamily="18" charset="0"/>
-                          </a:rPr>
-                          <m:t>𝑠</m:t>
-                        </m:r>
-                        <m:r>
-                          <a:rPr lang="en-US" sz="900" b="0" i="1" smtClean="0">
-                            <a:latin typeface="Cambria Math" panose="02040503050406030204" pitchFamily="18" charset="0"/>
-                          </a:rPr>
-                          <m:t>,</m:t>
-                        </m:r>
-                        <m:r>
-                          <a:rPr lang="en-US" sz="900" b="0" i="1" smtClean="0">
-                            <a:latin typeface="Cambria Math" panose="02040503050406030204" pitchFamily="18" charset="0"/>
-                          </a:rPr>
-                          <m:t>𝑟</m:t>
-                        </m:r>
-                      </m:oMath>
-                    </m:oMathPara>
+                    <m:oMath xmlns:m="http://schemas.openxmlformats.org/officeDocument/2006/math">
+                      <m:r>
+                        <a:rPr lang="en-US" sz="900" i="1" dirty="0" smtClean="0">
+                          <a:solidFill>
+                            <a:schemeClr val="accent2"/>
+                          </a:solidFill>
+                          <a:latin typeface="Cambria Math" panose="02040503050406030204" pitchFamily="18" charset="0"/>
+                        </a:rPr>
+                        <m:t>𝑞</m:t>
+                      </m:r>
+                    </m:oMath>
                   </a14:m>
-                  <a:endParaRPr lang="en-US" sz="900" dirty="0"/>
+                  <a:endParaRPr lang="en-US" sz="900" dirty="0">
+                    <a:solidFill>
+                      <a:schemeClr val="accent2"/>
+                    </a:solidFill>
+                  </a:endParaRPr>
                 </a:p>
               </p:txBody>
             </p:sp>
@@ -7170,10 +12582,10 @@
           <mc:Fallback>
             <p:sp>
               <p:nvSpPr>
-                <p:cNvPr id="71" name="TextBox 70">
+                <p:cNvPr id="28" name="TextBox 27">
                   <a:extLst>
                     <a:ext uri="{FF2B5EF4-FFF2-40B4-BE49-F238E27FC236}">
-                      <a16:creationId xmlns:a16="http://schemas.microsoft.com/office/drawing/2014/main" id="{A4C984F2-DBF6-D306-94DD-910A238894AF}"/>
+                      <a16:creationId xmlns:a16="http://schemas.microsoft.com/office/drawing/2014/main" id="{C10EBD63-1AAC-07E8-61A4-AD8987EB7C94}"/>
                     </a:ext>
                   </a:extLst>
                 </p:cNvPr>
@@ -7184,16 +12596,16 @@
               </p:nvSpPr>
               <p:spPr>
                 <a:xfrm>
-                  <a:off x="6620260" y="4320677"/>
-                  <a:ext cx="365934" cy="230832"/>
+                  <a:off x="4895384" y="2060759"/>
+                  <a:ext cx="749179" cy="230832"/>
                 </a:xfrm>
                 <a:prstGeom prst="rect">
                   <a:avLst/>
                 </a:prstGeom>
                 <a:blipFill>
-                  <a:blip r:embed="rId21"/>
+                  <a:blip r:embed="rId3"/>
                   <a:stretch>
-                    <a:fillRect/>
+                    <a:fillRect b="-5263"/>
                   </a:stretch>
                 </a:blipFill>
               </p:spPr>
@@ -7212,425 +12624,12 @@
             </p:sp>
           </mc:Fallback>
         </mc:AlternateContent>
-        <mc:AlternateContent xmlns:mc="http://schemas.openxmlformats.org/markup-compatibility/2006">
-          <mc:Choice xmlns:a14="http://schemas.microsoft.com/office/drawing/2010/main" Requires="a14">
-            <p:sp>
-              <p:nvSpPr>
-                <p:cNvPr id="73" name="TextBox 72">
-                  <a:extLst>
-                    <a:ext uri="{FF2B5EF4-FFF2-40B4-BE49-F238E27FC236}">
-                      <a16:creationId xmlns:a16="http://schemas.microsoft.com/office/drawing/2014/main" id="{E5909894-7C8C-D134-9558-96F52230F699}"/>
-                    </a:ext>
-                  </a:extLst>
-                </p:cNvPr>
-                <p:cNvSpPr txBox="1"/>
-                <p:nvPr/>
-              </p:nvSpPr>
-              <p:spPr>
-                <a:xfrm>
-                  <a:off x="6396449" y="5288775"/>
-                  <a:ext cx="724878" cy="230832"/>
-                </a:xfrm>
-                <a:prstGeom prst="rect">
-                  <a:avLst/>
-                </a:prstGeom>
-                <a:noFill/>
-              </p:spPr>
-              <p:txBody>
-                <a:bodyPr wrap="none" rtlCol="0">
-                  <a:spAutoFit/>
-                </a:bodyPr>
-                <a:lstStyle/>
-                <a:p>
-                  <a14:m>
-                    <m:oMathPara xmlns:m="http://schemas.openxmlformats.org/officeDocument/2006/math">
-                      <m:oMathParaPr>
-                        <m:jc m:val="centerGroup"/>
-                      </m:oMathParaPr>
-                      <m:oMath xmlns:m="http://schemas.openxmlformats.org/officeDocument/2006/math">
-                        <m:r>
-                          <a:rPr lang="en-US" sz="900" i="1" smtClean="0">
-                            <a:latin typeface="Cambria Math" panose="02040503050406030204" pitchFamily="18" charset="0"/>
-                          </a:rPr>
-                          <m:t>𝑟</m:t>
-                        </m:r>
-                        <m:r>
-                          <a:rPr lang="en-US" sz="900" b="0" i="1" smtClean="0">
-                            <a:latin typeface="Cambria Math" panose="02040503050406030204" pitchFamily="18" charset="0"/>
-                          </a:rPr>
-                          <m:t>𝑜𝑙𝑙𝑜𝑢𝑡</m:t>
-                        </m:r>
-                        <m:d>
-                          <m:dPr>
-                            <m:ctrlPr>
-                              <a:rPr lang="en-US" sz="900" b="0" i="1" smtClean="0">
-                                <a:latin typeface="Cambria Math" panose="02040503050406030204" pitchFamily="18" charset="0"/>
-                              </a:rPr>
-                            </m:ctrlPr>
-                          </m:dPr>
-                          <m:e>
-                            <m:r>
-                              <a:rPr lang="en-US" sz="900" b="0" i="1" smtClean="0">
-                                <a:latin typeface="Cambria Math" panose="02040503050406030204" pitchFamily="18" charset="0"/>
-                              </a:rPr>
-                              <m:t>𝑠</m:t>
-                            </m:r>
-                          </m:e>
-                        </m:d>
-                      </m:oMath>
-                    </m:oMathPara>
-                  </a14:m>
-                  <a:endParaRPr lang="en-US" sz="900" dirty="0"/>
-                </a:p>
-              </p:txBody>
-            </p:sp>
-          </mc:Choice>
-          <mc:Fallback>
-            <p:sp>
-              <p:nvSpPr>
-                <p:cNvPr id="73" name="TextBox 72">
-                  <a:extLst>
-                    <a:ext uri="{FF2B5EF4-FFF2-40B4-BE49-F238E27FC236}">
-                      <a16:creationId xmlns:a16="http://schemas.microsoft.com/office/drawing/2014/main" id="{E5909894-7C8C-D134-9558-96F52230F699}"/>
-                    </a:ext>
-                  </a:extLst>
-                </p:cNvPr>
-                <p:cNvSpPr txBox="1">
-                  <a:spLocks noRot="1" noChangeAspect="1" noMove="1" noResize="1" noEditPoints="1" noAdjustHandles="1" noChangeArrowheads="1" noChangeShapeType="1" noTextEdit="1"/>
-                </p:cNvSpPr>
-                <p:nvPr/>
-              </p:nvSpPr>
-              <p:spPr>
-                <a:xfrm>
-                  <a:off x="6396449" y="5288775"/>
-                  <a:ext cx="724878" cy="230832"/>
-                </a:xfrm>
-                <a:prstGeom prst="rect">
-                  <a:avLst/>
-                </a:prstGeom>
-                <a:blipFill>
-                  <a:blip r:embed="rId22"/>
-                  <a:stretch>
-                    <a:fillRect/>
-                  </a:stretch>
-                </a:blipFill>
-              </p:spPr>
-              <p:txBody>
-                <a:bodyPr/>
-                <a:lstStyle/>
-                <a:p>
-                  <a:r>
-                    <a:rPr lang="en-US">
-                      <a:noFill/>
-                    </a:rPr>
-                    <a:t> </a:t>
-                  </a:r>
-                </a:p>
-              </p:txBody>
-            </p:sp>
-          </mc:Fallback>
-        </mc:AlternateContent>
-      </p:grpSp>
-      <mc:AlternateContent xmlns:mc="http://schemas.openxmlformats.org/markup-compatibility/2006">
-        <mc:Choice xmlns:a14="http://schemas.microsoft.com/office/drawing/2010/main" Requires="a14">
-          <p:sp>
-            <p:nvSpPr>
-              <p:cNvPr id="74" name="TextBox 73">
-                <a:extLst>
-                  <a:ext uri="{FF2B5EF4-FFF2-40B4-BE49-F238E27FC236}">
-                    <a16:creationId xmlns:a16="http://schemas.microsoft.com/office/drawing/2014/main" id="{811A2C6F-EBB3-3DE9-CAE0-94272BEDF4D0}"/>
-                  </a:ext>
-                </a:extLst>
-              </p:cNvPr>
-              <p:cNvSpPr txBox="1"/>
-              <p:nvPr/>
-            </p:nvSpPr>
-            <p:spPr>
-              <a:xfrm>
-                <a:off x="6623755" y="3698572"/>
-                <a:ext cx="884601" cy="230961"/>
-              </a:xfrm>
-              <a:prstGeom prst="rect">
-                <a:avLst/>
-              </a:prstGeom>
-              <a:noFill/>
-            </p:spPr>
-            <p:txBody>
-              <a:bodyPr wrap="none" rtlCol="0">
-                <a:spAutoFit/>
-              </a:bodyPr>
-              <a:lstStyle/>
-              <a:p>
-                <a14:m>
-                  <m:oMathPara xmlns:m="http://schemas.openxmlformats.org/officeDocument/2006/math">
-                    <m:oMathParaPr>
-                      <m:jc m:val="centerGroup"/>
-                    </m:oMathParaPr>
-                    <m:oMath xmlns:m="http://schemas.openxmlformats.org/officeDocument/2006/math">
-                      <m:d>
-                        <m:dPr>
-                          <m:begChr m:val="{"/>
-                          <m:endChr m:val="}"/>
-                          <m:ctrlPr>
-                            <a:rPr lang="en-US" sz="900" b="0" i="1" smtClean="0">
-                              <a:latin typeface="Cambria Math" panose="02040503050406030204" pitchFamily="18" charset="0"/>
-                            </a:rPr>
-                          </m:ctrlPr>
-                        </m:dPr>
-                        <m:e>
-                          <m:d>
-                            <m:dPr>
-                              <m:ctrlPr>
-                                <a:rPr lang="en-US" sz="900" b="0" i="1" smtClean="0">
-                                  <a:latin typeface="Cambria Math" panose="02040503050406030204" pitchFamily="18" charset="0"/>
-                                </a:rPr>
-                              </m:ctrlPr>
-                            </m:dPr>
-                            <m:e>
-                              <m:sSub>
-                                <m:sSubPr>
-                                  <m:ctrlPr>
-                                    <a:rPr lang="en-US" sz="900" b="0" i="1" smtClean="0">
-                                      <a:latin typeface="Cambria Math" panose="02040503050406030204" pitchFamily="18" charset="0"/>
-                                    </a:rPr>
-                                  </m:ctrlPr>
-                                </m:sSubPr>
-                                <m:e>
-                                  <m:r>
-                                    <a:rPr lang="en-US" sz="900" b="0" i="1" smtClean="0">
-                                      <a:latin typeface="Cambria Math" panose="02040503050406030204" pitchFamily="18" charset="0"/>
-                                    </a:rPr>
-                                    <m:t>𝑠</m:t>
-                                  </m:r>
-                                </m:e>
-                                <m:sub>
-                                  <m:r>
-                                    <a:rPr lang="en-US" sz="900" b="0" i="1" smtClean="0">
-                                      <a:latin typeface="Cambria Math" panose="02040503050406030204" pitchFamily="18" charset="0"/>
-                                    </a:rPr>
-                                    <m:t>𝑖</m:t>
-                                  </m:r>
-                                </m:sub>
-                              </m:sSub>
-                              <m:r>
-                                <a:rPr lang="en-US" sz="900" b="0" i="1" smtClean="0">
-                                  <a:latin typeface="Cambria Math" panose="02040503050406030204" pitchFamily="18" charset="0"/>
-                                </a:rPr>
-                                <m:t>,</m:t>
-                              </m:r>
-                              <m:sSub>
-                                <m:sSubPr>
-                                  <m:ctrlPr>
-                                    <a:rPr lang="en-US" sz="900" b="0" i="1" smtClean="0">
-                                      <a:latin typeface="Cambria Math" panose="02040503050406030204" pitchFamily="18" charset="0"/>
-                                    </a:rPr>
-                                  </m:ctrlPr>
-                                </m:sSubPr>
-                                <m:e>
-                                  <m:r>
-                                    <a:rPr lang="en-US" sz="900" b="0" i="1" smtClean="0">
-                                      <a:latin typeface="Cambria Math" panose="02040503050406030204" pitchFamily="18" charset="0"/>
-                                    </a:rPr>
-                                    <m:t>𝑎</m:t>
-                                  </m:r>
-                                </m:e>
-                                <m:sub>
-                                  <m:r>
-                                    <a:rPr lang="en-US" sz="900" b="0" i="1" smtClean="0">
-                                      <a:latin typeface="Cambria Math" panose="02040503050406030204" pitchFamily="18" charset="0"/>
-                                    </a:rPr>
-                                    <m:t>𝑖</m:t>
-                                  </m:r>
-                                </m:sub>
-                              </m:sSub>
-                              <m:r>
-                                <a:rPr lang="en-US" sz="900" b="0" i="1" smtClean="0">
-                                  <a:latin typeface="Cambria Math" panose="02040503050406030204" pitchFamily="18" charset="0"/>
-                                </a:rPr>
-                                <m:t>,</m:t>
-                              </m:r>
-                              <m:sSubSup>
-                                <m:sSubSupPr>
-                                  <m:ctrlPr>
-                                    <a:rPr lang="en-US" sz="900" b="0" i="1" smtClean="0">
-                                      <a:latin typeface="Cambria Math" panose="02040503050406030204" pitchFamily="18" charset="0"/>
-                                    </a:rPr>
-                                  </m:ctrlPr>
-                                </m:sSubSupPr>
-                                <m:e>
-                                  <m:r>
-                                    <a:rPr lang="en-US" sz="900" b="0" i="1" smtClean="0">
-                                      <a:latin typeface="Cambria Math" panose="02040503050406030204" pitchFamily="18" charset="0"/>
-                                    </a:rPr>
-                                    <m:t>𝑠</m:t>
-                                  </m:r>
-                                </m:e>
-                                <m:sub>
-                                  <m:r>
-                                    <a:rPr lang="en-US" sz="900" b="0" i="1" smtClean="0">
-                                      <a:latin typeface="Cambria Math" panose="02040503050406030204" pitchFamily="18" charset="0"/>
-                                    </a:rPr>
-                                    <m:t>𝑖</m:t>
-                                  </m:r>
-                                </m:sub>
-                                <m:sup>
-                                  <m:r>
-                                    <a:rPr lang="en-US" sz="900" b="0" i="1" smtClean="0">
-                                      <a:latin typeface="Cambria Math" panose="02040503050406030204" pitchFamily="18" charset="0"/>
-                                    </a:rPr>
-                                    <m:t>′</m:t>
-                                  </m:r>
-                                </m:sup>
-                              </m:sSubSup>
-                              <m:r>
-                                <a:rPr lang="en-US" sz="900" b="0" i="1" smtClean="0">
-                                  <a:latin typeface="Cambria Math" panose="02040503050406030204" pitchFamily="18" charset="0"/>
-                                </a:rPr>
-                                <m:t>,</m:t>
-                              </m:r>
-                              <m:sSub>
-                                <m:sSubPr>
-                                  <m:ctrlPr>
-                                    <a:rPr lang="en-US" sz="900" b="0" i="1" smtClean="0">
-                                      <a:latin typeface="Cambria Math" panose="02040503050406030204" pitchFamily="18" charset="0"/>
-                                    </a:rPr>
-                                  </m:ctrlPr>
-                                </m:sSubPr>
-                                <m:e>
-                                  <m:r>
-                                    <a:rPr lang="en-US" sz="900" b="0" i="1" smtClean="0">
-                                      <a:latin typeface="Cambria Math" panose="02040503050406030204" pitchFamily="18" charset="0"/>
-                                    </a:rPr>
-                                    <m:t>𝑟</m:t>
-                                  </m:r>
-                                </m:e>
-                                <m:sub>
-                                  <m:r>
-                                    <a:rPr lang="en-US" sz="900" b="0" i="1" smtClean="0">
-                                      <a:latin typeface="Cambria Math" panose="02040503050406030204" pitchFamily="18" charset="0"/>
-                                    </a:rPr>
-                                    <m:t>𝑖</m:t>
-                                  </m:r>
-                                </m:sub>
-                              </m:sSub>
-                            </m:e>
-                          </m:d>
-                        </m:e>
-                      </m:d>
-                    </m:oMath>
-                  </m:oMathPara>
-                </a14:m>
-                <a:endParaRPr lang="en-US" sz="900" dirty="0"/>
-              </a:p>
-            </p:txBody>
-          </p:sp>
-        </mc:Choice>
-        <mc:Fallback>
-          <p:sp>
-            <p:nvSpPr>
-              <p:cNvPr id="74" name="TextBox 73">
-                <a:extLst>
-                  <a:ext uri="{FF2B5EF4-FFF2-40B4-BE49-F238E27FC236}">
-                    <a16:creationId xmlns:a16="http://schemas.microsoft.com/office/drawing/2014/main" id="{811A2C6F-EBB3-3DE9-CAE0-94272BEDF4D0}"/>
-                  </a:ext>
-                </a:extLst>
-              </p:cNvPr>
-              <p:cNvSpPr txBox="1">
-                <a:spLocks noRot="1" noChangeAspect="1" noMove="1" noResize="1" noEditPoints="1" noAdjustHandles="1" noChangeArrowheads="1" noChangeShapeType="1" noTextEdit="1"/>
-              </p:cNvSpPr>
-              <p:nvPr/>
-            </p:nvSpPr>
-            <p:spPr>
-              <a:xfrm>
-                <a:off x="6623755" y="3698572"/>
-                <a:ext cx="884601" cy="230961"/>
-              </a:xfrm>
-              <a:prstGeom prst="rect">
-                <a:avLst/>
-              </a:prstGeom>
-              <a:blipFill>
-                <a:blip r:embed="rId23"/>
-                <a:stretch>
-                  <a:fillRect/>
-                </a:stretch>
-              </a:blipFill>
-            </p:spPr>
-            <p:txBody>
-              <a:bodyPr/>
-              <a:lstStyle/>
-              <a:p>
-                <a:r>
-                  <a:rPr lang="en-US">
-                    <a:noFill/>
-                  </a:rPr>
-                  <a:t> </a:t>
-                </a:r>
-              </a:p>
-            </p:txBody>
-          </p:sp>
-        </mc:Fallback>
-      </mc:AlternateContent>
-      <p:sp>
-        <p:nvSpPr>
-          <p:cNvPr id="75" name="TextBox 74">
-            <a:extLst>
-              <a:ext uri="{FF2B5EF4-FFF2-40B4-BE49-F238E27FC236}">
-                <a16:creationId xmlns:a16="http://schemas.microsoft.com/office/drawing/2014/main" id="{36F756CE-7531-AFF8-F473-47EF346547C0}"/>
-              </a:ext>
-            </a:extLst>
-          </p:cNvPr>
-          <p:cNvSpPr txBox="1"/>
-          <p:nvPr/>
-        </p:nvSpPr>
-        <p:spPr>
-          <a:xfrm>
-            <a:off x="6106786" y="5806946"/>
-            <a:ext cx="1745991" cy="230832"/>
-          </a:xfrm>
-          <a:prstGeom prst="rect">
-            <a:avLst/>
-          </a:prstGeom>
-          <a:noFill/>
-        </p:spPr>
-        <p:txBody>
-          <a:bodyPr wrap="none" rtlCol="0">
-            <a:spAutoFit/>
-          </a:bodyPr>
-          <a:lstStyle/>
-          <a:p>
-            <a:r>
-              <a:rPr lang="en-US" sz="900" dirty="0"/>
-              <a:t>(c) offline reinforcement learning</a:t>
-            </a:r>
-          </a:p>
-        </p:txBody>
-      </p:sp>
-      <p:grpSp>
-        <p:nvGrpSpPr>
-          <p:cNvPr id="76" name="Group 75">
-            <a:extLst>
-              <a:ext uri="{FF2B5EF4-FFF2-40B4-BE49-F238E27FC236}">
-                <a16:creationId xmlns:a16="http://schemas.microsoft.com/office/drawing/2014/main" id="{4CBC5A9A-1028-E49B-038E-530D084BFF49}"/>
-              </a:ext>
-            </a:extLst>
-          </p:cNvPr>
-          <p:cNvGrpSpPr/>
-          <p:nvPr/>
-        </p:nvGrpSpPr>
-        <p:grpSpPr>
-          <a:xfrm>
-            <a:off x="7693913" y="4365134"/>
-            <a:ext cx="631825" cy="294328"/>
-            <a:chOff x="7693913" y="1604681"/>
-            <a:chExt cx="631825" cy="294328"/>
-          </a:xfrm>
-        </p:grpSpPr>
         <p:sp>
           <p:nvSpPr>
-            <p:cNvPr id="78" name="Can 77">
+            <p:cNvPr id="29" name="Oval 28">
               <a:extLst>
                 <a:ext uri="{FF2B5EF4-FFF2-40B4-BE49-F238E27FC236}">
-                  <a16:creationId xmlns:a16="http://schemas.microsoft.com/office/drawing/2014/main" id="{F318ABE2-425D-3FD2-4532-C7A4FCA1F9C4}"/>
+                  <a16:creationId xmlns:a16="http://schemas.microsoft.com/office/drawing/2014/main" id="{81FBC14B-BA0B-1871-52EA-A4B4B7F2AA50}"/>
                 </a:ext>
               </a:extLst>
             </p:cNvPr>
@@ -7639,18 +12638,1424 @@
           </p:nvSpPr>
           <p:spPr>
             <a:xfrm>
-              <a:off x="7693913" y="1604681"/>
-              <a:ext cx="631825" cy="292525"/>
+              <a:off x="1829434" y="4122476"/>
+              <a:ext cx="45719" cy="45719"/>
             </a:xfrm>
-            <a:prstGeom prst="can">
+            <a:prstGeom prst="ellipse">
               <a:avLst/>
             </a:prstGeom>
             <a:solidFill>
-              <a:schemeClr val="accent1">
-                <a:alpha val="13000"/>
+              <a:schemeClr val="accent6">
+                <a:lumMod val="75000"/>
               </a:schemeClr>
             </a:solidFill>
-            <a:ln w="6350"/>
+            <a:ln>
+              <a:noFill/>
+            </a:ln>
+          </p:spPr>
+          <p:style>
+            <a:lnRef idx="2">
+              <a:schemeClr val="accent1">
+                <a:shade val="15000"/>
+              </a:schemeClr>
+            </a:lnRef>
+            <a:fillRef idx="1">
+              <a:schemeClr val="accent1"/>
+            </a:fillRef>
+            <a:effectRef idx="0">
+              <a:schemeClr val="accent1"/>
+            </a:effectRef>
+            <a:fontRef idx="minor">
+              <a:schemeClr val="lt1"/>
+            </a:fontRef>
+          </p:style>
+          <p:txBody>
+            <a:bodyPr rtlCol="0" anchor="ctr"/>
+            <a:lstStyle/>
+            <a:p>
+              <a:pPr algn="ctr"/>
+              <a:endParaRPr lang="en-US"/>
+            </a:p>
+          </p:txBody>
+        </p:sp>
+        <p:sp>
+          <p:nvSpPr>
+            <p:cNvPr id="30" name="Oval 29">
+              <a:extLst>
+                <a:ext uri="{FF2B5EF4-FFF2-40B4-BE49-F238E27FC236}">
+                  <a16:creationId xmlns:a16="http://schemas.microsoft.com/office/drawing/2014/main" id="{3A9DF4ED-AE02-7C67-6037-09425F78034D}"/>
+                </a:ext>
+              </a:extLst>
+            </p:cNvPr>
+            <p:cNvSpPr/>
+            <p:nvPr/>
+          </p:nvSpPr>
+          <p:spPr>
+            <a:xfrm>
+              <a:off x="2275579" y="4122474"/>
+              <a:ext cx="45719" cy="45719"/>
+            </a:xfrm>
+            <a:prstGeom prst="ellipse">
+              <a:avLst/>
+            </a:prstGeom>
+            <a:solidFill>
+              <a:schemeClr val="accent6">
+                <a:lumMod val="75000"/>
+              </a:schemeClr>
+            </a:solidFill>
+            <a:ln>
+              <a:noFill/>
+            </a:ln>
+          </p:spPr>
+          <p:style>
+            <a:lnRef idx="2">
+              <a:schemeClr val="accent1">
+                <a:shade val="15000"/>
+              </a:schemeClr>
+            </a:lnRef>
+            <a:fillRef idx="1">
+              <a:schemeClr val="accent1"/>
+            </a:fillRef>
+            <a:effectRef idx="0">
+              <a:schemeClr val="accent1"/>
+            </a:effectRef>
+            <a:fontRef idx="minor">
+              <a:schemeClr val="lt1"/>
+            </a:fontRef>
+          </p:style>
+          <p:txBody>
+            <a:bodyPr rtlCol="0" anchor="ctr"/>
+            <a:lstStyle/>
+            <a:p>
+              <a:pPr algn="ctr"/>
+              <a:endParaRPr lang="en-US"/>
+            </a:p>
+          </p:txBody>
+        </p:sp>
+        <p:sp>
+          <p:nvSpPr>
+            <p:cNvPr id="31" name="Oval 30">
+              <a:extLst>
+                <a:ext uri="{FF2B5EF4-FFF2-40B4-BE49-F238E27FC236}">
+                  <a16:creationId xmlns:a16="http://schemas.microsoft.com/office/drawing/2014/main" id="{B8D60CD3-A6C7-54D6-B2DE-527B08FDFCA3}"/>
+                </a:ext>
+              </a:extLst>
+            </p:cNvPr>
+            <p:cNvSpPr/>
+            <p:nvPr/>
+          </p:nvSpPr>
+          <p:spPr>
+            <a:xfrm>
+              <a:off x="2457188" y="4122473"/>
+              <a:ext cx="45719" cy="45719"/>
+            </a:xfrm>
+            <a:prstGeom prst="ellipse">
+              <a:avLst/>
+            </a:prstGeom>
+            <a:solidFill>
+              <a:schemeClr val="accent6">
+                <a:lumMod val="75000"/>
+              </a:schemeClr>
+            </a:solidFill>
+            <a:ln>
+              <a:noFill/>
+            </a:ln>
+          </p:spPr>
+          <p:style>
+            <a:lnRef idx="2">
+              <a:schemeClr val="accent1">
+                <a:shade val="15000"/>
+              </a:schemeClr>
+            </a:lnRef>
+            <a:fillRef idx="1">
+              <a:schemeClr val="accent1"/>
+            </a:fillRef>
+            <a:effectRef idx="0">
+              <a:schemeClr val="accent1"/>
+            </a:effectRef>
+            <a:fontRef idx="minor">
+              <a:schemeClr val="lt1"/>
+            </a:fontRef>
+          </p:style>
+          <p:txBody>
+            <a:bodyPr rtlCol="0" anchor="ctr"/>
+            <a:lstStyle/>
+            <a:p>
+              <a:pPr algn="ctr"/>
+              <a:endParaRPr lang="en-US"/>
+            </a:p>
+          </p:txBody>
+        </p:sp>
+        <p:sp>
+          <p:nvSpPr>
+            <p:cNvPr id="32" name="Oval 31">
+              <a:extLst>
+                <a:ext uri="{FF2B5EF4-FFF2-40B4-BE49-F238E27FC236}">
+                  <a16:creationId xmlns:a16="http://schemas.microsoft.com/office/drawing/2014/main" id="{C5F3254E-72FD-D417-0E1F-D15BEB29562D}"/>
+                </a:ext>
+              </a:extLst>
+            </p:cNvPr>
+            <p:cNvSpPr/>
+            <p:nvPr/>
+          </p:nvSpPr>
+          <p:spPr>
+            <a:xfrm>
+              <a:off x="2811895" y="4122473"/>
+              <a:ext cx="45719" cy="45719"/>
+            </a:xfrm>
+            <a:prstGeom prst="ellipse">
+              <a:avLst/>
+            </a:prstGeom>
+            <a:solidFill>
+              <a:schemeClr val="accent6">
+                <a:lumMod val="75000"/>
+              </a:schemeClr>
+            </a:solidFill>
+            <a:ln>
+              <a:noFill/>
+            </a:ln>
+          </p:spPr>
+          <p:style>
+            <a:lnRef idx="2">
+              <a:schemeClr val="accent1">
+                <a:shade val="15000"/>
+              </a:schemeClr>
+            </a:lnRef>
+            <a:fillRef idx="1">
+              <a:schemeClr val="accent1"/>
+            </a:fillRef>
+            <a:effectRef idx="0">
+              <a:schemeClr val="accent1"/>
+            </a:effectRef>
+            <a:fontRef idx="minor">
+              <a:schemeClr val="lt1"/>
+            </a:fontRef>
+          </p:style>
+          <p:txBody>
+            <a:bodyPr rtlCol="0" anchor="ctr"/>
+            <a:lstStyle/>
+            <a:p>
+              <a:pPr algn="ctr"/>
+              <a:endParaRPr lang="en-US"/>
+            </a:p>
+          </p:txBody>
+        </p:sp>
+        <p:sp>
+          <p:nvSpPr>
+            <p:cNvPr id="33" name="Oval 32">
+              <a:extLst>
+                <a:ext uri="{FF2B5EF4-FFF2-40B4-BE49-F238E27FC236}">
+                  <a16:creationId xmlns:a16="http://schemas.microsoft.com/office/drawing/2014/main" id="{4A4CF54D-E96E-C88D-901C-DFB16461265C}"/>
+                </a:ext>
+              </a:extLst>
+            </p:cNvPr>
+            <p:cNvSpPr/>
+            <p:nvPr/>
+          </p:nvSpPr>
+          <p:spPr>
+            <a:xfrm>
+              <a:off x="1983103" y="4122475"/>
+              <a:ext cx="45719" cy="45719"/>
+            </a:xfrm>
+            <a:prstGeom prst="ellipse">
+              <a:avLst/>
+            </a:prstGeom>
+            <a:solidFill>
+              <a:schemeClr val="accent6">
+                <a:lumMod val="75000"/>
+              </a:schemeClr>
+            </a:solidFill>
+            <a:ln>
+              <a:noFill/>
+            </a:ln>
+          </p:spPr>
+          <p:style>
+            <a:lnRef idx="2">
+              <a:schemeClr val="accent1">
+                <a:shade val="15000"/>
+              </a:schemeClr>
+            </a:lnRef>
+            <a:fillRef idx="1">
+              <a:schemeClr val="accent1"/>
+            </a:fillRef>
+            <a:effectRef idx="0">
+              <a:schemeClr val="accent1"/>
+            </a:effectRef>
+            <a:fontRef idx="minor">
+              <a:schemeClr val="lt1"/>
+            </a:fontRef>
+          </p:style>
+          <p:txBody>
+            <a:bodyPr rtlCol="0" anchor="ctr"/>
+            <a:lstStyle/>
+            <a:p>
+              <a:pPr algn="ctr"/>
+              <a:endParaRPr lang="en-US"/>
+            </a:p>
+          </p:txBody>
+        </p:sp>
+        <p:sp>
+          <p:nvSpPr>
+            <p:cNvPr id="34" name="Oval 33">
+              <a:extLst>
+                <a:ext uri="{FF2B5EF4-FFF2-40B4-BE49-F238E27FC236}">
+                  <a16:creationId xmlns:a16="http://schemas.microsoft.com/office/drawing/2014/main" id="{11F893BC-2578-157B-C422-3DBDB106B45B}"/>
+                </a:ext>
+              </a:extLst>
+            </p:cNvPr>
+            <p:cNvSpPr/>
+            <p:nvPr/>
+          </p:nvSpPr>
+          <p:spPr>
+            <a:xfrm>
+              <a:off x="2056762" y="4122475"/>
+              <a:ext cx="45719" cy="45719"/>
+            </a:xfrm>
+            <a:prstGeom prst="ellipse">
+              <a:avLst/>
+            </a:prstGeom>
+            <a:solidFill>
+              <a:schemeClr val="accent6">
+                <a:lumMod val="75000"/>
+              </a:schemeClr>
+            </a:solidFill>
+            <a:ln>
+              <a:noFill/>
+            </a:ln>
+          </p:spPr>
+          <p:style>
+            <a:lnRef idx="2">
+              <a:schemeClr val="accent1">
+                <a:shade val="15000"/>
+              </a:schemeClr>
+            </a:lnRef>
+            <a:fillRef idx="1">
+              <a:schemeClr val="accent1"/>
+            </a:fillRef>
+            <a:effectRef idx="0">
+              <a:schemeClr val="accent1"/>
+            </a:effectRef>
+            <a:fontRef idx="minor">
+              <a:schemeClr val="lt1"/>
+            </a:fontRef>
+          </p:style>
+          <p:txBody>
+            <a:bodyPr rtlCol="0" anchor="ctr"/>
+            <a:lstStyle/>
+            <a:p>
+              <a:pPr algn="ctr"/>
+              <a:endParaRPr lang="en-US"/>
+            </a:p>
+          </p:txBody>
+        </p:sp>
+        <p:sp>
+          <p:nvSpPr>
+            <p:cNvPr id="35" name="Oval 34">
+              <a:extLst>
+                <a:ext uri="{FF2B5EF4-FFF2-40B4-BE49-F238E27FC236}">
+                  <a16:creationId xmlns:a16="http://schemas.microsoft.com/office/drawing/2014/main" id="{0DD7FEA6-4899-6478-538B-CBFEBCDDCD0D}"/>
+                </a:ext>
+              </a:extLst>
+            </p:cNvPr>
+            <p:cNvSpPr/>
+            <p:nvPr/>
+          </p:nvSpPr>
+          <p:spPr>
+            <a:xfrm>
+              <a:off x="3437370" y="4124430"/>
+              <a:ext cx="45719" cy="45719"/>
+            </a:xfrm>
+            <a:prstGeom prst="ellipse">
+              <a:avLst/>
+            </a:prstGeom>
+            <a:solidFill>
+              <a:schemeClr val="accent6">
+                <a:lumMod val="75000"/>
+              </a:schemeClr>
+            </a:solidFill>
+            <a:ln>
+              <a:noFill/>
+            </a:ln>
+          </p:spPr>
+          <p:style>
+            <a:lnRef idx="2">
+              <a:schemeClr val="accent1">
+                <a:shade val="15000"/>
+              </a:schemeClr>
+            </a:lnRef>
+            <a:fillRef idx="1">
+              <a:schemeClr val="accent1"/>
+            </a:fillRef>
+            <a:effectRef idx="0">
+              <a:schemeClr val="accent1"/>
+            </a:effectRef>
+            <a:fontRef idx="minor">
+              <a:schemeClr val="lt1"/>
+            </a:fontRef>
+          </p:style>
+          <p:txBody>
+            <a:bodyPr rtlCol="0" anchor="ctr"/>
+            <a:lstStyle/>
+            <a:p>
+              <a:pPr algn="ctr"/>
+              <a:endParaRPr lang="en-US"/>
+            </a:p>
+          </p:txBody>
+        </p:sp>
+        <p:sp>
+          <p:nvSpPr>
+            <p:cNvPr id="36" name="Oval 35">
+              <a:extLst>
+                <a:ext uri="{FF2B5EF4-FFF2-40B4-BE49-F238E27FC236}">
+                  <a16:creationId xmlns:a16="http://schemas.microsoft.com/office/drawing/2014/main" id="{F211E519-DF44-247E-16DA-52A321945CA0}"/>
+                </a:ext>
+              </a:extLst>
+            </p:cNvPr>
+            <p:cNvSpPr/>
+            <p:nvPr/>
+          </p:nvSpPr>
+          <p:spPr>
+            <a:xfrm>
+              <a:off x="4071849" y="4122472"/>
+              <a:ext cx="45719" cy="45719"/>
+            </a:xfrm>
+            <a:prstGeom prst="ellipse">
+              <a:avLst/>
+            </a:prstGeom>
+            <a:solidFill>
+              <a:schemeClr val="accent6">
+                <a:lumMod val="75000"/>
+              </a:schemeClr>
+            </a:solidFill>
+            <a:ln>
+              <a:noFill/>
+            </a:ln>
+          </p:spPr>
+          <p:style>
+            <a:lnRef idx="2">
+              <a:schemeClr val="accent1">
+                <a:shade val="15000"/>
+              </a:schemeClr>
+            </a:lnRef>
+            <a:fillRef idx="1">
+              <a:schemeClr val="accent1"/>
+            </a:fillRef>
+            <a:effectRef idx="0">
+              <a:schemeClr val="accent1"/>
+            </a:effectRef>
+            <a:fontRef idx="minor">
+              <a:schemeClr val="lt1"/>
+            </a:fontRef>
+          </p:style>
+          <p:txBody>
+            <a:bodyPr rtlCol="0" anchor="ctr"/>
+            <a:lstStyle/>
+            <a:p>
+              <a:pPr algn="ctr"/>
+              <a:endParaRPr lang="en-US"/>
+            </a:p>
+          </p:txBody>
+        </p:sp>
+        <p:sp>
+          <p:nvSpPr>
+            <p:cNvPr id="37" name="Oval 36">
+              <a:extLst>
+                <a:ext uri="{FF2B5EF4-FFF2-40B4-BE49-F238E27FC236}">
+                  <a16:creationId xmlns:a16="http://schemas.microsoft.com/office/drawing/2014/main" id="{A10D1E17-3C17-5BAE-2244-3E9604955E5A}"/>
+                </a:ext>
+              </a:extLst>
+            </p:cNvPr>
+            <p:cNvSpPr/>
+            <p:nvPr/>
+          </p:nvSpPr>
+          <p:spPr>
+            <a:xfrm>
+              <a:off x="3684127" y="4124430"/>
+              <a:ext cx="45719" cy="45719"/>
+            </a:xfrm>
+            <a:prstGeom prst="ellipse">
+              <a:avLst/>
+            </a:prstGeom>
+            <a:solidFill>
+              <a:schemeClr val="accent6">
+                <a:lumMod val="75000"/>
+              </a:schemeClr>
+            </a:solidFill>
+            <a:ln>
+              <a:noFill/>
+            </a:ln>
+          </p:spPr>
+          <p:style>
+            <a:lnRef idx="2">
+              <a:schemeClr val="accent1">
+                <a:shade val="15000"/>
+              </a:schemeClr>
+            </a:lnRef>
+            <a:fillRef idx="1">
+              <a:schemeClr val="accent1"/>
+            </a:fillRef>
+            <a:effectRef idx="0">
+              <a:schemeClr val="accent1"/>
+            </a:effectRef>
+            <a:fontRef idx="minor">
+              <a:schemeClr val="lt1"/>
+            </a:fontRef>
+          </p:style>
+          <p:txBody>
+            <a:bodyPr rtlCol="0" anchor="ctr"/>
+            <a:lstStyle/>
+            <a:p>
+              <a:pPr algn="ctr"/>
+              <a:endParaRPr lang="en-US"/>
+            </a:p>
+          </p:txBody>
+        </p:sp>
+        <p:sp>
+          <p:nvSpPr>
+            <p:cNvPr id="38" name="Oval 37">
+              <a:extLst>
+                <a:ext uri="{FF2B5EF4-FFF2-40B4-BE49-F238E27FC236}">
+                  <a16:creationId xmlns:a16="http://schemas.microsoft.com/office/drawing/2014/main" id="{C4FE6327-649B-6DB2-C45E-206054CE2C96}"/>
+                </a:ext>
+              </a:extLst>
+            </p:cNvPr>
+            <p:cNvSpPr/>
+            <p:nvPr/>
+          </p:nvSpPr>
+          <p:spPr>
+            <a:xfrm>
+              <a:off x="2747066" y="4122472"/>
+              <a:ext cx="45719" cy="45719"/>
+            </a:xfrm>
+            <a:prstGeom prst="ellipse">
+              <a:avLst/>
+            </a:prstGeom>
+            <a:solidFill>
+              <a:schemeClr val="accent6">
+                <a:lumMod val="75000"/>
+              </a:schemeClr>
+            </a:solidFill>
+            <a:ln>
+              <a:noFill/>
+            </a:ln>
+          </p:spPr>
+          <p:style>
+            <a:lnRef idx="2">
+              <a:schemeClr val="accent1">
+                <a:shade val="15000"/>
+              </a:schemeClr>
+            </a:lnRef>
+            <a:fillRef idx="1">
+              <a:schemeClr val="accent1"/>
+            </a:fillRef>
+            <a:effectRef idx="0">
+              <a:schemeClr val="accent1"/>
+            </a:effectRef>
+            <a:fontRef idx="minor">
+              <a:schemeClr val="lt1"/>
+            </a:fontRef>
+          </p:style>
+          <p:txBody>
+            <a:bodyPr rtlCol="0" anchor="ctr"/>
+            <a:lstStyle/>
+            <a:p>
+              <a:pPr algn="ctr"/>
+              <a:endParaRPr lang="en-US"/>
+            </a:p>
+          </p:txBody>
+        </p:sp>
+        <p:sp>
+          <p:nvSpPr>
+            <p:cNvPr id="39" name="Oval 38">
+              <a:extLst>
+                <a:ext uri="{FF2B5EF4-FFF2-40B4-BE49-F238E27FC236}">
+                  <a16:creationId xmlns:a16="http://schemas.microsoft.com/office/drawing/2014/main" id="{CE7CDF8D-5595-CA25-C766-A7DC91474B7B}"/>
+                </a:ext>
+              </a:extLst>
+            </p:cNvPr>
+            <p:cNvSpPr/>
+            <p:nvPr/>
+          </p:nvSpPr>
+          <p:spPr>
+            <a:xfrm>
+              <a:off x="2908612" y="4122471"/>
+              <a:ext cx="45719" cy="45719"/>
+            </a:xfrm>
+            <a:prstGeom prst="ellipse">
+              <a:avLst/>
+            </a:prstGeom>
+            <a:solidFill>
+              <a:schemeClr val="accent6">
+                <a:lumMod val="75000"/>
+              </a:schemeClr>
+            </a:solidFill>
+            <a:ln>
+              <a:noFill/>
+            </a:ln>
+          </p:spPr>
+          <p:style>
+            <a:lnRef idx="2">
+              <a:schemeClr val="accent1">
+                <a:shade val="15000"/>
+              </a:schemeClr>
+            </a:lnRef>
+            <a:fillRef idx="1">
+              <a:schemeClr val="accent1"/>
+            </a:fillRef>
+            <a:effectRef idx="0">
+              <a:schemeClr val="accent1"/>
+            </a:effectRef>
+            <a:fontRef idx="minor">
+              <a:schemeClr val="lt1"/>
+            </a:fontRef>
+          </p:style>
+          <p:txBody>
+            <a:bodyPr rtlCol="0" anchor="ctr"/>
+            <a:lstStyle/>
+            <a:p>
+              <a:pPr algn="ctr"/>
+              <a:endParaRPr lang="en-US"/>
+            </a:p>
+          </p:txBody>
+        </p:sp>
+        <p:sp>
+          <p:nvSpPr>
+            <p:cNvPr id="40" name="Oval 39">
+              <a:extLst>
+                <a:ext uri="{FF2B5EF4-FFF2-40B4-BE49-F238E27FC236}">
+                  <a16:creationId xmlns:a16="http://schemas.microsoft.com/office/drawing/2014/main" id="{941EAA59-78EE-0736-17FE-55B57886D354}"/>
+                </a:ext>
+              </a:extLst>
+            </p:cNvPr>
+            <p:cNvSpPr/>
+            <p:nvPr/>
+          </p:nvSpPr>
+          <p:spPr>
+            <a:xfrm>
+              <a:off x="3162240" y="4122471"/>
+              <a:ext cx="45719" cy="45719"/>
+            </a:xfrm>
+            <a:prstGeom prst="ellipse">
+              <a:avLst/>
+            </a:prstGeom>
+            <a:solidFill>
+              <a:schemeClr val="accent6">
+                <a:lumMod val="75000"/>
+              </a:schemeClr>
+            </a:solidFill>
+            <a:ln>
+              <a:noFill/>
+            </a:ln>
+          </p:spPr>
+          <p:style>
+            <a:lnRef idx="2">
+              <a:schemeClr val="accent1">
+                <a:shade val="15000"/>
+              </a:schemeClr>
+            </a:lnRef>
+            <a:fillRef idx="1">
+              <a:schemeClr val="accent1"/>
+            </a:fillRef>
+            <a:effectRef idx="0">
+              <a:schemeClr val="accent1"/>
+            </a:effectRef>
+            <a:fontRef idx="minor">
+              <a:schemeClr val="lt1"/>
+            </a:fontRef>
+          </p:style>
+          <p:txBody>
+            <a:bodyPr rtlCol="0" anchor="ctr"/>
+            <a:lstStyle/>
+            <a:p>
+              <a:pPr algn="ctr"/>
+              <a:endParaRPr lang="en-US"/>
+            </a:p>
+          </p:txBody>
+        </p:sp>
+        <p:sp>
+          <p:nvSpPr>
+            <p:cNvPr id="41" name="Oval 40">
+              <a:extLst>
+                <a:ext uri="{FF2B5EF4-FFF2-40B4-BE49-F238E27FC236}">
+                  <a16:creationId xmlns:a16="http://schemas.microsoft.com/office/drawing/2014/main" id="{F2994479-B0A9-085E-227B-7BCAD9E95569}"/>
+                </a:ext>
+              </a:extLst>
+            </p:cNvPr>
+            <p:cNvSpPr/>
+            <p:nvPr/>
+          </p:nvSpPr>
+          <p:spPr>
+            <a:xfrm>
+              <a:off x="4755193" y="4121170"/>
+              <a:ext cx="45719" cy="45719"/>
+            </a:xfrm>
+            <a:prstGeom prst="ellipse">
+              <a:avLst/>
+            </a:prstGeom>
+            <a:solidFill>
+              <a:schemeClr val="accent6">
+                <a:lumMod val="75000"/>
+              </a:schemeClr>
+            </a:solidFill>
+            <a:ln>
+              <a:noFill/>
+            </a:ln>
+          </p:spPr>
+          <p:style>
+            <a:lnRef idx="2">
+              <a:schemeClr val="accent1">
+                <a:shade val="15000"/>
+              </a:schemeClr>
+            </a:lnRef>
+            <a:fillRef idx="1">
+              <a:schemeClr val="accent1"/>
+            </a:fillRef>
+            <a:effectRef idx="0">
+              <a:schemeClr val="accent1"/>
+            </a:effectRef>
+            <a:fontRef idx="minor">
+              <a:schemeClr val="lt1"/>
+            </a:fontRef>
+          </p:style>
+          <p:txBody>
+            <a:bodyPr rtlCol="0" anchor="ctr"/>
+            <a:lstStyle/>
+            <a:p>
+              <a:pPr algn="ctr"/>
+              <a:endParaRPr lang="en-US"/>
+            </a:p>
+          </p:txBody>
+        </p:sp>
+        <p:sp>
+          <p:nvSpPr>
+            <p:cNvPr id="42" name="Oval 41">
+              <a:extLst>
+                <a:ext uri="{FF2B5EF4-FFF2-40B4-BE49-F238E27FC236}">
+                  <a16:creationId xmlns:a16="http://schemas.microsoft.com/office/drawing/2014/main" id="{70AAC474-3B94-3468-B4E6-F82592EFFC47}"/>
+                </a:ext>
+              </a:extLst>
+            </p:cNvPr>
+            <p:cNvSpPr/>
+            <p:nvPr/>
+          </p:nvSpPr>
+          <p:spPr>
+            <a:xfrm>
+              <a:off x="2014792" y="4121169"/>
+              <a:ext cx="45719" cy="45719"/>
+            </a:xfrm>
+            <a:prstGeom prst="ellipse">
+              <a:avLst/>
+            </a:prstGeom>
+            <a:solidFill>
+              <a:schemeClr val="accent6">
+                <a:lumMod val="75000"/>
+              </a:schemeClr>
+            </a:solidFill>
+            <a:ln>
+              <a:noFill/>
+            </a:ln>
+          </p:spPr>
+          <p:style>
+            <a:lnRef idx="2">
+              <a:schemeClr val="accent1">
+                <a:shade val="15000"/>
+              </a:schemeClr>
+            </a:lnRef>
+            <a:fillRef idx="1">
+              <a:schemeClr val="accent1"/>
+            </a:fillRef>
+            <a:effectRef idx="0">
+              <a:schemeClr val="accent1"/>
+            </a:effectRef>
+            <a:fontRef idx="minor">
+              <a:schemeClr val="lt1"/>
+            </a:fontRef>
+          </p:style>
+          <p:txBody>
+            <a:bodyPr rtlCol="0" anchor="ctr"/>
+            <a:lstStyle/>
+            <a:p>
+              <a:pPr algn="ctr"/>
+              <a:endParaRPr lang="en-US"/>
+            </a:p>
+          </p:txBody>
+        </p:sp>
+        <p:sp>
+          <p:nvSpPr>
+            <p:cNvPr id="43" name="Oval 42">
+              <a:extLst>
+                <a:ext uri="{FF2B5EF4-FFF2-40B4-BE49-F238E27FC236}">
+                  <a16:creationId xmlns:a16="http://schemas.microsoft.com/office/drawing/2014/main" id="{D22387BA-837A-20FD-42CA-2F20D2612A9D}"/>
+                </a:ext>
+              </a:extLst>
+            </p:cNvPr>
+            <p:cNvSpPr/>
+            <p:nvPr/>
+          </p:nvSpPr>
+          <p:spPr>
+            <a:xfrm>
+              <a:off x="2856519" y="4121168"/>
+              <a:ext cx="45719" cy="45719"/>
+            </a:xfrm>
+            <a:prstGeom prst="ellipse">
+              <a:avLst/>
+            </a:prstGeom>
+            <a:solidFill>
+              <a:schemeClr val="accent6">
+                <a:lumMod val="75000"/>
+              </a:schemeClr>
+            </a:solidFill>
+            <a:ln>
+              <a:noFill/>
+            </a:ln>
+          </p:spPr>
+          <p:style>
+            <a:lnRef idx="2">
+              <a:schemeClr val="accent1">
+                <a:shade val="15000"/>
+              </a:schemeClr>
+            </a:lnRef>
+            <a:fillRef idx="1">
+              <a:schemeClr val="accent1"/>
+            </a:fillRef>
+            <a:effectRef idx="0">
+              <a:schemeClr val="accent1"/>
+            </a:effectRef>
+            <a:fontRef idx="minor">
+              <a:schemeClr val="lt1"/>
+            </a:fontRef>
+          </p:style>
+          <p:txBody>
+            <a:bodyPr rtlCol="0" anchor="ctr"/>
+            <a:lstStyle/>
+            <a:p>
+              <a:pPr algn="ctr"/>
+              <a:endParaRPr lang="en-US"/>
+            </a:p>
+          </p:txBody>
+        </p:sp>
+        <p:sp>
+          <p:nvSpPr>
+            <p:cNvPr id="44" name="Oval 43">
+              <a:extLst>
+                <a:ext uri="{FF2B5EF4-FFF2-40B4-BE49-F238E27FC236}">
+                  <a16:creationId xmlns:a16="http://schemas.microsoft.com/office/drawing/2014/main" id="{73C23E26-0D57-1334-C4D4-86E4E5533BD8}"/>
+                </a:ext>
+              </a:extLst>
+            </p:cNvPr>
+            <p:cNvSpPr/>
+            <p:nvPr/>
+          </p:nvSpPr>
+          <p:spPr>
+            <a:xfrm>
+              <a:off x="2317549" y="4121168"/>
+              <a:ext cx="45719" cy="45719"/>
+            </a:xfrm>
+            <a:prstGeom prst="ellipse">
+              <a:avLst/>
+            </a:prstGeom>
+            <a:solidFill>
+              <a:schemeClr val="accent6">
+                <a:lumMod val="75000"/>
+              </a:schemeClr>
+            </a:solidFill>
+            <a:ln>
+              <a:noFill/>
+            </a:ln>
+          </p:spPr>
+          <p:style>
+            <a:lnRef idx="2">
+              <a:schemeClr val="accent1">
+                <a:shade val="15000"/>
+              </a:schemeClr>
+            </a:lnRef>
+            <a:fillRef idx="1">
+              <a:schemeClr val="accent1"/>
+            </a:fillRef>
+            <a:effectRef idx="0">
+              <a:schemeClr val="accent1"/>
+            </a:effectRef>
+            <a:fontRef idx="minor">
+              <a:schemeClr val="lt1"/>
+            </a:fontRef>
+          </p:style>
+          <p:txBody>
+            <a:bodyPr rtlCol="0" anchor="ctr"/>
+            <a:lstStyle/>
+            <a:p>
+              <a:pPr algn="ctr"/>
+              <a:endParaRPr lang="en-US"/>
+            </a:p>
+          </p:txBody>
+        </p:sp>
+        <p:sp>
+          <p:nvSpPr>
+            <p:cNvPr id="45" name="Oval 44">
+              <a:extLst>
+                <a:ext uri="{FF2B5EF4-FFF2-40B4-BE49-F238E27FC236}">
+                  <a16:creationId xmlns:a16="http://schemas.microsoft.com/office/drawing/2014/main" id="{E36673A0-AC11-E07A-39D7-0A65169266DD}"/>
+                </a:ext>
+              </a:extLst>
+            </p:cNvPr>
+            <p:cNvSpPr/>
+            <p:nvPr/>
+          </p:nvSpPr>
+          <p:spPr>
+            <a:xfrm>
+              <a:off x="4168038" y="4121168"/>
+              <a:ext cx="45719" cy="45719"/>
+            </a:xfrm>
+            <a:prstGeom prst="ellipse">
+              <a:avLst/>
+            </a:prstGeom>
+            <a:solidFill>
+              <a:schemeClr val="accent6">
+                <a:lumMod val="75000"/>
+              </a:schemeClr>
+            </a:solidFill>
+            <a:ln>
+              <a:noFill/>
+            </a:ln>
+          </p:spPr>
+          <p:style>
+            <a:lnRef idx="2">
+              <a:schemeClr val="accent1">
+                <a:shade val="15000"/>
+              </a:schemeClr>
+            </a:lnRef>
+            <a:fillRef idx="1">
+              <a:schemeClr val="accent1"/>
+            </a:fillRef>
+            <a:effectRef idx="0">
+              <a:schemeClr val="accent1"/>
+            </a:effectRef>
+            <a:fontRef idx="minor">
+              <a:schemeClr val="lt1"/>
+            </a:fontRef>
+          </p:style>
+          <p:txBody>
+            <a:bodyPr rtlCol="0" anchor="ctr"/>
+            <a:lstStyle/>
+            <a:p>
+              <a:pPr algn="ctr"/>
+              <a:endParaRPr lang="en-US"/>
+            </a:p>
+          </p:txBody>
+        </p:sp>
+        <p:sp>
+          <p:nvSpPr>
+            <p:cNvPr id="46" name="Oval 45">
+              <a:extLst>
+                <a:ext uri="{FF2B5EF4-FFF2-40B4-BE49-F238E27FC236}">
+                  <a16:creationId xmlns:a16="http://schemas.microsoft.com/office/drawing/2014/main" id="{5D3A6164-A3D6-2E5E-34B4-7BCB24734614}"/>
+                </a:ext>
+              </a:extLst>
+            </p:cNvPr>
+            <p:cNvSpPr/>
+            <p:nvPr/>
+          </p:nvSpPr>
+          <p:spPr>
+            <a:xfrm>
+              <a:off x="4881273" y="4119273"/>
+              <a:ext cx="45719" cy="45719"/>
+            </a:xfrm>
+            <a:prstGeom prst="ellipse">
+              <a:avLst/>
+            </a:prstGeom>
+            <a:solidFill>
+              <a:schemeClr val="accent6">
+                <a:lumMod val="75000"/>
+              </a:schemeClr>
+            </a:solidFill>
+            <a:ln>
+              <a:noFill/>
+            </a:ln>
+          </p:spPr>
+          <p:style>
+            <a:lnRef idx="2">
+              <a:schemeClr val="accent1">
+                <a:shade val="15000"/>
+              </a:schemeClr>
+            </a:lnRef>
+            <a:fillRef idx="1">
+              <a:schemeClr val="accent1"/>
+            </a:fillRef>
+            <a:effectRef idx="0">
+              <a:schemeClr val="accent1"/>
+            </a:effectRef>
+            <a:fontRef idx="minor">
+              <a:schemeClr val="lt1"/>
+            </a:fontRef>
+          </p:style>
+          <p:txBody>
+            <a:bodyPr rtlCol="0" anchor="ctr"/>
+            <a:lstStyle/>
+            <a:p>
+              <a:pPr algn="ctr"/>
+              <a:endParaRPr lang="en-US"/>
+            </a:p>
+          </p:txBody>
+        </p:sp>
+        <p:sp>
+          <p:nvSpPr>
+            <p:cNvPr id="47" name="Oval 46">
+              <a:extLst>
+                <a:ext uri="{FF2B5EF4-FFF2-40B4-BE49-F238E27FC236}">
+                  <a16:creationId xmlns:a16="http://schemas.microsoft.com/office/drawing/2014/main" id="{B7D76C84-721F-486E-C769-C707D489B78D}"/>
+                </a:ext>
+              </a:extLst>
+            </p:cNvPr>
+            <p:cNvSpPr/>
+            <p:nvPr/>
+          </p:nvSpPr>
+          <p:spPr>
+            <a:xfrm>
+              <a:off x="5105170" y="4119273"/>
+              <a:ext cx="45719" cy="45719"/>
+            </a:xfrm>
+            <a:prstGeom prst="ellipse">
+              <a:avLst/>
+            </a:prstGeom>
+            <a:solidFill>
+              <a:schemeClr val="accent6">
+                <a:lumMod val="75000"/>
+              </a:schemeClr>
+            </a:solidFill>
+            <a:ln>
+              <a:noFill/>
+            </a:ln>
+          </p:spPr>
+          <p:style>
+            <a:lnRef idx="2">
+              <a:schemeClr val="accent1">
+                <a:shade val="15000"/>
+              </a:schemeClr>
+            </a:lnRef>
+            <a:fillRef idx="1">
+              <a:schemeClr val="accent1"/>
+            </a:fillRef>
+            <a:effectRef idx="0">
+              <a:schemeClr val="accent1"/>
+            </a:effectRef>
+            <a:fontRef idx="minor">
+              <a:schemeClr val="lt1"/>
+            </a:fontRef>
+          </p:style>
+          <p:txBody>
+            <a:bodyPr rtlCol="0" anchor="ctr"/>
+            <a:lstStyle/>
+            <a:p>
+              <a:pPr algn="ctr"/>
+              <a:endParaRPr lang="en-US"/>
+            </a:p>
+          </p:txBody>
+        </p:sp>
+        <p:sp>
+          <p:nvSpPr>
+            <p:cNvPr id="48" name="Oval 47">
+              <a:extLst>
+                <a:ext uri="{FF2B5EF4-FFF2-40B4-BE49-F238E27FC236}">
+                  <a16:creationId xmlns:a16="http://schemas.microsoft.com/office/drawing/2014/main" id="{8F6A345C-14FA-29EE-4B1F-1DB3EE37D215}"/>
+                </a:ext>
+              </a:extLst>
+            </p:cNvPr>
+            <p:cNvSpPr/>
+            <p:nvPr/>
+          </p:nvSpPr>
+          <p:spPr>
+            <a:xfrm>
+              <a:off x="3342938" y="4119272"/>
+              <a:ext cx="45719" cy="45719"/>
+            </a:xfrm>
+            <a:prstGeom prst="ellipse">
+              <a:avLst/>
+            </a:prstGeom>
+            <a:solidFill>
+              <a:schemeClr val="accent6">
+                <a:lumMod val="75000"/>
+              </a:schemeClr>
+            </a:solidFill>
+            <a:ln>
+              <a:noFill/>
+            </a:ln>
+          </p:spPr>
+          <p:style>
+            <a:lnRef idx="2">
+              <a:schemeClr val="accent1">
+                <a:shade val="15000"/>
+              </a:schemeClr>
+            </a:lnRef>
+            <a:fillRef idx="1">
+              <a:schemeClr val="accent1"/>
+            </a:fillRef>
+            <a:effectRef idx="0">
+              <a:schemeClr val="accent1"/>
+            </a:effectRef>
+            <a:fontRef idx="minor">
+              <a:schemeClr val="lt1"/>
+            </a:fontRef>
+          </p:style>
+          <p:txBody>
+            <a:bodyPr rtlCol="0" anchor="ctr"/>
+            <a:lstStyle/>
+            <a:p>
+              <a:pPr algn="ctr"/>
+              <a:endParaRPr lang="en-US"/>
+            </a:p>
+          </p:txBody>
+        </p:sp>
+        <p:sp>
+          <p:nvSpPr>
+            <p:cNvPr id="49" name="Oval 48">
+              <a:extLst>
+                <a:ext uri="{FF2B5EF4-FFF2-40B4-BE49-F238E27FC236}">
+                  <a16:creationId xmlns:a16="http://schemas.microsoft.com/office/drawing/2014/main" id="{778B4D70-972D-70FF-BEA5-195F970BAEB5}"/>
+                </a:ext>
+              </a:extLst>
+            </p:cNvPr>
+            <p:cNvSpPr/>
+            <p:nvPr/>
+          </p:nvSpPr>
+          <p:spPr>
+            <a:xfrm>
+              <a:off x="4023393" y="4119272"/>
+              <a:ext cx="45719" cy="45719"/>
+            </a:xfrm>
+            <a:prstGeom prst="ellipse">
+              <a:avLst/>
+            </a:prstGeom>
+            <a:solidFill>
+              <a:schemeClr val="accent6">
+                <a:lumMod val="75000"/>
+              </a:schemeClr>
+            </a:solidFill>
+            <a:ln>
+              <a:noFill/>
+            </a:ln>
+          </p:spPr>
+          <p:style>
+            <a:lnRef idx="2">
+              <a:schemeClr val="accent1">
+                <a:shade val="15000"/>
+              </a:schemeClr>
+            </a:lnRef>
+            <a:fillRef idx="1">
+              <a:schemeClr val="accent1"/>
+            </a:fillRef>
+            <a:effectRef idx="0">
+              <a:schemeClr val="accent1"/>
+            </a:effectRef>
+            <a:fontRef idx="minor">
+              <a:schemeClr val="lt1"/>
+            </a:fontRef>
+          </p:style>
+          <p:txBody>
+            <a:bodyPr rtlCol="0" anchor="ctr"/>
+            <a:lstStyle/>
+            <a:p>
+              <a:pPr algn="ctr"/>
+              <a:endParaRPr lang="en-US"/>
+            </a:p>
+          </p:txBody>
+        </p:sp>
+        <p:sp>
+          <p:nvSpPr>
+            <p:cNvPr id="50" name="Oval 49">
+              <a:extLst>
+                <a:ext uri="{FF2B5EF4-FFF2-40B4-BE49-F238E27FC236}">
+                  <a16:creationId xmlns:a16="http://schemas.microsoft.com/office/drawing/2014/main" id="{91BF293D-EC90-1B56-667E-EAB87C543639}"/>
+                </a:ext>
+              </a:extLst>
+            </p:cNvPr>
+            <p:cNvSpPr/>
+            <p:nvPr/>
+          </p:nvSpPr>
+          <p:spPr>
+            <a:xfrm>
+              <a:off x="3723602" y="4125527"/>
+              <a:ext cx="45719" cy="45719"/>
+            </a:xfrm>
+            <a:prstGeom prst="ellipse">
+              <a:avLst/>
+            </a:prstGeom>
+            <a:solidFill>
+              <a:schemeClr val="accent6">
+                <a:lumMod val="75000"/>
+              </a:schemeClr>
+            </a:solidFill>
+            <a:ln>
+              <a:noFill/>
+            </a:ln>
+          </p:spPr>
+          <p:style>
+            <a:lnRef idx="2">
+              <a:schemeClr val="accent1">
+                <a:shade val="15000"/>
+              </a:schemeClr>
+            </a:lnRef>
+            <a:fillRef idx="1">
+              <a:schemeClr val="accent1"/>
+            </a:fillRef>
+            <a:effectRef idx="0">
+              <a:schemeClr val="accent1"/>
+            </a:effectRef>
+            <a:fontRef idx="minor">
+              <a:schemeClr val="lt1"/>
+            </a:fontRef>
+          </p:style>
+          <p:txBody>
+            <a:bodyPr rtlCol="0" anchor="ctr"/>
+            <a:lstStyle/>
+            <a:p>
+              <a:pPr algn="ctr"/>
+              <a:endParaRPr lang="en-US"/>
+            </a:p>
+          </p:txBody>
+        </p:sp>
+        <p:sp>
+          <p:nvSpPr>
+            <p:cNvPr id="51" name="Oval 50">
+              <a:extLst>
+                <a:ext uri="{FF2B5EF4-FFF2-40B4-BE49-F238E27FC236}">
+                  <a16:creationId xmlns:a16="http://schemas.microsoft.com/office/drawing/2014/main" id="{1CF58D5B-F692-25C8-8AC2-0651D7888B72}"/>
+                </a:ext>
+              </a:extLst>
+            </p:cNvPr>
+            <p:cNvSpPr/>
+            <p:nvPr/>
+          </p:nvSpPr>
+          <p:spPr>
+            <a:xfrm>
+              <a:off x="5022446" y="4119271"/>
+              <a:ext cx="45719" cy="45719"/>
+            </a:xfrm>
+            <a:prstGeom prst="ellipse">
+              <a:avLst/>
+            </a:prstGeom>
+            <a:solidFill>
+              <a:schemeClr val="accent6">
+                <a:lumMod val="75000"/>
+              </a:schemeClr>
+            </a:solidFill>
+            <a:ln>
+              <a:noFill/>
+            </a:ln>
+          </p:spPr>
+          <p:style>
+            <a:lnRef idx="2">
+              <a:schemeClr val="accent1">
+                <a:shade val="15000"/>
+              </a:schemeClr>
+            </a:lnRef>
+            <a:fillRef idx="1">
+              <a:schemeClr val="accent1"/>
+            </a:fillRef>
+            <a:effectRef idx="0">
+              <a:schemeClr val="accent1"/>
+            </a:effectRef>
+            <a:fontRef idx="minor">
+              <a:schemeClr val="lt1"/>
+            </a:fontRef>
+          </p:style>
+          <p:txBody>
+            <a:bodyPr rtlCol="0" anchor="ctr"/>
+            <a:lstStyle/>
+            <a:p>
+              <a:pPr algn="ctr"/>
+              <a:endParaRPr lang="en-US"/>
+            </a:p>
+          </p:txBody>
+        </p:sp>
+        <p:sp>
+          <p:nvSpPr>
+            <p:cNvPr id="52" name="Oval 51">
+              <a:extLst>
+                <a:ext uri="{FF2B5EF4-FFF2-40B4-BE49-F238E27FC236}">
+                  <a16:creationId xmlns:a16="http://schemas.microsoft.com/office/drawing/2014/main" id="{8FFA3C59-BE5F-E981-0699-42ECBF72877E}"/>
+                </a:ext>
+              </a:extLst>
+            </p:cNvPr>
+            <p:cNvSpPr/>
+            <p:nvPr/>
+          </p:nvSpPr>
+          <p:spPr>
+            <a:xfrm>
+              <a:off x="5180284" y="4119271"/>
+              <a:ext cx="45719" cy="45719"/>
+            </a:xfrm>
+            <a:prstGeom prst="ellipse">
+              <a:avLst/>
+            </a:prstGeom>
+            <a:solidFill>
+              <a:schemeClr val="accent6">
+                <a:lumMod val="75000"/>
+              </a:schemeClr>
+            </a:solidFill>
+            <a:ln>
+              <a:noFill/>
+            </a:ln>
+          </p:spPr>
+          <p:style>
+            <a:lnRef idx="2">
+              <a:schemeClr val="accent1">
+                <a:shade val="15000"/>
+              </a:schemeClr>
+            </a:lnRef>
+            <a:fillRef idx="1">
+              <a:schemeClr val="accent1"/>
+            </a:fillRef>
+            <a:effectRef idx="0">
+              <a:schemeClr val="accent1"/>
+            </a:effectRef>
+            <a:fontRef idx="minor">
+              <a:schemeClr val="lt1"/>
+            </a:fontRef>
+          </p:style>
+          <p:txBody>
+            <a:bodyPr rtlCol="0" anchor="ctr"/>
+            <a:lstStyle/>
+            <a:p>
+              <a:pPr algn="ctr"/>
+              <a:endParaRPr lang="en-US"/>
+            </a:p>
+          </p:txBody>
+        </p:sp>
+        <p:sp>
+          <p:nvSpPr>
+            <p:cNvPr id="53" name="Oval 52">
+              <a:extLst>
+                <a:ext uri="{FF2B5EF4-FFF2-40B4-BE49-F238E27FC236}">
+                  <a16:creationId xmlns:a16="http://schemas.microsoft.com/office/drawing/2014/main" id="{D069F6B0-BB96-EBA8-DBD3-EA9F10A0C6E0}"/>
+                </a:ext>
+              </a:extLst>
+            </p:cNvPr>
+            <p:cNvSpPr/>
+            <p:nvPr/>
+          </p:nvSpPr>
+          <p:spPr>
+            <a:xfrm>
+              <a:off x="5255398" y="4119270"/>
+              <a:ext cx="45719" cy="45719"/>
+            </a:xfrm>
+            <a:prstGeom prst="ellipse">
+              <a:avLst/>
+            </a:prstGeom>
+            <a:solidFill>
+              <a:schemeClr val="accent6">
+                <a:lumMod val="75000"/>
+              </a:schemeClr>
+            </a:solidFill>
+            <a:ln>
+              <a:noFill/>
+            </a:ln>
+          </p:spPr>
+          <p:style>
+            <a:lnRef idx="2">
+              <a:schemeClr val="accent1">
+                <a:shade val="15000"/>
+              </a:schemeClr>
+            </a:lnRef>
+            <a:fillRef idx="1">
+              <a:schemeClr val="accent1"/>
+            </a:fillRef>
+            <a:effectRef idx="0">
+              <a:schemeClr val="accent1"/>
+            </a:effectRef>
+            <a:fontRef idx="minor">
+              <a:schemeClr val="lt1"/>
+            </a:fontRef>
+          </p:style>
+          <p:txBody>
+            <a:bodyPr rtlCol="0" anchor="ctr"/>
+            <a:lstStyle/>
+            <a:p>
+              <a:pPr algn="ctr"/>
+              <a:endParaRPr lang="en-US"/>
+            </a:p>
+          </p:txBody>
+        </p:sp>
+        <p:sp>
+          <p:nvSpPr>
+            <p:cNvPr id="54" name="Oval 53">
+              <a:extLst>
+                <a:ext uri="{FF2B5EF4-FFF2-40B4-BE49-F238E27FC236}">
+                  <a16:creationId xmlns:a16="http://schemas.microsoft.com/office/drawing/2014/main" id="{E87785F6-26BD-9FFC-7BE6-4AE5EDB19D5B}"/>
+                </a:ext>
+              </a:extLst>
+            </p:cNvPr>
+            <p:cNvSpPr/>
+            <p:nvPr/>
+          </p:nvSpPr>
+          <p:spPr>
+            <a:xfrm>
+              <a:off x="4642281" y="4119269"/>
+              <a:ext cx="45719" cy="45719"/>
+            </a:xfrm>
+            <a:prstGeom prst="ellipse">
+              <a:avLst/>
+            </a:prstGeom>
+            <a:solidFill>
+              <a:schemeClr val="accent6">
+                <a:lumMod val="75000"/>
+              </a:schemeClr>
+            </a:solidFill>
+            <a:ln>
+              <a:noFill/>
+            </a:ln>
+          </p:spPr>
+          <p:style>
+            <a:lnRef idx="2">
+              <a:schemeClr val="accent1">
+                <a:shade val="15000"/>
+              </a:schemeClr>
+            </a:lnRef>
+            <a:fillRef idx="1">
+              <a:schemeClr val="accent1"/>
+            </a:fillRef>
+            <a:effectRef idx="0">
+              <a:schemeClr val="accent1"/>
+            </a:effectRef>
+            <a:fontRef idx="minor">
+              <a:schemeClr val="lt1"/>
+            </a:fontRef>
+          </p:style>
+          <p:txBody>
+            <a:bodyPr rtlCol="0" anchor="ctr"/>
+            <a:lstStyle/>
+            <a:p>
+              <a:pPr algn="ctr"/>
+              <a:endParaRPr lang="en-US"/>
+            </a:p>
+          </p:txBody>
+        </p:sp>
+        <p:sp>
+          <p:nvSpPr>
+            <p:cNvPr id="55" name="Oval 54">
+              <a:extLst>
+                <a:ext uri="{FF2B5EF4-FFF2-40B4-BE49-F238E27FC236}">
+                  <a16:creationId xmlns:a16="http://schemas.microsoft.com/office/drawing/2014/main" id="{511CD95C-D468-37AC-8103-70CBC75B0E3C}"/>
+                </a:ext>
+              </a:extLst>
+            </p:cNvPr>
+            <p:cNvSpPr/>
+            <p:nvPr/>
+          </p:nvSpPr>
+          <p:spPr>
+            <a:xfrm>
+              <a:off x="2528736" y="4119269"/>
+              <a:ext cx="45719" cy="45719"/>
+            </a:xfrm>
+            <a:prstGeom prst="ellipse">
+              <a:avLst/>
+            </a:prstGeom>
+            <a:solidFill>
+              <a:schemeClr val="accent6">
+                <a:lumMod val="75000"/>
+              </a:schemeClr>
+            </a:solidFill>
+            <a:ln>
+              <a:noFill/>
+            </a:ln>
           </p:spPr>
           <p:style>
             <a:lnRef idx="2">
@@ -7681,10 +14086,10 @@
           <mc:Choice xmlns:a14="http://schemas.microsoft.com/office/drawing/2010/main" Requires="a14">
             <p:sp>
               <p:nvSpPr>
-                <p:cNvPr id="79" name="TextBox 78">
+                <p:cNvPr id="57" name="TextBox 56">
                   <a:extLst>
                     <a:ext uri="{FF2B5EF4-FFF2-40B4-BE49-F238E27FC236}">
-                      <a16:creationId xmlns:a16="http://schemas.microsoft.com/office/drawing/2014/main" id="{23866BE3-0C88-8BB3-B9FC-6CC3F9886BFB}"/>
+                      <a16:creationId xmlns:a16="http://schemas.microsoft.com/office/drawing/2014/main" id="{5457894E-A0E7-691A-4288-16BE86926933}"/>
                     </a:ext>
                   </a:extLst>
                 </p:cNvPr>
@@ -7693,350 +14098,8 @@
               </p:nvSpPr>
               <p:spPr>
                 <a:xfrm>
-                  <a:off x="7737948" y="1668177"/>
-                  <a:ext cx="587790" cy="230832"/>
-                </a:xfrm>
-                <a:prstGeom prst="rect">
-                  <a:avLst/>
-                </a:prstGeom>
-                <a:noFill/>
-              </p:spPr>
-              <p:txBody>
-                <a:bodyPr wrap="none" rtlCol="0">
-                  <a:spAutoFit/>
-                </a:bodyPr>
-                <a:lstStyle/>
-                <a:p>
-                  <a:r>
-                    <a:rPr lang="en-US" sz="900" dirty="0"/>
-                    <a:t>buffer </a:t>
-                  </a:r>
-                  <a14:m>
-                    <m:oMath xmlns:m="http://schemas.openxmlformats.org/officeDocument/2006/math">
-                      <m:r>
-                        <a:rPr lang="en-US" sz="900" i="1" smtClean="0">
-                          <a:latin typeface="Cambria Math" panose="02040503050406030204" pitchFamily="18" charset="0"/>
-                          <a:ea typeface="Cambria Math" panose="02040503050406030204" pitchFamily="18" charset="0"/>
-                        </a:rPr>
-                        <m:t>𝒟</m:t>
-                      </m:r>
-                    </m:oMath>
-                  </a14:m>
-                  <a:endParaRPr lang="en-US" sz="900" dirty="0"/>
-                </a:p>
-              </p:txBody>
-            </p:sp>
-          </mc:Choice>
-          <mc:Fallback>
-            <p:sp>
-              <p:nvSpPr>
-                <p:cNvPr id="79" name="TextBox 78">
-                  <a:extLst>
-                    <a:ext uri="{FF2B5EF4-FFF2-40B4-BE49-F238E27FC236}">
-                      <a16:creationId xmlns:a16="http://schemas.microsoft.com/office/drawing/2014/main" id="{23866BE3-0C88-8BB3-B9FC-6CC3F9886BFB}"/>
-                    </a:ext>
-                  </a:extLst>
-                </p:cNvPr>
-                <p:cNvSpPr txBox="1">
-                  <a:spLocks noRot="1" noChangeAspect="1" noMove="1" noResize="1" noEditPoints="1" noAdjustHandles="1" noChangeArrowheads="1" noChangeShapeType="1" noTextEdit="1"/>
-                </p:cNvSpPr>
-                <p:nvPr/>
-              </p:nvSpPr>
-              <p:spPr>
-                <a:xfrm>
-                  <a:off x="7737948" y="1668177"/>
-                  <a:ext cx="587790" cy="230832"/>
-                </a:xfrm>
-                <a:prstGeom prst="rect">
-                  <a:avLst/>
-                </a:prstGeom>
-                <a:blipFill>
-                  <a:blip r:embed="rId24"/>
-                  <a:stretch>
-                    <a:fillRect b="-10526"/>
-                  </a:stretch>
-                </a:blipFill>
-              </p:spPr>
-              <p:txBody>
-                <a:bodyPr/>
-                <a:lstStyle/>
-                <a:p>
-                  <a:r>
-                    <a:rPr lang="en-US">
-                      <a:noFill/>
-                    </a:rPr>
-                    <a:t> </a:t>
-                  </a:r>
-                </a:p>
-              </p:txBody>
-            </p:sp>
-          </mc:Fallback>
-        </mc:AlternateContent>
-      </p:grpSp>
-      <p:cxnSp>
-        <p:nvCxnSpPr>
-          <p:cNvPr id="77" name="Straight Arrow Connector 76">
-            <a:extLst>
-              <a:ext uri="{FF2B5EF4-FFF2-40B4-BE49-F238E27FC236}">
-                <a16:creationId xmlns:a16="http://schemas.microsoft.com/office/drawing/2014/main" id="{AE2F38DA-AB10-233A-58EF-EFDE3039C934}"/>
-              </a:ext>
-            </a:extLst>
-          </p:cNvPr>
-          <p:cNvCxnSpPr>
-            <a:stCxn id="79" idx="2"/>
-            <a:endCxn id="81" idx="0"/>
-          </p:cNvCxnSpPr>
-          <p:nvPr/>
-        </p:nvCxnSpPr>
-        <p:spPr>
-          <a:xfrm flipH="1">
-            <a:off x="8027288" y="4659462"/>
-            <a:ext cx="4555" cy="168208"/>
-          </a:xfrm>
-          <a:prstGeom prst="straightConnector1">
-            <a:avLst/>
-          </a:prstGeom>
-          <a:ln>
-            <a:tailEnd type="triangle" w="sm" len="sm"/>
-          </a:ln>
-        </p:spPr>
-        <p:style>
-          <a:lnRef idx="1">
-            <a:schemeClr val="accent1"/>
-          </a:lnRef>
-          <a:fillRef idx="0">
-            <a:schemeClr val="accent1"/>
-          </a:fillRef>
-          <a:effectRef idx="0">
-            <a:schemeClr val="accent1"/>
-          </a:effectRef>
-          <a:fontRef idx="minor">
-            <a:schemeClr val="tx1"/>
-          </a:fontRef>
-        </p:style>
-      </p:cxnSp>
-      <p:grpSp>
-        <p:nvGrpSpPr>
-          <p:cNvPr id="83" name="Group 82">
-            <a:extLst>
-              <a:ext uri="{FF2B5EF4-FFF2-40B4-BE49-F238E27FC236}">
-                <a16:creationId xmlns:a16="http://schemas.microsoft.com/office/drawing/2014/main" id="{802BAF96-6F9D-89A0-34F2-74193A9FDDC5}"/>
-              </a:ext>
-            </a:extLst>
-          </p:cNvPr>
-          <p:cNvGrpSpPr/>
-          <p:nvPr/>
-        </p:nvGrpSpPr>
-        <p:grpSpPr>
-          <a:xfrm>
-            <a:off x="8608301" y="4138902"/>
-            <a:ext cx="1793875" cy="1369799"/>
-            <a:chOff x="5652400" y="4149808"/>
-            <a:chExt cx="1793875" cy="1369799"/>
-          </a:xfrm>
-        </p:grpSpPr>
-        <p:sp>
-          <p:nvSpPr>
-            <p:cNvPr id="84" name="Rounded Rectangle 83">
-              <a:extLst>
-                <a:ext uri="{FF2B5EF4-FFF2-40B4-BE49-F238E27FC236}">
-                  <a16:creationId xmlns:a16="http://schemas.microsoft.com/office/drawing/2014/main" id="{8F987496-C414-CE0B-6789-AF54CFE593C4}"/>
-                </a:ext>
-              </a:extLst>
-            </p:cNvPr>
-            <p:cNvSpPr/>
-            <p:nvPr/>
-          </p:nvSpPr>
-          <p:spPr>
-            <a:xfrm>
-              <a:off x="5652400" y="4149808"/>
-              <a:ext cx="1793875" cy="1355725"/>
-            </a:xfrm>
-            <a:prstGeom prst="roundRect">
-              <a:avLst/>
-            </a:prstGeom>
-            <a:solidFill>
-              <a:schemeClr val="accent1">
-                <a:alpha val="3250"/>
-              </a:schemeClr>
-            </a:solidFill>
-            <a:ln w="6350"/>
-          </p:spPr>
-          <p:style>
-            <a:lnRef idx="2">
-              <a:schemeClr val="accent1">
-                <a:shade val="15000"/>
-              </a:schemeClr>
-            </a:lnRef>
-            <a:fillRef idx="1">
-              <a:schemeClr val="accent1"/>
-            </a:fillRef>
-            <a:effectRef idx="0">
-              <a:schemeClr val="accent1"/>
-            </a:effectRef>
-            <a:fontRef idx="minor">
-              <a:schemeClr val="lt1"/>
-            </a:fontRef>
-          </p:style>
-          <p:txBody>
-            <a:bodyPr rtlCol="0" anchor="ctr"/>
-            <a:lstStyle/>
-            <a:p>
-              <a:pPr algn="ctr"/>
-              <a:endParaRPr lang="en-US" sz="900" dirty="0"/>
-            </a:p>
-          </p:txBody>
-        </p:sp>
-        <p:sp>
-          <p:nvSpPr>
-            <p:cNvPr id="85" name="Rectangle 84">
-              <a:extLst>
-                <a:ext uri="{FF2B5EF4-FFF2-40B4-BE49-F238E27FC236}">
-                  <a16:creationId xmlns:a16="http://schemas.microsoft.com/office/drawing/2014/main" id="{E85DBD68-555A-C762-17F3-921E02DA041C}"/>
-                </a:ext>
-              </a:extLst>
-            </p:cNvPr>
-            <p:cNvSpPr/>
-            <p:nvPr/>
-          </p:nvSpPr>
-          <p:spPr>
-            <a:xfrm>
-              <a:off x="5798449" y="4575258"/>
-              <a:ext cx="1041401" cy="469900"/>
-            </a:xfrm>
-            <a:prstGeom prst="rect">
-              <a:avLst/>
-            </a:prstGeom>
-            <a:solidFill>
-              <a:schemeClr val="accent1">
-                <a:alpha val="18000"/>
-              </a:schemeClr>
-            </a:solidFill>
-            <a:ln w="6350"/>
-          </p:spPr>
-          <p:style>
-            <a:lnRef idx="2">
-              <a:schemeClr val="accent1">
-                <a:shade val="15000"/>
-              </a:schemeClr>
-            </a:lnRef>
-            <a:fillRef idx="1">
-              <a:schemeClr val="accent1"/>
-            </a:fillRef>
-            <a:effectRef idx="0">
-              <a:schemeClr val="accent1"/>
-            </a:effectRef>
-            <a:fontRef idx="minor">
-              <a:schemeClr val="lt1"/>
-            </a:fontRef>
-          </p:style>
-          <p:txBody>
-            <a:bodyPr rtlCol="0" anchor="ctr"/>
-            <a:lstStyle/>
-            <a:p>
-              <a:pPr algn="ctr"/>
-              <a:endParaRPr lang="en-US"/>
-            </a:p>
-          </p:txBody>
-        </p:sp>
-        <p:sp>
-          <p:nvSpPr>
-            <p:cNvPr id="86" name="TextBox 85">
-              <a:extLst>
-                <a:ext uri="{FF2B5EF4-FFF2-40B4-BE49-F238E27FC236}">
-                  <a16:creationId xmlns:a16="http://schemas.microsoft.com/office/drawing/2014/main" id="{A87AD1A5-F093-0B74-730B-D706ECBFDD2B}"/>
-                </a:ext>
-              </a:extLst>
-            </p:cNvPr>
-            <p:cNvSpPr txBox="1"/>
-            <p:nvPr/>
-          </p:nvSpPr>
-          <p:spPr>
-            <a:xfrm>
-              <a:off x="5933841" y="4681402"/>
-              <a:ext cx="793807" cy="230832"/>
-            </a:xfrm>
-            <a:prstGeom prst="rect">
-              <a:avLst/>
-            </a:prstGeom>
-            <a:noFill/>
-          </p:spPr>
-          <p:txBody>
-            <a:bodyPr wrap="none" rtlCol="0">
-              <a:spAutoFit/>
-            </a:bodyPr>
-            <a:lstStyle/>
-            <a:p>
-              <a:r>
-                <a:rPr lang="en-US" sz="900" dirty="0"/>
-                <a:t>Environment</a:t>
-              </a:r>
-            </a:p>
-          </p:txBody>
-        </p:sp>
-        <p:cxnSp>
-          <p:nvCxnSpPr>
-            <p:cNvPr id="87" name="Elbow Connector 86">
-              <a:extLst>
-                <a:ext uri="{FF2B5EF4-FFF2-40B4-BE49-F238E27FC236}">
-                  <a16:creationId xmlns:a16="http://schemas.microsoft.com/office/drawing/2014/main" id="{799A3D70-EAF6-020D-D468-11024FF36A63}"/>
-                </a:ext>
-              </a:extLst>
-            </p:cNvPr>
-            <p:cNvCxnSpPr>
-              <a:cxnSpLocks/>
-              <a:stCxn id="85" idx="0"/>
-            </p:cNvCxnSpPr>
-            <p:nvPr/>
-          </p:nvCxnSpPr>
-          <p:spPr>
-            <a:xfrm rot="16200000" flipH="1">
-              <a:off x="6705817" y="4188591"/>
-              <a:ext cx="106144" cy="879478"/>
-            </a:xfrm>
-            <a:prstGeom prst="bentConnector4">
-              <a:avLst>
-                <a:gd name="adj1" fmla="val -215368"/>
-                <a:gd name="adj2" fmla="val 100181"/>
-              </a:avLst>
-            </a:prstGeom>
-            <a:ln>
-              <a:tailEnd type="triangle" w="sm" len="sm"/>
-            </a:ln>
-          </p:spPr>
-          <p:style>
-            <a:lnRef idx="1">
-              <a:schemeClr val="accent1"/>
-            </a:lnRef>
-            <a:fillRef idx="0">
-              <a:schemeClr val="accent1"/>
-            </a:fillRef>
-            <a:effectRef idx="0">
-              <a:schemeClr val="accent1"/>
-            </a:effectRef>
-            <a:fontRef idx="minor">
-              <a:schemeClr val="tx1"/>
-            </a:fontRef>
-          </p:style>
-        </p:cxnSp>
-        <mc:AlternateContent xmlns:mc="http://schemas.openxmlformats.org/markup-compatibility/2006">
-          <mc:Choice xmlns:a14="http://schemas.microsoft.com/office/drawing/2010/main" Requires="a14">
-            <p:sp>
-              <p:nvSpPr>
-                <p:cNvPr id="88" name="TextBox 87">
-                  <a:extLst>
-                    <a:ext uri="{FF2B5EF4-FFF2-40B4-BE49-F238E27FC236}">
-                      <a16:creationId xmlns:a16="http://schemas.microsoft.com/office/drawing/2014/main" id="{371C1E54-C020-A8A1-2A92-D5C21116F97C}"/>
-                    </a:ext>
-                  </a:extLst>
-                </p:cNvPr>
-                <p:cNvSpPr txBox="1"/>
-                <p:nvPr/>
-              </p:nvSpPr>
-              <p:spPr>
-                <a:xfrm>
-                  <a:off x="7035523" y="4670973"/>
-                  <a:ext cx="281744" cy="230832"/>
+                  <a:off x="3460229" y="2032000"/>
+                  <a:ext cx="1170833" cy="297838"/>
                 </a:xfrm>
                 <a:prstGeom prst="rect">
                   <a:avLst/>
@@ -8055,13 +14118,141 @@
                         <m:jc m:val="centerGroup"/>
                       </m:oMathParaPr>
                       <m:oMath xmlns:m="http://schemas.openxmlformats.org/officeDocument/2006/math">
+                        <m:sSup>
+                          <m:sSupPr>
+                            <m:ctrlPr>
+                              <a:rPr lang="en-US" sz="900" i="1" smtClean="0">
+                                <a:latin typeface="Cambria Math" panose="02040503050406030204" pitchFamily="18" charset="0"/>
+                              </a:rPr>
+                            </m:ctrlPr>
+                          </m:sSupPr>
+                          <m:e>
+                            <m:r>
+                              <a:rPr lang="en-US" sz="900" b="0" i="1" smtClean="0">
+                                <a:latin typeface="Cambria Math" panose="02040503050406030204" pitchFamily="18" charset="0"/>
+                              </a:rPr>
+                              <m:t>𝑎</m:t>
+                            </m:r>
+                          </m:e>
+                          <m:sup>
+                            <m:r>
+                              <a:rPr lang="en-US" sz="900" b="0" i="1" smtClean="0">
+                                <a:latin typeface="Cambria Math" panose="02040503050406030204" pitchFamily="18" charset="0"/>
+                              </a:rPr>
+                              <m:t>∗</m:t>
+                            </m:r>
+                          </m:sup>
+                        </m:sSup>
                         <m:r>
-                          <a:rPr lang="en-US" sz="900" i="1" smtClean="0">
+                          <a:rPr lang="en-US" sz="900" b="0" i="0" smtClean="0">
                             <a:latin typeface="Cambria Math" panose="02040503050406030204" pitchFamily="18" charset="0"/>
-                            <a:ea typeface="Cambria Math" panose="02040503050406030204" pitchFamily="18" charset="0"/>
                           </a:rPr>
-                          <m:t>𝜋</m:t>
+                          <m:t>=</m:t>
                         </m:r>
+                        <m:func>
+                          <m:funcPr>
+                            <m:ctrlPr>
+                              <a:rPr lang="en-US" sz="900" b="0" i="1" smtClean="0">
+                                <a:latin typeface="Cambria Math" panose="02040503050406030204" pitchFamily="18" charset="0"/>
+                              </a:rPr>
+                            </m:ctrlPr>
+                          </m:funcPr>
+                          <m:fName>
+                            <m:limLow>
+                              <m:limLowPr>
+                                <m:ctrlPr>
+                                  <a:rPr lang="en-US" sz="900" b="0" i="1" smtClean="0">
+                                    <a:latin typeface="Cambria Math" panose="02040503050406030204" pitchFamily="18" charset="0"/>
+                                  </a:rPr>
+                                </m:ctrlPr>
+                              </m:limLowPr>
+                              <m:e>
+                                <m:r>
+                                  <m:rPr>
+                                    <m:sty m:val="p"/>
+                                  </m:rPr>
+                                  <a:rPr lang="en-US" sz="900" b="0" i="0" smtClean="0">
+                                    <a:latin typeface="Cambria Math" panose="02040503050406030204" pitchFamily="18" charset="0"/>
+                                  </a:rPr>
+                                  <m:t>arg</m:t>
+                                </m:r>
+                                <m:r>
+                                  <m:rPr>
+                                    <m:sty m:val="p"/>
+                                  </m:rPr>
+                                  <a:rPr lang="en-US" sz="900" b="0" i="0" smtClean="0">
+                                    <a:latin typeface="Cambria Math" panose="02040503050406030204" pitchFamily="18" charset="0"/>
+                                  </a:rPr>
+                                  <m:t>max</m:t>
+                                </m:r>
+                              </m:e>
+                              <m:lim>
+                                <m:r>
+                                  <a:rPr lang="en-US" sz="900" b="0" i="1" smtClean="0">
+                                    <a:latin typeface="Cambria Math" panose="02040503050406030204" pitchFamily="18" charset="0"/>
+                                  </a:rPr>
+                                  <m:t>𝑎</m:t>
+                                </m:r>
+                              </m:lim>
+                            </m:limLow>
+                          </m:fName>
+                          <m:e>
+                            <m:sSub>
+                              <m:sSubPr>
+                                <m:ctrlPr>
+                                  <a:rPr lang="en-US" sz="900" b="0" i="1" smtClean="0">
+                                    <a:latin typeface="Cambria Math" panose="02040503050406030204" pitchFamily="18" charset="0"/>
+                                  </a:rPr>
+                                </m:ctrlPr>
+                              </m:sSubPr>
+                              <m:e>
+                                <m:acc>
+                                  <m:accPr>
+                                    <m:chr m:val="̂"/>
+                                    <m:ctrlPr>
+                                      <a:rPr lang="en-US" sz="900" b="0" i="1" smtClean="0">
+                                        <a:latin typeface="Cambria Math" panose="02040503050406030204" pitchFamily="18" charset="0"/>
+                                      </a:rPr>
+                                    </m:ctrlPr>
+                                  </m:accPr>
+                                  <m:e>
+                                    <m:r>
+                                      <a:rPr lang="en-US" sz="900" b="0" i="1" smtClean="0">
+                                        <a:latin typeface="Cambria Math" panose="02040503050406030204" pitchFamily="18" charset="0"/>
+                                      </a:rPr>
+                                      <m:t>𝑞</m:t>
+                                    </m:r>
+                                  </m:e>
+                                </m:acc>
+                              </m:e>
+                              <m:sub>
+                                <m:r>
+                                  <a:rPr lang="en-US" sz="900" b="0" i="1" smtClean="0">
+                                    <a:latin typeface="Cambria Math" panose="02040503050406030204" pitchFamily="18" charset="0"/>
+                                  </a:rPr>
+                                  <m:t>𝑠</m:t>
+                                </m:r>
+                              </m:sub>
+                            </m:sSub>
+                            <m:d>
+                              <m:dPr>
+                                <m:ctrlPr>
+                                  <a:rPr lang="en-US" sz="900" b="0" i="1" smtClean="0">
+                                    <a:latin typeface="Cambria Math" panose="02040503050406030204" pitchFamily="18" charset="0"/>
+                                  </a:rPr>
+                                </m:ctrlPr>
+                              </m:dPr>
+                              <m:e>
+                                <m:r>
+                                  <a:rPr lang="en-US" sz="900" b="0" i="1" smtClean="0">
+                                    <a:latin typeface="Cambria Math" panose="02040503050406030204" pitchFamily="18" charset="0"/>
+                                  </a:rPr>
+                                  <m:t>𝑎</m:t>
+                                </m:r>
+                              </m:e>
+                            </m:d>
+                          </m:e>
+                        </m:func>
                       </m:oMath>
                     </m:oMathPara>
                   </a14:m>
@@ -8073,10 +14264,10 @@
           <mc:Fallback>
             <p:sp>
               <p:nvSpPr>
-                <p:cNvPr id="88" name="TextBox 87">
+                <p:cNvPr id="57" name="TextBox 56">
                   <a:extLst>
                     <a:ext uri="{FF2B5EF4-FFF2-40B4-BE49-F238E27FC236}">
-                      <a16:creationId xmlns:a16="http://schemas.microsoft.com/office/drawing/2014/main" id="{371C1E54-C020-A8A1-2A92-D5C21116F97C}"/>
+                      <a16:creationId xmlns:a16="http://schemas.microsoft.com/office/drawing/2014/main" id="{5457894E-A0E7-691A-4288-16BE86926933}"/>
                     </a:ext>
                   </a:extLst>
                 </p:cNvPr>
@@ -8087,14 +14278,14 @@
               </p:nvSpPr>
               <p:spPr>
                 <a:xfrm>
-                  <a:off x="7035523" y="4670973"/>
-                  <a:ext cx="281744" cy="230832"/>
+                  <a:off x="3460229" y="2032000"/>
+                  <a:ext cx="1170833" cy="297838"/>
                 </a:xfrm>
                 <a:prstGeom prst="rect">
                   <a:avLst/>
                 </a:prstGeom>
                 <a:blipFill>
-                  <a:blip r:embed="rId25"/>
+                  <a:blip r:embed="rId4"/>
                   <a:stretch>
                     <a:fillRect/>
                   </a:stretch>
@@ -8117,31 +14308,31 @@
         </mc:AlternateContent>
         <p:cxnSp>
           <p:nvCxnSpPr>
-            <p:cNvPr id="89" name="Elbow Connector 88">
+            <p:cNvPr id="59" name="Straight Connector 58">
               <a:extLst>
                 <a:ext uri="{FF2B5EF4-FFF2-40B4-BE49-F238E27FC236}">
-                  <a16:creationId xmlns:a16="http://schemas.microsoft.com/office/drawing/2014/main" id="{DC752D7E-6F61-43CD-30DE-443CC844C474}"/>
+                  <a16:creationId xmlns:a16="http://schemas.microsoft.com/office/drawing/2014/main" id="{2F1CBCE1-B8B7-AD33-D868-8149984241E2}"/>
                 </a:ext>
               </a:extLst>
             </p:cNvPr>
             <p:cNvCxnSpPr>
-              <a:endCxn id="85" idx="2"/>
+              <a:cxnSpLocks/>
             </p:cNvCxnSpPr>
             <p:nvPr/>
           </p:nvCxnSpPr>
           <p:spPr>
-            <a:xfrm rot="10800000" flipV="1">
-              <a:off x="6319150" y="4940382"/>
-              <a:ext cx="879478" cy="104775"/>
+            <a:xfrm>
+              <a:off x="4443915" y="2706067"/>
+              <a:ext cx="0" cy="1536480"/>
             </a:xfrm>
-            <a:prstGeom prst="bentConnector4">
-              <a:avLst>
-                <a:gd name="adj1" fmla="val -181"/>
-                <a:gd name="adj2" fmla="val 372727"/>
-              </a:avLst>
+            <a:prstGeom prst="line">
+              <a:avLst/>
             </a:prstGeom>
             <a:ln>
-              <a:tailEnd type="triangle"/>
+              <a:solidFill>
+                <a:schemeClr val="accent2"/>
+              </a:solidFill>
+              <a:prstDash val="dash"/>
             </a:ln>
           </p:spPr>
           <p:style>
@@ -8159,331 +14350,11 @@
             </a:fontRef>
           </p:style>
         </p:cxnSp>
-        <mc:AlternateContent xmlns:mc="http://schemas.openxmlformats.org/markup-compatibility/2006">
-          <mc:Choice xmlns:a14="http://schemas.microsoft.com/office/drawing/2010/main" Requires="a14">
-            <p:sp>
-              <p:nvSpPr>
-                <p:cNvPr id="90" name="TextBox 89">
-                  <a:extLst>
-                    <a:ext uri="{FF2B5EF4-FFF2-40B4-BE49-F238E27FC236}">
-                      <a16:creationId xmlns:a16="http://schemas.microsoft.com/office/drawing/2014/main" id="{417967B7-1E34-12E0-CB91-3C7715769802}"/>
-                    </a:ext>
-                  </a:extLst>
-                </p:cNvPr>
-                <p:cNvSpPr txBox="1"/>
-                <p:nvPr/>
-              </p:nvSpPr>
-              <p:spPr>
-                <a:xfrm>
-                  <a:off x="6589020" y="5106851"/>
-                  <a:ext cx="277255" cy="230832"/>
-                </a:xfrm>
-                <a:prstGeom prst="rect">
-                  <a:avLst/>
-                </a:prstGeom>
-                <a:noFill/>
-              </p:spPr>
-              <p:txBody>
-                <a:bodyPr wrap="none" rtlCol="0">
-                  <a:spAutoFit/>
-                </a:bodyPr>
-                <a:lstStyle/>
-                <a:p>
-                  <a14:m>
-                    <m:oMathPara xmlns:m="http://schemas.openxmlformats.org/officeDocument/2006/math">
-                      <m:oMathParaPr>
-                        <m:jc m:val="centerGroup"/>
-                      </m:oMathParaPr>
-                      <m:oMath xmlns:m="http://schemas.openxmlformats.org/officeDocument/2006/math">
-                        <m:r>
-                          <a:rPr lang="en-US" sz="900" i="1" dirty="0" smtClean="0">
-                            <a:latin typeface="Cambria Math" panose="02040503050406030204" pitchFamily="18" charset="0"/>
-                          </a:rPr>
-                          <m:t>𝑎</m:t>
-                        </m:r>
-                      </m:oMath>
-                    </m:oMathPara>
-                  </a14:m>
-                  <a:endParaRPr lang="en-US" sz="900" dirty="0"/>
-                </a:p>
-              </p:txBody>
-            </p:sp>
-          </mc:Choice>
-          <mc:Fallback>
-            <p:sp>
-              <p:nvSpPr>
-                <p:cNvPr id="90" name="TextBox 89">
-                  <a:extLst>
-                    <a:ext uri="{FF2B5EF4-FFF2-40B4-BE49-F238E27FC236}">
-                      <a16:creationId xmlns:a16="http://schemas.microsoft.com/office/drawing/2014/main" id="{417967B7-1E34-12E0-CB91-3C7715769802}"/>
-                    </a:ext>
-                  </a:extLst>
-                </p:cNvPr>
-                <p:cNvSpPr txBox="1">
-                  <a:spLocks noRot="1" noChangeAspect="1" noMove="1" noResize="1" noEditPoints="1" noAdjustHandles="1" noChangeArrowheads="1" noChangeShapeType="1" noTextEdit="1"/>
-                </p:cNvSpPr>
-                <p:nvPr/>
-              </p:nvSpPr>
-              <p:spPr>
-                <a:xfrm>
-                  <a:off x="6589020" y="5106851"/>
-                  <a:ext cx="277255" cy="230832"/>
-                </a:xfrm>
-                <a:prstGeom prst="rect">
-                  <a:avLst/>
-                </a:prstGeom>
-                <a:blipFill>
-                  <a:blip r:embed="rId26"/>
-                  <a:stretch>
-                    <a:fillRect/>
-                  </a:stretch>
-                </a:blipFill>
-              </p:spPr>
-              <p:txBody>
-                <a:bodyPr/>
-                <a:lstStyle/>
-                <a:p>
-                  <a:r>
-                    <a:rPr lang="en-US">
-                      <a:noFill/>
-                    </a:rPr>
-                    <a:t> </a:t>
-                  </a:r>
-                </a:p>
-              </p:txBody>
-            </p:sp>
-          </mc:Fallback>
-        </mc:AlternateContent>
-        <mc:AlternateContent xmlns:mc="http://schemas.openxmlformats.org/markup-compatibility/2006">
-          <mc:Choice xmlns:a14="http://schemas.microsoft.com/office/drawing/2010/main" Requires="a14">
-            <p:sp>
-              <p:nvSpPr>
-                <p:cNvPr id="91" name="TextBox 90">
-                  <a:extLst>
-                    <a:ext uri="{FF2B5EF4-FFF2-40B4-BE49-F238E27FC236}">
-                      <a16:creationId xmlns:a16="http://schemas.microsoft.com/office/drawing/2014/main" id="{0E7C36B2-2622-CCCC-C5C1-5AA530D2F35D}"/>
-                    </a:ext>
-                  </a:extLst>
-                </p:cNvPr>
-                <p:cNvSpPr txBox="1"/>
-                <p:nvPr/>
-              </p:nvSpPr>
-              <p:spPr>
-                <a:xfrm>
-                  <a:off x="6620260" y="4320677"/>
-                  <a:ext cx="365934" cy="230832"/>
-                </a:xfrm>
-                <a:prstGeom prst="rect">
-                  <a:avLst/>
-                </a:prstGeom>
-                <a:noFill/>
-              </p:spPr>
-              <p:txBody>
-                <a:bodyPr wrap="none" rtlCol="0">
-                  <a:spAutoFit/>
-                </a:bodyPr>
-                <a:lstStyle/>
-                <a:p>
-                  <a14:m>
-                    <m:oMathPara xmlns:m="http://schemas.openxmlformats.org/officeDocument/2006/math">
-                      <m:oMathParaPr>
-                        <m:jc m:val="centerGroup"/>
-                      </m:oMathParaPr>
-                      <m:oMath xmlns:m="http://schemas.openxmlformats.org/officeDocument/2006/math">
-                        <m:r>
-                          <a:rPr lang="en-US" sz="900" b="0" i="1" smtClean="0">
-                            <a:latin typeface="Cambria Math" panose="02040503050406030204" pitchFamily="18" charset="0"/>
-                          </a:rPr>
-                          <m:t>𝑠</m:t>
-                        </m:r>
-                        <m:r>
-                          <a:rPr lang="en-US" sz="900" b="0" i="1" smtClean="0">
-                            <a:latin typeface="Cambria Math" panose="02040503050406030204" pitchFamily="18" charset="0"/>
-                          </a:rPr>
-                          <m:t>,</m:t>
-                        </m:r>
-                        <m:r>
-                          <a:rPr lang="en-US" sz="900" b="0" i="1" smtClean="0">
-                            <a:latin typeface="Cambria Math" panose="02040503050406030204" pitchFamily="18" charset="0"/>
-                          </a:rPr>
-                          <m:t>𝑟</m:t>
-                        </m:r>
-                      </m:oMath>
-                    </m:oMathPara>
-                  </a14:m>
-                  <a:endParaRPr lang="en-US" sz="900" dirty="0"/>
-                </a:p>
-              </p:txBody>
-            </p:sp>
-          </mc:Choice>
-          <mc:Fallback>
-            <p:sp>
-              <p:nvSpPr>
-                <p:cNvPr id="91" name="TextBox 90">
-                  <a:extLst>
-                    <a:ext uri="{FF2B5EF4-FFF2-40B4-BE49-F238E27FC236}">
-                      <a16:creationId xmlns:a16="http://schemas.microsoft.com/office/drawing/2014/main" id="{0E7C36B2-2622-CCCC-C5C1-5AA530D2F35D}"/>
-                    </a:ext>
-                  </a:extLst>
-                </p:cNvPr>
-                <p:cNvSpPr txBox="1">
-                  <a:spLocks noRot="1" noChangeAspect="1" noMove="1" noResize="1" noEditPoints="1" noAdjustHandles="1" noChangeArrowheads="1" noChangeShapeType="1" noTextEdit="1"/>
-                </p:cNvSpPr>
-                <p:nvPr/>
-              </p:nvSpPr>
-              <p:spPr>
-                <a:xfrm>
-                  <a:off x="6620260" y="4320677"/>
-                  <a:ext cx="365934" cy="230832"/>
-                </a:xfrm>
-                <a:prstGeom prst="rect">
-                  <a:avLst/>
-                </a:prstGeom>
-                <a:blipFill>
-                  <a:blip r:embed="rId27"/>
-                  <a:stretch>
-                    <a:fillRect/>
-                  </a:stretch>
-                </a:blipFill>
-              </p:spPr>
-              <p:txBody>
-                <a:bodyPr/>
-                <a:lstStyle/>
-                <a:p>
-                  <a:r>
-                    <a:rPr lang="en-US">
-                      <a:noFill/>
-                    </a:rPr>
-                    <a:t> </a:t>
-                  </a:r>
-                </a:p>
-              </p:txBody>
-            </p:sp>
-          </mc:Fallback>
-        </mc:AlternateContent>
-        <mc:AlternateContent xmlns:mc="http://schemas.openxmlformats.org/markup-compatibility/2006">
-          <mc:Choice xmlns:a14="http://schemas.microsoft.com/office/drawing/2010/main" Requires="a14">
-            <p:sp>
-              <p:nvSpPr>
-                <p:cNvPr id="92" name="TextBox 91">
-                  <a:extLst>
-                    <a:ext uri="{FF2B5EF4-FFF2-40B4-BE49-F238E27FC236}">
-                      <a16:creationId xmlns:a16="http://schemas.microsoft.com/office/drawing/2014/main" id="{3B620F36-13CD-F3CF-26D5-66FD409FCB36}"/>
-                    </a:ext>
-                  </a:extLst>
-                </p:cNvPr>
-                <p:cNvSpPr txBox="1"/>
-                <p:nvPr/>
-              </p:nvSpPr>
-              <p:spPr>
-                <a:xfrm>
-                  <a:off x="6396449" y="5288775"/>
-                  <a:ext cx="724878" cy="230832"/>
-                </a:xfrm>
-                <a:prstGeom prst="rect">
-                  <a:avLst/>
-                </a:prstGeom>
-                <a:noFill/>
-              </p:spPr>
-              <p:txBody>
-                <a:bodyPr wrap="none" rtlCol="0">
-                  <a:spAutoFit/>
-                </a:bodyPr>
-                <a:lstStyle/>
-                <a:p>
-                  <a14:m>
-                    <m:oMathPara xmlns:m="http://schemas.openxmlformats.org/officeDocument/2006/math">
-                      <m:oMathParaPr>
-                        <m:jc m:val="centerGroup"/>
-                      </m:oMathParaPr>
-                      <m:oMath xmlns:m="http://schemas.openxmlformats.org/officeDocument/2006/math">
-                        <m:r>
-                          <a:rPr lang="en-US" sz="900" i="1" smtClean="0">
-                            <a:latin typeface="Cambria Math" panose="02040503050406030204" pitchFamily="18" charset="0"/>
-                          </a:rPr>
-                          <m:t>𝑟</m:t>
-                        </m:r>
-                        <m:r>
-                          <a:rPr lang="en-US" sz="900" b="0" i="1" smtClean="0">
-                            <a:latin typeface="Cambria Math" panose="02040503050406030204" pitchFamily="18" charset="0"/>
-                          </a:rPr>
-                          <m:t>𝑜𝑙𝑙𝑜𝑢𝑡</m:t>
-                        </m:r>
-                        <m:d>
-                          <m:dPr>
-                            <m:ctrlPr>
-                              <a:rPr lang="en-US" sz="900" b="0" i="1" smtClean="0">
-                                <a:latin typeface="Cambria Math" panose="02040503050406030204" pitchFamily="18" charset="0"/>
-                              </a:rPr>
-                            </m:ctrlPr>
-                          </m:dPr>
-                          <m:e>
-                            <m:r>
-                              <a:rPr lang="en-US" sz="900" b="0" i="1" smtClean="0">
-                                <a:latin typeface="Cambria Math" panose="02040503050406030204" pitchFamily="18" charset="0"/>
-                              </a:rPr>
-                              <m:t>𝑠</m:t>
-                            </m:r>
-                          </m:e>
-                        </m:d>
-                      </m:oMath>
-                    </m:oMathPara>
-                  </a14:m>
-                  <a:endParaRPr lang="en-US" sz="900" dirty="0"/>
-                </a:p>
-              </p:txBody>
-            </p:sp>
-          </mc:Choice>
-          <mc:Fallback>
-            <p:sp>
-              <p:nvSpPr>
-                <p:cNvPr id="92" name="TextBox 91">
-                  <a:extLst>
-                    <a:ext uri="{FF2B5EF4-FFF2-40B4-BE49-F238E27FC236}">
-                      <a16:creationId xmlns:a16="http://schemas.microsoft.com/office/drawing/2014/main" id="{3B620F36-13CD-F3CF-26D5-66FD409FCB36}"/>
-                    </a:ext>
-                  </a:extLst>
-                </p:cNvPr>
-                <p:cNvSpPr txBox="1">
-                  <a:spLocks noRot="1" noChangeAspect="1" noMove="1" noResize="1" noEditPoints="1" noAdjustHandles="1" noChangeArrowheads="1" noChangeShapeType="1" noTextEdit="1"/>
-                </p:cNvSpPr>
-                <p:nvPr/>
-              </p:nvSpPr>
-              <p:spPr>
-                <a:xfrm>
-                  <a:off x="6396449" y="5288775"/>
-                  <a:ext cx="724878" cy="230832"/>
-                </a:xfrm>
-                <a:prstGeom prst="rect">
-                  <a:avLst/>
-                </a:prstGeom>
-                <a:blipFill>
-                  <a:blip r:embed="rId28"/>
-                  <a:stretch>
-                    <a:fillRect/>
-                  </a:stretch>
-                </a:blipFill>
-              </p:spPr>
-              <p:txBody>
-                <a:bodyPr/>
-                <a:lstStyle/>
-                <a:p>
-                  <a:r>
-                    <a:rPr lang="en-US">
-                      <a:noFill/>
-                    </a:rPr>
-                    <a:t> </a:t>
-                  </a:r>
-                </a:p>
-              </p:txBody>
-            </p:sp>
-          </mc:Fallback>
-        </mc:AlternateContent>
       </p:grpSp>
     </p:spTree>
     <p:extLst>
       <p:ext uri="{BB962C8B-B14F-4D97-AF65-F5344CB8AC3E}">
-        <p14:creationId xmlns:p14="http://schemas.microsoft.com/office/powerpoint/2010/main" val="2418720799"/>
+        <p14:creationId xmlns:p14="http://schemas.microsoft.com/office/powerpoint/2010/main" val="256921525"/>
       </p:ext>
     </p:extLst>
   </p:cSld>
